--- a/slides/increment02-use-case-analysis.pptx
+++ b/slides/increment02-use-case-analysis.pptx
@@ -5,23 +5,26 @@
     <p:sldMasterId id="2147483648" r:id="rId1"/>
   </p:sldMasterIdLst>
   <p:notesMasterIdLst>
-    <p:notesMasterId r:id="rId16"/>
+    <p:notesMasterId r:id="rId19"/>
   </p:notesMasterIdLst>
   <p:sldIdLst>
-    <p:sldId id="256" r:id="rId2"/>
+    <p:sldId id="277" r:id="rId2"/>
     <p:sldId id="257" r:id="rId3"/>
-    <p:sldId id="259" r:id="rId4"/>
-    <p:sldId id="269" r:id="rId5"/>
-    <p:sldId id="260" r:id="rId6"/>
-    <p:sldId id="267" r:id="rId7"/>
-    <p:sldId id="270" r:id="rId8"/>
-    <p:sldId id="275" r:id="rId9"/>
-    <p:sldId id="276" r:id="rId10"/>
-    <p:sldId id="271" r:id="rId11"/>
-    <p:sldId id="272" r:id="rId12"/>
-    <p:sldId id="273" r:id="rId13"/>
-    <p:sldId id="274" r:id="rId14"/>
-    <p:sldId id="268" r:id="rId15"/>
+    <p:sldId id="278" r:id="rId4"/>
+    <p:sldId id="279" r:id="rId5"/>
+    <p:sldId id="269" r:id="rId6"/>
+    <p:sldId id="260" r:id="rId7"/>
+    <p:sldId id="267" r:id="rId8"/>
+    <p:sldId id="281" r:id="rId9"/>
+    <p:sldId id="270" r:id="rId10"/>
+    <p:sldId id="275" r:id="rId11"/>
+    <p:sldId id="280" r:id="rId12"/>
+    <p:sldId id="276" r:id="rId13"/>
+    <p:sldId id="271" r:id="rId14"/>
+    <p:sldId id="272" r:id="rId15"/>
+    <p:sldId id="273" r:id="rId16"/>
+    <p:sldId id="274" r:id="rId17"/>
+    <p:sldId id="268" r:id="rId18"/>
   </p:sldIdLst>
   <p:sldSz cx="12192000" cy="6858000"/>
   <p:notesSz cx="6858000" cy="9144000"/>
@@ -128,6 +131,374 @@
 </p:presentation>
 </file>
 
+<file path=ppt/revisionInfo.xml><?xml version="1.0" encoding="utf-8"?>
+<p1510:revInfo xmlns:a="http://schemas.openxmlformats.org/drawingml/2006/main" xmlns:r="http://schemas.openxmlformats.org/officeDocument/2006/relationships" xmlns:p1510="http://schemas.microsoft.com/office/powerpoint/2015/10/main">
+  <p1510:revLst>
+    <p1510:client id="{297889BF-C2B5-4D39-A63D-73708996589C}" v="1" dt="2019-02-15T21:27:41.409"/>
+  </p1510:revLst>
+</p1510:revInfo>
+</file>
+
+<file path=ppt/changesInfos/changesInfo1.xml><?xml version="1.0" encoding="utf-8"?>
+<pc:chgInfo xmlns:a="http://schemas.openxmlformats.org/drawingml/2006/main" xmlns:r="http://schemas.openxmlformats.org/officeDocument/2006/relationships" xmlns:ac="http://schemas.microsoft.com/office/drawing/2013/main/command" xmlns:pc="http://schemas.microsoft.com/office/powerpoint/2013/main/command">
+  <pc:docChgLst>
+    <pc:chgData name="Guest User" providerId="Windows Live" clId="Web-{3FBF19B5-8244-4C0F-BEBE-4073F142E1A7}"/>
+    <pc:docChg chg="modSld">
+      <pc:chgData name="Guest User" userId="" providerId="Windows Live" clId="Web-{3FBF19B5-8244-4C0F-BEBE-4073F142E1A7}" dt="2019-02-18T08:06:13.847" v="54" actId="20577"/>
+      <pc:docMkLst>
+        <pc:docMk/>
+      </pc:docMkLst>
+      <pc:sldChg chg="modSp">
+        <pc:chgData name="Guest User" userId="" providerId="Windows Live" clId="Web-{3FBF19B5-8244-4C0F-BEBE-4073F142E1A7}" dt="2019-02-18T08:06:13.847" v="53" actId="20577"/>
+        <pc:sldMkLst>
+          <pc:docMk/>
+          <pc:sldMk cId="3172186231" sldId="274"/>
+        </pc:sldMkLst>
+        <pc:spChg chg="mod">
+          <ac:chgData name="Guest User" userId="" providerId="Windows Live" clId="Web-{3FBF19B5-8244-4C0F-BEBE-4073F142E1A7}" dt="2019-02-18T08:06:13.847" v="53" actId="20577"/>
+          <ac:spMkLst>
+            <pc:docMk/>
+            <pc:sldMk cId="3172186231" sldId="274"/>
+            <ac:spMk id="3" creationId="{223C465A-B74B-C248-AD77-EAB344363F9D}"/>
+          </ac:spMkLst>
+        </pc:spChg>
+      </pc:sldChg>
+      <pc:sldChg chg="addSp delSp modSp">
+        <pc:chgData name="Guest User" userId="" providerId="Windows Live" clId="Web-{3FBF19B5-8244-4C0F-BEBE-4073F142E1A7}" dt="2019-02-18T08:04:37.705" v="4" actId="1076"/>
+        <pc:sldMkLst>
+          <pc:docMk/>
+          <pc:sldMk cId="1679113874" sldId="275"/>
+        </pc:sldMkLst>
+        <pc:spChg chg="del">
+          <ac:chgData name="Guest User" userId="" providerId="Windows Live" clId="Web-{3FBF19B5-8244-4C0F-BEBE-4073F142E1A7}" dt="2019-02-18T08:04:35.721" v="3"/>
+          <ac:spMkLst>
+            <pc:docMk/>
+            <pc:sldMk cId="1679113874" sldId="275"/>
+            <ac:spMk id="3" creationId="{706C7C5E-1567-7240-87DD-B41E8F859533}"/>
+          </ac:spMkLst>
+        </pc:spChg>
+        <pc:spChg chg="del mod">
+          <ac:chgData name="Guest User" userId="" providerId="Windows Live" clId="Web-{3FBF19B5-8244-4C0F-BEBE-4073F142E1A7}" dt="2019-02-18T08:04:24.892" v="2"/>
+          <ac:spMkLst>
+            <pc:docMk/>
+            <pc:sldMk cId="1679113874" sldId="275"/>
+            <ac:spMk id="5" creationId="{164C22A3-2915-1344-9D7E-250FB0F81225}"/>
+          </ac:spMkLst>
+        </pc:spChg>
+        <pc:picChg chg="add mod ord">
+          <ac:chgData name="Guest User" userId="" providerId="Windows Live" clId="Web-{3FBF19B5-8244-4C0F-BEBE-4073F142E1A7}" dt="2019-02-18T08:04:37.705" v="4" actId="1076"/>
+          <ac:picMkLst>
+            <pc:docMk/>
+            <pc:sldMk cId="1679113874" sldId="275"/>
+            <ac:picMk id="6" creationId="{D53F6763-0CAF-49AE-8F19-7B65ED6879DF}"/>
+          </ac:picMkLst>
+        </pc:picChg>
+      </pc:sldChg>
+    </pc:docChg>
+  </pc:docChgLst>
+  <pc:docChgLst>
+    <pc:chgData name="dat nguyen" userId="bb19b3ffa6322b8e" providerId="Windows Live" clId="Web-{297889BF-C2B5-4D39-A63D-73708996589C}"/>
+    <pc:docChg chg="addSld modSld">
+      <pc:chgData name="dat nguyen" userId="bb19b3ffa6322b8e" providerId="Windows Live" clId="Web-{297889BF-C2B5-4D39-A63D-73708996589C}" dt="2019-02-15T21:30:51.606" v="91"/>
+      <pc:docMkLst>
+        <pc:docMk/>
+      </pc:docMkLst>
+      <pc:sldChg chg="delSp modSp">
+        <pc:chgData name="dat nguyen" userId="bb19b3ffa6322b8e" providerId="Windows Live" clId="Web-{297889BF-C2B5-4D39-A63D-73708996589C}" dt="2019-02-15T21:25:26.122" v="17" actId="20577"/>
+        <pc:sldMkLst>
+          <pc:docMk/>
+          <pc:sldMk cId="736191612" sldId="257"/>
+        </pc:sldMkLst>
+        <pc:spChg chg="mod">
+          <ac:chgData name="dat nguyen" userId="bb19b3ffa6322b8e" providerId="Windows Live" clId="Web-{297889BF-C2B5-4D39-A63D-73708996589C}" dt="2019-02-15T21:25:26.122" v="17" actId="20577"/>
+          <ac:spMkLst>
+            <pc:docMk/>
+            <pc:sldMk cId="736191612" sldId="257"/>
+            <ac:spMk id="3" creationId="{97721FA8-877C-0D43-AF19-4C75EECB089A}"/>
+          </ac:spMkLst>
+        </pc:spChg>
+        <pc:spChg chg="del">
+          <ac:chgData name="dat nguyen" userId="bb19b3ffa6322b8e" providerId="Windows Live" clId="Web-{297889BF-C2B5-4D39-A63D-73708996589C}" dt="2019-02-15T21:25:15.824" v="8"/>
+          <ac:spMkLst>
+            <pc:docMk/>
+            <pc:sldMk cId="736191612" sldId="257"/>
+            <ac:spMk id="5" creationId="{1A5CD76B-8979-7740-BBDC-0289949BEDF7}"/>
+          </ac:spMkLst>
+        </pc:spChg>
+        <pc:spChg chg="del mod">
+          <ac:chgData name="dat nguyen" userId="bb19b3ffa6322b8e" providerId="Windows Live" clId="Web-{297889BF-C2B5-4D39-A63D-73708996589C}" dt="2019-02-15T21:25:14.231" v="7"/>
+          <ac:spMkLst>
+            <pc:docMk/>
+            <pc:sldMk cId="736191612" sldId="257"/>
+            <ac:spMk id="6" creationId="{74607038-BF1E-3D4A-961F-BC3910F5AA27}"/>
+          </ac:spMkLst>
+        </pc:spChg>
+      </pc:sldChg>
+      <pc:sldChg chg="addSp delSp modSp">
+        <pc:chgData name="dat nguyen" userId="bb19b3ffa6322b8e" providerId="Windows Live" clId="Web-{297889BF-C2B5-4D39-A63D-73708996589C}" dt="2019-02-15T21:30:51.606" v="91"/>
+        <pc:sldMkLst>
+          <pc:docMk/>
+          <pc:sldMk cId="2476109687" sldId="260"/>
+        </pc:sldMkLst>
+        <pc:spChg chg="del">
+          <ac:chgData name="dat nguyen" userId="bb19b3ffa6322b8e" providerId="Windows Live" clId="Web-{297889BF-C2B5-4D39-A63D-73708996589C}" dt="2019-02-15T21:30:37.699" v="86"/>
+          <ac:spMkLst>
+            <pc:docMk/>
+            <pc:sldMk cId="2476109687" sldId="260"/>
+            <ac:spMk id="3" creationId="{686C2C8E-577D-8245-8C74-1C87EEF56629}"/>
+          </ac:spMkLst>
+        </pc:spChg>
+        <pc:spChg chg="del">
+          <ac:chgData name="dat nguyen" userId="bb19b3ffa6322b8e" providerId="Windows Live" clId="Web-{297889BF-C2B5-4D39-A63D-73708996589C}" dt="2019-02-15T21:30:51.606" v="91"/>
+          <ac:spMkLst>
+            <pc:docMk/>
+            <pc:sldMk cId="2476109687" sldId="260"/>
+            <ac:spMk id="5" creationId="{C70F1263-5754-6149-B5D0-300938BA671A}"/>
+          </ac:spMkLst>
+        </pc:spChg>
+        <pc:picChg chg="add mod ord">
+          <ac:chgData name="dat nguyen" userId="bb19b3ffa6322b8e" providerId="Windows Live" clId="Web-{297889BF-C2B5-4D39-A63D-73708996589C}" dt="2019-02-15T21:30:47.449" v="90" actId="1076"/>
+          <ac:picMkLst>
+            <pc:docMk/>
+            <pc:sldMk cId="2476109687" sldId="260"/>
+            <ac:picMk id="6" creationId="{AD201485-74C7-419E-AD0B-957AD37D98B7}"/>
+          </ac:picMkLst>
+        </pc:picChg>
+      </pc:sldChg>
+      <pc:sldChg chg="delSp modSp">
+        <pc:chgData name="dat nguyen" userId="bb19b3ffa6322b8e" providerId="Windows Live" clId="Web-{297889BF-C2B5-4D39-A63D-73708996589C}" dt="2019-02-15T21:29:09.898" v="75" actId="20577"/>
+        <pc:sldMkLst>
+          <pc:docMk/>
+          <pc:sldMk cId="4256870827" sldId="267"/>
+        </pc:sldMkLst>
+        <pc:spChg chg="mod">
+          <ac:chgData name="dat nguyen" userId="bb19b3ffa6322b8e" providerId="Windows Live" clId="Web-{297889BF-C2B5-4D39-A63D-73708996589C}" dt="2019-02-15T21:29:09.898" v="75" actId="20577"/>
+          <ac:spMkLst>
+            <pc:docMk/>
+            <pc:sldMk cId="4256870827" sldId="267"/>
+            <ac:spMk id="2" creationId="{96498DBC-81BD-7949-8D5D-BE6819BEF92B}"/>
+          </ac:spMkLst>
+        </pc:spChg>
+        <pc:spChg chg="mod">
+          <ac:chgData name="dat nguyen" userId="bb19b3ffa6322b8e" providerId="Windows Live" clId="Web-{297889BF-C2B5-4D39-A63D-73708996589C}" dt="2019-02-15T21:28:38.397" v="54" actId="20577"/>
+          <ac:spMkLst>
+            <pc:docMk/>
+            <pc:sldMk cId="4256870827" sldId="267"/>
+            <ac:spMk id="3" creationId="{0AEA12F3-B1F8-4D40-AA30-26988B37E085}"/>
+          </ac:spMkLst>
+        </pc:spChg>
+        <pc:spChg chg="del mod">
+          <ac:chgData name="dat nguyen" userId="bb19b3ffa6322b8e" providerId="Windows Live" clId="Web-{297889BF-C2B5-4D39-A63D-73708996589C}" dt="2019-02-15T21:28:49.381" v="58"/>
+          <ac:spMkLst>
+            <pc:docMk/>
+            <pc:sldMk cId="4256870827" sldId="267"/>
+            <ac:spMk id="4" creationId="{D2EC1468-C1EB-7E46-902D-67F82860866E}"/>
+          </ac:spMkLst>
+        </pc:spChg>
+      </pc:sldChg>
+      <pc:sldChg chg="addSp modSp">
+        <pc:chgData name="dat nguyen" userId="bb19b3ffa6322b8e" providerId="Windows Live" clId="Web-{297889BF-C2B5-4D39-A63D-73708996589C}" dt="2019-02-15T21:24:44.464" v="4" actId="1076"/>
+        <pc:sldMkLst>
+          <pc:docMk/>
+          <pc:sldMk cId="2431844471" sldId="277"/>
+        </pc:sldMkLst>
+        <pc:picChg chg="add mod">
+          <ac:chgData name="dat nguyen" userId="bb19b3ffa6322b8e" providerId="Windows Live" clId="Web-{297889BF-C2B5-4D39-A63D-73708996589C}" dt="2019-02-15T21:24:44.464" v="4" actId="1076"/>
+          <ac:picMkLst>
+            <pc:docMk/>
+            <pc:sldMk cId="2431844471" sldId="277"/>
+            <ac:picMk id="5" creationId="{AD873C21-FB58-45CE-A8AA-5C1AF42533B9}"/>
+          </ac:picMkLst>
+        </pc:picChg>
+      </pc:sldChg>
+      <pc:sldChg chg="addSp delSp modSp mod setBg">
+        <pc:chgData name="dat nguyen" userId="bb19b3ffa6322b8e" providerId="Windows Live" clId="Web-{297889BF-C2B5-4D39-A63D-73708996589C}" dt="2019-02-15T21:27:46.722" v="29" actId="1076"/>
+        <pc:sldMkLst>
+          <pc:docMk/>
+          <pc:sldMk cId="2431533236" sldId="279"/>
+        </pc:sldMkLst>
+        <pc:spChg chg="mod">
+          <ac:chgData name="dat nguyen" userId="bb19b3ffa6322b8e" providerId="Windows Live" clId="Web-{297889BF-C2B5-4D39-A63D-73708996589C}" dt="2019-02-15T21:27:40.362" v="25"/>
+          <ac:spMkLst>
+            <pc:docMk/>
+            <pc:sldMk cId="2431533236" sldId="279"/>
+            <ac:spMk id="2" creationId="{EED52289-4F84-5446-8275-81FBE462287C}"/>
+          </ac:spMkLst>
+        </pc:spChg>
+        <pc:spChg chg="mod">
+          <ac:chgData name="dat nguyen" userId="bb19b3ffa6322b8e" providerId="Windows Live" clId="Web-{297889BF-C2B5-4D39-A63D-73708996589C}" dt="2019-02-15T21:27:40.362" v="25"/>
+          <ac:spMkLst>
+            <pc:docMk/>
+            <pc:sldMk cId="2431533236" sldId="279"/>
+            <ac:spMk id="3" creationId="{2458A0A8-D52C-5645-A5A5-187BFF4A40EF}"/>
+          </ac:spMkLst>
+        </pc:spChg>
+        <pc:spChg chg="mod">
+          <ac:chgData name="dat nguyen" userId="bb19b3ffa6322b8e" providerId="Windows Live" clId="Web-{297889BF-C2B5-4D39-A63D-73708996589C}" dt="2019-02-15T21:27:40.362" v="25"/>
+          <ac:spMkLst>
+            <pc:docMk/>
+            <pc:sldMk cId="2431533236" sldId="279"/>
+            <ac:spMk id="4" creationId="{5123D5F3-CC13-484A-A9BA-1F5A2D275F1D}"/>
+          </ac:spMkLst>
+        </pc:spChg>
+        <pc:spChg chg="add del">
+          <ac:chgData name="dat nguyen" userId="bb19b3ffa6322b8e" providerId="Windows Live" clId="Web-{297889BF-C2B5-4D39-A63D-73708996589C}" dt="2019-02-15T21:27:40.362" v="25"/>
+          <ac:spMkLst>
+            <pc:docMk/>
+            <pc:sldMk cId="2431533236" sldId="279"/>
+            <ac:spMk id="12" creationId="{4038CB10-1F5C-4D54-9DF7-12586DE5B007}"/>
+          </ac:spMkLst>
+        </pc:spChg>
+        <pc:spChg chg="add del">
+          <ac:chgData name="dat nguyen" userId="bb19b3ffa6322b8e" providerId="Windows Live" clId="Web-{297889BF-C2B5-4D39-A63D-73708996589C}" dt="2019-02-15T21:27:40.362" v="25"/>
+          <ac:spMkLst>
+            <pc:docMk/>
+            <pc:sldMk cId="2431533236" sldId="279"/>
+            <ac:spMk id="14" creationId="{73ED6512-6858-4552-B699-9A97FE9A4EA2}"/>
+          </ac:spMkLst>
+        </pc:spChg>
+        <pc:picChg chg="add del mod">
+          <ac:chgData name="dat nguyen" userId="bb19b3ffa6322b8e" providerId="Windows Live" clId="Web-{297889BF-C2B5-4D39-A63D-73708996589C}" dt="2019-02-15T21:27:19.643" v="21"/>
+          <ac:picMkLst>
+            <pc:docMk/>
+            <pc:sldMk cId="2431533236" sldId="279"/>
+            <ac:picMk id="5" creationId="{0656092A-7A47-48BE-84E8-C2EB5D74A238}"/>
+          </ac:picMkLst>
+        </pc:picChg>
+        <pc:picChg chg="add mod ord">
+          <ac:chgData name="dat nguyen" userId="bb19b3ffa6322b8e" providerId="Windows Live" clId="Web-{297889BF-C2B5-4D39-A63D-73708996589C}" dt="2019-02-15T21:27:46.722" v="29" actId="1076"/>
+          <ac:picMkLst>
+            <pc:docMk/>
+            <pc:sldMk cId="2431533236" sldId="279"/>
+            <ac:picMk id="7" creationId="{8AF35F09-B69B-4296-AA2D-7218F19FD75A}"/>
+          </ac:picMkLst>
+        </pc:picChg>
+      </pc:sldChg>
+      <pc:sldChg chg="modSp add replId">
+        <pc:chgData name="dat nguyen" userId="bb19b3ffa6322b8e" providerId="Windows Live" clId="Web-{297889BF-C2B5-4D39-A63D-73708996589C}" dt="2019-02-15T21:29:22.914" v="83" actId="20577"/>
+        <pc:sldMkLst>
+          <pc:docMk/>
+          <pc:sldMk cId="828637814" sldId="281"/>
+        </pc:sldMkLst>
+        <pc:spChg chg="mod">
+          <ac:chgData name="dat nguyen" userId="bb19b3ffa6322b8e" providerId="Windows Live" clId="Web-{297889BF-C2B5-4D39-A63D-73708996589C}" dt="2019-02-15T21:29:22.914" v="83" actId="20577"/>
+          <ac:spMkLst>
+            <pc:docMk/>
+            <pc:sldMk cId="828637814" sldId="281"/>
+            <ac:spMk id="2" creationId="{96498DBC-81BD-7949-8D5D-BE6819BEF92B}"/>
+          </ac:spMkLst>
+        </pc:spChg>
+      </pc:sldChg>
+    </pc:docChg>
+  </pc:docChgLst>
+  <pc:docChgLst>
+    <pc:chgData name="dat nguyen" userId="bb19b3ffa6322b8e" providerId="Windows Live" clId="Web-{AA7B3EF5-9F70-491E-970E-35EB0BE55164}"/>
+    <pc:docChg chg="addSld delSld modSld sldOrd">
+      <pc:chgData name="dat nguyen" userId="bb19b3ffa6322b8e" providerId="Windows Live" clId="Web-{AA7B3EF5-9F70-491E-970E-35EB0BE55164}" dt="2019-02-15T18:14:32.626" v="55"/>
+      <pc:docMkLst>
+        <pc:docMk/>
+      </pc:docMkLst>
+      <pc:sldChg chg="del">
+        <pc:chgData name="dat nguyen" userId="bb19b3ffa6322b8e" providerId="Windows Live" clId="Web-{AA7B3EF5-9F70-491E-970E-35EB0BE55164}" dt="2019-02-15T18:11:14.431" v="1"/>
+        <pc:sldMkLst>
+          <pc:docMk/>
+          <pc:sldMk cId="3391706309" sldId="256"/>
+        </pc:sldMkLst>
+      </pc:sldChg>
+      <pc:sldChg chg="del">
+        <pc:chgData name="dat nguyen" userId="bb19b3ffa6322b8e" providerId="Windows Live" clId="Web-{AA7B3EF5-9F70-491E-970E-35EB0BE55164}" dt="2019-02-15T18:12:35.106" v="10"/>
+        <pc:sldMkLst>
+          <pc:docMk/>
+          <pc:sldMk cId="4243173223" sldId="259"/>
+        </pc:sldMkLst>
+      </pc:sldChg>
+      <pc:sldChg chg="modSp">
+        <pc:chgData name="dat nguyen" userId="bb19b3ffa6322b8e" providerId="Windows Live" clId="Web-{AA7B3EF5-9F70-491E-970E-35EB0BE55164}" dt="2019-02-15T18:13:57.343" v="34" actId="20577"/>
+        <pc:sldMkLst>
+          <pc:docMk/>
+          <pc:sldMk cId="2321060829" sldId="272"/>
+        </pc:sldMkLst>
+        <pc:spChg chg="mod">
+          <ac:chgData name="dat nguyen" userId="bb19b3ffa6322b8e" providerId="Windows Live" clId="Web-{AA7B3EF5-9F70-491E-970E-35EB0BE55164}" dt="2019-02-15T18:13:57.343" v="34" actId="20577"/>
+          <ac:spMkLst>
+            <pc:docMk/>
+            <pc:sldMk cId="2321060829" sldId="272"/>
+            <ac:spMk id="3" creationId="{CAA5DA0C-C976-E544-8AC1-D9AF13CFD0B0}"/>
+          </ac:spMkLst>
+        </pc:spChg>
+      </pc:sldChg>
+      <pc:sldChg chg="modSp">
+        <pc:chgData name="dat nguyen" userId="bb19b3ffa6322b8e" providerId="Windows Live" clId="Web-{AA7B3EF5-9F70-491E-970E-35EB0BE55164}" dt="2019-02-15T18:13:49.812" v="23" actId="20577"/>
+        <pc:sldMkLst>
+          <pc:docMk/>
+          <pc:sldMk cId="3172186231" sldId="274"/>
+        </pc:sldMkLst>
+        <pc:spChg chg="mod">
+          <ac:chgData name="dat nguyen" userId="bb19b3ffa6322b8e" providerId="Windows Live" clId="Web-{AA7B3EF5-9F70-491E-970E-35EB0BE55164}" dt="2019-02-15T18:13:49.812" v="23" actId="20577"/>
+          <ac:spMkLst>
+            <pc:docMk/>
+            <pc:sldMk cId="3172186231" sldId="274"/>
+            <ac:spMk id="3" creationId="{223C465A-B74B-C248-AD77-EAB344363F9D}"/>
+          </ac:spMkLst>
+        </pc:spChg>
+      </pc:sldChg>
+      <pc:sldChg chg="modSp add">
+        <pc:chgData name="dat nguyen" userId="bb19b3ffa6322b8e" providerId="Windows Live" clId="Web-{AA7B3EF5-9F70-491E-970E-35EB0BE55164}" dt="2019-02-15T18:11:21.775" v="4" actId="20577"/>
+        <pc:sldMkLst>
+          <pc:docMk/>
+          <pc:sldMk cId="2431844471" sldId="277"/>
+        </pc:sldMkLst>
+        <pc:spChg chg="mod">
+          <ac:chgData name="dat nguyen" userId="bb19b3ffa6322b8e" providerId="Windows Live" clId="Web-{AA7B3EF5-9F70-491E-970E-35EB0BE55164}" dt="2019-02-15T18:11:21.775" v="4" actId="20577"/>
+          <ac:spMkLst>
+            <pc:docMk/>
+            <pc:sldMk cId="2431844471" sldId="277"/>
+            <ac:spMk id="2" creationId="{436D37D4-73C2-9846-BD3F-6EE3185E02B9}"/>
+          </ac:spMkLst>
+        </pc:spChg>
+      </pc:sldChg>
+      <pc:sldChg chg="add ord">
+        <pc:chgData name="dat nguyen" userId="bb19b3ffa6322b8e" providerId="Windows Live" clId="Web-{AA7B3EF5-9F70-491E-970E-35EB0BE55164}" dt="2019-02-15T18:12:25.934" v="8"/>
+        <pc:sldMkLst>
+          <pc:docMk/>
+          <pc:sldMk cId="1584519945" sldId="278"/>
+        </pc:sldMkLst>
+      </pc:sldChg>
+      <pc:sldChg chg="add">
+        <pc:chgData name="dat nguyen" userId="bb19b3ffa6322b8e" providerId="Windows Live" clId="Web-{AA7B3EF5-9F70-491E-970E-35EB0BE55164}" dt="2019-02-15T18:12:32.215" v="9"/>
+        <pc:sldMkLst>
+          <pc:docMk/>
+          <pc:sldMk cId="2431533236" sldId="279"/>
+        </pc:sldMkLst>
+      </pc:sldChg>
+      <pc:sldChg chg="delSp modSp add replId">
+        <pc:chgData name="dat nguyen" userId="bb19b3ffa6322b8e" providerId="Windows Live" clId="Web-{AA7B3EF5-9F70-491E-970E-35EB0BE55164}" dt="2019-02-15T18:14:32.626" v="55"/>
+        <pc:sldMkLst>
+          <pc:docMk/>
+          <pc:sldMk cId="789788285" sldId="280"/>
+        </pc:sldMkLst>
+        <pc:spChg chg="mod">
+          <ac:chgData name="dat nguyen" userId="bb19b3ffa6322b8e" providerId="Windows Live" clId="Web-{AA7B3EF5-9F70-491E-970E-35EB0BE55164}" dt="2019-02-15T18:14:23.001" v="51" actId="20577"/>
+          <ac:spMkLst>
+            <pc:docMk/>
+            <pc:sldMk cId="789788285" sldId="280"/>
+            <ac:spMk id="2" creationId="{7A3F6A72-D491-AB4F-803D-EEAFBF2E2F9D}"/>
+          </ac:spMkLst>
+        </pc:spChg>
+        <pc:spChg chg="del mod">
+          <ac:chgData name="dat nguyen" userId="bb19b3ffa6322b8e" providerId="Windows Live" clId="Web-{AA7B3EF5-9F70-491E-970E-35EB0BE55164}" dt="2019-02-15T18:14:32.626" v="55"/>
+          <ac:spMkLst>
+            <pc:docMk/>
+            <pc:sldMk cId="789788285" sldId="280"/>
+            <ac:spMk id="5" creationId="{164C22A3-2915-1344-9D7E-250FB0F81225}"/>
+          </ac:spMkLst>
+        </pc:spChg>
+      </pc:sldChg>
+    </pc:docChg>
+  </pc:docChgLst>
+</pc:chgInfo>
+</file>
+
 <file path=ppt/notesMasters/notesMaster1.xml><?xml version="1.0" encoding="utf-8"?>
 <p:notesMaster xmlns:a="http://schemas.openxmlformats.org/drawingml/2006/main" xmlns:r="http://schemas.openxmlformats.org/officeDocument/2006/relationships" xmlns:p="http://schemas.openxmlformats.org/presentationml/2006/main">
   <p:cSld>
@@ -210,7 +581,7 @@
           <a:p>
             <a:fld id="{DE828411-4A96-9C46-8130-19BC8A3FA18D}" type="datetimeFigureOut">
               <a:rPr lang="en-US" smtClean="0"/>
-              <a:t>10/2/18</a:t>
+              <a:t>2/18/2019</a:t>
             </a:fld>
             <a:endParaRPr lang="en-US"/>
           </a:p>
@@ -624,7 +995,7 @@
           <a:p>
             <a:fld id="{5E26E10A-C15D-D446-A22C-9DF9C6F9A383}" type="datetime1">
               <a:rPr lang="en-US" smtClean="0"/>
-              <a:t>10/2/18</a:t>
+              <a:t>2/18/2019</a:t>
             </a:fld>
             <a:endParaRPr lang="en-US"/>
           </a:p>
@@ -822,7 +1193,7 @@
           <a:p>
             <a:fld id="{C0D37E4A-F64E-9E4C-94FD-BFCF9198C302}" type="datetime1">
               <a:rPr lang="en-US" smtClean="0"/>
-              <a:t>10/2/18</a:t>
+              <a:t>2/18/2019</a:t>
             </a:fld>
             <a:endParaRPr lang="en-US"/>
           </a:p>
@@ -1030,7 +1401,7 @@
           <a:p>
             <a:fld id="{769F20CE-1BB5-1943-88C1-94DE35B92B63}" type="datetime1">
               <a:rPr lang="en-US" smtClean="0"/>
-              <a:t>10/2/18</a:t>
+              <a:t>2/18/2019</a:t>
             </a:fld>
             <a:endParaRPr lang="en-US"/>
           </a:p>
@@ -1228,7 +1599,7 @@
           <a:p>
             <a:fld id="{E1D6CF2D-CDE5-CF4D-8F73-1156FD61F30D}" type="datetime1">
               <a:rPr lang="en-US" smtClean="0"/>
-              <a:t>10/2/18</a:t>
+              <a:t>2/18/2019</a:t>
             </a:fld>
             <a:endParaRPr lang="en-US"/>
           </a:p>
@@ -1503,7 +1874,7 @@
           <a:p>
             <a:fld id="{7F22FA09-EF8A-754A-8D29-4BD55DD4A838}" type="datetime1">
               <a:rPr lang="en-US" smtClean="0"/>
-              <a:t>10/2/18</a:t>
+              <a:t>2/18/2019</a:t>
             </a:fld>
             <a:endParaRPr lang="en-US"/>
           </a:p>
@@ -1768,7 +2139,7 @@
           <a:p>
             <a:fld id="{38797E6A-39AB-824D-A87E-7447E2847899}" type="datetime1">
               <a:rPr lang="en-US" smtClean="0"/>
-              <a:t>10/2/18</a:t>
+              <a:t>2/18/2019</a:t>
             </a:fld>
             <a:endParaRPr lang="en-US"/>
           </a:p>
@@ -2180,7 +2551,7 @@
           <a:p>
             <a:fld id="{EB6A3F7F-29BA-E846-8510-EE26F48D6885}" type="datetime1">
               <a:rPr lang="en-US" smtClean="0"/>
-              <a:t>10/2/18</a:t>
+              <a:t>2/18/2019</a:t>
             </a:fld>
             <a:endParaRPr lang="en-US"/>
           </a:p>
@@ -2321,7 +2692,7 @@
           <a:p>
             <a:fld id="{28C09B9C-6A2B-DB40-9E79-0CFDDF84F077}" type="datetime1">
               <a:rPr lang="en-US" smtClean="0"/>
-              <a:t>10/2/18</a:t>
+              <a:t>2/18/2019</a:t>
             </a:fld>
             <a:endParaRPr lang="en-US"/>
           </a:p>
@@ -2434,7 +2805,7 @@
           <a:p>
             <a:fld id="{1A7DD269-6DC8-0C4E-8ECF-74E7FF45F23C}" type="datetime1">
               <a:rPr lang="en-US" smtClean="0"/>
-              <a:t>10/2/18</a:t>
+              <a:t>2/18/2019</a:t>
             </a:fld>
             <a:endParaRPr lang="en-US"/>
           </a:p>
@@ -2745,7 +3116,7 @@
           <a:p>
             <a:fld id="{1F6243B7-0522-9A45-BD9D-F69C6309B830}" type="datetime1">
               <a:rPr lang="en-US" smtClean="0"/>
-              <a:t>10/2/18</a:t>
+              <a:t>2/18/2019</a:t>
             </a:fld>
             <a:endParaRPr lang="en-US"/>
           </a:p>
@@ -3033,7 +3404,7 @@
           <a:p>
             <a:fld id="{A4F011DC-A470-D74F-89C7-DAE7EA19649B}" type="datetime1">
               <a:rPr lang="en-US" smtClean="0"/>
-              <a:t>10/2/18</a:t>
+              <a:t>2/18/2019</a:t>
             </a:fld>
             <a:endParaRPr lang="en-US"/>
           </a:p>
@@ -3274,7 +3645,7 @@
           <a:p>
             <a:fld id="{05A6232C-D57C-4046-85B7-72797856E0D5}" type="datetime1">
               <a:rPr lang="en-US" smtClean="0"/>
-              <a:t>10/2/18</a:t>
+              <a:t>2/18/2019</a:t>
             </a:fld>
             <a:endParaRPr lang="en-US"/>
           </a:p>
@@ -3678,6 +4049,14 @@
 <file path=ppt/slides/slide1.xml><?xml version="1.0" encoding="utf-8"?>
 <p:sld xmlns:a="http://schemas.openxmlformats.org/drawingml/2006/main" xmlns:r="http://schemas.openxmlformats.org/officeDocument/2006/relationships" xmlns:p="http://schemas.openxmlformats.org/presentationml/2006/main">
   <p:cSld>
+    <p:bg>
+      <p:bgPr>
+        <a:solidFill>
+          <a:schemeClr val="bg1"/>
+        </a:solidFill>
+        <a:effectLst/>
+      </p:bgPr>
+    </p:bg>
     <p:spTree>
       <p:nvGrpSpPr>
         <p:cNvPr id="1" name=""/>
@@ -3710,24 +4089,56 @@
         </p:nvSpPr>
         <p:spPr>
           <a:xfrm>
-            <a:off x="0" y="1122363"/>
-            <a:ext cx="12192000" cy="2387600"/>
+            <a:off x="838200" y="963877"/>
+            <a:ext cx="3494362" cy="4930246"/>
           </a:xfrm>
         </p:spPr>
         <p:txBody>
-          <a:bodyPr/>
-          <a:lstStyle/>
-          <a:p>
-            <a:r>
-              <a:rPr lang="en-US" dirty="0"/>
-              <a:t>PROJECT NAME</a:t>
+          <a:bodyPr vert="horz" lIns="91440" tIns="45720" rIns="91440" bIns="45720" rtlCol="0" anchor="ctr">
+            <a:normAutofit/>
+          </a:bodyPr>
+          <a:lstStyle/>
+          <a:p>
+            <a:pPr algn="r"/>
+            <a:r>
+              <a:rPr lang="en-US" sz="4400" dirty="0">
+                <a:ea typeface="+mj-lt"/>
+                <a:cs typeface="+mj-lt"/>
+              </a:rPr>
+              <a:t>City Traffic Simulator</a:t>
             </a:r>
             <a:br>
               <a:rPr lang="en-US" dirty="0"/>
             </a:br>
             <a:r>
-              <a:rPr lang="en-US" dirty="0"/>
-              <a:t>Increment 2 Retrospective</a:t>
+              <a:rPr lang="en-US" sz="2500" kern="1200" dirty="0">
+                <a:solidFill>
+                  <a:schemeClr val="accent1"/>
+                </a:solidFill>
+                <a:latin typeface="+mj-lt"/>
+                <a:ea typeface="+mj-ea"/>
+                <a:cs typeface="+mj-cs"/>
+              </a:rPr>
+              <a:t>Increment </a:t>
+            </a:r>
+            <a:r>
+              <a:rPr lang="en-US" sz="2500" dirty="0">
+                <a:solidFill>
+                  <a:schemeClr val="accent1"/>
+                </a:solidFill>
+              </a:rPr>
+              <a:t>2  </a:t>
+            </a:r>
+            <a:r>
+              <a:rPr lang="en-US" sz="2500" kern="1200" dirty="0">
+                <a:solidFill>
+                  <a:schemeClr val="accent1"/>
+                </a:solidFill>
+                <a:latin typeface="+mj-lt"/>
+                <a:ea typeface="+mj-ea"/>
+                <a:cs typeface="+mj-cs"/>
+              </a:rPr>
+              <a:t>Retrospective</a:t>
             </a:r>
           </a:p>
         </p:txBody>
@@ -3750,25 +4161,68 @@
         </p:nvSpPr>
         <p:spPr>
           <a:xfrm>
-            <a:off x="1524000" y="3602037"/>
-            <a:ext cx="9144000" cy="2965017"/>
+            <a:off x="4976031" y="963877"/>
+            <a:ext cx="6377769" cy="4930246"/>
           </a:xfrm>
         </p:spPr>
         <p:txBody>
-          <a:bodyPr/>
-          <a:lstStyle/>
-          <a:p>
-            <a:r>
-              <a:rPr lang="en-US" dirty="0"/>
-              <a:t>TEAM NAME</a:t>
-            </a:r>
-          </a:p>
-          <a:p>
+          <a:bodyPr vert="horz" lIns="91440" tIns="45720" rIns="91440" bIns="45720" rtlCol="0" anchor="ctr">
+            <a:normAutofit/>
+          </a:bodyPr>
+          <a:lstStyle/>
+          <a:p>
+            <a:pPr algn="l"/>
             <a:r>
               <a:rPr lang="en-US" dirty="0"/>
               <a:t>Team Members</a:t>
             </a:r>
           </a:p>
+          <a:p>
+            <a:pPr lvl="1" indent="-228600" algn="l">
+              <a:buFont typeface="Arial" panose="020B0604020202020204" pitchFamily="34" charset="0"/>
+              <a:buChar char="•"/>
+            </a:pPr>
+            <a:r>
+              <a:rPr lang="en-US" dirty="0"/>
+              <a:t>Zoe Fu </a:t>
+            </a:r>
+            <a:endParaRPr lang="en-US" dirty="0">
+              <a:cs typeface="Calibri"/>
+            </a:endParaRPr>
+          </a:p>
+          <a:p>
+            <a:pPr lvl="1" indent="-228600" algn="l">
+              <a:buFont typeface="Arial" panose="020B0604020202020204" pitchFamily="34" charset="0"/>
+              <a:buChar char="•"/>
+            </a:pPr>
+            <a:r>
+              <a:rPr lang="en-US" dirty="0"/>
+              <a:t>Dat Nguyen</a:t>
+            </a:r>
+            <a:endParaRPr lang="en-US" dirty="0">
+              <a:cs typeface="Calibri"/>
+            </a:endParaRPr>
+          </a:p>
+          <a:p>
+            <a:pPr lvl="1" indent="-228600" algn="l">
+              <a:buFont typeface="Arial" panose="020B0604020202020204" pitchFamily="34" charset="0"/>
+              <a:buChar char="•"/>
+            </a:pPr>
+            <a:r>
+              <a:rPr lang="en-US" dirty="0"/>
+              <a:t>Reid Stagemeyer</a:t>
+            </a:r>
+            <a:endParaRPr lang="en-US" dirty="0">
+              <a:cs typeface="Calibri"/>
+            </a:endParaRPr>
+          </a:p>
+          <a:p>
+            <a:pPr indent="-228600" algn="l">
+              <a:buFont typeface="Arial" panose="020B0604020202020204" pitchFamily="34" charset="0"/>
+              <a:buChar char="•"/>
+            </a:pPr>
+            <a:endParaRPr lang="en-US" dirty="0"/>
+          </a:p>
         </p:txBody>
       </p:sp>
       <p:sp>
@@ -3787,23 +4241,112 @@
             <p:ph type="sldNum" sz="quarter" idx="12"/>
           </p:nvPr>
         </p:nvSpPr>
-        <p:spPr/>
-        <p:txBody>
-          <a:bodyPr/>
-          <a:lstStyle/>
-          <a:p>
+        <p:spPr>
+          <a:xfrm>
+            <a:off x="10571516" y="6033479"/>
+            <a:ext cx="782283" cy="365125"/>
+          </a:xfrm>
+        </p:spPr>
+        <p:txBody>
+          <a:bodyPr vert="horz" lIns="91440" tIns="45720" rIns="91440" bIns="45720" rtlCol="0" anchor="ctr">
+            <a:normAutofit/>
+          </a:bodyPr>
+          <a:lstStyle/>
+          <a:p>
+            <a:pPr>
+              <a:spcAft>
+                <a:spcPts val="600"/>
+              </a:spcAft>
+            </a:pPr>
             <a:fld id="{59467819-B74A-7D46-BC68-B37107E692DD}" type="slidenum">
-              <a:rPr lang="en-US" smtClean="0"/>
+              <a:rPr lang="en-US" sz="1050">
+                <a:solidFill>
+                  <a:schemeClr val="tx1">
+                    <a:alpha val="80000"/>
+                  </a:schemeClr>
+                </a:solidFill>
+              </a:rPr>
+              <a:pPr>
+                <a:spcAft>
+                  <a:spcPts val="600"/>
+                </a:spcAft>
+              </a:pPr>
               <a:t>1</a:t>
             </a:fld>
-            <a:endParaRPr lang="en-US"/>
-          </a:p>
-        </p:txBody>
-      </p:sp>
+            <a:endParaRPr lang="en-US" sz="1050" dirty="0">
+              <a:solidFill>
+                <a:schemeClr val="tx1">
+                  <a:alpha val="80000"/>
+                </a:schemeClr>
+              </a:solidFill>
+            </a:endParaRPr>
+          </a:p>
+        </p:txBody>
+      </p:sp>
+      <p:pic>
+        <p:nvPicPr>
+          <p:cNvPr id="6" name="Picture 6" descr="A close up of a sign&#10;&#10;Description generated with very high confidence">
+            <a:extLst>
+              <a:ext uri="{FF2B5EF4-FFF2-40B4-BE49-F238E27FC236}">
+                <a16:creationId xmlns:a16="http://schemas.microsoft.com/office/drawing/2014/main" id="{830320D3-85B8-47E9-B2E5-056447614EE5}"/>
+              </a:ext>
+            </a:extLst>
+          </p:cNvPr>
+          <p:cNvPicPr>
+            <a:picLocks noChangeAspect="1"/>
+          </p:cNvPicPr>
+          <p:nvPr/>
+        </p:nvPicPr>
+        <p:blipFill>
+          <a:blip r:embed="rId2"/>
+          <a:stretch>
+            <a:fillRect/>
+          </a:stretch>
+        </p:blipFill>
+        <p:spPr>
+          <a:xfrm>
+            <a:off x="487795" y="412750"/>
+            <a:ext cx="1750512" cy="1750512"/>
+          </a:xfrm>
+          <a:prstGeom prst="rect">
+            <a:avLst/>
+          </a:prstGeom>
+        </p:spPr>
+      </p:pic>
+      <p:pic>
+        <p:nvPicPr>
+          <p:cNvPr id="5" name="Picture 6" descr="A screenshot of a cell phone&#10;&#10;Description generated with high confidence">
+            <a:extLst>
+              <a:ext uri="{FF2B5EF4-FFF2-40B4-BE49-F238E27FC236}">
+                <a16:creationId xmlns:a16="http://schemas.microsoft.com/office/drawing/2014/main" id="{AD873C21-FB58-45CE-A8AA-5C1AF42533B9}"/>
+              </a:ext>
+            </a:extLst>
+          </p:cNvPr>
+          <p:cNvPicPr>
+            <a:picLocks noChangeAspect="1"/>
+          </p:cNvPicPr>
+          <p:nvPr/>
+        </p:nvPicPr>
+        <p:blipFill>
+          <a:blip r:embed="rId3"/>
+          <a:stretch>
+            <a:fillRect/>
+          </a:stretch>
+        </p:blipFill>
+        <p:spPr>
+          <a:xfrm>
+            <a:off x="7950885" y="810272"/>
+            <a:ext cx="3810000" cy="2376156"/>
+          </a:xfrm>
+          <a:prstGeom prst="rect">
+            <a:avLst/>
+          </a:prstGeom>
+        </p:spPr>
+      </p:pic>
     </p:spTree>
     <p:extLst>
       <p:ext uri="{BB962C8B-B14F-4D97-AF65-F5344CB8AC3E}">
-        <p14:creationId xmlns:p14="http://schemas.microsoft.com/office/powerpoint/2010/main" val="3391706309"/>
+        <p14:creationId xmlns:p14="http://schemas.microsoft.com/office/powerpoint/2010/main" val="2431844471"/>
       </p:ext>
     </p:extLst>
   </p:cSld>
@@ -3835,7 +4378,7 @@
           <p:cNvPr id="2" name="Title 1">
             <a:extLst>
               <a:ext uri="{FF2B5EF4-FFF2-40B4-BE49-F238E27FC236}">
-                <a16:creationId xmlns:a16="http://schemas.microsoft.com/office/drawing/2014/main" id="{71DBD2D0-E504-4E46-B672-425972770860}"/>
+                <a16:creationId xmlns:a16="http://schemas.microsoft.com/office/drawing/2014/main" id="{7A3F6A72-D491-AB4F-803D-EEAFBF2E2F9D}"/>
               </a:ext>
             </a:extLst>
           </p:cNvPr>
@@ -3853,181 +4396,49 @@
           <a:p>
             <a:r>
               <a:rPr lang="en-US" dirty="0"/>
-              <a:t>Overview</a:t>
-            </a:r>
-          </a:p>
-        </p:txBody>
-      </p:sp>
-      <p:sp>
-        <p:nvSpPr>
-          <p:cNvPr id="3" name="Content Placeholder 2">
-            <a:extLst>
-              <a:ext uri="{FF2B5EF4-FFF2-40B4-BE49-F238E27FC236}">
-                <a16:creationId xmlns:a16="http://schemas.microsoft.com/office/drawing/2014/main" id="{97721FA8-877C-0D43-AF19-4C75EECB089A}"/>
-              </a:ext>
-            </a:extLst>
-          </p:cNvPr>
-          <p:cNvSpPr>
-            <a:spLocks noGrp="1"/>
-          </p:cNvSpPr>
+              <a:t>Structural Model</a:t>
+            </a:r>
+          </a:p>
+        </p:txBody>
+      </p:sp>
+      <p:pic>
+        <p:nvPicPr>
+          <p:cNvPr id="6" name="Picture 6" descr="A screenshot of a cell phone&#10;&#10;Description generated with very high confidence">
+            <a:extLst>
+              <a:ext uri="{FF2B5EF4-FFF2-40B4-BE49-F238E27FC236}">
+                <a16:creationId xmlns:a16="http://schemas.microsoft.com/office/drawing/2014/main" id="{D53F6763-0CAF-49AE-8F19-7B65ED6879DF}"/>
+              </a:ext>
+            </a:extLst>
+          </p:cNvPr>
+          <p:cNvPicPr>
+            <a:picLocks noGrp="1" noChangeAspect="1"/>
+          </p:cNvPicPr>
           <p:nvPr>
             <p:ph idx="1"/>
           </p:nvPr>
-        </p:nvSpPr>
+        </p:nvPicPr>
+        <p:blipFill>
+          <a:blip r:embed="rId2"/>
+          <a:stretch>
+            <a:fillRect/>
+          </a:stretch>
+        </p:blipFill>
         <p:spPr>
           <a:xfrm>
-            <a:off x="838200" y="1825625"/>
-            <a:ext cx="10515600" cy="4895850"/>
+            <a:off x="1424062" y="1612713"/>
+            <a:ext cx="8828406" cy="4351338"/>
           </a:xfrm>
+          <a:prstGeom prst="rect">
+            <a:avLst/>
+          </a:prstGeom>
         </p:spPr>
-        <p:txBody>
-          <a:bodyPr>
-            <a:normAutofit fontScale="92500" lnSpcReduction="20000"/>
-          </a:bodyPr>
-          <a:lstStyle/>
-          <a:p>
-            <a:r>
-              <a:rPr lang="en-US" dirty="0">
-                <a:solidFill>
-                  <a:schemeClr val="bg1">
-                    <a:lumMod val="65000"/>
-                  </a:schemeClr>
-                </a:solidFill>
-              </a:rPr>
-              <a:t>Project Description</a:t>
-            </a:r>
-          </a:p>
-          <a:p>
-            <a:endParaRPr lang="en-US" dirty="0"/>
-          </a:p>
-          <a:p>
-            <a:r>
-              <a:rPr lang="en-US" dirty="0">
-                <a:solidFill>
-                  <a:schemeClr val="bg1">
-                    <a:lumMod val="65000"/>
-                  </a:schemeClr>
-                </a:solidFill>
-              </a:rPr>
-              <a:t>Use Case Model</a:t>
-            </a:r>
-          </a:p>
-          <a:p>
-            <a:pPr lvl="1"/>
-            <a:r>
-              <a:rPr lang="en-US" dirty="0">
-                <a:solidFill>
-                  <a:schemeClr val="bg1">
-                    <a:lumMod val="65000"/>
-                  </a:schemeClr>
-                </a:solidFill>
-              </a:rPr>
-              <a:t>Use Case Diagram</a:t>
-            </a:r>
-          </a:p>
-          <a:p>
-            <a:pPr lvl="1"/>
-            <a:r>
-              <a:rPr lang="en-US" dirty="0">
-                <a:solidFill>
-                  <a:schemeClr val="bg1">
-                    <a:lumMod val="65000"/>
-                  </a:schemeClr>
-                </a:solidFill>
-              </a:rPr>
-              <a:t>Use Cases</a:t>
-            </a:r>
-          </a:p>
-          <a:p>
-            <a:endParaRPr lang="en-US" dirty="0"/>
-          </a:p>
-          <a:p>
-            <a:r>
-              <a:rPr lang="en-US" dirty="0">
-                <a:solidFill>
-                  <a:schemeClr val="bg1">
-                    <a:lumMod val="65000"/>
-                  </a:schemeClr>
-                </a:solidFill>
-              </a:rPr>
-              <a:t>Domain Model</a:t>
-            </a:r>
-          </a:p>
-          <a:p>
-            <a:pPr lvl="1"/>
-            <a:r>
-              <a:rPr lang="en-US" dirty="0">
-                <a:solidFill>
-                  <a:schemeClr val="bg1">
-                    <a:lumMod val="65000"/>
-                  </a:schemeClr>
-                </a:solidFill>
-              </a:rPr>
-              <a:t>Class Diagram</a:t>
-            </a:r>
-          </a:p>
-          <a:p>
-            <a:pPr lvl="1"/>
-            <a:r>
-              <a:rPr lang="en-US" dirty="0">
-                <a:solidFill>
-                  <a:schemeClr val="bg1">
-                    <a:lumMod val="65000"/>
-                  </a:schemeClr>
-                </a:solidFill>
-              </a:rPr>
-              <a:t>(Activity Diagrams)</a:t>
-            </a:r>
-          </a:p>
-          <a:p>
-            <a:pPr lvl="1"/>
-            <a:r>
-              <a:rPr lang="en-US" dirty="0">
-                <a:solidFill>
-                  <a:schemeClr val="bg1">
-                    <a:lumMod val="65000"/>
-                  </a:schemeClr>
-                </a:solidFill>
-              </a:rPr>
-              <a:t>Sequence Diagrams</a:t>
-            </a:r>
-          </a:p>
-          <a:p>
-            <a:pPr lvl="1"/>
-            <a:r>
-              <a:rPr lang="en-US" dirty="0">
-                <a:solidFill>
-                  <a:schemeClr val="bg1">
-                    <a:lumMod val="65000"/>
-                  </a:schemeClr>
-                </a:solidFill>
-              </a:rPr>
-              <a:t>(State Machine Diagrams)</a:t>
-            </a:r>
-          </a:p>
-          <a:p>
-            <a:endParaRPr lang="en-US" dirty="0">
-              <a:solidFill>
-                <a:schemeClr val="bg1">
-                  <a:lumMod val="65000"/>
-                </a:schemeClr>
-              </a:solidFill>
-            </a:endParaRPr>
-          </a:p>
-          <a:p>
-            <a:r>
-              <a:rPr lang="en-US" dirty="0"/>
-              <a:t>Reflection</a:t>
-            </a:r>
-          </a:p>
-        </p:txBody>
-      </p:sp>
+      </p:pic>
       <p:sp>
         <p:nvSpPr>
           <p:cNvPr id="4" name="Slide Number Placeholder 3">
             <a:extLst>
               <a:ext uri="{FF2B5EF4-FFF2-40B4-BE49-F238E27FC236}">
-                <a16:creationId xmlns:a16="http://schemas.microsoft.com/office/drawing/2014/main" id="{36B3A4F1-178B-8E44-AF3E-D067B56AF78F}"/>
+                <a16:creationId xmlns:a16="http://schemas.microsoft.com/office/drawing/2014/main" id="{96DE280E-F1C8-4F43-BE5C-9703701699D6}"/>
               </a:ext>
             </a:extLst>
           </p:cNvPr>
@@ -4054,7 +4465,7 @@
     </p:spTree>
     <p:extLst>
       <p:ext uri="{BB962C8B-B14F-4D97-AF65-F5344CB8AC3E}">
-        <p14:creationId xmlns:p14="http://schemas.microsoft.com/office/powerpoint/2010/main" val="2581335394"/>
+        <p14:creationId xmlns:p14="http://schemas.microsoft.com/office/powerpoint/2010/main" val="1679113874"/>
       </p:ext>
     </p:extLst>
   </p:cSld>
@@ -4086,7 +4497,7 @@
           <p:cNvPr id="2" name="Title 1">
             <a:extLst>
               <a:ext uri="{FF2B5EF4-FFF2-40B4-BE49-F238E27FC236}">
-                <a16:creationId xmlns:a16="http://schemas.microsoft.com/office/drawing/2014/main" id="{60F1A4C7-EB84-2441-BE19-77CA07950025}"/>
+                <a16:creationId xmlns:a16="http://schemas.microsoft.com/office/drawing/2014/main" id="{7A3F6A72-D491-AB4F-803D-EEAFBF2E2F9D}"/>
               </a:ext>
             </a:extLst>
           </p:cNvPr>
@@ -4104,14 +4515,7 @@
           <a:p>
             <a:r>
               <a:rPr lang="en-US" dirty="0"/>
-              <a:t>Reflection</a:t>
-            </a:r>
-            <a:br>
-              <a:rPr lang="en-US" dirty="0"/>
-            </a:br>
-            <a:r>
-              <a:rPr lang="en-US" dirty="0"/>
-              <a:t>What went well</a:t>
+              <a:t>Behavioral Model – Sequence </a:t>
             </a:r>
           </a:p>
         </p:txBody>
@@ -4121,7 +4525,7 @@
           <p:cNvPr id="3" name="Content Placeholder 2">
             <a:extLst>
               <a:ext uri="{FF2B5EF4-FFF2-40B4-BE49-F238E27FC236}">
-                <a16:creationId xmlns:a16="http://schemas.microsoft.com/office/drawing/2014/main" id="{CAA5DA0C-C976-E544-8AC1-D9AF13CFD0B0}"/>
+                <a16:creationId xmlns:a16="http://schemas.microsoft.com/office/drawing/2014/main" id="{706C7C5E-1567-7240-87DD-B41E8F859533}"/>
               </a:ext>
             </a:extLst>
           </p:cNvPr>
@@ -4146,7 +4550,7 @@
           <p:cNvPr id="4" name="Slide Number Placeholder 3">
             <a:extLst>
               <a:ext uri="{FF2B5EF4-FFF2-40B4-BE49-F238E27FC236}">
-                <a16:creationId xmlns:a16="http://schemas.microsoft.com/office/drawing/2014/main" id="{20F935D9-B521-9044-A1D1-73B1EDF71D62}"/>
+                <a16:creationId xmlns:a16="http://schemas.microsoft.com/office/drawing/2014/main" id="{96DE280E-F1C8-4F43-BE5C-9703701699D6}"/>
               </a:ext>
             </a:extLst>
           </p:cNvPr>
@@ -4173,7 +4577,7 @@
     </p:spTree>
     <p:extLst>
       <p:ext uri="{BB962C8B-B14F-4D97-AF65-F5344CB8AC3E}">
-        <p14:creationId xmlns:p14="http://schemas.microsoft.com/office/powerpoint/2010/main" val="2321060829"/>
+        <p14:creationId xmlns:p14="http://schemas.microsoft.com/office/powerpoint/2010/main" val="789788285"/>
       </p:ext>
     </p:extLst>
   </p:cSld>
@@ -4205,7 +4609,7 @@
           <p:cNvPr id="2" name="Title 1">
             <a:extLst>
               <a:ext uri="{FF2B5EF4-FFF2-40B4-BE49-F238E27FC236}">
-                <a16:creationId xmlns:a16="http://schemas.microsoft.com/office/drawing/2014/main" id="{5C77787A-9B5F-414B-98B2-328E9D587759}"/>
+                <a16:creationId xmlns:a16="http://schemas.microsoft.com/office/drawing/2014/main" id="{7A3F6A72-D491-AB4F-803D-EEAFBF2E2F9D}"/>
               </a:ext>
             </a:extLst>
           </p:cNvPr>
@@ -4223,14 +4627,7 @@
           <a:p>
             <a:r>
               <a:rPr lang="en-US" dirty="0"/>
-              <a:t>Reflection</a:t>
-            </a:r>
-            <a:br>
-              <a:rPr lang="en-US" dirty="0"/>
-            </a:br>
-            <a:r>
-              <a:rPr lang="en-US" dirty="0"/>
-              <a:t>What didn’t go well</a:t>
+              <a:t>Dynamic Model</a:t>
             </a:r>
           </a:p>
         </p:txBody>
@@ -4240,7 +4637,7 @@
           <p:cNvPr id="3" name="Content Placeholder 2">
             <a:extLst>
               <a:ext uri="{FF2B5EF4-FFF2-40B4-BE49-F238E27FC236}">
-                <a16:creationId xmlns:a16="http://schemas.microsoft.com/office/drawing/2014/main" id="{D43E40C2-C032-9041-B259-5483E0C0DAC0}"/>
+                <a16:creationId xmlns:a16="http://schemas.microsoft.com/office/drawing/2014/main" id="{706C7C5E-1567-7240-87DD-B41E8F859533}"/>
               </a:ext>
             </a:extLst>
           </p:cNvPr>
@@ -4265,7 +4662,7 @@
           <p:cNvPr id="4" name="Slide Number Placeholder 3">
             <a:extLst>
               <a:ext uri="{FF2B5EF4-FFF2-40B4-BE49-F238E27FC236}">
-                <a16:creationId xmlns:a16="http://schemas.microsoft.com/office/drawing/2014/main" id="{B1955E28-13FF-3A4C-BE9B-09A862B654B7}"/>
+                <a16:creationId xmlns:a16="http://schemas.microsoft.com/office/drawing/2014/main" id="{96DE280E-F1C8-4F43-BE5C-9703701699D6}"/>
               </a:ext>
             </a:extLst>
           </p:cNvPr>
@@ -4289,10 +4686,59 @@
           </a:p>
         </p:txBody>
       </p:sp>
+      <p:sp>
+        <p:nvSpPr>
+          <p:cNvPr id="5" name="Rounded Rectangle 4">
+            <a:extLst>
+              <a:ext uri="{FF2B5EF4-FFF2-40B4-BE49-F238E27FC236}">
+                <a16:creationId xmlns:a16="http://schemas.microsoft.com/office/drawing/2014/main" id="{164C22A3-2915-1344-9D7E-250FB0F81225}"/>
+              </a:ext>
+            </a:extLst>
+          </p:cNvPr>
+          <p:cNvSpPr/>
+          <p:nvPr/>
+        </p:nvSpPr>
+        <p:spPr>
+          <a:xfrm>
+            <a:off x="7278130" y="531341"/>
+            <a:ext cx="3669956" cy="1159347"/>
+          </a:xfrm>
+          <a:prstGeom prst="roundRect">
+            <a:avLst/>
+          </a:prstGeom>
+        </p:spPr>
+        <p:style>
+          <a:lnRef idx="2">
+            <a:schemeClr val="accent1">
+              <a:shade val="50000"/>
+            </a:schemeClr>
+          </a:lnRef>
+          <a:fillRef idx="1">
+            <a:schemeClr val="accent1"/>
+          </a:fillRef>
+          <a:effectRef idx="0">
+            <a:schemeClr val="accent1"/>
+          </a:effectRef>
+          <a:fontRef idx="minor">
+            <a:schemeClr val="lt1"/>
+          </a:fontRef>
+        </p:style>
+        <p:txBody>
+          <a:bodyPr rtlCol="0" anchor="ctr"/>
+          <a:lstStyle/>
+          <a:p>
+            <a:pPr algn="ctr"/>
+            <a:r>
+              <a:rPr lang="en-US" dirty="0"/>
+              <a:t>Show two or three of the more interesting behavioral diagrams (sequence diagrams, state machine diagrams, activity diagrams).</a:t>
+            </a:r>
+          </a:p>
+        </p:txBody>
+      </p:sp>
     </p:spTree>
     <p:extLst>
       <p:ext uri="{BB962C8B-B14F-4D97-AF65-F5344CB8AC3E}">
-        <p14:creationId xmlns:p14="http://schemas.microsoft.com/office/powerpoint/2010/main" val="1552594242"/>
+        <p14:creationId xmlns:p14="http://schemas.microsoft.com/office/powerpoint/2010/main" val="710029326"/>
       </p:ext>
     </p:extLst>
   </p:cSld>
@@ -4324,7 +4770,7 @@
           <p:cNvPr id="2" name="Title 1">
             <a:extLst>
               <a:ext uri="{FF2B5EF4-FFF2-40B4-BE49-F238E27FC236}">
-                <a16:creationId xmlns:a16="http://schemas.microsoft.com/office/drawing/2014/main" id="{E7E162ED-B91E-2F4F-8647-9081B3D8FE5B}"/>
+                <a16:creationId xmlns:a16="http://schemas.microsoft.com/office/drawing/2014/main" id="{71DBD2D0-E504-4E46-B672-425972770860}"/>
               </a:ext>
             </a:extLst>
           </p:cNvPr>
@@ -4339,43 +4785,175 @@
         <p:txBody>
           <a:bodyPr/>
           <a:lstStyle/>
+          <a:p>
+            <a:r>
+              <a:rPr lang="en-US" dirty="0"/>
+              <a:t>Overview</a:t>
+            </a:r>
+          </a:p>
+        </p:txBody>
+      </p:sp>
+      <p:sp>
+        <p:nvSpPr>
+          <p:cNvPr id="3" name="Content Placeholder 2">
+            <a:extLst>
+              <a:ext uri="{FF2B5EF4-FFF2-40B4-BE49-F238E27FC236}">
+                <a16:creationId xmlns:a16="http://schemas.microsoft.com/office/drawing/2014/main" id="{97721FA8-877C-0D43-AF19-4C75EECB089A}"/>
+              </a:ext>
+            </a:extLst>
+          </p:cNvPr>
+          <p:cNvSpPr>
+            <a:spLocks noGrp="1"/>
+          </p:cNvSpPr>
+          <p:nvPr>
+            <p:ph idx="1"/>
+          </p:nvPr>
+        </p:nvSpPr>
+        <p:spPr>
+          <a:xfrm>
+            <a:off x="838200" y="1825625"/>
+            <a:ext cx="10515600" cy="4895850"/>
+          </a:xfrm>
+        </p:spPr>
+        <p:txBody>
+          <a:bodyPr>
+            <a:normAutofit fontScale="92500" lnSpcReduction="20000"/>
+          </a:bodyPr>
+          <a:lstStyle/>
+          <a:p>
+            <a:r>
+              <a:rPr lang="en-US" dirty="0">
+                <a:solidFill>
+                  <a:schemeClr val="bg1">
+                    <a:lumMod val="65000"/>
+                  </a:schemeClr>
+                </a:solidFill>
+              </a:rPr>
+              <a:t>Project Description</a:t>
+            </a:r>
+          </a:p>
+          <a:p>
+            <a:endParaRPr lang="en-US" dirty="0"/>
+          </a:p>
+          <a:p>
+            <a:r>
+              <a:rPr lang="en-US" dirty="0">
+                <a:solidFill>
+                  <a:schemeClr val="bg1">
+                    <a:lumMod val="65000"/>
+                  </a:schemeClr>
+                </a:solidFill>
+              </a:rPr>
+              <a:t>Use Case Model</a:t>
+            </a:r>
+          </a:p>
+          <a:p>
+            <a:pPr lvl="1"/>
+            <a:r>
+              <a:rPr lang="en-US" dirty="0">
+                <a:solidFill>
+                  <a:schemeClr val="bg1">
+                    <a:lumMod val="65000"/>
+                  </a:schemeClr>
+                </a:solidFill>
+              </a:rPr>
+              <a:t>Use Case Diagram</a:t>
+            </a:r>
+          </a:p>
+          <a:p>
+            <a:pPr lvl="1"/>
+            <a:r>
+              <a:rPr lang="en-US" dirty="0">
+                <a:solidFill>
+                  <a:schemeClr val="bg1">
+                    <a:lumMod val="65000"/>
+                  </a:schemeClr>
+                </a:solidFill>
+              </a:rPr>
+              <a:t>Use Cases</a:t>
+            </a:r>
+          </a:p>
+          <a:p>
+            <a:endParaRPr lang="en-US" dirty="0"/>
+          </a:p>
+          <a:p>
+            <a:r>
+              <a:rPr lang="en-US" dirty="0">
+                <a:solidFill>
+                  <a:schemeClr val="bg1">
+                    <a:lumMod val="65000"/>
+                  </a:schemeClr>
+                </a:solidFill>
+              </a:rPr>
+              <a:t>Domain Model</a:t>
+            </a:r>
+          </a:p>
+          <a:p>
+            <a:pPr lvl="1"/>
+            <a:r>
+              <a:rPr lang="en-US" dirty="0">
+                <a:solidFill>
+                  <a:schemeClr val="bg1">
+                    <a:lumMod val="65000"/>
+                  </a:schemeClr>
+                </a:solidFill>
+              </a:rPr>
+              <a:t>Class Diagram</a:t>
+            </a:r>
+          </a:p>
+          <a:p>
+            <a:pPr lvl="1"/>
+            <a:r>
+              <a:rPr lang="en-US" dirty="0">
+                <a:solidFill>
+                  <a:schemeClr val="bg1">
+                    <a:lumMod val="65000"/>
+                  </a:schemeClr>
+                </a:solidFill>
+              </a:rPr>
+              <a:t>(Activity Diagrams)</a:t>
+            </a:r>
+          </a:p>
+          <a:p>
+            <a:pPr lvl="1"/>
+            <a:r>
+              <a:rPr lang="en-US" dirty="0">
+                <a:solidFill>
+                  <a:schemeClr val="bg1">
+                    <a:lumMod val="65000"/>
+                  </a:schemeClr>
+                </a:solidFill>
+              </a:rPr>
+              <a:t>Sequence Diagrams</a:t>
+            </a:r>
+          </a:p>
+          <a:p>
+            <a:pPr lvl="1"/>
+            <a:r>
+              <a:rPr lang="en-US" dirty="0">
+                <a:solidFill>
+                  <a:schemeClr val="bg1">
+                    <a:lumMod val="65000"/>
+                  </a:schemeClr>
+                </a:solidFill>
+              </a:rPr>
+              <a:t>(State Machine Diagrams)</a:t>
+            </a:r>
+          </a:p>
+          <a:p>
+            <a:endParaRPr lang="en-US" dirty="0">
+              <a:solidFill>
+                <a:schemeClr val="bg1">
+                  <a:lumMod val="65000"/>
+                </a:schemeClr>
+              </a:solidFill>
+            </a:endParaRPr>
+          </a:p>
           <a:p>
             <a:r>
               <a:rPr lang="en-US" dirty="0"/>
               <a:t>Reflection</a:t>
             </a:r>
-            <a:br>
-              <a:rPr lang="en-US" dirty="0"/>
-            </a:br>
-            <a:r>
-              <a:rPr lang="en-US" dirty="0"/>
-              <a:t>Something to Improve</a:t>
-            </a:r>
-          </a:p>
-        </p:txBody>
-      </p:sp>
-      <p:sp>
-        <p:nvSpPr>
-          <p:cNvPr id="3" name="Content Placeholder 2">
-            <a:extLst>
-              <a:ext uri="{FF2B5EF4-FFF2-40B4-BE49-F238E27FC236}">
-                <a16:creationId xmlns:a16="http://schemas.microsoft.com/office/drawing/2014/main" id="{223C465A-B74B-C248-AD77-EAB344363F9D}"/>
-              </a:ext>
-            </a:extLst>
-          </p:cNvPr>
-          <p:cNvSpPr>
-            <a:spLocks noGrp="1"/>
-          </p:cNvSpPr>
-          <p:nvPr>
-            <p:ph idx="1"/>
-          </p:nvPr>
-        </p:nvSpPr>
-        <p:spPr/>
-        <p:txBody>
-          <a:bodyPr/>
-          <a:lstStyle/>
-          <a:p>
-            <a:endParaRPr lang="en-US"/>
           </a:p>
         </p:txBody>
       </p:sp>
@@ -4384,7 +4962,7 @@
           <p:cNvPr id="4" name="Slide Number Placeholder 3">
             <a:extLst>
               <a:ext uri="{FF2B5EF4-FFF2-40B4-BE49-F238E27FC236}">
-                <a16:creationId xmlns:a16="http://schemas.microsoft.com/office/drawing/2014/main" id="{9E8FCF79-6DA7-FB44-BC45-0DCDE8B51E4F}"/>
+                <a16:creationId xmlns:a16="http://schemas.microsoft.com/office/drawing/2014/main" id="{36B3A4F1-178B-8E44-AF3E-D067B56AF78F}"/>
               </a:ext>
             </a:extLst>
           </p:cNvPr>
@@ -4411,7 +4989,7 @@
     </p:spTree>
     <p:extLst>
       <p:ext uri="{BB962C8B-B14F-4D97-AF65-F5344CB8AC3E}">
-        <p14:creationId xmlns:p14="http://schemas.microsoft.com/office/powerpoint/2010/main" val="3172186231"/>
+        <p14:creationId xmlns:p14="http://schemas.microsoft.com/office/powerpoint/2010/main" val="2581335394"/>
       </p:ext>
     </p:extLst>
   </p:cSld>
@@ -4443,6 +5021,390 @@
           <p:cNvPr id="2" name="Title 1">
             <a:extLst>
               <a:ext uri="{FF2B5EF4-FFF2-40B4-BE49-F238E27FC236}">
+                <a16:creationId xmlns:a16="http://schemas.microsoft.com/office/drawing/2014/main" id="{60F1A4C7-EB84-2441-BE19-77CA07950025}"/>
+              </a:ext>
+            </a:extLst>
+          </p:cNvPr>
+          <p:cNvSpPr>
+            <a:spLocks noGrp="1"/>
+          </p:cNvSpPr>
+          <p:nvPr>
+            <p:ph type="title"/>
+          </p:nvPr>
+        </p:nvSpPr>
+        <p:spPr/>
+        <p:txBody>
+          <a:bodyPr/>
+          <a:lstStyle/>
+          <a:p>
+            <a:r>
+              <a:rPr lang="en-US" dirty="0"/>
+              <a:t>Reflection</a:t>
+            </a:r>
+            <a:br>
+              <a:rPr lang="en-US" dirty="0"/>
+            </a:br>
+            <a:r>
+              <a:rPr lang="en-US" dirty="0"/>
+              <a:t>What went well</a:t>
+            </a:r>
+          </a:p>
+        </p:txBody>
+      </p:sp>
+      <p:sp>
+        <p:nvSpPr>
+          <p:cNvPr id="3" name="Content Placeholder 2">
+            <a:extLst>
+              <a:ext uri="{FF2B5EF4-FFF2-40B4-BE49-F238E27FC236}">
+                <a16:creationId xmlns:a16="http://schemas.microsoft.com/office/drawing/2014/main" id="{CAA5DA0C-C976-E544-8AC1-D9AF13CFD0B0}"/>
+              </a:ext>
+            </a:extLst>
+          </p:cNvPr>
+          <p:cNvSpPr>
+            <a:spLocks noGrp="1"/>
+          </p:cNvSpPr>
+          <p:nvPr>
+            <p:ph idx="1"/>
+          </p:nvPr>
+        </p:nvSpPr>
+        <p:spPr/>
+        <p:txBody>
+          <a:bodyPr vert="horz" lIns="91440" tIns="45720" rIns="91440" bIns="45720" rtlCol="0" anchor="t">
+            <a:normAutofit/>
+          </a:bodyPr>
+          <a:lstStyle/>
+          <a:p>
+            <a:r>
+              <a:rPr lang="en-US" dirty="0">
+                <a:cs typeface="Calibri"/>
+              </a:rPr>
+              <a:t>Start early. </a:t>
+            </a:r>
+          </a:p>
+          <a:p>
+            <a:endParaRPr lang="en-US" dirty="0">
+              <a:cs typeface="Calibri"/>
+            </a:endParaRPr>
+          </a:p>
+        </p:txBody>
+      </p:sp>
+      <p:sp>
+        <p:nvSpPr>
+          <p:cNvPr id="4" name="Slide Number Placeholder 3">
+            <a:extLst>
+              <a:ext uri="{FF2B5EF4-FFF2-40B4-BE49-F238E27FC236}">
+                <a16:creationId xmlns:a16="http://schemas.microsoft.com/office/drawing/2014/main" id="{20F935D9-B521-9044-A1D1-73B1EDF71D62}"/>
+              </a:ext>
+            </a:extLst>
+          </p:cNvPr>
+          <p:cNvSpPr>
+            <a:spLocks noGrp="1"/>
+          </p:cNvSpPr>
+          <p:nvPr>
+            <p:ph type="sldNum" sz="quarter" idx="12"/>
+          </p:nvPr>
+        </p:nvSpPr>
+        <p:spPr/>
+        <p:txBody>
+          <a:bodyPr/>
+          <a:lstStyle/>
+          <a:p>
+            <a:fld id="{59467819-B74A-7D46-BC68-B37107E692DD}" type="slidenum">
+              <a:rPr lang="en-US" smtClean="0"/>
+              <a:t>14</a:t>
+            </a:fld>
+            <a:endParaRPr lang="en-US"/>
+          </a:p>
+        </p:txBody>
+      </p:sp>
+    </p:spTree>
+    <p:extLst>
+      <p:ext uri="{BB962C8B-B14F-4D97-AF65-F5344CB8AC3E}">
+        <p14:creationId xmlns:p14="http://schemas.microsoft.com/office/powerpoint/2010/main" val="2321060829"/>
+      </p:ext>
+    </p:extLst>
+  </p:cSld>
+  <p:clrMapOvr>
+    <a:masterClrMapping/>
+  </p:clrMapOvr>
+</p:sld>
+</file>
+
+<file path=ppt/slides/slide15.xml><?xml version="1.0" encoding="utf-8"?>
+<p:sld xmlns:a="http://schemas.openxmlformats.org/drawingml/2006/main" xmlns:r="http://schemas.openxmlformats.org/officeDocument/2006/relationships" xmlns:p="http://schemas.openxmlformats.org/presentationml/2006/main">
+  <p:cSld>
+    <p:spTree>
+      <p:nvGrpSpPr>
+        <p:cNvPr id="1" name=""/>
+        <p:cNvGrpSpPr/>
+        <p:nvPr/>
+      </p:nvGrpSpPr>
+      <p:grpSpPr>
+        <a:xfrm>
+          <a:off x="0" y="0"/>
+          <a:ext cx="0" cy="0"/>
+          <a:chOff x="0" y="0"/>
+          <a:chExt cx="0" cy="0"/>
+        </a:xfrm>
+      </p:grpSpPr>
+      <p:sp>
+        <p:nvSpPr>
+          <p:cNvPr id="2" name="Title 1">
+            <a:extLst>
+              <a:ext uri="{FF2B5EF4-FFF2-40B4-BE49-F238E27FC236}">
+                <a16:creationId xmlns:a16="http://schemas.microsoft.com/office/drawing/2014/main" id="{5C77787A-9B5F-414B-98B2-328E9D587759}"/>
+              </a:ext>
+            </a:extLst>
+          </p:cNvPr>
+          <p:cNvSpPr>
+            <a:spLocks noGrp="1"/>
+          </p:cNvSpPr>
+          <p:nvPr>
+            <p:ph type="title"/>
+          </p:nvPr>
+        </p:nvSpPr>
+        <p:spPr/>
+        <p:txBody>
+          <a:bodyPr/>
+          <a:lstStyle/>
+          <a:p>
+            <a:r>
+              <a:rPr lang="en-US" dirty="0"/>
+              <a:t>Reflection</a:t>
+            </a:r>
+            <a:br>
+              <a:rPr lang="en-US" dirty="0"/>
+            </a:br>
+            <a:r>
+              <a:rPr lang="en-US" dirty="0"/>
+              <a:t>What didn’t go well</a:t>
+            </a:r>
+          </a:p>
+        </p:txBody>
+      </p:sp>
+      <p:sp>
+        <p:nvSpPr>
+          <p:cNvPr id="3" name="Content Placeholder 2">
+            <a:extLst>
+              <a:ext uri="{FF2B5EF4-FFF2-40B4-BE49-F238E27FC236}">
+                <a16:creationId xmlns:a16="http://schemas.microsoft.com/office/drawing/2014/main" id="{D43E40C2-C032-9041-B259-5483E0C0DAC0}"/>
+              </a:ext>
+            </a:extLst>
+          </p:cNvPr>
+          <p:cNvSpPr>
+            <a:spLocks noGrp="1"/>
+          </p:cNvSpPr>
+          <p:nvPr>
+            <p:ph idx="1"/>
+          </p:nvPr>
+        </p:nvSpPr>
+        <p:spPr/>
+        <p:txBody>
+          <a:bodyPr/>
+          <a:lstStyle/>
+          <a:p>
+            <a:endParaRPr lang="en-US"/>
+          </a:p>
+        </p:txBody>
+      </p:sp>
+      <p:sp>
+        <p:nvSpPr>
+          <p:cNvPr id="4" name="Slide Number Placeholder 3">
+            <a:extLst>
+              <a:ext uri="{FF2B5EF4-FFF2-40B4-BE49-F238E27FC236}">
+                <a16:creationId xmlns:a16="http://schemas.microsoft.com/office/drawing/2014/main" id="{B1955E28-13FF-3A4C-BE9B-09A862B654B7}"/>
+              </a:ext>
+            </a:extLst>
+          </p:cNvPr>
+          <p:cNvSpPr>
+            <a:spLocks noGrp="1"/>
+          </p:cNvSpPr>
+          <p:nvPr>
+            <p:ph type="sldNum" sz="quarter" idx="12"/>
+          </p:nvPr>
+        </p:nvSpPr>
+        <p:spPr/>
+        <p:txBody>
+          <a:bodyPr/>
+          <a:lstStyle/>
+          <a:p>
+            <a:fld id="{59467819-B74A-7D46-BC68-B37107E692DD}" type="slidenum">
+              <a:rPr lang="en-US" smtClean="0"/>
+              <a:t>15</a:t>
+            </a:fld>
+            <a:endParaRPr lang="en-US"/>
+          </a:p>
+        </p:txBody>
+      </p:sp>
+    </p:spTree>
+    <p:extLst>
+      <p:ext uri="{BB962C8B-B14F-4D97-AF65-F5344CB8AC3E}">
+        <p14:creationId xmlns:p14="http://schemas.microsoft.com/office/powerpoint/2010/main" val="1552594242"/>
+      </p:ext>
+    </p:extLst>
+  </p:cSld>
+  <p:clrMapOvr>
+    <a:masterClrMapping/>
+  </p:clrMapOvr>
+</p:sld>
+</file>
+
+<file path=ppt/slides/slide16.xml><?xml version="1.0" encoding="utf-8"?>
+<p:sld xmlns:a="http://schemas.openxmlformats.org/drawingml/2006/main" xmlns:r="http://schemas.openxmlformats.org/officeDocument/2006/relationships" xmlns:p="http://schemas.openxmlformats.org/presentationml/2006/main">
+  <p:cSld>
+    <p:spTree>
+      <p:nvGrpSpPr>
+        <p:cNvPr id="1" name=""/>
+        <p:cNvGrpSpPr/>
+        <p:nvPr/>
+      </p:nvGrpSpPr>
+      <p:grpSpPr>
+        <a:xfrm>
+          <a:off x="0" y="0"/>
+          <a:ext cx="0" cy="0"/>
+          <a:chOff x="0" y="0"/>
+          <a:chExt cx="0" cy="0"/>
+        </a:xfrm>
+      </p:grpSpPr>
+      <p:sp>
+        <p:nvSpPr>
+          <p:cNvPr id="2" name="Title 1">
+            <a:extLst>
+              <a:ext uri="{FF2B5EF4-FFF2-40B4-BE49-F238E27FC236}">
+                <a16:creationId xmlns:a16="http://schemas.microsoft.com/office/drawing/2014/main" id="{E7E162ED-B91E-2F4F-8647-9081B3D8FE5B}"/>
+              </a:ext>
+            </a:extLst>
+          </p:cNvPr>
+          <p:cNvSpPr>
+            <a:spLocks noGrp="1"/>
+          </p:cNvSpPr>
+          <p:nvPr>
+            <p:ph type="title"/>
+          </p:nvPr>
+        </p:nvSpPr>
+        <p:spPr/>
+        <p:txBody>
+          <a:bodyPr/>
+          <a:lstStyle/>
+          <a:p>
+            <a:r>
+              <a:rPr lang="en-US" dirty="0"/>
+              <a:t>Reflection</a:t>
+            </a:r>
+            <a:br>
+              <a:rPr lang="en-US" dirty="0"/>
+            </a:br>
+            <a:r>
+              <a:rPr lang="en-US" dirty="0"/>
+              <a:t>Something to Improve</a:t>
+            </a:r>
+          </a:p>
+        </p:txBody>
+      </p:sp>
+      <p:sp>
+        <p:nvSpPr>
+          <p:cNvPr id="3" name="Content Placeholder 2">
+            <a:extLst>
+              <a:ext uri="{FF2B5EF4-FFF2-40B4-BE49-F238E27FC236}">
+                <a16:creationId xmlns:a16="http://schemas.microsoft.com/office/drawing/2014/main" id="{223C465A-B74B-C248-AD77-EAB344363F9D}"/>
+              </a:ext>
+            </a:extLst>
+          </p:cNvPr>
+          <p:cNvSpPr>
+            <a:spLocks noGrp="1"/>
+          </p:cNvSpPr>
+          <p:nvPr>
+            <p:ph idx="1"/>
+          </p:nvPr>
+        </p:nvSpPr>
+        <p:spPr/>
+        <p:txBody>
+          <a:bodyPr vert="horz" lIns="91440" tIns="45720" rIns="91440" bIns="45720" rtlCol="0" anchor="t">
+            <a:normAutofit/>
+          </a:bodyPr>
+          <a:lstStyle/>
+          <a:p>
+            <a:r>
+              <a:rPr lang="en-US" dirty="0">
+                <a:cs typeface="Calibri"/>
+              </a:rPr>
+              <a:t>Coding language to use.</a:t>
+            </a:r>
+          </a:p>
+          <a:p>
+            <a:r>
+              <a:rPr lang="en-US" dirty="0">
+                <a:cs typeface="Calibri"/>
+              </a:rPr>
+              <a:t>Be specific with the attributes and methods</a:t>
+            </a:r>
+          </a:p>
+        </p:txBody>
+      </p:sp>
+      <p:sp>
+        <p:nvSpPr>
+          <p:cNvPr id="4" name="Slide Number Placeholder 3">
+            <a:extLst>
+              <a:ext uri="{FF2B5EF4-FFF2-40B4-BE49-F238E27FC236}">
+                <a16:creationId xmlns:a16="http://schemas.microsoft.com/office/drawing/2014/main" id="{9E8FCF79-6DA7-FB44-BC45-0DCDE8B51E4F}"/>
+              </a:ext>
+            </a:extLst>
+          </p:cNvPr>
+          <p:cNvSpPr>
+            <a:spLocks noGrp="1"/>
+          </p:cNvSpPr>
+          <p:nvPr>
+            <p:ph type="sldNum" sz="quarter" idx="12"/>
+          </p:nvPr>
+        </p:nvSpPr>
+        <p:spPr/>
+        <p:txBody>
+          <a:bodyPr/>
+          <a:lstStyle/>
+          <a:p>
+            <a:fld id="{59467819-B74A-7D46-BC68-B37107E692DD}" type="slidenum">
+              <a:rPr lang="en-US" smtClean="0"/>
+              <a:t>16</a:t>
+            </a:fld>
+            <a:endParaRPr lang="en-US"/>
+          </a:p>
+        </p:txBody>
+      </p:sp>
+    </p:spTree>
+    <p:extLst>
+      <p:ext uri="{BB962C8B-B14F-4D97-AF65-F5344CB8AC3E}">
+        <p14:creationId xmlns:p14="http://schemas.microsoft.com/office/powerpoint/2010/main" val="3172186231"/>
+      </p:ext>
+    </p:extLst>
+  </p:cSld>
+  <p:clrMapOvr>
+    <a:masterClrMapping/>
+  </p:clrMapOvr>
+</p:sld>
+</file>
+
+<file path=ppt/slides/slide17.xml><?xml version="1.0" encoding="utf-8"?>
+<p:sld xmlns:a="http://schemas.openxmlformats.org/drawingml/2006/main" xmlns:r="http://schemas.openxmlformats.org/officeDocument/2006/relationships" xmlns:p="http://schemas.openxmlformats.org/presentationml/2006/main">
+  <p:cSld>
+    <p:spTree>
+      <p:nvGrpSpPr>
+        <p:cNvPr id="1" name=""/>
+        <p:cNvGrpSpPr/>
+        <p:nvPr/>
+      </p:nvGrpSpPr>
+      <p:grpSpPr>
+        <a:xfrm>
+          <a:off x="0" y="0"/>
+          <a:ext cx="0" cy="0"/>
+          <a:chOff x="0" y="0"/>
+          <a:chExt cx="0" cy="0"/>
+        </a:xfrm>
+      </p:grpSpPr>
+      <p:sp>
+        <p:nvSpPr>
+          <p:cNvPr id="2" name="Title 1">
+            <a:extLst>
+              <a:ext uri="{FF2B5EF4-FFF2-40B4-BE49-F238E27FC236}">
                 <a16:creationId xmlns:a16="http://schemas.microsoft.com/office/drawing/2014/main" id="{71DBD2D0-E504-4E46-B672-425972770860}"/>
               </a:ext>
             </a:extLst>
@@ -4593,7 +5555,7 @@
           <a:p>
             <a:fld id="{59467819-B74A-7D46-BC68-B37107E692DD}" type="slidenum">
               <a:rPr lang="en-US" smtClean="0"/>
-              <a:t>14</a:t>
+              <a:t>17</a:t>
             </a:fld>
             <a:endParaRPr lang="en-US"/>
           </a:p>
@@ -4680,8 +5642,8 @@
           </a:xfrm>
         </p:spPr>
         <p:txBody>
-          <a:bodyPr>
-            <a:normAutofit fontScale="92500" lnSpcReduction="20000"/>
+          <a:bodyPr vert="horz" lIns="91440" tIns="45720" rIns="91440" bIns="45720" rtlCol="0" anchor="t">
+            <a:normAutofit lnSpcReduction="10000"/>
           </a:bodyPr>
           <a:lstStyle/>
           <a:p>
@@ -4733,25 +5695,19 @@
             <a:pPr lvl="1"/>
             <a:r>
               <a:rPr lang="en-US" dirty="0"/>
-              <a:t>(Activity Diagrams)</a:t>
-            </a:r>
-          </a:p>
-          <a:p>
-            <a:pPr lvl="1"/>
-            <a:r>
-              <a:rPr lang="en-US" dirty="0"/>
               <a:t>Sequence Diagrams</a:t>
             </a:r>
-          </a:p>
-          <a:p>
-            <a:pPr lvl="1"/>
-            <a:r>
-              <a:rPr lang="en-US" dirty="0"/>
-              <a:t>(State Machine Diagrams)</a:t>
-            </a:r>
-          </a:p>
-          <a:p>
-            <a:endParaRPr lang="en-US" dirty="0"/>
+            <a:endParaRPr lang="en-US" dirty="0">
+              <a:cs typeface="Calibri" panose="020F0502020204030204"/>
+            </a:endParaRPr>
+          </a:p>
+          <a:p>
+            <a:pPr marL="0" indent="0">
+              <a:buNone/>
+            </a:pPr>
+            <a:endParaRPr lang="en-US" dirty="0">
+              <a:cs typeface="Calibri" panose="020F0502020204030204"/>
+            </a:endParaRPr>
           </a:p>
           <a:p>
             <a:r>
@@ -4787,112 +5743,6 @@
               <a:t>2</a:t>
             </a:fld>
             <a:endParaRPr lang="en-US"/>
-          </a:p>
-        </p:txBody>
-      </p:sp>
-      <p:sp>
-        <p:nvSpPr>
-          <p:cNvPr id="5" name="Rounded Rectangular Callout 4">
-            <a:extLst>
-              <a:ext uri="{FF2B5EF4-FFF2-40B4-BE49-F238E27FC236}">
-                <a16:creationId xmlns:a16="http://schemas.microsoft.com/office/drawing/2014/main" id="{1A5CD76B-8979-7740-BBDC-0289949BEDF7}"/>
-              </a:ext>
-            </a:extLst>
-          </p:cNvPr>
-          <p:cNvSpPr/>
-          <p:nvPr/>
-        </p:nvSpPr>
-        <p:spPr>
-          <a:xfrm>
-            <a:off x="5931243" y="3744097"/>
-            <a:ext cx="2446638" cy="556054"/>
-          </a:xfrm>
-          <a:prstGeom prst="wedgeRoundRectCallout">
-            <a:avLst>
-              <a:gd name="adj1" fmla="val -137500"/>
-              <a:gd name="adj2" fmla="val 140278"/>
-              <a:gd name="adj3" fmla="val 16667"/>
-            </a:avLst>
-          </a:prstGeom>
-        </p:spPr>
-        <p:style>
-          <a:lnRef idx="2">
-            <a:schemeClr val="accent1">
-              <a:shade val="50000"/>
-            </a:schemeClr>
-          </a:lnRef>
-          <a:fillRef idx="1">
-            <a:schemeClr val="accent1"/>
-          </a:fillRef>
-          <a:effectRef idx="0">
-            <a:schemeClr val="accent1"/>
-          </a:effectRef>
-          <a:fontRef idx="minor">
-            <a:schemeClr val="lt1"/>
-          </a:fontRef>
-        </p:style>
-        <p:txBody>
-          <a:bodyPr rtlCol="0" anchor="ctr"/>
-          <a:lstStyle/>
-          <a:p>
-            <a:pPr algn="ctr"/>
-            <a:r>
-              <a:rPr lang="en-US" dirty="0"/>
-              <a:t>Only if you prepared any activity diagrams</a:t>
-            </a:r>
-          </a:p>
-        </p:txBody>
-      </p:sp>
-      <p:sp>
-        <p:nvSpPr>
-          <p:cNvPr id="6" name="Rounded Rectangular Callout 5">
-            <a:extLst>
-              <a:ext uri="{FF2B5EF4-FFF2-40B4-BE49-F238E27FC236}">
-                <a16:creationId xmlns:a16="http://schemas.microsoft.com/office/drawing/2014/main" id="{74607038-BF1E-3D4A-961F-BC3910F5AA27}"/>
-              </a:ext>
-            </a:extLst>
-          </p:cNvPr>
-          <p:cNvSpPr/>
-          <p:nvPr/>
-        </p:nvSpPr>
-        <p:spPr>
-          <a:xfrm>
-            <a:off x="5931242" y="5379308"/>
-            <a:ext cx="2679357" cy="556054"/>
-          </a:xfrm>
-          <a:prstGeom prst="wedgeRoundRectCallout">
-            <a:avLst>
-              <a:gd name="adj1" fmla="val -105682"/>
-              <a:gd name="adj2" fmla="val -46389"/>
-              <a:gd name="adj3" fmla="val 16667"/>
-            </a:avLst>
-          </a:prstGeom>
-        </p:spPr>
-        <p:style>
-          <a:lnRef idx="2">
-            <a:schemeClr val="accent1">
-              <a:shade val="50000"/>
-            </a:schemeClr>
-          </a:lnRef>
-          <a:fillRef idx="1">
-            <a:schemeClr val="accent1"/>
-          </a:fillRef>
-          <a:effectRef idx="0">
-            <a:schemeClr val="accent1"/>
-          </a:effectRef>
-          <a:fontRef idx="minor">
-            <a:schemeClr val="lt1"/>
-          </a:fontRef>
-        </p:style>
-        <p:txBody>
-          <a:bodyPr rtlCol="0" anchor="ctr"/>
-          <a:lstStyle/>
-          <a:p>
-            <a:pPr algn="ctr"/>
-            <a:r>
-              <a:rPr lang="en-US" dirty="0"/>
-              <a:t>Only if you prepared any state machine diagrams</a:t>
-            </a:r>
           </a:p>
         </p:txBody>
       </p:sp>
@@ -4931,7 +5781,7 @@
           <p:cNvPr id="2" name="Title 1">
             <a:extLst>
               <a:ext uri="{FF2B5EF4-FFF2-40B4-BE49-F238E27FC236}">
-                <a16:creationId xmlns:a16="http://schemas.microsoft.com/office/drawing/2014/main" id="{EED52289-4F84-5446-8275-81FBE462287C}"/>
+                <a16:creationId xmlns:a16="http://schemas.microsoft.com/office/drawing/2014/main" id="{7954D10D-0750-447E-AC5A-70AF1F3038F1}"/>
               </a:ext>
             </a:extLst>
           </p:cNvPr>
@@ -4942,40 +5792,20 @@
             <p:ph type="title"/>
           </p:nvPr>
         </p:nvSpPr>
-        <p:spPr/>
+        <p:spPr>
+          <a:xfrm>
+            <a:off x="838200" y="365125"/>
+            <a:ext cx="10515600" cy="1325563"/>
+          </a:xfrm>
+        </p:spPr>
         <p:txBody>
           <a:bodyPr/>
           <a:lstStyle/>
           <a:p>
             <a:r>
               <a:rPr lang="en-US" dirty="0"/>
-              <a:t>Project Overview</a:t>
-            </a:r>
-          </a:p>
-        </p:txBody>
-      </p:sp>
-      <p:sp>
-        <p:nvSpPr>
-          <p:cNvPr id="3" name="Content Placeholder 2">
-            <a:extLst>
-              <a:ext uri="{FF2B5EF4-FFF2-40B4-BE49-F238E27FC236}">
-                <a16:creationId xmlns:a16="http://schemas.microsoft.com/office/drawing/2014/main" id="{2458A0A8-D52C-5645-A5A5-187BFF4A40EF}"/>
-              </a:ext>
-            </a:extLst>
-          </p:cNvPr>
-          <p:cNvSpPr>
-            <a:spLocks noGrp="1"/>
-          </p:cNvSpPr>
-          <p:nvPr>
-            <p:ph idx="1"/>
-          </p:nvPr>
-        </p:nvSpPr>
-        <p:spPr/>
-        <p:txBody>
-          <a:bodyPr/>
-          <a:lstStyle/>
-          <a:p>
-            <a:endParaRPr lang="en-US"/>
+              <a:t>Our client</a:t>
+            </a:r>
           </a:p>
         </p:txBody>
       </p:sp>
@@ -4984,7 +5814,7 @@
           <p:cNvPr id="4" name="Slide Number Placeholder 3">
             <a:extLst>
               <a:ext uri="{FF2B5EF4-FFF2-40B4-BE49-F238E27FC236}">
-                <a16:creationId xmlns:a16="http://schemas.microsoft.com/office/drawing/2014/main" id="{5123D5F3-CC13-484A-A9BA-1F5A2D275F1D}"/>
+                <a16:creationId xmlns:a16="http://schemas.microsoft.com/office/drawing/2014/main" id="{D37E0E9B-FFE4-41F0-8A7F-08B7B35B1ACE}"/>
               </a:ext>
             </a:extLst>
           </p:cNvPr>
@@ -4995,7 +5825,12 @@
             <p:ph type="sldNum" sz="quarter" idx="12"/>
           </p:nvPr>
         </p:nvSpPr>
-        <p:spPr/>
+        <p:spPr>
+          <a:xfrm>
+            <a:off x="8610600" y="6356350"/>
+            <a:ext cx="2743200" cy="365125"/>
+          </a:xfrm>
+        </p:spPr>
         <p:txBody>
           <a:bodyPr/>
           <a:lstStyle/>
@@ -5004,6 +5839,161 @@
               <a:rPr lang="en-US" smtClean="0"/>
               <a:t>3</a:t>
             </a:fld>
+            <a:endParaRPr lang="en-US" dirty="0"/>
+          </a:p>
+        </p:txBody>
+      </p:sp>
+      <p:pic>
+        <p:nvPicPr>
+          <p:cNvPr id="6" name="Picture 5" descr="A drawing of a cartoon character&#10;&#10;Description automatically generated">
+            <a:extLst>
+              <a:ext uri="{FF2B5EF4-FFF2-40B4-BE49-F238E27FC236}">
+                <a16:creationId xmlns:a16="http://schemas.microsoft.com/office/drawing/2014/main" id="{BC58F36A-047C-4F2A-BF0E-98292A018052}"/>
+              </a:ext>
+            </a:extLst>
+          </p:cNvPr>
+          <p:cNvPicPr>
+            <a:picLocks noChangeAspect="1"/>
+          </p:cNvPicPr>
+          <p:nvPr/>
+        </p:nvPicPr>
+        <p:blipFill>
+          <a:blip r:embed="rId2"/>
+          <a:stretch>
+            <a:fillRect/>
+          </a:stretch>
+        </p:blipFill>
+        <p:spPr>
+          <a:xfrm>
+            <a:off x="1424940" y="3429000"/>
+            <a:ext cx="1981200" cy="2314575"/>
+          </a:xfrm>
+          <a:prstGeom prst="rect">
+            <a:avLst/>
+          </a:prstGeom>
+        </p:spPr>
+      </p:pic>
+      <p:sp>
+        <p:nvSpPr>
+          <p:cNvPr id="7" name="TextBox 6">
+            <a:extLst>
+              <a:ext uri="{FF2B5EF4-FFF2-40B4-BE49-F238E27FC236}">
+                <a16:creationId xmlns:a16="http://schemas.microsoft.com/office/drawing/2014/main" id="{665CC3AB-F755-4097-A06C-133D8502D296}"/>
+              </a:ext>
+            </a:extLst>
+          </p:cNvPr>
+          <p:cNvSpPr txBox="1"/>
+          <p:nvPr/>
+        </p:nvSpPr>
+        <p:spPr>
+          <a:xfrm>
+            <a:off x="698980" y="2847099"/>
+            <a:ext cx="2552220" cy="369332"/>
+          </a:xfrm>
+          <a:prstGeom prst="rect">
+            <a:avLst/>
+          </a:prstGeom>
+          <a:noFill/>
+        </p:spPr>
+        <p:txBody>
+          <a:bodyPr wrap="square" rtlCol="0">
+            <a:spAutoFit/>
+          </a:bodyPr>
+          <a:lstStyle/>
+          <a:p>
+            <a:r>
+              <a:rPr lang="en-US" dirty="0"/>
+              <a:t>The Pac Mayor man</a:t>
+            </a:r>
+          </a:p>
+        </p:txBody>
+      </p:sp>
+      <p:pic>
+        <p:nvPicPr>
+          <p:cNvPr id="9" name="Picture 8" descr="A picture containing object&#10;&#10;Description automatically generated">
+            <a:extLst>
+              <a:ext uri="{FF2B5EF4-FFF2-40B4-BE49-F238E27FC236}">
+                <a16:creationId xmlns:a16="http://schemas.microsoft.com/office/drawing/2014/main" id="{3DFE67D1-6639-43DA-939E-72762872DA9D}"/>
+              </a:ext>
+            </a:extLst>
+          </p:cNvPr>
+          <p:cNvPicPr>
+            <a:picLocks noChangeAspect="1"/>
+          </p:cNvPicPr>
+          <p:nvPr/>
+        </p:nvPicPr>
+        <p:blipFill>
+          <a:blip r:embed="rId3"/>
+          <a:stretch>
+            <a:fillRect/>
+          </a:stretch>
+        </p:blipFill>
+        <p:spPr>
+          <a:xfrm>
+            <a:off x="4905847" y="1558819"/>
+            <a:ext cx="3704753" cy="4757944"/>
+          </a:xfrm>
+          <a:prstGeom prst="rect">
+            <a:avLst/>
+          </a:prstGeom>
+        </p:spPr>
+      </p:pic>
+      <p:sp>
+        <p:nvSpPr>
+          <p:cNvPr id="10" name="TextBox 9">
+            <a:extLst>
+              <a:ext uri="{FF2B5EF4-FFF2-40B4-BE49-F238E27FC236}">
+                <a16:creationId xmlns:a16="http://schemas.microsoft.com/office/drawing/2014/main" id="{2B61CAA9-B8F3-4953-BDAF-F4AA1C5C8142}"/>
+              </a:ext>
+            </a:extLst>
+          </p:cNvPr>
+          <p:cNvSpPr txBox="1"/>
+          <p:nvPr/>
+        </p:nvSpPr>
+        <p:spPr>
+          <a:xfrm>
+            <a:off x="6013751" y="971817"/>
+            <a:ext cx="2989943" cy="492443"/>
+          </a:xfrm>
+          <a:prstGeom prst="rect">
+            <a:avLst/>
+          </a:prstGeom>
+          <a:noFill/>
+        </p:spPr>
+        <p:txBody>
+          <a:bodyPr wrap="square" rtlCol="0">
+            <a:spAutoFit/>
+          </a:bodyPr>
+          <a:lstStyle/>
+          <a:p>
+            <a:r>
+              <a:rPr lang="en-US" sz="2600" dirty="0"/>
+              <a:t>Pixi City</a:t>
+            </a:r>
+          </a:p>
+        </p:txBody>
+      </p:sp>
+      <p:sp>
+        <p:nvSpPr>
+          <p:cNvPr id="12" name="Content Placeholder 11">
+            <a:extLst>
+              <a:ext uri="{FF2B5EF4-FFF2-40B4-BE49-F238E27FC236}">
+                <a16:creationId xmlns:a16="http://schemas.microsoft.com/office/drawing/2014/main" id="{9A82F9AC-0500-4827-950F-CED32711FED7}"/>
+              </a:ext>
+            </a:extLst>
+          </p:cNvPr>
+          <p:cNvSpPr>
+            <a:spLocks noGrp="1"/>
+          </p:cNvSpPr>
+          <p:nvPr>
+            <p:ph idx="1"/>
+          </p:nvPr>
+        </p:nvSpPr>
+        <p:spPr/>
+        <p:txBody>
+          <a:bodyPr/>
+          <a:lstStyle/>
+          <a:p>
             <a:endParaRPr lang="en-US"/>
           </a:p>
         </p:txBody>
@@ -5011,13 +6001,225 @@
     </p:spTree>
     <p:extLst>
       <p:ext uri="{BB962C8B-B14F-4D97-AF65-F5344CB8AC3E}">
-        <p14:creationId xmlns:p14="http://schemas.microsoft.com/office/powerpoint/2010/main" val="4243173223"/>
+        <p14:creationId xmlns:p14="http://schemas.microsoft.com/office/powerpoint/2010/main" val="1584519945"/>
       </p:ext>
     </p:extLst>
   </p:cSld>
   <p:clrMapOvr>
     <a:masterClrMapping/>
   </p:clrMapOvr>
+  <p:timing>
+    <p:tnLst>
+      <p:par>
+        <p:cTn id="1" dur="indefinite" restart="never" nodeType="tmRoot">
+          <p:childTnLst>
+            <p:seq concurrent="1" nextAc="seek">
+              <p:cTn id="2" dur="indefinite" nodeType="mainSeq">
+                <p:childTnLst>
+                  <p:par>
+                    <p:cTn id="3" fill="hold">
+                      <p:stCondLst>
+                        <p:cond delay="indefinite"/>
+                      </p:stCondLst>
+                      <p:childTnLst>
+                        <p:par>
+                          <p:cTn id="4" fill="hold">
+                            <p:stCondLst>
+                              <p:cond delay="0"/>
+                            </p:stCondLst>
+                            <p:childTnLst>
+                              <p:par>
+                                <p:cTn id="5" presetID="2" presetClass="entr" presetSubtype="4" fill="hold" nodeType="clickEffect">
+                                  <p:stCondLst>
+                                    <p:cond delay="0"/>
+                                  </p:stCondLst>
+                                  <p:childTnLst>
+                                    <p:set>
+                                      <p:cBhvr>
+                                        <p:cTn id="6" dur="1" fill="hold">
+                                          <p:stCondLst>
+                                            <p:cond delay="0"/>
+                                          </p:stCondLst>
+                                        </p:cTn>
+                                        <p:tgtEl>
+                                          <p:spTgt spid="6"/>
+                                        </p:tgtEl>
+                                        <p:attrNameLst>
+                                          <p:attrName>style.visibility</p:attrName>
+                                        </p:attrNameLst>
+                                      </p:cBhvr>
+                                      <p:to>
+                                        <p:strVal val="visible"/>
+                                      </p:to>
+                                    </p:set>
+                                    <p:anim calcmode="lin" valueType="num">
+                                      <p:cBhvr additive="base">
+                                        <p:cTn id="7" dur="500" fill="hold"/>
+                                        <p:tgtEl>
+                                          <p:spTgt spid="6"/>
+                                        </p:tgtEl>
+                                        <p:attrNameLst>
+                                          <p:attrName>ppt_x</p:attrName>
+                                        </p:attrNameLst>
+                                      </p:cBhvr>
+                                      <p:tavLst>
+                                        <p:tav tm="0">
+                                          <p:val>
+                                            <p:strVal val="#ppt_x"/>
+                                          </p:val>
+                                        </p:tav>
+                                        <p:tav tm="100000">
+                                          <p:val>
+                                            <p:strVal val="#ppt_x"/>
+                                          </p:val>
+                                        </p:tav>
+                                      </p:tavLst>
+                                    </p:anim>
+                                    <p:anim calcmode="lin" valueType="num">
+                                      <p:cBhvr additive="base">
+                                        <p:cTn id="8" dur="500" fill="hold"/>
+                                        <p:tgtEl>
+                                          <p:spTgt spid="6"/>
+                                        </p:tgtEl>
+                                        <p:attrNameLst>
+                                          <p:attrName>ppt_y</p:attrName>
+                                        </p:attrNameLst>
+                                      </p:cBhvr>
+                                      <p:tavLst>
+                                        <p:tav tm="0">
+                                          <p:val>
+                                            <p:strVal val="1+#ppt_h/2"/>
+                                          </p:val>
+                                        </p:tav>
+                                        <p:tav tm="100000">
+                                          <p:val>
+                                            <p:strVal val="#ppt_y"/>
+                                          </p:val>
+                                        </p:tav>
+                                      </p:tavLst>
+                                    </p:anim>
+                                  </p:childTnLst>
+                                </p:cTn>
+                              </p:par>
+                            </p:childTnLst>
+                          </p:cTn>
+                        </p:par>
+                      </p:childTnLst>
+                    </p:cTn>
+                  </p:par>
+                  <p:par>
+                    <p:cTn id="9" fill="hold">
+                      <p:stCondLst>
+                        <p:cond delay="indefinite"/>
+                      </p:stCondLst>
+                      <p:childTnLst>
+                        <p:par>
+                          <p:cTn id="10" fill="hold">
+                            <p:stCondLst>
+                              <p:cond delay="0"/>
+                            </p:stCondLst>
+                            <p:childTnLst>
+                              <p:par>
+                                <p:cTn id="11" presetID="2" presetClass="entr" presetSubtype="4" fill="hold" nodeType="clickEffect">
+                                  <p:stCondLst>
+                                    <p:cond delay="0"/>
+                                  </p:stCondLst>
+                                  <p:childTnLst>
+                                    <p:set>
+                                      <p:cBhvr>
+                                        <p:cTn id="12" dur="1" fill="hold">
+                                          <p:stCondLst>
+                                            <p:cond delay="0"/>
+                                          </p:stCondLst>
+                                        </p:cTn>
+                                        <p:tgtEl>
+                                          <p:spTgt spid="9"/>
+                                        </p:tgtEl>
+                                        <p:attrNameLst>
+                                          <p:attrName>style.visibility</p:attrName>
+                                        </p:attrNameLst>
+                                      </p:cBhvr>
+                                      <p:to>
+                                        <p:strVal val="visible"/>
+                                      </p:to>
+                                    </p:set>
+                                    <p:anim calcmode="lin" valueType="num">
+                                      <p:cBhvr additive="base">
+                                        <p:cTn id="13" dur="500" fill="hold"/>
+                                        <p:tgtEl>
+                                          <p:spTgt spid="9"/>
+                                        </p:tgtEl>
+                                        <p:attrNameLst>
+                                          <p:attrName>ppt_x</p:attrName>
+                                        </p:attrNameLst>
+                                      </p:cBhvr>
+                                      <p:tavLst>
+                                        <p:tav tm="0">
+                                          <p:val>
+                                            <p:strVal val="#ppt_x"/>
+                                          </p:val>
+                                        </p:tav>
+                                        <p:tav tm="100000">
+                                          <p:val>
+                                            <p:strVal val="#ppt_x"/>
+                                          </p:val>
+                                        </p:tav>
+                                      </p:tavLst>
+                                    </p:anim>
+                                    <p:anim calcmode="lin" valueType="num">
+                                      <p:cBhvr additive="base">
+                                        <p:cTn id="14" dur="500" fill="hold"/>
+                                        <p:tgtEl>
+                                          <p:spTgt spid="9"/>
+                                        </p:tgtEl>
+                                        <p:attrNameLst>
+                                          <p:attrName>ppt_y</p:attrName>
+                                        </p:attrNameLst>
+                                      </p:cBhvr>
+                                      <p:tavLst>
+                                        <p:tav tm="0">
+                                          <p:val>
+                                            <p:strVal val="1+#ppt_h/2"/>
+                                          </p:val>
+                                        </p:tav>
+                                        <p:tav tm="100000">
+                                          <p:val>
+                                            <p:strVal val="#ppt_y"/>
+                                          </p:val>
+                                        </p:tav>
+                                      </p:tavLst>
+                                    </p:anim>
+                                  </p:childTnLst>
+                                </p:cTn>
+                              </p:par>
+                            </p:childTnLst>
+                          </p:cTn>
+                        </p:par>
+                      </p:childTnLst>
+                    </p:cTn>
+                  </p:par>
+                </p:childTnLst>
+              </p:cTn>
+              <p:prevCondLst>
+                <p:cond evt="onPrev" delay="0">
+                  <p:tgtEl>
+                    <p:sldTgt/>
+                  </p:tgtEl>
+                </p:cond>
+              </p:prevCondLst>
+              <p:nextCondLst>
+                <p:cond evt="onNext" delay="0">
+                  <p:tgtEl>
+                    <p:sldTgt/>
+                  </p:tgtEl>
+                </p:cond>
+              </p:nextCondLst>
+            </p:seq>
+          </p:childTnLst>
+        </p:cTn>
+      </p:par>
+    </p:tnLst>
+  </p:timing>
 </p:sld>
 </file>
 
@@ -5043,7 +6245,7 @@
           <p:cNvPr id="2" name="Title 1">
             <a:extLst>
               <a:ext uri="{FF2B5EF4-FFF2-40B4-BE49-F238E27FC236}">
-                <a16:creationId xmlns:a16="http://schemas.microsoft.com/office/drawing/2014/main" id="{71DBD2D0-E504-4E46-B672-425972770860}"/>
+                <a16:creationId xmlns:a16="http://schemas.microsoft.com/office/drawing/2014/main" id="{EED52289-4F84-5446-8275-81FBE462287C}"/>
               </a:ext>
             </a:extLst>
           </p:cNvPr>
@@ -5054,14 +6256,19 @@
             <p:ph type="title"/>
           </p:nvPr>
         </p:nvSpPr>
-        <p:spPr/>
+        <p:spPr>
+          <a:xfrm>
+            <a:off x="838200" y="365125"/>
+            <a:ext cx="10515600" cy="1325563"/>
+          </a:xfrm>
+        </p:spPr>
         <p:txBody>
           <a:bodyPr/>
           <a:lstStyle/>
           <a:p>
             <a:r>
               <a:rPr lang="en-US" dirty="0"/>
-              <a:t>Overview</a:t>
+              <a:t>Project Overview</a:t>
             </a:r>
           </a:p>
         </p:txBody>
@@ -5071,7 +6278,7 @@
           <p:cNvPr id="3" name="Content Placeholder 2">
             <a:extLst>
               <a:ext uri="{FF2B5EF4-FFF2-40B4-BE49-F238E27FC236}">
-                <a16:creationId xmlns:a16="http://schemas.microsoft.com/office/drawing/2014/main" id="{97721FA8-877C-0D43-AF19-4C75EECB089A}"/>
+                <a16:creationId xmlns:a16="http://schemas.microsoft.com/office/drawing/2014/main" id="{2458A0A8-D52C-5645-A5A5-187BFF4A40EF}"/>
               </a:ext>
             </a:extLst>
           </p:cNvPr>
@@ -5085,135 +6292,33 @@
         <p:spPr>
           <a:xfrm>
             <a:off x="838200" y="1825625"/>
-            <a:ext cx="10515600" cy="4895850"/>
+            <a:ext cx="10515600" cy="4351338"/>
           </a:xfrm>
         </p:spPr>
         <p:txBody>
-          <a:bodyPr>
-            <a:normAutofit fontScale="92500" lnSpcReduction="20000"/>
+          <a:bodyPr vert="horz" lIns="91440" tIns="45720" rIns="91440" bIns="45720" rtlCol="0" anchor="t">
+            <a:normAutofit/>
           </a:bodyPr>
           <a:lstStyle/>
           <a:p>
             <a:r>
               <a:rPr lang="en-US" dirty="0">
-                <a:solidFill>
-                  <a:schemeClr val="bg1">
-                    <a:lumMod val="65000"/>
-                  </a:schemeClr>
-                </a:solidFill>
+                <a:cs typeface="Calibri"/>
               </a:rPr>
-              <a:t>Project Description</a:t>
-            </a:r>
-          </a:p>
-          <a:p>
-            <a:endParaRPr lang="en-US" dirty="0"/>
-          </a:p>
-          <a:p>
-            <a:r>
-              <a:rPr lang="en-US" dirty="0"/>
-              <a:t>Use Case Model</a:t>
-            </a:r>
-          </a:p>
-          <a:p>
-            <a:pPr lvl="1"/>
-            <a:r>
-              <a:rPr lang="en-US" dirty="0"/>
-              <a:t>Use Case Diagram</a:t>
-            </a:r>
-          </a:p>
-          <a:p>
-            <a:pPr lvl="1"/>
-            <a:r>
-              <a:rPr lang="en-US" dirty="0"/>
-              <a:t>Use Cases</a:t>
-            </a:r>
-          </a:p>
-          <a:p>
-            <a:endParaRPr lang="en-US" dirty="0"/>
+              <a:t>Purpose: Application will help Mayor Mann simulate traffic flow and allow the city to plan construction projects.</a:t>
+            </a:r>
+          </a:p>
+          <a:p>
+            <a:endParaRPr lang="en-US" dirty="0">
+              <a:cs typeface="Calibri"/>
+            </a:endParaRPr>
           </a:p>
           <a:p>
             <a:r>
               <a:rPr lang="en-US" dirty="0">
-                <a:solidFill>
-                  <a:schemeClr val="bg1">
-                    <a:lumMod val="65000"/>
-                  </a:schemeClr>
-                </a:solidFill>
+                <a:cs typeface="Calibri"/>
               </a:rPr>
-              <a:t>Domain Model</a:t>
-            </a:r>
-          </a:p>
-          <a:p>
-            <a:pPr lvl="1"/>
-            <a:r>
-              <a:rPr lang="en-US" dirty="0">
-                <a:solidFill>
-                  <a:schemeClr val="bg1">
-                    <a:lumMod val="65000"/>
-                  </a:schemeClr>
-                </a:solidFill>
-              </a:rPr>
-              <a:t>Class Diagram</a:t>
-            </a:r>
-          </a:p>
-          <a:p>
-            <a:pPr lvl="1"/>
-            <a:r>
-              <a:rPr lang="en-US" dirty="0">
-                <a:solidFill>
-                  <a:schemeClr val="bg1">
-                    <a:lumMod val="65000"/>
-                  </a:schemeClr>
-                </a:solidFill>
-              </a:rPr>
-              <a:t>(Activity Diagrams)</a:t>
-            </a:r>
-          </a:p>
-          <a:p>
-            <a:pPr lvl="1"/>
-            <a:r>
-              <a:rPr lang="en-US" dirty="0">
-                <a:solidFill>
-                  <a:schemeClr val="bg1">
-                    <a:lumMod val="65000"/>
-                  </a:schemeClr>
-                </a:solidFill>
-              </a:rPr>
-              <a:t>Sequence Diagrams</a:t>
-            </a:r>
-          </a:p>
-          <a:p>
-            <a:pPr lvl="1"/>
-            <a:r>
-              <a:rPr lang="en-US" dirty="0">
-                <a:solidFill>
-                  <a:schemeClr val="bg1">
-                    <a:lumMod val="65000"/>
-                  </a:schemeClr>
-                </a:solidFill>
-              </a:rPr>
-              <a:t>(State Machine Diagrams)</a:t>
-            </a:r>
-          </a:p>
-          <a:p>
-            <a:endParaRPr lang="en-US" dirty="0">
-              <a:solidFill>
-                <a:schemeClr val="bg1">
-                  <a:lumMod val="65000"/>
-                </a:schemeClr>
-              </a:solidFill>
-            </a:endParaRPr>
-          </a:p>
-          <a:p>
-            <a:r>
-              <a:rPr lang="en-US" dirty="0">
-                <a:solidFill>
-                  <a:schemeClr val="bg1">
-                    <a:lumMod val="65000"/>
-                  </a:schemeClr>
-                </a:solidFill>
-              </a:rPr>
-              <a:t>Reflection</a:t>
+              <a:t>Scope: Allow user to investigate impact of changing traffic components placement vs density of traffic. </a:t>
             </a:r>
           </a:p>
         </p:txBody>
@@ -5223,7 +6328,7 @@
           <p:cNvPr id="4" name="Slide Number Placeholder 3">
             <a:extLst>
               <a:ext uri="{FF2B5EF4-FFF2-40B4-BE49-F238E27FC236}">
-                <a16:creationId xmlns:a16="http://schemas.microsoft.com/office/drawing/2014/main" id="{36B3A4F1-178B-8E44-AF3E-D067B56AF78F}"/>
+                <a16:creationId xmlns:a16="http://schemas.microsoft.com/office/drawing/2014/main" id="{5123D5F3-CC13-484A-A9BA-1F5A2D275F1D}"/>
               </a:ext>
             </a:extLst>
           </p:cNvPr>
@@ -5234,7 +6339,12 @@
             <p:ph type="sldNum" sz="quarter" idx="12"/>
           </p:nvPr>
         </p:nvSpPr>
-        <p:spPr/>
+        <p:spPr>
+          <a:xfrm>
+            <a:off x="8610600" y="6356350"/>
+            <a:ext cx="2743200" cy="365125"/>
+          </a:xfrm>
+        </p:spPr>
         <p:txBody>
           <a:bodyPr/>
           <a:lstStyle/>
@@ -5243,14 +6353,44 @@
               <a:rPr lang="en-US" smtClean="0"/>
               <a:t>4</a:t>
             </a:fld>
-            <a:endParaRPr lang="en-US"/>
-          </a:p>
-        </p:txBody>
-      </p:sp>
+            <a:endParaRPr lang="en-US" dirty="0"/>
+          </a:p>
+        </p:txBody>
+      </p:sp>
+      <p:pic>
+        <p:nvPicPr>
+          <p:cNvPr id="7" name="Picture 7" descr="A close up of a fence&#10;&#10;Description generated with high confidence">
+            <a:extLst>
+              <a:ext uri="{FF2B5EF4-FFF2-40B4-BE49-F238E27FC236}">
+                <a16:creationId xmlns:a16="http://schemas.microsoft.com/office/drawing/2014/main" id="{8AF35F09-B69B-4296-AA2D-7218F19FD75A}"/>
+              </a:ext>
+            </a:extLst>
+          </p:cNvPr>
+          <p:cNvPicPr>
+            <a:picLocks noChangeAspect="1"/>
+          </p:cNvPicPr>
+          <p:nvPr/>
+        </p:nvPicPr>
+        <p:blipFill>
+          <a:blip r:embed="rId2"/>
+          <a:stretch>
+            <a:fillRect/>
+          </a:stretch>
+        </p:blipFill>
+        <p:spPr>
+          <a:xfrm>
+            <a:off x="7671759" y="4183476"/>
+            <a:ext cx="3232030" cy="2200407"/>
+          </a:xfrm>
+          <a:prstGeom prst="rect">
+            <a:avLst/>
+          </a:prstGeom>
+        </p:spPr>
+      </p:pic>
     </p:spTree>
     <p:extLst>
       <p:ext uri="{BB962C8B-B14F-4D97-AF65-F5344CB8AC3E}">
-        <p14:creationId xmlns:p14="http://schemas.microsoft.com/office/powerpoint/2010/main" val="3051941010"/>
+        <p14:creationId xmlns:p14="http://schemas.microsoft.com/office/powerpoint/2010/main" val="2431533236"/>
       </p:ext>
     </p:extLst>
   </p:cSld>
@@ -5282,7 +6422,7 @@
           <p:cNvPr id="2" name="Title 1">
             <a:extLst>
               <a:ext uri="{FF2B5EF4-FFF2-40B4-BE49-F238E27FC236}">
-                <a16:creationId xmlns:a16="http://schemas.microsoft.com/office/drawing/2014/main" id="{B367656B-78D1-9644-9C8F-2BC5F97A155C}"/>
+                <a16:creationId xmlns:a16="http://schemas.microsoft.com/office/drawing/2014/main" id="{71DBD2D0-E504-4E46-B672-425972770860}"/>
               </a:ext>
             </a:extLst>
           </p:cNvPr>
@@ -5298,36 +6438,163 @@
           <a:bodyPr/>
           <a:lstStyle/>
           <a:p>
+            <a:r>
+              <a:rPr lang="en-US" dirty="0"/>
+              <a:t>Overview</a:t>
+            </a:r>
+          </a:p>
+        </p:txBody>
+      </p:sp>
+      <p:sp>
+        <p:nvSpPr>
+          <p:cNvPr id="3" name="Content Placeholder 2">
+            <a:extLst>
+              <a:ext uri="{FF2B5EF4-FFF2-40B4-BE49-F238E27FC236}">
+                <a16:creationId xmlns:a16="http://schemas.microsoft.com/office/drawing/2014/main" id="{97721FA8-877C-0D43-AF19-4C75EECB089A}"/>
+              </a:ext>
+            </a:extLst>
+          </p:cNvPr>
+          <p:cNvSpPr>
+            <a:spLocks noGrp="1"/>
+          </p:cNvSpPr>
+          <p:nvPr>
+            <p:ph idx="1"/>
+          </p:nvPr>
+        </p:nvSpPr>
+        <p:spPr>
+          <a:xfrm>
+            <a:off x="838200" y="1825625"/>
+            <a:ext cx="10515600" cy="4895850"/>
+          </a:xfrm>
+        </p:spPr>
+        <p:txBody>
+          <a:bodyPr>
+            <a:normAutofit fontScale="92500" lnSpcReduction="20000"/>
+          </a:bodyPr>
+          <a:lstStyle/>
+          <a:p>
+            <a:r>
+              <a:rPr lang="en-US" dirty="0">
+                <a:solidFill>
+                  <a:schemeClr val="bg1">
+                    <a:lumMod val="65000"/>
+                  </a:schemeClr>
+                </a:solidFill>
+              </a:rPr>
+              <a:t>Project Description</a:t>
+            </a:r>
+          </a:p>
+          <a:p>
+            <a:endParaRPr lang="en-US" dirty="0"/>
+          </a:p>
+          <a:p>
+            <a:r>
+              <a:rPr lang="en-US" dirty="0"/>
+              <a:t>Use Case Model</a:t>
+            </a:r>
+          </a:p>
+          <a:p>
+            <a:pPr lvl="1"/>
             <a:r>
               <a:rPr lang="en-US" dirty="0"/>
               <a:t>Use Case Diagram</a:t>
             </a:r>
           </a:p>
-        </p:txBody>
-      </p:sp>
-      <p:sp>
-        <p:nvSpPr>
-          <p:cNvPr id="3" name="Content Placeholder 2">
-            <a:extLst>
-              <a:ext uri="{FF2B5EF4-FFF2-40B4-BE49-F238E27FC236}">
-                <a16:creationId xmlns:a16="http://schemas.microsoft.com/office/drawing/2014/main" id="{686C2C8E-577D-8245-8C74-1C87EEF56629}"/>
-              </a:ext>
-            </a:extLst>
-          </p:cNvPr>
-          <p:cNvSpPr>
-            <a:spLocks noGrp="1"/>
-          </p:cNvSpPr>
-          <p:nvPr>
-            <p:ph idx="1"/>
-          </p:nvPr>
-        </p:nvSpPr>
-        <p:spPr/>
-        <p:txBody>
-          <a:bodyPr/>
-          <a:lstStyle/>
+          <a:p>
+            <a:pPr lvl="1"/>
+            <a:r>
+              <a:rPr lang="en-US" dirty="0"/>
+              <a:t>Use Cases</a:t>
+            </a:r>
+          </a:p>
           <a:p>
             <a:endParaRPr lang="en-US" dirty="0"/>
           </a:p>
+          <a:p>
+            <a:r>
+              <a:rPr lang="en-US" dirty="0">
+                <a:solidFill>
+                  <a:schemeClr val="bg1">
+                    <a:lumMod val="65000"/>
+                  </a:schemeClr>
+                </a:solidFill>
+              </a:rPr>
+              <a:t>Domain Model</a:t>
+            </a:r>
+          </a:p>
+          <a:p>
+            <a:pPr lvl="1"/>
+            <a:r>
+              <a:rPr lang="en-US" dirty="0">
+                <a:solidFill>
+                  <a:schemeClr val="bg1">
+                    <a:lumMod val="65000"/>
+                  </a:schemeClr>
+                </a:solidFill>
+              </a:rPr>
+              <a:t>Class Diagram</a:t>
+            </a:r>
+          </a:p>
+          <a:p>
+            <a:pPr lvl="1"/>
+            <a:r>
+              <a:rPr lang="en-US" dirty="0">
+                <a:solidFill>
+                  <a:schemeClr val="bg1">
+                    <a:lumMod val="65000"/>
+                  </a:schemeClr>
+                </a:solidFill>
+              </a:rPr>
+              <a:t>(Activity Diagrams)</a:t>
+            </a:r>
+          </a:p>
+          <a:p>
+            <a:pPr lvl="1"/>
+            <a:r>
+              <a:rPr lang="en-US" dirty="0">
+                <a:solidFill>
+                  <a:schemeClr val="bg1">
+                    <a:lumMod val="65000"/>
+                  </a:schemeClr>
+                </a:solidFill>
+              </a:rPr>
+              <a:t>Sequence Diagrams</a:t>
+            </a:r>
+          </a:p>
+          <a:p>
+            <a:pPr lvl="1"/>
+            <a:r>
+              <a:rPr lang="en-US" dirty="0">
+                <a:solidFill>
+                  <a:schemeClr val="bg1">
+                    <a:lumMod val="65000"/>
+                  </a:schemeClr>
+                </a:solidFill>
+              </a:rPr>
+              <a:t>(State Machine Diagrams)</a:t>
+            </a:r>
+          </a:p>
+          <a:p>
+            <a:endParaRPr lang="en-US" dirty="0">
+              <a:solidFill>
+                <a:schemeClr val="bg1">
+                  <a:lumMod val="65000"/>
+                </a:schemeClr>
+              </a:solidFill>
+            </a:endParaRPr>
+          </a:p>
+          <a:p>
+            <a:r>
+              <a:rPr lang="en-US" dirty="0">
+                <a:solidFill>
+                  <a:schemeClr val="bg1">
+                    <a:lumMod val="65000"/>
+                  </a:schemeClr>
+                </a:solidFill>
+              </a:rPr>
+              <a:t>Reflection</a:t>
+            </a:r>
+          </a:p>
         </p:txBody>
       </p:sp>
       <p:sp>
@@ -5335,7 +6602,7 @@
           <p:cNvPr id="4" name="Slide Number Placeholder 3">
             <a:extLst>
               <a:ext uri="{FF2B5EF4-FFF2-40B4-BE49-F238E27FC236}">
-                <a16:creationId xmlns:a16="http://schemas.microsoft.com/office/drawing/2014/main" id="{DE5E95E1-CE97-AE46-8AA0-99AE9BFC618B}"/>
+                <a16:creationId xmlns:a16="http://schemas.microsoft.com/office/drawing/2014/main" id="{36B3A4F1-178B-8E44-AF3E-D067B56AF78F}"/>
               </a:ext>
             </a:extLst>
           </p:cNvPr>
@@ -5359,59 +6626,10 @@
           </a:p>
         </p:txBody>
       </p:sp>
-      <p:sp>
-        <p:nvSpPr>
-          <p:cNvPr id="5" name="Rounded Rectangle 4">
-            <a:extLst>
-              <a:ext uri="{FF2B5EF4-FFF2-40B4-BE49-F238E27FC236}">
-                <a16:creationId xmlns:a16="http://schemas.microsoft.com/office/drawing/2014/main" id="{C70F1263-5754-6149-B5D0-300938BA671A}"/>
-              </a:ext>
-            </a:extLst>
-          </p:cNvPr>
-          <p:cNvSpPr/>
-          <p:nvPr/>
-        </p:nvSpPr>
-        <p:spPr>
-          <a:xfrm>
-            <a:off x="7278130" y="778475"/>
-            <a:ext cx="2681416" cy="1091599"/>
-          </a:xfrm>
-          <a:prstGeom prst="roundRect">
-            <a:avLst/>
-          </a:prstGeom>
-        </p:spPr>
-        <p:style>
-          <a:lnRef idx="2">
-            <a:schemeClr val="accent1">
-              <a:shade val="50000"/>
-            </a:schemeClr>
-          </a:lnRef>
-          <a:fillRef idx="1">
-            <a:schemeClr val="accent1"/>
-          </a:fillRef>
-          <a:effectRef idx="0">
-            <a:schemeClr val="accent1"/>
-          </a:effectRef>
-          <a:fontRef idx="minor">
-            <a:schemeClr val="lt1"/>
-          </a:fontRef>
-        </p:style>
-        <p:txBody>
-          <a:bodyPr rtlCol="0" anchor="ctr"/>
-          <a:lstStyle/>
-          <a:p>
-            <a:pPr algn="ctr"/>
-            <a:r>
-              <a:rPr lang="en-US" dirty="0"/>
-              <a:t>You might have to spread this across a couple of slides to be readable</a:t>
-            </a:r>
-          </a:p>
-        </p:txBody>
-      </p:sp>
     </p:spTree>
     <p:extLst>
       <p:ext uri="{BB962C8B-B14F-4D97-AF65-F5344CB8AC3E}">
-        <p14:creationId xmlns:p14="http://schemas.microsoft.com/office/powerpoint/2010/main" val="2476109687"/>
+        <p14:creationId xmlns:p14="http://schemas.microsoft.com/office/powerpoint/2010/main" val="3051941010"/>
       </p:ext>
     </p:extLst>
   </p:cSld>
@@ -5443,7 +6661,7 @@
           <p:cNvPr id="2" name="Title 1">
             <a:extLst>
               <a:ext uri="{FF2B5EF4-FFF2-40B4-BE49-F238E27FC236}">
-                <a16:creationId xmlns:a16="http://schemas.microsoft.com/office/drawing/2014/main" id="{96498DBC-81BD-7949-8D5D-BE6819BEF92B}"/>
+                <a16:creationId xmlns:a16="http://schemas.microsoft.com/office/drawing/2014/main" id="{B367656B-78D1-9644-9C8F-2BC5F97A155C}"/>
               </a:ext>
             </a:extLst>
           </p:cNvPr>
@@ -5461,102 +6679,49 @@
           <a:p>
             <a:r>
               <a:rPr lang="en-US" dirty="0"/>
-              <a:t>Use Case: “use case name”</a:t>
-            </a:r>
-          </a:p>
-        </p:txBody>
-      </p:sp>
-      <p:sp>
-        <p:nvSpPr>
-          <p:cNvPr id="3" name="Content Placeholder 2">
-            <a:extLst>
-              <a:ext uri="{FF2B5EF4-FFF2-40B4-BE49-F238E27FC236}">
-                <a16:creationId xmlns:a16="http://schemas.microsoft.com/office/drawing/2014/main" id="{0AEA12F3-B1F8-4D40-AA30-26988B37E085}"/>
-              </a:ext>
-            </a:extLst>
-          </p:cNvPr>
-          <p:cNvSpPr>
-            <a:spLocks noGrp="1"/>
-          </p:cNvSpPr>
+              <a:t>Use Case Diagram</a:t>
+            </a:r>
+          </a:p>
+        </p:txBody>
+      </p:sp>
+      <p:pic>
+        <p:nvPicPr>
+          <p:cNvPr id="6" name="Picture 6" descr="A close up of a map&#10;&#10;Description generated with high confidence">
+            <a:extLst>
+              <a:ext uri="{FF2B5EF4-FFF2-40B4-BE49-F238E27FC236}">
+                <a16:creationId xmlns:a16="http://schemas.microsoft.com/office/drawing/2014/main" id="{AD201485-74C7-419E-AD0B-957AD37D98B7}"/>
+              </a:ext>
+            </a:extLst>
+          </p:cNvPr>
+          <p:cNvPicPr>
+            <a:picLocks noGrp="1" noChangeAspect="1"/>
+          </p:cNvPicPr>
           <p:nvPr>
             <p:ph idx="1"/>
           </p:nvPr>
-        </p:nvSpPr>
-        <p:spPr/>
-        <p:txBody>
-          <a:bodyPr/>
-          <a:lstStyle/>
-          <a:p>
-            <a:endParaRPr lang="en-US" dirty="0"/>
-          </a:p>
-        </p:txBody>
-      </p:sp>
-      <p:sp>
-        <p:nvSpPr>
-          <p:cNvPr id="4" name="Rounded Rectangle 3">
-            <a:extLst>
-              <a:ext uri="{FF2B5EF4-FFF2-40B4-BE49-F238E27FC236}">
-                <a16:creationId xmlns:a16="http://schemas.microsoft.com/office/drawing/2014/main" id="{D2EC1468-C1EB-7E46-902D-67F82860866E}"/>
-              </a:ext>
-            </a:extLst>
-          </p:cNvPr>
-          <p:cNvSpPr/>
-          <p:nvPr/>
-        </p:nvSpPr>
+        </p:nvPicPr>
+        <p:blipFill>
+          <a:blip r:embed="rId2"/>
+          <a:stretch>
+            <a:fillRect/>
+          </a:stretch>
+        </p:blipFill>
         <p:spPr>
           <a:xfrm>
-            <a:off x="7668490" y="2306782"/>
-            <a:ext cx="4364183" cy="1869802"/>
+            <a:off x="2030521" y="1693103"/>
+            <a:ext cx="7153610" cy="4409316"/>
           </a:xfrm>
-          <a:prstGeom prst="roundRect">
+          <a:prstGeom prst="rect">
             <a:avLst/>
           </a:prstGeom>
         </p:spPr>
-        <p:style>
-          <a:lnRef idx="2">
-            <a:schemeClr val="accent1">
-              <a:shade val="50000"/>
-            </a:schemeClr>
-          </a:lnRef>
-          <a:fillRef idx="1">
-            <a:schemeClr val="accent1"/>
-          </a:fillRef>
-          <a:effectRef idx="0">
-            <a:schemeClr val="accent1"/>
-          </a:effectRef>
-          <a:fontRef idx="minor">
-            <a:schemeClr val="lt1"/>
-          </a:fontRef>
-        </p:style>
-        <p:txBody>
-          <a:bodyPr rtlCol="0" anchor="ctr"/>
-          <a:lstStyle/>
-          <a:p>
-            <a:pPr algn="ctr"/>
-            <a:r>
-              <a:rPr lang="en-US" dirty="0"/>
-              <a:t>Show a couple of the most important or most interesting use cases.</a:t>
-            </a:r>
-          </a:p>
-          <a:p>
-            <a:pPr algn="ctr"/>
-            <a:endParaRPr lang="en-US" dirty="0"/>
-          </a:p>
-          <a:p>
-            <a:pPr algn="ctr"/>
-            <a:r>
-              <a:rPr lang="en-US" dirty="0"/>
-              <a:t>Keep the font readable (less than 20pt pitch may be hard to read).</a:t>
-            </a:r>
-          </a:p>
-        </p:txBody>
-      </p:sp>
-      <p:sp>
-        <p:nvSpPr>
-          <p:cNvPr id="5" name="Slide Number Placeholder 4">
-            <a:extLst>
-              <a:ext uri="{FF2B5EF4-FFF2-40B4-BE49-F238E27FC236}">
-                <a16:creationId xmlns:a16="http://schemas.microsoft.com/office/drawing/2014/main" id="{032BA0C0-1C12-3A42-A12C-55D39DC96448}"/>
+      </p:pic>
+      <p:sp>
+        <p:nvSpPr>
+          <p:cNvPr id="4" name="Slide Number Placeholder 3">
+            <a:extLst>
+              <a:ext uri="{FF2B5EF4-FFF2-40B4-BE49-F238E27FC236}">
+                <a16:creationId xmlns:a16="http://schemas.microsoft.com/office/drawing/2014/main" id="{DE5E95E1-CE97-AE46-8AA0-99AE9BFC618B}"/>
               </a:ext>
             </a:extLst>
           </p:cNvPr>
@@ -5583,7 +6748,7 @@
     </p:spTree>
     <p:extLst>
       <p:ext uri="{BB962C8B-B14F-4D97-AF65-F5344CB8AC3E}">
-        <p14:creationId xmlns:p14="http://schemas.microsoft.com/office/powerpoint/2010/main" val="4256870827"/>
+        <p14:creationId xmlns:p14="http://schemas.microsoft.com/office/powerpoint/2010/main" val="2476109687"/>
       </p:ext>
     </p:extLst>
   </p:cSld>
@@ -5615,7 +6780,7 @@
           <p:cNvPr id="2" name="Title 1">
             <a:extLst>
               <a:ext uri="{FF2B5EF4-FFF2-40B4-BE49-F238E27FC236}">
-                <a16:creationId xmlns:a16="http://schemas.microsoft.com/office/drawing/2014/main" id="{71DBD2D0-E504-4E46-B672-425972770860}"/>
+                <a16:creationId xmlns:a16="http://schemas.microsoft.com/office/drawing/2014/main" id="{96498DBC-81BD-7949-8D5D-BE6819BEF92B}"/>
               </a:ext>
             </a:extLst>
           </p:cNvPr>
@@ -5633,7 +6798,7 @@
           <a:p>
             <a:r>
               <a:rPr lang="en-US" dirty="0"/>
-              <a:t>Overview</a:t>
+              <a:t>Use Case: Precondition</a:t>
             </a:r>
           </a:p>
         </p:txBody>
@@ -5643,7 +6808,7 @@
           <p:cNvPr id="3" name="Content Placeholder 2">
             <a:extLst>
               <a:ext uri="{FF2B5EF4-FFF2-40B4-BE49-F238E27FC236}">
-                <a16:creationId xmlns:a16="http://schemas.microsoft.com/office/drawing/2014/main" id="{97721FA8-877C-0D43-AF19-4C75EECB089A}"/>
+                <a16:creationId xmlns:a16="http://schemas.microsoft.com/office/drawing/2014/main" id="{0AEA12F3-B1F8-4D40-AA30-26988B37E085}"/>
               </a:ext>
             </a:extLst>
           </p:cNvPr>
@@ -5654,136 +6819,84 @@
             <p:ph idx="1"/>
           </p:nvPr>
         </p:nvSpPr>
-        <p:spPr>
-          <a:xfrm>
-            <a:off x="838200" y="1825625"/>
-            <a:ext cx="10515600" cy="4895850"/>
-          </a:xfrm>
-        </p:spPr>
-        <p:txBody>
-          <a:bodyPr>
-            <a:normAutofit fontScale="92500" lnSpcReduction="20000"/>
+        <p:spPr/>
+        <p:txBody>
+          <a:bodyPr vert="horz" lIns="91440" tIns="45720" rIns="91440" bIns="45720" rtlCol="0" anchor="t">
+            <a:normAutofit/>
           </a:bodyPr>
           <a:lstStyle/>
           <a:p>
+            <a:pPr marL="0" indent="0">
+              <a:buNone/>
+            </a:pPr>
             <a:r>
               <a:rPr lang="en-US" dirty="0">
-                <a:solidFill>
-                  <a:schemeClr val="bg1">
-                    <a:lumMod val="65000"/>
-                  </a:schemeClr>
-                </a:solidFill>
+                <a:cs typeface="Calibri"/>
               </a:rPr>
-              <a:t>Project Description</a:t>
-            </a:r>
-          </a:p>
-          <a:p>
+              <a:t>1. Users load CSV file indicate # of cars, position of cars</a:t>
+            </a:r>
             <a:endParaRPr lang="en-US" dirty="0"/>
           </a:p>
           <a:p>
+            <a:pPr marL="0" indent="0">
+              <a:buNone/>
+            </a:pPr>
             <a:r>
               <a:rPr lang="en-US" dirty="0">
-                <a:solidFill>
-                  <a:schemeClr val="bg1">
-                    <a:lumMod val="65000"/>
-                  </a:schemeClr>
-                </a:solidFill>
+                <a:cs typeface="Calibri"/>
               </a:rPr>
-              <a:t>Use Case Model</a:t>
-            </a:r>
-          </a:p>
-          <a:p>
-            <a:pPr lvl="1"/>
+              <a:t>2. Users set combinations of traffic lights and stop signs (optional: system set combinations randomly)</a:t>
+            </a:r>
+          </a:p>
+          <a:p>
+            <a:pPr marL="0" indent="0">
+              <a:buNone/>
+            </a:pPr>
             <a:r>
               <a:rPr lang="en-US" dirty="0">
-                <a:solidFill>
-                  <a:schemeClr val="bg1">
-                    <a:lumMod val="65000"/>
-                  </a:schemeClr>
-                </a:solidFill>
+                <a:cs typeface="Calibri"/>
               </a:rPr>
-              <a:t>Use Case Diagram</a:t>
-            </a:r>
-          </a:p>
-          <a:p>
-            <a:pPr lvl="1"/>
+              <a:t>3. Start the simulation, users decide to press stop and change traffic combination. Restart at the end of simulation</a:t>
+            </a:r>
+          </a:p>
+          <a:p>
+            <a:pPr marL="0" indent="0">
+              <a:buNone/>
+            </a:pPr>
             <a:r>
               <a:rPr lang="en-US" dirty="0">
-                <a:solidFill>
-                  <a:schemeClr val="bg1">
-                    <a:lumMod val="65000"/>
-                  </a:schemeClr>
-                </a:solidFill>
+                <a:cs typeface="Calibri"/>
               </a:rPr>
-              <a:t>Use Cases</a:t>
-            </a:r>
-          </a:p>
-          <a:p>
-            <a:endParaRPr lang="en-US" dirty="0"/>
-          </a:p>
-          <a:p>
-            <a:r>
-              <a:rPr lang="en-US" dirty="0"/>
-              <a:t>Domain Model</a:t>
-            </a:r>
-          </a:p>
-          <a:p>
-            <a:pPr lvl="1"/>
-            <a:r>
-              <a:rPr lang="en-US" dirty="0"/>
-              <a:t>Class Diagram</a:t>
-            </a:r>
-          </a:p>
-          <a:p>
-            <a:pPr lvl="1"/>
-            <a:r>
-              <a:rPr lang="en-US" dirty="0"/>
-              <a:t>(Activity Diagrams)</a:t>
-            </a:r>
-          </a:p>
-          <a:p>
-            <a:pPr lvl="1"/>
-            <a:r>
-              <a:rPr lang="en-US" dirty="0"/>
-              <a:t>Sequence Diagrams</a:t>
-            </a:r>
-          </a:p>
-          <a:p>
-            <a:pPr lvl="1"/>
-            <a:r>
-              <a:rPr lang="en-US" dirty="0"/>
-              <a:t>(State Machine Diagrams)</a:t>
-            </a:r>
-          </a:p>
-          <a:p>
+              <a:t>3. Track progress and show statistic of traffic. </a:t>
+            </a:r>
+          </a:p>
+          <a:p>
+            <a:pPr marL="0" indent="0">
+              <a:buNone/>
+            </a:pPr>
+            <a:r>
+              <a:rPr lang="en-US" dirty="0">
+                <a:cs typeface="Calibri"/>
+              </a:rPr>
+              <a:t>4. System shows final report of the traffic flow</a:t>
+            </a:r>
+          </a:p>
+          <a:p>
+            <a:pPr marL="0" indent="0">
+              <a:buNone/>
+            </a:pPr>
             <a:endParaRPr lang="en-US" dirty="0">
-              <a:solidFill>
-                <a:schemeClr val="bg1">
-                  <a:lumMod val="65000"/>
-                </a:schemeClr>
-              </a:solidFill>
+              <a:cs typeface="Calibri"/>
             </a:endParaRPr>
           </a:p>
-          <a:p>
-            <a:r>
-              <a:rPr lang="en-US" dirty="0">
-                <a:solidFill>
-                  <a:schemeClr val="bg1">
-                    <a:lumMod val="65000"/>
-                  </a:schemeClr>
-                </a:solidFill>
-              </a:rPr>
-              <a:t>Reflection</a:t>
-            </a:r>
-          </a:p>
-        </p:txBody>
-      </p:sp>
-      <p:sp>
-        <p:nvSpPr>
-          <p:cNvPr id="4" name="Slide Number Placeholder 3">
-            <a:extLst>
-              <a:ext uri="{FF2B5EF4-FFF2-40B4-BE49-F238E27FC236}">
-                <a16:creationId xmlns:a16="http://schemas.microsoft.com/office/drawing/2014/main" id="{36B3A4F1-178B-8E44-AF3E-D067B56AF78F}"/>
+        </p:txBody>
+      </p:sp>
+      <p:sp>
+        <p:nvSpPr>
+          <p:cNvPr id="5" name="Slide Number Placeholder 4">
+            <a:extLst>
+              <a:ext uri="{FF2B5EF4-FFF2-40B4-BE49-F238E27FC236}">
+                <a16:creationId xmlns:a16="http://schemas.microsoft.com/office/drawing/2014/main" id="{032BA0C0-1C12-3A42-A12C-55D39DC96448}"/>
               </a:ext>
             </a:extLst>
           </p:cNvPr>
@@ -5810,7 +6923,7 @@
     </p:spTree>
     <p:extLst>
       <p:ext uri="{BB962C8B-B14F-4D97-AF65-F5344CB8AC3E}">
-        <p14:creationId xmlns:p14="http://schemas.microsoft.com/office/powerpoint/2010/main" val="121071858"/>
+        <p14:creationId xmlns:p14="http://schemas.microsoft.com/office/powerpoint/2010/main" val="4256870827"/>
       </p:ext>
     </p:extLst>
   </p:cSld>
@@ -5842,7 +6955,7 @@
           <p:cNvPr id="2" name="Title 1">
             <a:extLst>
               <a:ext uri="{FF2B5EF4-FFF2-40B4-BE49-F238E27FC236}">
-                <a16:creationId xmlns:a16="http://schemas.microsoft.com/office/drawing/2014/main" id="{7A3F6A72-D491-AB4F-803D-EEAFBF2E2F9D}"/>
+                <a16:creationId xmlns:a16="http://schemas.microsoft.com/office/drawing/2014/main" id="{96498DBC-81BD-7949-8D5D-BE6819BEF92B}"/>
               </a:ext>
             </a:extLst>
           </p:cNvPr>
@@ -5860,7 +6973,7 @@
           <a:p>
             <a:r>
               <a:rPr lang="en-US" dirty="0"/>
-              <a:t>Structural Model</a:t>
+              <a:t>Use Case: Post Condition</a:t>
             </a:r>
           </a:p>
         </p:txBody>
@@ -5870,7 +6983,7 @@
           <p:cNvPr id="3" name="Content Placeholder 2">
             <a:extLst>
               <a:ext uri="{FF2B5EF4-FFF2-40B4-BE49-F238E27FC236}">
-                <a16:creationId xmlns:a16="http://schemas.microsoft.com/office/drawing/2014/main" id="{706C7C5E-1567-7240-87DD-B41E8F859533}"/>
+                <a16:creationId xmlns:a16="http://schemas.microsoft.com/office/drawing/2014/main" id="{0AEA12F3-B1F8-4D40-AA30-26988B37E085}"/>
               </a:ext>
             </a:extLst>
           </p:cNvPr>
@@ -5883,19 +6996,82 @@
         </p:nvSpPr>
         <p:spPr/>
         <p:txBody>
-          <a:bodyPr/>
-          <a:lstStyle/>
-          <a:p>
-            <a:endParaRPr lang="en-US"/>
-          </a:p>
-        </p:txBody>
-      </p:sp>
-      <p:sp>
-        <p:nvSpPr>
-          <p:cNvPr id="4" name="Slide Number Placeholder 3">
-            <a:extLst>
-              <a:ext uri="{FF2B5EF4-FFF2-40B4-BE49-F238E27FC236}">
-                <a16:creationId xmlns:a16="http://schemas.microsoft.com/office/drawing/2014/main" id="{96DE280E-F1C8-4F43-BE5C-9703701699D6}"/>
+          <a:bodyPr vert="horz" lIns="91440" tIns="45720" rIns="91440" bIns="45720" rtlCol="0" anchor="t">
+            <a:normAutofit/>
+          </a:bodyPr>
+          <a:lstStyle/>
+          <a:p>
+            <a:pPr marL="0" indent="0">
+              <a:buNone/>
+            </a:pPr>
+            <a:r>
+              <a:rPr lang="en-US" dirty="0">
+                <a:cs typeface="Calibri"/>
+              </a:rPr>
+              <a:t>1. Users load CSV file indicate # of cars, position of cars</a:t>
+            </a:r>
+            <a:endParaRPr lang="en-US" dirty="0"/>
+          </a:p>
+          <a:p>
+            <a:pPr marL="0" indent="0">
+              <a:buNone/>
+            </a:pPr>
+            <a:r>
+              <a:rPr lang="en-US" dirty="0">
+                <a:cs typeface="Calibri"/>
+              </a:rPr>
+              <a:t>2. Users set combinations of traffic lights and stop signs (optional: system set combinations randomly)</a:t>
+            </a:r>
+          </a:p>
+          <a:p>
+            <a:pPr marL="0" indent="0">
+              <a:buNone/>
+            </a:pPr>
+            <a:r>
+              <a:rPr lang="en-US" dirty="0">
+                <a:cs typeface="Calibri"/>
+              </a:rPr>
+              <a:t>3. Start the simulation, users decide to press stop and change traffic combination. Restart at the end of simulation</a:t>
+            </a:r>
+          </a:p>
+          <a:p>
+            <a:pPr marL="0" indent="0">
+              <a:buNone/>
+            </a:pPr>
+            <a:r>
+              <a:rPr lang="en-US" dirty="0">
+                <a:cs typeface="Calibri"/>
+              </a:rPr>
+              <a:t>3. Track progress and show statistic of traffic. </a:t>
+            </a:r>
+          </a:p>
+          <a:p>
+            <a:pPr marL="0" indent="0">
+              <a:buNone/>
+            </a:pPr>
+            <a:r>
+              <a:rPr lang="en-US" dirty="0">
+                <a:cs typeface="Calibri"/>
+              </a:rPr>
+              <a:t>4. System shows final report of the traffic flow</a:t>
+            </a:r>
+          </a:p>
+          <a:p>
+            <a:pPr marL="0" indent="0">
+              <a:buNone/>
+            </a:pPr>
+            <a:endParaRPr lang="en-US" dirty="0">
+              <a:cs typeface="Calibri"/>
+            </a:endParaRPr>
+          </a:p>
+        </p:txBody>
+      </p:sp>
+      <p:sp>
+        <p:nvSpPr>
+          <p:cNvPr id="5" name="Slide Number Placeholder 4">
+            <a:extLst>
+              <a:ext uri="{FF2B5EF4-FFF2-40B4-BE49-F238E27FC236}">
+                <a16:creationId xmlns:a16="http://schemas.microsoft.com/office/drawing/2014/main" id="{032BA0C0-1C12-3A42-A12C-55D39DC96448}"/>
               </a:ext>
             </a:extLst>
           </p:cNvPr>
@@ -5919,59 +7095,10 @@
           </a:p>
         </p:txBody>
       </p:sp>
-      <p:sp>
-        <p:nvSpPr>
-          <p:cNvPr id="5" name="Rounded Rectangle 4">
-            <a:extLst>
-              <a:ext uri="{FF2B5EF4-FFF2-40B4-BE49-F238E27FC236}">
-                <a16:creationId xmlns:a16="http://schemas.microsoft.com/office/drawing/2014/main" id="{164C22A3-2915-1344-9D7E-250FB0F81225}"/>
-              </a:ext>
-            </a:extLst>
-          </p:cNvPr>
-          <p:cNvSpPr/>
-          <p:nvPr/>
-        </p:nvSpPr>
-        <p:spPr>
-          <a:xfrm>
-            <a:off x="7278130" y="531341"/>
-            <a:ext cx="2903838" cy="1338733"/>
-          </a:xfrm>
-          <a:prstGeom prst="roundRect">
-            <a:avLst/>
-          </a:prstGeom>
-        </p:spPr>
-        <p:style>
-          <a:lnRef idx="2">
-            <a:schemeClr val="accent1">
-              <a:shade val="50000"/>
-            </a:schemeClr>
-          </a:lnRef>
-          <a:fillRef idx="1">
-            <a:schemeClr val="accent1"/>
-          </a:fillRef>
-          <a:effectRef idx="0">
-            <a:schemeClr val="accent1"/>
-          </a:effectRef>
-          <a:fontRef idx="minor">
-            <a:schemeClr val="lt1"/>
-          </a:fontRef>
-        </p:style>
-        <p:txBody>
-          <a:bodyPr rtlCol="0" anchor="ctr"/>
-          <a:lstStyle/>
-          <a:p>
-            <a:pPr algn="ctr"/>
-            <a:r>
-              <a:rPr lang="en-US" dirty="0"/>
-              <a:t>Show your class diagram here.  You might have to spread this across a couple of slides to be readable</a:t>
-            </a:r>
-          </a:p>
-        </p:txBody>
-      </p:sp>
     </p:spTree>
     <p:extLst>
       <p:ext uri="{BB962C8B-B14F-4D97-AF65-F5344CB8AC3E}">
-        <p14:creationId xmlns:p14="http://schemas.microsoft.com/office/powerpoint/2010/main" val="1679113874"/>
+        <p14:creationId xmlns:p14="http://schemas.microsoft.com/office/powerpoint/2010/main" val="828637814"/>
       </p:ext>
     </p:extLst>
   </p:cSld>
@@ -6003,7 +7130,7 @@
           <p:cNvPr id="2" name="Title 1">
             <a:extLst>
               <a:ext uri="{FF2B5EF4-FFF2-40B4-BE49-F238E27FC236}">
-                <a16:creationId xmlns:a16="http://schemas.microsoft.com/office/drawing/2014/main" id="{7A3F6A72-D491-AB4F-803D-EEAFBF2E2F9D}"/>
+                <a16:creationId xmlns:a16="http://schemas.microsoft.com/office/drawing/2014/main" id="{71DBD2D0-E504-4E46-B672-425972770860}"/>
               </a:ext>
             </a:extLst>
           </p:cNvPr>
@@ -6021,7 +7148,7 @@
           <a:p>
             <a:r>
               <a:rPr lang="en-US" dirty="0"/>
-              <a:t>Dynamic Model</a:t>
+              <a:t>Overview</a:t>
             </a:r>
           </a:p>
         </p:txBody>
@@ -6031,7 +7158,7 @@
           <p:cNvPr id="3" name="Content Placeholder 2">
             <a:extLst>
               <a:ext uri="{FF2B5EF4-FFF2-40B4-BE49-F238E27FC236}">
-                <a16:creationId xmlns:a16="http://schemas.microsoft.com/office/drawing/2014/main" id="{706C7C5E-1567-7240-87DD-B41E8F859533}"/>
+                <a16:creationId xmlns:a16="http://schemas.microsoft.com/office/drawing/2014/main" id="{97721FA8-877C-0D43-AF19-4C75EECB089A}"/>
               </a:ext>
             </a:extLst>
           </p:cNvPr>
@@ -6042,12 +7169,127 @@
             <p:ph idx="1"/>
           </p:nvPr>
         </p:nvSpPr>
-        <p:spPr/>
-        <p:txBody>
-          <a:bodyPr/>
-          <a:lstStyle/>
-          <a:p>
-            <a:endParaRPr lang="en-US"/>
+        <p:spPr>
+          <a:xfrm>
+            <a:off x="838200" y="1825625"/>
+            <a:ext cx="10515600" cy="4895850"/>
+          </a:xfrm>
+        </p:spPr>
+        <p:txBody>
+          <a:bodyPr>
+            <a:normAutofit fontScale="92500" lnSpcReduction="20000"/>
+          </a:bodyPr>
+          <a:lstStyle/>
+          <a:p>
+            <a:r>
+              <a:rPr lang="en-US" dirty="0">
+                <a:solidFill>
+                  <a:schemeClr val="bg1">
+                    <a:lumMod val="65000"/>
+                  </a:schemeClr>
+                </a:solidFill>
+              </a:rPr>
+              <a:t>Project Description</a:t>
+            </a:r>
+          </a:p>
+          <a:p>
+            <a:endParaRPr lang="en-US" dirty="0"/>
+          </a:p>
+          <a:p>
+            <a:r>
+              <a:rPr lang="en-US" dirty="0">
+                <a:solidFill>
+                  <a:schemeClr val="bg1">
+                    <a:lumMod val="65000"/>
+                  </a:schemeClr>
+                </a:solidFill>
+              </a:rPr>
+              <a:t>Use Case Model</a:t>
+            </a:r>
+          </a:p>
+          <a:p>
+            <a:pPr lvl="1"/>
+            <a:r>
+              <a:rPr lang="en-US" dirty="0">
+                <a:solidFill>
+                  <a:schemeClr val="bg1">
+                    <a:lumMod val="65000"/>
+                  </a:schemeClr>
+                </a:solidFill>
+              </a:rPr>
+              <a:t>Use Case Diagram</a:t>
+            </a:r>
+          </a:p>
+          <a:p>
+            <a:pPr lvl="1"/>
+            <a:r>
+              <a:rPr lang="en-US" dirty="0">
+                <a:solidFill>
+                  <a:schemeClr val="bg1">
+                    <a:lumMod val="65000"/>
+                  </a:schemeClr>
+                </a:solidFill>
+              </a:rPr>
+              <a:t>Use Cases</a:t>
+            </a:r>
+          </a:p>
+          <a:p>
+            <a:endParaRPr lang="en-US" dirty="0"/>
+          </a:p>
+          <a:p>
+            <a:r>
+              <a:rPr lang="en-US" dirty="0"/>
+              <a:t>Domain Model</a:t>
+            </a:r>
+          </a:p>
+          <a:p>
+            <a:pPr lvl="1"/>
+            <a:r>
+              <a:rPr lang="en-US" dirty="0"/>
+              <a:t>Class Diagram</a:t>
+            </a:r>
+          </a:p>
+          <a:p>
+            <a:pPr lvl="1"/>
+            <a:r>
+              <a:rPr lang="en-US" dirty="0"/>
+              <a:t>(Activity Diagrams)</a:t>
+            </a:r>
+          </a:p>
+          <a:p>
+            <a:pPr lvl="1"/>
+            <a:r>
+              <a:rPr lang="en-US" dirty="0"/>
+              <a:t>Sequence Diagrams</a:t>
+            </a:r>
+          </a:p>
+          <a:p>
+            <a:pPr lvl="1"/>
+            <a:r>
+              <a:rPr lang="en-US" dirty="0"/>
+              <a:t>(State Machine Diagrams)</a:t>
+            </a:r>
+          </a:p>
+          <a:p>
+            <a:endParaRPr lang="en-US" dirty="0">
+              <a:solidFill>
+                <a:schemeClr val="bg1">
+                  <a:lumMod val="65000"/>
+                </a:schemeClr>
+              </a:solidFill>
+            </a:endParaRPr>
+          </a:p>
+          <a:p>
+            <a:r>
+              <a:rPr lang="en-US" dirty="0">
+                <a:solidFill>
+                  <a:schemeClr val="bg1">
+                    <a:lumMod val="65000"/>
+                  </a:schemeClr>
+                </a:solidFill>
+              </a:rPr>
+              <a:t>Reflection</a:t>
+            </a:r>
           </a:p>
         </p:txBody>
       </p:sp>
@@ -6056,7 +7298,7 @@
           <p:cNvPr id="4" name="Slide Number Placeholder 3">
             <a:extLst>
               <a:ext uri="{FF2B5EF4-FFF2-40B4-BE49-F238E27FC236}">
-                <a16:creationId xmlns:a16="http://schemas.microsoft.com/office/drawing/2014/main" id="{96DE280E-F1C8-4F43-BE5C-9703701699D6}"/>
+                <a16:creationId xmlns:a16="http://schemas.microsoft.com/office/drawing/2014/main" id="{36B3A4F1-178B-8E44-AF3E-D067B56AF78F}"/>
               </a:ext>
             </a:extLst>
           </p:cNvPr>
@@ -6080,59 +7322,10 @@
           </a:p>
         </p:txBody>
       </p:sp>
-      <p:sp>
-        <p:nvSpPr>
-          <p:cNvPr id="5" name="Rounded Rectangle 4">
-            <a:extLst>
-              <a:ext uri="{FF2B5EF4-FFF2-40B4-BE49-F238E27FC236}">
-                <a16:creationId xmlns:a16="http://schemas.microsoft.com/office/drawing/2014/main" id="{164C22A3-2915-1344-9D7E-250FB0F81225}"/>
-              </a:ext>
-            </a:extLst>
-          </p:cNvPr>
-          <p:cNvSpPr/>
-          <p:nvPr/>
-        </p:nvSpPr>
-        <p:spPr>
-          <a:xfrm>
-            <a:off x="7278130" y="531341"/>
-            <a:ext cx="3669956" cy="1159347"/>
-          </a:xfrm>
-          <a:prstGeom prst="roundRect">
-            <a:avLst/>
-          </a:prstGeom>
-        </p:spPr>
-        <p:style>
-          <a:lnRef idx="2">
-            <a:schemeClr val="accent1">
-              <a:shade val="50000"/>
-            </a:schemeClr>
-          </a:lnRef>
-          <a:fillRef idx="1">
-            <a:schemeClr val="accent1"/>
-          </a:fillRef>
-          <a:effectRef idx="0">
-            <a:schemeClr val="accent1"/>
-          </a:effectRef>
-          <a:fontRef idx="minor">
-            <a:schemeClr val="lt1"/>
-          </a:fontRef>
-        </p:style>
-        <p:txBody>
-          <a:bodyPr rtlCol="0" anchor="ctr"/>
-          <a:lstStyle/>
-          <a:p>
-            <a:pPr algn="ctr"/>
-            <a:r>
-              <a:rPr lang="en-US" dirty="0"/>
-              <a:t>Show two or three of the more interesting behavioral diagrams (sequence diagrams, state machine diagrams, activity diagrams).</a:t>
-            </a:r>
-          </a:p>
-        </p:txBody>
-      </p:sp>
     </p:spTree>
     <p:extLst>
       <p:ext uri="{BB962C8B-B14F-4D97-AF65-F5344CB8AC3E}">
-        <p14:creationId xmlns:p14="http://schemas.microsoft.com/office/powerpoint/2010/main" val="710029326"/>
+        <p14:creationId xmlns:p14="http://schemas.microsoft.com/office/powerpoint/2010/main" val="121071858"/>
       </p:ext>
     </p:extLst>
   </p:cSld>

--- a/slides/increment02-use-case-analysis.pptx
+++ b/slides/increment02-use-case-analysis.pptx
@@ -5,7 +5,7 @@
     <p:sldMasterId id="2147483648" r:id="rId1"/>
   </p:sldMasterIdLst>
   <p:notesMasterIdLst>
-    <p:notesMasterId r:id="rId19"/>
+    <p:notesMasterId r:id="rId22"/>
   </p:notesMasterIdLst>
   <p:sldIdLst>
     <p:sldId id="277" r:id="rId2"/>
@@ -18,13 +18,16 @@
     <p:sldId id="281" r:id="rId9"/>
     <p:sldId id="270" r:id="rId10"/>
     <p:sldId id="275" r:id="rId11"/>
-    <p:sldId id="280" r:id="rId12"/>
-    <p:sldId id="276" r:id="rId13"/>
-    <p:sldId id="271" r:id="rId14"/>
-    <p:sldId id="272" r:id="rId15"/>
-    <p:sldId id="273" r:id="rId16"/>
-    <p:sldId id="274" r:id="rId17"/>
-    <p:sldId id="268" r:id="rId18"/>
+    <p:sldId id="283" r:id="rId12"/>
+    <p:sldId id="282" r:id="rId13"/>
+    <p:sldId id="284" r:id="rId14"/>
+    <p:sldId id="280" r:id="rId15"/>
+    <p:sldId id="276" r:id="rId16"/>
+    <p:sldId id="271" r:id="rId17"/>
+    <p:sldId id="272" r:id="rId18"/>
+    <p:sldId id="273" r:id="rId19"/>
+    <p:sldId id="274" r:id="rId20"/>
+    <p:sldId id="268" r:id="rId21"/>
   </p:sldIdLst>
   <p:sldSz cx="12192000" cy="6858000"/>
   <p:notesSz cx="6858000" cy="9144000"/>
@@ -135,6 +138,8 @@
 <p1510:revInfo xmlns:a="http://schemas.openxmlformats.org/drawingml/2006/main" xmlns:r="http://schemas.openxmlformats.org/officeDocument/2006/relationships" xmlns:p1510="http://schemas.microsoft.com/office/powerpoint/2015/10/main">
   <p1510:revLst>
     <p1510:client id="{297889BF-C2B5-4D39-A63D-73708996589C}" v="1" dt="2019-02-15T21:27:41.409"/>
+    <p1510:client id="{0D486802-B27C-4C64-9F2E-E84B583ADAEF}" v="7" dt="2019-02-18T18:34:27.581"/>
+    <p1510:client id="{42FF8CC9-86FD-4432-A434-A8F398D9F7D4}" v="1" dt="2019-02-18T22:57:09.554"/>
   </p1510:revLst>
 </p1510:revInfo>
 </file>
@@ -193,6 +198,211 @@
             <ac:picMk id="6" creationId="{D53F6763-0CAF-49AE-8F19-7B65ED6879DF}"/>
           </ac:picMkLst>
         </pc:picChg>
+      </pc:sldChg>
+    </pc:docChg>
+  </pc:docChgLst>
+  <pc:docChgLst>
+    <pc:chgData name="来宾用户" providerId="Windows Live" clId="Web-{42FF8CC9-86FD-4432-A434-A8F398D9F7D4}"/>
+    <pc:docChg chg="modSld">
+      <pc:chgData name="来宾用户" userId="" providerId="Windows Live" clId="Web-{42FF8CC9-86FD-4432-A434-A8F398D9F7D4}" dt="2019-02-18T22:57:09.554" v="65" actId="14100"/>
+      <pc:docMkLst>
+        <pc:docMk/>
+      </pc:docMkLst>
+      <pc:sldChg chg="addSp delSp modSp mod setBg">
+        <pc:chgData name="来宾用户" userId="" providerId="Windows Live" clId="Web-{42FF8CC9-86FD-4432-A434-A8F398D9F7D4}" dt="2019-02-18T22:52:04.459" v="3"/>
+        <pc:sldMkLst>
+          <pc:docMk/>
+          <pc:sldMk cId="1679113874" sldId="275"/>
+        </pc:sldMkLst>
+        <pc:spChg chg="mod">
+          <ac:chgData name="来宾用户" userId="" providerId="Windows Live" clId="Web-{42FF8CC9-86FD-4432-A434-A8F398D9F7D4}" dt="2019-02-18T22:52:04.459" v="3"/>
+          <ac:spMkLst>
+            <pc:docMk/>
+            <pc:sldMk cId="1679113874" sldId="275"/>
+            <ac:spMk id="2" creationId="{7A3F6A72-D491-AB4F-803D-EEAFBF2E2F9D}"/>
+          </ac:spMkLst>
+        </pc:spChg>
+        <pc:spChg chg="mod ord">
+          <ac:chgData name="来宾用户" userId="" providerId="Windows Live" clId="Web-{42FF8CC9-86FD-4432-A434-A8F398D9F7D4}" dt="2019-02-18T22:52:04.459" v="3"/>
+          <ac:spMkLst>
+            <pc:docMk/>
+            <pc:sldMk cId="1679113874" sldId="275"/>
+            <ac:spMk id="4" creationId="{96DE280E-F1C8-4F43-BE5C-9703701699D6}"/>
+          </ac:spMkLst>
+        </pc:spChg>
+        <pc:spChg chg="add del mod">
+          <ac:chgData name="来宾用户" userId="" providerId="Windows Live" clId="Web-{42FF8CC9-86FD-4432-A434-A8F398D9F7D4}" dt="2019-02-18T22:51:49.943" v="1"/>
+          <ac:spMkLst>
+            <pc:docMk/>
+            <pc:sldMk cId="1679113874" sldId="275"/>
+            <ac:spMk id="5" creationId="{BD2D6197-74F6-4225-BFAF-18D4AD3D08FE}"/>
+          </ac:spMkLst>
+        </pc:spChg>
+        <pc:spChg chg="add del">
+          <ac:chgData name="来宾用户" userId="" providerId="Windows Live" clId="Web-{42FF8CC9-86FD-4432-A434-A8F398D9F7D4}" dt="2019-02-18T22:52:04.459" v="3"/>
+          <ac:spMkLst>
+            <pc:docMk/>
+            <pc:sldMk cId="1679113874" sldId="275"/>
+            <ac:spMk id="12" creationId="{A4AC5506-6312-4701-8D3C-40187889A947}"/>
+          </ac:spMkLst>
+        </pc:spChg>
+        <pc:picChg chg="del">
+          <ac:chgData name="来宾用户" userId="" providerId="Windows Live" clId="Web-{42FF8CC9-86FD-4432-A434-A8F398D9F7D4}" dt="2019-02-18T22:51:16.615" v="0"/>
+          <ac:picMkLst>
+            <pc:docMk/>
+            <pc:sldMk cId="1679113874" sldId="275"/>
+            <ac:picMk id="6" creationId="{D53F6763-0CAF-49AE-8F19-7B65ED6879DF}"/>
+          </ac:picMkLst>
+        </pc:picChg>
+        <pc:picChg chg="add mod ord">
+          <ac:chgData name="来宾用户" userId="" providerId="Windows Live" clId="Web-{42FF8CC9-86FD-4432-A434-A8F398D9F7D4}" dt="2019-02-18T22:52:04.459" v="3"/>
+          <ac:picMkLst>
+            <pc:docMk/>
+            <pc:sldMk cId="1679113874" sldId="275"/>
+            <ac:picMk id="7" creationId="{D2E4584D-C16F-456A-8D52-4D48388702E4}"/>
+          </ac:picMkLst>
+        </pc:picChg>
+      </pc:sldChg>
+      <pc:sldChg chg="addSp delSp modSp">
+        <pc:chgData name="来宾用户" userId="" providerId="Windows Live" clId="Web-{42FF8CC9-86FD-4432-A434-A8F398D9F7D4}" dt="2019-02-18T22:54:54.194" v="49" actId="20577"/>
+        <pc:sldMkLst>
+          <pc:docMk/>
+          <pc:sldMk cId="3232711427" sldId="282"/>
+        </pc:sldMkLst>
+        <pc:spChg chg="mod">
+          <ac:chgData name="来宾用户" userId="" providerId="Windows Live" clId="Web-{42FF8CC9-86FD-4432-A434-A8F398D9F7D4}" dt="2019-02-18T22:54:54.194" v="49" actId="20577"/>
+          <ac:spMkLst>
+            <pc:docMk/>
+            <pc:sldMk cId="3232711427" sldId="282"/>
+            <ac:spMk id="18" creationId="{27AE8628-D4BA-43D0-A9DB-70EF3E7B6870}"/>
+          </ac:spMkLst>
+        </pc:spChg>
+        <pc:picChg chg="add del mod">
+          <ac:chgData name="来宾用户" userId="" providerId="Windows Live" clId="Web-{42FF8CC9-86FD-4432-A434-A8F398D9F7D4}" dt="2019-02-18T22:54:23.335" v="41"/>
+          <ac:picMkLst>
+            <pc:docMk/>
+            <pc:sldMk cId="3232711427" sldId="282"/>
+            <ac:picMk id="3" creationId="{B7928013-DB88-412A-9942-49B16AA81B97}"/>
+          </ac:picMkLst>
+        </pc:picChg>
+        <pc:picChg chg="del">
+          <ac:chgData name="来宾用户" userId="" providerId="Windows Live" clId="Web-{42FF8CC9-86FD-4432-A434-A8F398D9F7D4}" dt="2019-02-18T22:54:05.897" v="39"/>
+          <ac:picMkLst>
+            <pc:docMk/>
+            <pc:sldMk cId="3232711427" sldId="282"/>
+            <ac:picMk id="16" creationId="{29209967-989F-4D26-9027-325EEDDD0DE6}"/>
+          </ac:picMkLst>
+        </pc:picChg>
+        <pc:picChg chg="add">
+          <ac:chgData name="来宾用户" userId="" providerId="Windows Live" clId="Web-{42FF8CC9-86FD-4432-A434-A8F398D9F7D4}" dt="2019-02-18T22:54:27.538" v="42"/>
+          <ac:picMkLst>
+            <pc:docMk/>
+            <pc:sldMk cId="3232711427" sldId="282"/>
+            <ac:picMk id="20" creationId="{B7928013-DB88-412A-9942-49B16AA81B97}"/>
+          </ac:picMkLst>
+        </pc:picChg>
+      </pc:sldChg>
+      <pc:sldChg chg="modSp">
+        <pc:chgData name="来宾用户" userId="" providerId="Windows Live" clId="Web-{42FF8CC9-86FD-4432-A434-A8F398D9F7D4}" dt="2019-02-18T22:53:24.897" v="36" actId="20577"/>
+        <pc:sldMkLst>
+          <pc:docMk/>
+          <pc:sldMk cId="812540685" sldId="283"/>
+        </pc:sldMkLst>
+        <pc:spChg chg="mod">
+          <ac:chgData name="来宾用户" userId="" providerId="Windows Live" clId="Web-{42FF8CC9-86FD-4432-A434-A8F398D9F7D4}" dt="2019-02-18T22:53:24.897" v="36" actId="20577"/>
+          <ac:spMkLst>
+            <pc:docMk/>
+            <pc:sldMk cId="812540685" sldId="283"/>
+            <ac:spMk id="3" creationId="{BAA5A457-2705-4D63-93BB-7743EEB7536B}"/>
+          </ac:spMkLst>
+        </pc:spChg>
+      </pc:sldChg>
+      <pc:sldChg chg="addSp delSp modSp">
+        <pc:chgData name="来宾用户" userId="" providerId="Windows Live" clId="Web-{42FF8CC9-86FD-4432-A434-A8F398D9F7D4}" dt="2019-02-18T22:57:09.554" v="65" actId="14100"/>
+        <pc:sldMkLst>
+          <pc:docMk/>
+          <pc:sldMk cId="582046377" sldId="284"/>
+        </pc:sldMkLst>
+        <pc:spChg chg="mod">
+          <ac:chgData name="来宾用户" userId="" providerId="Windows Live" clId="Web-{42FF8CC9-86FD-4432-A434-A8F398D9F7D4}" dt="2019-02-18T22:56:58.648" v="62"/>
+          <ac:spMkLst>
+            <pc:docMk/>
+            <pc:sldMk cId="582046377" sldId="284"/>
+            <ac:spMk id="2" creationId="{A60027BC-99A5-4503-B21F-4EE28A87BAFE}"/>
+          </ac:spMkLst>
+        </pc:spChg>
+        <pc:spChg chg="mod ord">
+          <ac:chgData name="来宾用户" userId="" providerId="Windows Live" clId="Web-{42FF8CC9-86FD-4432-A434-A8F398D9F7D4}" dt="2019-02-18T22:56:58.773" v="63"/>
+          <ac:spMkLst>
+            <pc:docMk/>
+            <pc:sldMk cId="582046377" sldId="284"/>
+            <ac:spMk id="4" creationId="{9A0F381A-1946-4553-A6CB-69ECFC65EBEE}"/>
+          </ac:spMkLst>
+        </pc:spChg>
+        <pc:spChg chg="add del mod">
+          <ac:chgData name="来宾用户" userId="" providerId="Windows Live" clId="Web-{42FF8CC9-86FD-4432-A434-A8F398D9F7D4}" dt="2019-02-18T22:56:30.382" v="52"/>
+          <ac:spMkLst>
+            <pc:docMk/>
+            <pc:sldMk cId="582046377" sldId="284"/>
+            <ac:spMk id="5" creationId="{E3674DBD-C01E-4D45-9186-B63F0D5FB071}"/>
+          </ac:spMkLst>
+        </pc:spChg>
+        <pc:spChg chg="mod ord">
+          <ac:chgData name="来宾用户" userId="" providerId="Windows Live" clId="Web-{42FF8CC9-86FD-4432-A434-A8F398D9F7D4}" dt="2019-02-18T22:56:58.648" v="62"/>
+          <ac:spMkLst>
+            <pc:docMk/>
+            <pc:sldMk cId="582046377" sldId="284"/>
+            <ac:spMk id="9" creationId="{FF0A7B86-7BEB-427A-BCCA-A9355DC3E673}"/>
+          </ac:spMkLst>
+        </pc:spChg>
+        <pc:spChg chg="add del">
+          <ac:chgData name="来宾用户" userId="" providerId="Windows Live" clId="Web-{42FF8CC9-86FD-4432-A434-A8F398D9F7D4}" dt="2019-02-18T22:56:48.054" v="56"/>
+          <ac:spMkLst>
+            <pc:docMk/>
+            <pc:sldMk cId="582046377" sldId="284"/>
+            <ac:spMk id="11" creationId="{73DE2CFE-42F2-48F0-8706-5264E012B10C}"/>
+          </ac:spMkLst>
+        </pc:spChg>
+        <pc:spChg chg="add del">
+          <ac:chgData name="来宾用户" userId="" providerId="Windows Live" clId="Web-{42FF8CC9-86FD-4432-A434-A8F398D9F7D4}" dt="2019-02-18T22:56:52.491" v="58"/>
+          <ac:spMkLst>
+            <pc:docMk/>
+            <pc:sldMk cId="582046377" sldId="284"/>
+            <ac:spMk id="12" creationId="{3CD9DF72-87A3-404E-A828-84CBF11A8303}"/>
+          </ac:spMkLst>
+        </pc:spChg>
+        <pc:spChg chg="add del">
+          <ac:chgData name="来宾用户" userId="" providerId="Windows Live" clId="Web-{42FF8CC9-86FD-4432-A434-A8F398D9F7D4}" dt="2019-02-18T22:56:58.648" v="62"/>
+          <ac:spMkLst>
+            <pc:docMk/>
+            <pc:sldMk cId="582046377" sldId="284"/>
+            <ac:spMk id="17" creationId="{867D4867-5BA7-4462-B2F6-A23F4A622AA7}"/>
+          </ac:spMkLst>
+        </pc:spChg>
+        <pc:picChg chg="add mod ord">
+          <ac:chgData name="来宾用户" userId="" providerId="Windows Live" clId="Web-{42FF8CC9-86FD-4432-A434-A8F398D9F7D4}" dt="2019-02-18T22:57:09.554" v="65" actId="14100"/>
+          <ac:picMkLst>
+            <pc:docMk/>
+            <pc:sldMk cId="582046377" sldId="284"/>
+            <ac:picMk id="6" creationId="{029AB56A-6C89-457C-9A0D-43510DE86569}"/>
+          </ac:picMkLst>
+        </pc:picChg>
+        <pc:picChg chg="del">
+          <ac:chgData name="来宾用户" userId="" providerId="Windows Live" clId="Web-{42FF8CC9-86FD-4432-A434-A8F398D9F7D4}" dt="2019-02-18T22:56:20.069" v="51"/>
+          <ac:picMkLst>
+            <pc:docMk/>
+            <pc:sldMk cId="582046377" sldId="284"/>
+            <ac:picMk id="24" creationId="{12EC2E33-1532-4AFB-B7ED-F3694D90C11B}"/>
+          </ac:picMkLst>
+        </pc:picChg>
+        <pc:cxnChg chg="add del">
+          <ac:chgData name="来宾用户" userId="" providerId="Windows Live" clId="Web-{42FF8CC9-86FD-4432-A434-A8F398D9F7D4}" dt="2019-02-18T22:56:52.491" v="58"/>
+          <ac:cxnSpMkLst>
+            <pc:docMk/>
+            <pc:sldMk cId="582046377" sldId="284"/>
+            <ac:cxnSpMk id="15" creationId="{20E3A342-4D61-4E3F-AF90-1AB42AEB96CC}"/>
+          </ac:cxnSpMkLst>
+        </pc:cxnChg>
       </pc:sldChg>
     </pc:docChg>
   </pc:docChgLst>
@@ -388,6 +598,316 @@
             <ac:spMk id="2" creationId="{96498DBC-81BD-7949-8D5D-BE6819BEF92B}"/>
           </ac:spMkLst>
         </pc:spChg>
+      </pc:sldChg>
+    </pc:docChg>
+  </pc:docChgLst>
+  <pc:docChgLst>
+    <pc:chgData name="来宾用户" providerId="Windows Live" clId="Web-{0D486802-B27C-4C64-9F2E-E84B583ADAEF}"/>
+    <pc:docChg chg="addSld modSld">
+      <pc:chgData name="来宾用户" userId="" providerId="Windows Live" clId="Web-{0D486802-B27C-4C64-9F2E-E84B583ADAEF}" dt="2019-02-18T18:35:12.942" v="808"/>
+      <pc:docMkLst>
+        <pc:docMk/>
+      </pc:docMkLst>
+      <pc:sldChg chg="addSp delSp modSp new mod setBg">
+        <pc:chgData name="来宾用户" userId="" providerId="Windows Live" clId="Web-{0D486802-B27C-4C64-9F2E-E84B583ADAEF}" dt="2019-02-18T18:27:14.940" v="619" actId="20577"/>
+        <pc:sldMkLst>
+          <pc:docMk/>
+          <pc:sldMk cId="3232711427" sldId="282"/>
+        </pc:sldMkLst>
+        <pc:spChg chg="mod">
+          <ac:chgData name="来宾用户" userId="" providerId="Windows Live" clId="Web-{0D486802-B27C-4C64-9F2E-E84B583ADAEF}" dt="2019-02-18T18:17:09.542" v="19"/>
+          <ac:spMkLst>
+            <pc:docMk/>
+            <pc:sldMk cId="3232711427" sldId="282"/>
+            <ac:spMk id="2" creationId="{42C25AFE-56BE-4596-808D-A7778F5F7636}"/>
+          </ac:spMkLst>
+        </pc:spChg>
+        <pc:spChg chg="add del">
+          <ac:chgData name="来宾用户" userId="" providerId="Windows Live" clId="Web-{0D486802-B27C-4C64-9F2E-E84B583ADAEF}" dt="2019-02-18T18:16:59.994" v="18"/>
+          <ac:spMkLst>
+            <pc:docMk/>
+            <pc:sldMk cId="3232711427" sldId="282"/>
+            <ac:spMk id="3" creationId="{0449046A-B596-4387-A31A-6D38B06D5AF9}"/>
+          </ac:spMkLst>
+        </pc:spChg>
+        <pc:spChg chg="mod">
+          <ac:chgData name="来宾用户" userId="" providerId="Windows Live" clId="Web-{0D486802-B27C-4C64-9F2E-E84B583ADAEF}" dt="2019-02-18T18:17:09.542" v="19"/>
+          <ac:spMkLst>
+            <pc:docMk/>
+            <pc:sldMk cId="3232711427" sldId="282"/>
+            <ac:spMk id="4" creationId="{DF0F974D-A482-4F8B-B933-C861658F1A16}"/>
+          </ac:spMkLst>
+        </pc:spChg>
+        <pc:spChg chg="add del">
+          <ac:chgData name="来宾用户" userId="" providerId="Windows Live" clId="Web-{0D486802-B27C-4C64-9F2E-E84B583ADAEF}" dt="2019-02-18T18:16:51.244" v="14"/>
+          <ac:spMkLst>
+            <pc:docMk/>
+            <pc:sldMk cId="3232711427" sldId="282"/>
+            <ac:spMk id="7" creationId="{6753252F-4873-4F63-801D-CC719279A7D5}"/>
+          </ac:spMkLst>
+        </pc:spChg>
+        <pc:spChg chg="add del">
+          <ac:chgData name="来宾用户" userId="" providerId="Windows Live" clId="Web-{0D486802-B27C-4C64-9F2E-E84B583ADAEF}" dt="2019-02-18T18:16:51.244" v="14"/>
+          <ac:spMkLst>
+            <pc:docMk/>
+            <pc:sldMk cId="3232711427" sldId="282"/>
+            <ac:spMk id="8" creationId="{047C8CCB-F95D-4249-92DD-651249D3535A}"/>
+          </ac:spMkLst>
+        </pc:spChg>
+        <pc:spChg chg="add del">
+          <ac:chgData name="来宾用户" userId="" providerId="Windows Live" clId="Web-{0D486802-B27C-4C64-9F2E-E84B583ADAEF}" dt="2019-02-18T18:16:53.979" v="16"/>
+          <ac:spMkLst>
+            <pc:docMk/>
+            <pc:sldMk cId="3232711427" sldId="282"/>
+            <ac:spMk id="9" creationId="{AB45A142-4255-493C-8284-5D566C121B10}"/>
+          </ac:spMkLst>
+        </pc:spChg>
+        <pc:spChg chg="add del">
+          <ac:chgData name="来宾用户" userId="" providerId="Windows Live" clId="Web-{0D486802-B27C-4C64-9F2E-E84B583ADAEF}" dt="2019-02-18T18:16:47.072" v="12"/>
+          <ac:spMkLst>
+            <pc:docMk/>
+            <pc:sldMk cId="3232711427" sldId="282"/>
+            <ac:spMk id="10" creationId="{AB45A142-4255-493C-8284-5D566C121B10}"/>
+          </ac:spMkLst>
+        </pc:spChg>
+        <pc:spChg chg="add mod">
+          <ac:chgData name="来宾用户" userId="" providerId="Windows Live" clId="Web-{0D486802-B27C-4C64-9F2E-E84B583ADAEF}" dt="2019-02-18T18:27:14.940" v="619" actId="20577"/>
+          <ac:spMkLst>
+            <pc:docMk/>
+            <pc:sldMk cId="3232711427" sldId="282"/>
+            <ac:spMk id="18" creationId="{27AE8628-D4BA-43D0-A9DB-70EF3E7B6870}"/>
+          </ac:spMkLst>
+        </pc:spChg>
+        <pc:picChg chg="add del mod ord">
+          <ac:chgData name="来宾用户" userId="" providerId="Windows Live" clId="Web-{0D486802-B27C-4C64-9F2E-E84B583ADAEF}" dt="2019-02-18T18:16:55.214" v="17"/>
+          <ac:picMkLst>
+            <pc:docMk/>
+            <pc:sldMk cId="3232711427" sldId="282"/>
+            <ac:picMk id="5" creationId="{4CE23E31-EA7A-44A9-A973-0550118E25E0}"/>
+          </ac:picMkLst>
+        </pc:picChg>
+        <pc:picChg chg="add del mod ord replId">
+          <ac:chgData name="来宾用户" userId="" providerId="Windows Live" clId="Web-{0D486802-B27C-4C64-9F2E-E84B583ADAEF}" dt="2019-02-18T18:17:09.542" v="19"/>
+          <ac:picMkLst>
+            <pc:docMk/>
+            <pc:sldMk cId="3232711427" sldId="282"/>
+            <ac:picMk id="15" creationId="{29209967-989F-4D26-9027-325EEDDD0DE6}"/>
+          </ac:picMkLst>
+        </pc:picChg>
+        <pc:picChg chg="add">
+          <ac:chgData name="来宾用户" userId="" providerId="Windows Live" clId="Web-{0D486802-B27C-4C64-9F2E-E84B583ADAEF}" dt="2019-02-18T18:17:09.542" v="19"/>
+          <ac:picMkLst>
+            <pc:docMk/>
+            <pc:sldMk cId="3232711427" sldId="282"/>
+            <ac:picMk id="16" creationId="{29209967-989F-4D26-9027-325EEDDD0DE6}"/>
+          </ac:picMkLst>
+        </pc:picChg>
+        <pc:cxnChg chg="add del">
+          <ac:chgData name="来宾用户" userId="" providerId="Windows Live" clId="Web-{0D486802-B27C-4C64-9F2E-E84B583ADAEF}" dt="2019-02-18T18:16:53.979" v="16"/>
+          <ac:cxnSpMkLst>
+            <pc:docMk/>
+            <pc:sldMk cId="3232711427" sldId="282"/>
+            <ac:cxnSpMk id="11" creationId="{38FB9660-F42F-4313-BBC4-47C007FE484C}"/>
+          </ac:cxnSpMkLst>
+        </pc:cxnChg>
+        <pc:cxnChg chg="add del">
+          <ac:chgData name="来宾用户" userId="" providerId="Windows Live" clId="Web-{0D486802-B27C-4C64-9F2E-E84B583ADAEF}" dt="2019-02-18T18:16:47.072" v="12"/>
+          <ac:cxnSpMkLst>
+            <pc:docMk/>
+            <pc:sldMk cId="3232711427" sldId="282"/>
+            <ac:cxnSpMk id="12" creationId="{38FB9660-F42F-4313-BBC4-47C007FE484C}"/>
+          </ac:cxnSpMkLst>
+        </pc:cxnChg>
+      </pc:sldChg>
+      <pc:sldChg chg="modSp new mod modShow">
+        <pc:chgData name="来宾用户" userId="" providerId="Windows Live" clId="Web-{0D486802-B27C-4C64-9F2E-E84B583ADAEF}" dt="2019-02-18T18:25:54.374" v="554" actId="20577"/>
+        <pc:sldMkLst>
+          <pc:docMk/>
+          <pc:sldMk cId="812540685" sldId="283"/>
+        </pc:sldMkLst>
+        <pc:spChg chg="mod">
+          <ac:chgData name="来宾用户" userId="" providerId="Windows Live" clId="Web-{0D486802-B27C-4C64-9F2E-E84B583ADAEF}" dt="2019-02-18T18:20:02.314" v="191" actId="20577"/>
+          <ac:spMkLst>
+            <pc:docMk/>
+            <pc:sldMk cId="812540685" sldId="283"/>
+            <ac:spMk id="2" creationId="{D836AE44-42F4-4372-8B2A-2374D50FB1D0}"/>
+          </ac:spMkLst>
+        </pc:spChg>
+        <pc:spChg chg="mod">
+          <ac:chgData name="来宾用户" userId="" providerId="Windows Live" clId="Web-{0D486802-B27C-4C64-9F2E-E84B583ADAEF}" dt="2019-02-18T18:25:54.374" v="554" actId="20577"/>
+          <ac:spMkLst>
+            <pc:docMk/>
+            <pc:sldMk cId="812540685" sldId="283"/>
+            <ac:spMk id="3" creationId="{BAA5A457-2705-4D63-93BB-7743EEB7536B}"/>
+          </ac:spMkLst>
+        </pc:spChg>
+      </pc:sldChg>
+      <pc:sldChg chg="addSp delSp modSp new mod setBg modClrScheme chgLayout">
+        <pc:chgData name="来宾用户" userId="" providerId="Windows Live" clId="Web-{0D486802-B27C-4C64-9F2E-E84B583ADAEF}" dt="2019-02-18T18:35:12.942" v="808"/>
+        <pc:sldMkLst>
+          <pc:docMk/>
+          <pc:sldMk cId="582046377" sldId="284"/>
+        </pc:sldMkLst>
+        <pc:spChg chg="mod ord">
+          <ac:chgData name="来宾用户" userId="" providerId="Windows Live" clId="Web-{0D486802-B27C-4C64-9F2E-E84B583ADAEF}" dt="2019-02-18T18:35:12.942" v="808"/>
+          <ac:spMkLst>
+            <pc:docMk/>
+            <pc:sldMk cId="582046377" sldId="284"/>
+            <ac:spMk id="2" creationId="{A60027BC-99A5-4503-B21F-4EE28A87BAFE}"/>
+          </ac:spMkLst>
+        </pc:spChg>
+        <pc:spChg chg="del">
+          <ac:chgData name="来宾用户" userId="" providerId="Windows Live" clId="Web-{0D486802-B27C-4C64-9F2E-E84B583ADAEF}" dt="2019-02-18T18:27:32.753" v="622"/>
+          <ac:spMkLst>
+            <pc:docMk/>
+            <pc:sldMk cId="582046377" sldId="284"/>
+            <ac:spMk id="3" creationId="{C9B857CA-63AF-4135-8FBF-63BA198D5C7A}"/>
+          </ac:spMkLst>
+        </pc:spChg>
+        <pc:spChg chg="mod ord">
+          <ac:chgData name="来宾用户" userId="" providerId="Windows Live" clId="Web-{0D486802-B27C-4C64-9F2E-E84B583ADAEF}" dt="2019-02-18T18:35:12.942" v="808"/>
+          <ac:spMkLst>
+            <pc:docMk/>
+            <pc:sldMk cId="582046377" sldId="284"/>
+            <ac:spMk id="4" creationId="{9A0F381A-1946-4553-A6CB-69ECFC65EBEE}"/>
+          </ac:spMkLst>
+        </pc:spChg>
+        <pc:spChg chg="add del mod ord">
+          <ac:chgData name="来宾用户" userId="" providerId="Windows Live" clId="Web-{0D486802-B27C-4C64-9F2E-E84B583ADAEF}" dt="2019-02-18T18:29:42.445" v="644"/>
+          <ac:spMkLst>
+            <pc:docMk/>
+            <pc:sldMk cId="582046377" sldId="284"/>
+            <ac:spMk id="7" creationId="{F57E16AF-5E7E-4EAF-AD12-18BD92EC77F2}"/>
+          </ac:spMkLst>
+        </pc:spChg>
+        <pc:spChg chg="add del mod ord">
+          <ac:chgData name="来宾用户" userId="" providerId="Windows Live" clId="Web-{0D486802-B27C-4C64-9F2E-E84B583ADAEF}" dt="2019-02-18T18:35:12.942" v="808"/>
+          <ac:spMkLst>
+            <pc:docMk/>
+            <pc:sldMk cId="582046377" sldId="284"/>
+            <ac:spMk id="9" creationId="{FF0A7B86-7BEB-427A-BCCA-A9355DC3E673}"/>
+          </ac:spMkLst>
+        </pc:spChg>
+        <pc:spChg chg="add del mod">
+          <ac:chgData name="来宾用户" userId="" providerId="Windows Live" clId="Web-{0D486802-B27C-4C64-9F2E-E84B583ADAEF}" dt="2019-02-18T18:32:02.028" v="695"/>
+          <ac:spMkLst>
+            <pc:docMk/>
+            <pc:sldMk cId="582046377" sldId="284"/>
+            <ac:spMk id="13" creationId="{52952600-2175-4BB5-AEC6-7146E66BED57}"/>
+          </ac:spMkLst>
+        </pc:spChg>
+        <pc:spChg chg="add del mod">
+          <ac:chgData name="来宾用户" userId="" providerId="Windows Live" clId="Web-{0D486802-B27C-4C64-9F2E-E84B583ADAEF}" dt="2019-02-18T18:32:19.920" v="697"/>
+          <ac:spMkLst>
+            <pc:docMk/>
+            <pc:sldMk cId="582046377" sldId="284"/>
+            <ac:spMk id="19" creationId="{D9A25568-BB41-4EFE-81B2-19F023C50D4A}"/>
+          </ac:spMkLst>
+        </pc:spChg>
+        <pc:spChg chg="add del mod">
+          <ac:chgData name="来宾用户" userId="" providerId="Windows Live" clId="Web-{0D486802-B27C-4C64-9F2E-E84B583ADAEF}" dt="2019-02-18T18:34:16.596" v="790"/>
+          <ac:spMkLst>
+            <pc:docMk/>
+            <pc:sldMk cId="582046377" sldId="284"/>
+            <ac:spMk id="23" creationId="{6C87615D-EE96-4233-BA33-595D77B20F4C}"/>
+          </ac:spMkLst>
+        </pc:spChg>
+        <pc:spChg chg="add del">
+          <ac:chgData name="来宾用户" userId="" providerId="Windows Live" clId="Web-{0D486802-B27C-4C64-9F2E-E84B583ADAEF}" dt="2019-02-18T18:34:53.222" v="799"/>
+          <ac:spMkLst>
+            <pc:docMk/>
+            <pc:sldMk cId="582046377" sldId="284"/>
+            <ac:spMk id="26" creationId="{42A5316D-ED2F-4F89-B4B4-8D9240B1A348}"/>
+          </ac:spMkLst>
+        </pc:spChg>
+        <pc:spChg chg="add del">
+          <ac:chgData name="来宾用户" userId="" providerId="Windows Live" clId="Web-{0D486802-B27C-4C64-9F2E-E84B583ADAEF}" dt="2019-02-18T18:34:57.879" v="801"/>
+          <ac:spMkLst>
+            <pc:docMk/>
+            <pc:sldMk cId="582046377" sldId="284"/>
+            <ac:spMk id="27" creationId="{3CD9DF72-87A3-404E-A828-84CBF11A8303}"/>
+          </ac:spMkLst>
+        </pc:spChg>
+        <pc:spChg chg="add del">
+          <ac:chgData name="来宾用户" userId="" providerId="Windows Live" clId="Web-{0D486802-B27C-4C64-9F2E-E84B583ADAEF}" dt="2019-02-18T18:35:00.535" v="803"/>
+          <ac:spMkLst>
+            <pc:docMk/>
+            <pc:sldMk cId="582046377" sldId="284"/>
+            <ac:spMk id="28" creationId="{867D4867-5BA7-4462-B2F6-A23F4A622AA7}"/>
+          </ac:spMkLst>
+        </pc:spChg>
+        <pc:spChg chg="add del">
+          <ac:chgData name="来宾用户" userId="" providerId="Windows Live" clId="Web-{0D486802-B27C-4C64-9F2E-E84B583ADAEF}" dt="2019-02-18T18:34:46.472" v="797"/>
+          <ac:spMkLst>
+            <pc:docMk/>
+            <pc:sldMk cId="582046377" sldId="284"/>
+            <ac:spMk id="29" creationId="{73DE2CFE-42F2-48F0-8706-5264E012B10C}"/>
+          </ac:spMkLst>
+        </pc:spChg>
+        <pc:spChg chg="add del">
+          <ac:chgData name="来宾用户" userId="" providerId="Windows Live" clId="Web-{0D486802-B27C-4C64-9F2E-E84B583ADAEF}" dt="2019-02-18T18:35:12.817" v="807"/>
+          <ac:spMkLst>
+            <pc:docMk/>
+            <pc:sldMk cId="582046377" sldId="284"/>
+            <ac:spMk id="30" creationId="{73DE2CFE-42F2-48F0-8706-5264E012B10C}"/>
+          </ac:spMkLst>
+        </pc:spChg>
+        <pc:picChg chg="add del mod ord">
+          <ac:chgData name="来宾用户" userId="" providerId="Windows Live" clId="Web-{0D486802-B27C-4C64-9F2E-E84B583ADAEF}" dt="2019-02-18T18:29:16.991" v="636"/>
+          <ac:picMkLst>
+            <pc:docMk/>
+            <pc:sldMk cId="582046377" sldId="284"/>
+            <ac:picMk id="5" creationId="{392F8B58-BB49-419E-AD42-A4867DCCA930}"/>
+          </ac:picMkLst>
+        </pc:picChg>
+        <pc:picChg chg="add del mod ord">
+          <ac:chgData name="来宾用户" userId="" providerId="Windows Live" clId="Web-{0D486802-B27C-4C64-9F2E-E84B583ADAEF}" dt="2019-02-18T18:29:44.976" v="645"/>
+          <ac:picMkLst>
+            <pc:docMk/>
+            <pc:sldMk cId="582046377" sldId="284"/>
+            <ac:picMk id="10" creationId="{68020577-7024-40D8-BF08-BAB080135635}"/>
+          </ac:picMkLst>
+        </pc:picChg>
+        <pc:picChg chg="add del mod ord">
+          <ac:chgData name="来宾用户" userId="" providerId="Windows Live" clId="Web-{0D486802-B27C-4C64-9F2E-E84B583ADAEF}" dt="2019-02-18T18:31:08.948" v="669"/>
+          <ac:picMkLst>
+            <pc:docMk/>
+            <pc:sldMk cId="582046377" sldId="284"/>
+            <ac:picMk id="14" creationId="{4A24D351-1C69-4E75-B0A1-FF07DA2E44E7}"/>
+          </ac:picMkLst>
+        </pc:picChg>
+        <pc:picChg chg="add del mod ord">
+          <ac:chgData name="来宾用户" userId="" providerId="Windows Live" clId="Web-{0D486802-B27C-4C64-9F2E-E84B583ADAEF}" dt="2019-02-18T18:32:06.185" v="696"/>
+          <ac:picMkLst>
+            <pc:docMk/>
+            <pc:sldMk cId="582046377" sldId="284"/>
+            <ac:picMk id="16" creationId="{1A46205E-07CE-4733-9AA4-3FC5A1C8090D}"/>
+          </ac:picMkLst>
+        </pc:picChg>
+        <pc:picChg chg="add del mod ord">
+          <ac:chgData name="来宾用户" userId="" providerId="Windows Live" clId="Web-{0D486802-B27C-4C64-9F2E-E84B583ADAEF}" dt="2019-02-18T18:32:35.702" v="698"/>
+          <ac:picMkLst>
+            <pc:docMk/>
+            <pc:sldMk cId="582046377" sldId="284"/>
+            <ac:picMk id="20" creationId="{51FD7034-B8E1-4873-BD7E-B82E7E02C1E8}"/>
+          </ac:picMkLst>
+        </pc:picChg>
+        <pc:picChg chg="add mod ord">
+          <ac:chgData name="来宾用户" userId="" providerId="Windows Live" clId="Web-{0D486802-B27C-4C64-9F2E-E84B583ADAEF}" dt="2019-02-18T18:35:12.942" v="808"/>
+          <ac:picMkLst>
+            <pc:docMk/>
+            <pc:sldMk cId="582046377" sldId="284"/>
+            <ac:picMk id="24" creationId="{12EC2E33-1532-4AFB-B7ED-F3694D90C11B}"/>
+          </ac:picMkLst>
+        </pc:picChg>
+        <pc:cxnChg chg="add del">
+          <ac:chgData name="来宾用户" userId="" providerId="Windows Live" clId="Web-{0D486802-B27C-4C64-9F2E-E84B583ADAEF}" dt="2019-02-18T18:34:57.879" v="801"/>
+          <ac:cxnSpMkLst>
+            <pc:docMk/>
+            <pc:sldMk cId="582046377" sldId="284"/>
+            <ac:cxnSpMk id="31" creationId="{20E3A342-4D61-4E3F-AF90-1AB42AEB96CC}"/>
+          </ac:cxnSpMkLst>
+        </pc:cxnChg>
       </pc:sldChg>
     </pc:docChg>
   </pc:docChgLst>
@@ -4389,7 +4909,12 @@
             <p:ph type="title"/>
           </p:nvPr>
         </p:nvSpPr>
-        <p:spPr/>
+        <p:spPr>
+          <a:xfrm>
+            <a:off x="838200" y="365125"/>
+            <a:ext cx="10515600" cy="1325563"/>
+          </a:xfrm>
+        </p:spPr>
         <p:txBody>
           <a:bodyPr/>
           <a:lstStyle/>
@@ -4401,12 +4926,46 @@
           </a:p>
         </p:txBody>
       </p:sp>
+      <p:sp>
+        <p:nvSpPr>
+          <p:cNvPr id="4" name="Slide Number Placeholder 3">
+            <a:extLst>
+              <a:ext uri="{FF2B5EF4-FFF2-40B4-BE49-F238E27FC236}">
+                <a16:creationId xmlns:a16="http://schemas.microsoft.com/office/drawing/2014/main" id="{96DE280E-F1C8-4F43-BE5C-9703701699D6}"/>
+              </a:ext>
+            </a:extLst>
+          </p:cNvPr>
+          <p:cNvSpPr>
+            <a:spLocks noGrp="1"/>
+          </p:cNvSpPr>
+          <p:nvPr>
+            <p:ph type="sldNum" sz="quarter" idx="12"/>
+          </p:nvPr>
+        </p:nvSpPr>
+        <p:spPr>
+          <a:xfrm>
+            <a:off x="8610600" y="6356350"/>
+            <a:ext cx="2743200" cy="365125"/>
+          </a:xfrm>
+        </p:spPr>
+        <p:txBody>
+          <a:bodyPr/>
+          <a:lstStyle/>
+          <a:p>
+            <a:fld id="{59467819-B74A-7D46-BC68-B37107E692DD}" type="slidenum">
+              <a:rPr lang="en-US" smtClean="0"/>
+              <a:t>10</a:t>
+            </a:fld>
+            <a:endParaRPr lang="en-US"/>
+          </a:p>
+        </p:txBody>
+      </p:sp>
       <p:pic>
         <p:nvPicPr>
-          <p:cNvPr id="6" name="Picture 6" descr="A screenshot of a cell phone&#10;&#10;Description generated with very high confidence">
-            <a:extLst>
-              <a:ext uri="{FF2B5EF4-FFF2-40B4-BE49-F238E27FC236}">
-                <a16:creationId xmlns:a16="http://schemas.microsoft.com/office/drawing/2014/main" id="{D53F6763-0CAF-49AE-8F19-7B65ED6879DF}"/>
+          <p:cNvPr id="7" name="图片 7" descr="图片包含 屏幕截图, 绿色&#10;&#10;已生成极高可信度的说明">
+            <a:extLst>
+              <a:ext uri="{FF2B5EF4-FFF2-40B4-BE49-F238E27FC236}">
+                <a16:creationId xmlns:a16="http://schemas.microsoft.com/office/drawing/2014/main" id="{D2E4584D-C16F-456A-8D52-4D48388702E4}"/>
               </a:ext>
             </a:extLst>
           </p:cNvPr>
@@ -4425,43 +4984,14 @@
         </p:blipFill>
         <p:spPr>
           <a:xfrm>
-            <a:off x="1424062" y="1612713"/>
-            <a:ext cx="8828406" cy="4351338"/>
+            <a:off x="1789988" y="1825625"/>
+            <a:ext cx="8612023" cy="4351338"/>
           </a:xfrm>
           <a:prstGeom prst="rect">
             <a:avLst/>
           </a:prstGeom>
         </p:spPr>
       </p:pic>
-      <p:sp>
-        <p:nvSpPr>
-          <p:cNvPr id="4" name="Slide Number Placeholder 3">
-            <a:extLst>
-              <a:ext uri="{FF2B5EF4-FFF2-40B4-BE49-F238E27FC236}">
-                <a16:creationId xmlns:a16="http://schemas.microsoft.com/office/drawing/2014/main" id="{96DE280E-F1C8-4F43-BE5C-9703701699D6}"/>
-              </a:ext>
-            </a:extLst>
-          </p:cNvPr>
-          <p:cNvSpPr>
-            <a:spLocks noGrp="1"/>
-          </p:cNvSpPr>
-          <p:nvPr>
-            <p:ph type="sldNum" sz="quarter" idx="12"/>
-          </p:nvPr>
-        </p:nvSpPr>
-        <p:spPr/>
-        <p:txBody>
-          <a:bodyPr/>
-          <a:lstStyle/>
-          <a:p>
-            <a:fld id="{59467819-B74A-7D46-BC68-B37107E692DD}" type="slidenum">
-              <a:rPr lang="en-US" smtClean="0"/>
-              <a:t>10</a:t>
-            </a:fld>
-            <a:endParaRPr lang="en-US"/>
-          </a:p>
-        </p:txBody>
-      </p:sp>
     </p:spTree>
     <p:extLst>
       <p:ext uri="{BB962C8B-B14F-4D97-AF65-F5344CB8AC3E}">
@@ -4476,7 +5006,7 @@
 </file>
 
 <file path=ppt/slides/slide11.xml><?xml version="1.0" encoding="utf-8"?>
-<p:sld xmlns:a="http://schemas.openxmlformats.org/drawingml/2006/main" xmlns:r="http://schemas.openxmlformats.org/officeDocument/2006/relationships" xmlns:p="http://schemas.openxmlformats.org/presentationml/2006/main">
+<p:sld xmlns:a="http://schemas.openxmlformats.org/drawingml/2006/main" xmlns:r="http://schemas.openxmlformats.org/officeDocument/2006/relationships" xmlns:p="http://schemas.openxmlformats.org/presentationml/2006/main" show="0">
   <p:cSld>
     <p:spTree>
       <p:nvGrpSpPr>
@@ -4494,10 +5024,10 @@
       </p:grpSpPr>
       <p:sp>
         <p:nvSpPr>
-          <p:cNvPr id="2" name="Title 1">
-            <a:extLst>
-              <a:ext uri="{FF2B5EF4-FFF2-40B4-BE49-F238E27FC236}">
-                <a16:creationId xmlns:a16="http://schemas.microsoft.com/office/drawing/2014/main" id="{7A3F6A72-D491-AB4F-803D-EEAFBF2E2F9D}"/>
+          <p:cNvPr id="2" name="标题 1">
+            <a:extLst>
+              <a:ext uri="{FF2B5EF4-FFF2-40B4-BE49-F238E27FC236}">
+                <a16:creationId xmlns:a16="http://schemas.microsoft.com/office/drawing/2014/main" id="{D836AE44-42F4-4372-8B2A-2374D50FB1D0}"/>
               </a:ext>
             </a:extLst>
           </p:cNvPr>
@@ -4514,18 +5044,22 @@
           <a:lstStyle/>
           <a:p>
             <a:r>
-              <a:rPr lang="en-US" dirty="0"/>
-              <a:t>Behavioral Model – Sequence </a:t>
-            </a:r>
-          </a:p>
-        </p:txBody>
-      </p:sp>
-      <p:sp>
-        <p:nvSpPr>
-          <p:cNvPr id="3" name="Content Placeholder 2">
-            <a:extLst>
-              <a:ext uri="{FF2B5EF4-FFF2-40B4-BE49-F238E27FC236}">
-                <a16:creationId xmlns:a16="http://schemas.microsoft.com/office/drawing/2014/main" id="{706C7C5E-1567-7240-87DD-B41E8F859533}"/>
+              <a:rPr lang="zh-CN" altLang="en-US">
+                <a:ea typeface="等线 Light"/>
+                <a:cs typeface="Calibri Light"/>
+              </a:rPr>
+              <a:t>Structural Model</a:t>
+            </a:r>
+            <a:endParaRPr lang="zh-CN" altLang="en-US"/>
+          </a:p>
+        </p:txBody>
+      </p:sp>
+      <p:sp>
+        <p:nvSpPr>
+          <p:cNvPr id="3" name="内容占位符 2">
+            <a:extLst>
+              <a:ext uri="{FF2B5EF4-FFF2-40B4-BE49-F238E27FC236}">
+                <a16:creationId xmlns:a16="http://schemas.microsoft.com/office/drawing/2014/main" id="{BAA5A457-2705-4D63-93BB-7743EEB7536B}"/>
               </a:ext>
             </a:extLst>
           </p:cNvPr>
@@ -4538,19 +5072,131 @@
         </p:nvSpPr>
         <p:spPr/>
         <p:txBody>
-          <a:bodyPr/>
-          <a:lstStyle/>
-          <a:p>
-            <a:endParaRPr lang="en-US"/>
-          </a:p>
-        </p:txBody>
-      </p:sp>
-      <p:sp>
-        <p:nvSpPr>
-          <p:cNvPr id="4" name="Slide Number Placeholder 3">
-            <a:extLst>
-              <a:ext uri="{FF2B5EF4-FFF2-40B4-BE49-F238E27FC236}">
-                <a16:creationId xmlns:a16="http://schemas.microsoft.com/office/drawing/2014/main" id="{96DE280E-F1C8-4F43-BE5C-9703701699D6}"/>
+          <a:bodyPr vert="horz" lIns="91440" tIns="45720" rIns="91440" bIns="45720" rtlCol="0" anchor="t">
+            <a:normAutofit/>
+          </a:bodyPr>
+          <a:lstStyle/>
+          <a:p>
+            <a:r>
+              <a:rPr lang="zh-CN" altLang="en-US">
+                <a:ea typeface="等线"/>
+                <a:cs typeface="Calibri"/>
+              </a:rPr>
+              <a:t>Report: gengerate and show final report</a:t>
+            </a:r>
+            <a:endParaRPr lang="zh-CN" altLang="en-US" dirty="0">
+              <a:ea typeface="等线"/>
+              <a:cs typeface="Calibri"/>
+            </a:endParaRPr>
+          </a:p>
+          <a:p>
+            <a:r>
+              <a:rPr lang="zh-CN" altLang="en-US">
+                <a:ea typeface="等线"/>
+                <a:cs typeface="Calibri"/>
+              </a:rPr>
+              <a:t>Console: user input </a:t>
+            </a:r>
+            <a:endParaRPr lang="zh-CN"/>
+          </a:p>
+          <a:p>
+            <a:r>
+              <a:rPr lang="zh-CN" altLang="en-US">
+                <a:ea typeface="等线"/>
+                <a:cs typeface="Calibri"/>
+              </a:rPr>
+              <a:t>Display: show map and cars</a:t>
+            </a:r>
+            <a:endParaRPr lang="zh-CN" altLang="en-US" dirty="0">
+              <a:ea typeface="等线"/>
+              <a:cs typeface="Calibri"/>
+            </a:endParaRPr>
+          </a:p>
+          <a:p>
+            <a:r>
+              <a:rPr lang="zh-CN" altLang="en-US">
+                <a:ea typeface="等线"/>
+                <a:cs typeface="Calibri"/>
+              </a:rPr>
+              <a:t>Car: speed, position, direction, status </a:t>
+            </a:r>
+            <a:endParaRPr lang="zh-CN" altLang="en-US" dirty="0">
+              <a:ea typeface="等线"/>
+              <a:cs typeface="Calibri"/>
+            </a:endParaRPr>
+          </a:p>
+          <a:p>
+            <a:r>
+              <a:rPr lang="zh-CN" altLang="en-US">
+                <a:ea typeface="等线"/>
+                <a:cs typeface="Calibri"/>
+              </a:rPr>
+              <a:t>Map: mapMatrix, car(List), component</a:t>
+            </a:r>
+            <a:endParaRPr lang="zh-CN" altLang="en-US" dirty="0">
+              <a:ea typeface="等线"/>
+              <a:cs typeface="Calibri"/>
+            </a:endParaRPr>
+          </a:p>
+          <a:p>
+            <a:r>
+              <a:rPr lang="zh-CN" altLang="en-US">
+                <a:ea typeface="等线"/>
+                <a:cs typeface="Calibri"/>
+              </a:rPr>
+              <a:t>Tile (abstract): designed for easier when implement a new map</a:t>
+            </a:r>
+            <a:endParaRPr lang="zh-CN" altLang="en-US" dirty="0">
+              <a:ea typeface="等线"/>
+              <a:cs typeface="Calibri"/>
+            </a:endParaRPr>
+          </a:p>
+          <a:p>
+            <a:r>
+              <a:rPr lang="zh-CN" altLang="en-US">
+                <a:ea typeface="等线"/>
+                <a:cs typeface="Calibri"/>
+              </a:rPr>
+              <a:t>Ground, Road, Intersection (abstract)</a:t>
+            </a:r>
+            <a:endParaRPr lang="zh-CN" altLang="en-US" dirty="0">
+              <a:ea typeface="等线"/>
+              <a:cs typeface="Calibri"/>
+            </a:endParaRPr>
+          </a:p>
+          <a:p>
+            <a:r>
+              <a:rPr lang="zh-CN" altLang="en-US">
+                <a:ea typeface="等线"/>
+                <a:cs typeface="Calibri"/>
+              </a:rPr>
+              <a:t>Traffic Light and Stop Sign</a:t>
+            </a:r>
+            <a:endParaRPr lang="zh-CN" altLang="en-US" dirty="0">
+              <a:ea typeface="等线"/>
+              <a:cs typeface="Calibri"/>
+            </a:endParaRPr>
+          </a:p>
+          <a:p>
+            <a:endParaRPr lang="zh-CN" altLang="en-US" dirty="0">
+              <a:ea typeface="等线"/>
+              <a:cs typeface="Calibri"/>
+            </a:endParaRPr>
+          </a:p>
+          <a:p>
+            <a:endParaRPr lang="zh-CN" altLang="en-US" dirty="0">
+              <a:ea typeface="等线"/>
+              <a:cs typeface="Calibri"/>
+            </a:endParaRPr>
+          </a:p>
+        </p:txBody>
+      </p:sp>
+      <p:sp>
+        <p:nvSpPr>
+          <p:cNvPr id="4" name="灯片编号占位符 3">
+            <a:extLst>
+              <a:ext uri="{FF2B5EF4-FFF2-40B4-BE49-F238E27FC236}">
+                <a16:creationId xmlns:a16="http://schemas.microsoft.com/office/drawing/2014/main" id="{231C68DE-6AEA-4C87-A092-0ED7F7C219BB}"/>
               </a:ext>
             </a:extLst>
           </p:cNvPr>
@@ -4577,7 +5223,7 @@
     </p:spTree>
     <p:extLst>
       <p:ext uri="{BB962C8B-B14F-4D97-AF65-F5344CB8AC3E}">
-        <p14:creationId xmlns:p14="http://schemas.microsoft.com/office/powerpoint/2010/main" val="789788285"/>
+        <p14:creationId xmlns:p14="http://schemas.microsoft.com/office/powerpoint/2010/main" val="812540685"/>
       </p:ext>
     </p:extLst>
   </p:cSld>
@@ -4590,6 +5236,14 @@
 <file path=ppt/slides/slide12.xml><?xml version="1.0" encoding="utf-8"?>
 <p:sld xmlns:a="http://schemas.openxmlformats.org/drawingml/2006/main" xmlns:r="http://schemas.openxmlformats.org/officeDocument/2006/relationships" xmlns:p="http://schemas.openxmlformats.org/presentationml/2006/main">
   <p:cSld>
+    <p:bg>
+      <p:bgPr>
+        <a:solidFill>
+          <a:schemeClr val="bg1"/>
+        </a:solidFill>
+        <a:effectLst/>
+      </p:bgPr>
+    </p:bg>
     <p:spTree>
       <p:nvGrpSpPr>
         <p:cNvPr id="1" name=""/>
@@ -4606,10 +5260,10 @@
       </p:grpSpPr>
       <p:sp>
         <p:nvSpPr>
-          <p:cNvPr id="2" name="Title 1">
-            <a:extLst>
-              <a:ext uri="{FF2B5EF4-FFF2-40B4-BE49-F238E27FC236}">
-                <a16:creationId xmlns:a16="http://schemas.microsoft.com/office/drawing/2014/main" id="{7A3F6A72-D491-AB4F-803D-EEAFBF2E2F9D}"/>
+          <p:cNvPr id="2" name="标题 1">
+            <a:extLst>
+              <a:ext uri="{FF2B5EF4-FFF2-40B4-BE49-F238E27FC236}">
+                <a16:creationId xmlns:a16="http://schemas.microsoft.com/office/drawing/2014/main" id="{42C25AFE-56BE-4596-808D-A7778F5F7636}"/>
               </a:ext>
             </a:extLst>
           </p:cNvPr>
@@ -4620,24 +5274,35 @@
             <p:ph type="title"/>
           </p:nvPr>
         </p:nvSpPr>
-        <p:spPr/>
-        <p:txBody>
-          <a:bodyPr/>
-          <a:lstStyle/>
-          <a:p>
-            <a:r>
-              <a:rPr lang="en-US" dirty="0"/>
-              <a:t>Dynamic Model</a:t>
-            </a:r>
-          </a:p>
-        </p:txBody>
-      </p:sp>
-      <p:sp>
-        <p:nvSpPr>
-          <p:cNvPr id="3" name="Content Placeholder 2">
-            <a:extLst>
-              <a:ext uri="{FF2B5EF4-FFF2-40B4-BE49-F238E27FC236}">
-                <a16:creationId xmlns:a16="http://schemas.microsoft.com/office/drawing/2014/main" id="{706C7C5E-1567-7240-87DD-B41E8F859533}"/>
+        <p:spPr>
+          <a:xfrm>
+            <a:off x="648929" y="629266"/>
+            <a:ext cx="5127031" cy="1676603"/>
+          </a:xfrm>
+        </p:spPr>
+        <p:txBody>
+          <a:bodyPr>
+            <a:normAutofit/>
+          </a:bodyPr>
+          <a:lstStyle/>
+          <a:p>
+            <a:r>
+              <a:rPr lang="zh-CN" altLang="en-US">
+                <a:ea typeface="等线 Light"/>
+                <a:cs typeface="Calibri Light"/>
+              </a:rPr>
+              <a:t>Structural Model</a:t>
+            </a:r>
+            <a:endParaRPr lang="zh-CN" altLang="en-US"/>
+          </a:p>
+        </p:txBody>
+      </p:sp>
+      <p:sp>
+        <p:nvSpPr>
+          <p:cNvPr id="18" name="Content Placeholder 17">
+            <a:extLst>
+              <a:ext uri="{FF2B5EF4-FFF2-40B4-BE49-F238E27FC236}">
+                <a16:creationId xmlns:a16="http://schemas.microsoft.com/office/drawing/2014/main" id="{27AE8628-D4BA-43D0-A9DB-70EF3E7B6870}"/>
               </a:ext>
             </a:extLst>
           </p:cNvPr>
@@ -4648,21 +5313,91 @@
             <p:ph idx="1"/>
           </p:nvPr>
         </p:nvSpPr>
-        <p:spPr/>
-        <p:txBody>
-          <a:bodyPr/>
-          <a:lstStyle/>
-          <a:p>
-            <a:endParaRPr lang="en-US"/>
-          </a:p>
-        </p:txBody>
-      </p:sp>
-      <p:sp>
-        <p:nvSpPr>
-          <p:cNvPr id="4" name="Slide Number Placeholder 3">
-            <a:extLst>
-              <a:ext uri="{FF2B5EF4-FFF2-40B4-BE49-F238E27FC236}">
-                <a16:creationId xmlns:a16="http://schemas.microsoft.com/office/drawing/2014/main" id="{96DE280E-F1C8-4F43-BE5C-9703701699D6}"/>
+        <p:spPr>
+          <a:xfrm>
+            <a:off x="648930" y="2438400"/>
+            <a:ext cx="5127029" cy="3785419"/>
+          </a:xfrm>
+        </p:spPr>
+        <p:txBody>
+          <a:bodyPr vert="horz" lIns="91440" tIns="45720" rIns="91440" bIns="45720" rtlCol="0" anchor="t">
+            <a:normAutofit/>
+          </a:bodyPr>
+          <a:lstStyle/>
+          <a:p>
+            <a:r>
+              <a:rPr lang="en-US" sz="2600" dirty="0">
+                <a:cs typeface="Calibri"/>
+              </a:rPr>
+              <a:t>Console, Display, and Car are associated with Map.</a:t>
+            </a:r>
+          </a:p>
+          <a:p>
+            <a:r>
+              <a:rPr lang="en-US" sz="2600" dirty="0">
+                <a:cs typeface="Calibri"/>
+              </a:rPr>
+              <a:t>Map has a public attribute </a:t>
+            </a:r>
+            <a:r>
+              <a:rPr lang="en-US" sz="2600" dirty="0" err="1">
+                <a:cs typeface="Calibri"/>
+              </a:rPr>
+              <a:t>carList</a:t>
+            </a:r>
+            <a:r>
+              <a:rPr lang="en-US" sz="2600" dirty="0">
+                <a:cs typeface="Calibri"/>
+              </a:rPr>
+              <a:t>[] call Car object, so that other classes associated with Map will be able to call Car. </a:t>
+            </a:r>
+          </a:p>
+          <a:p>
+            <a:r>
+              <a:rPr lang="en-US" sz="2600" dirty="0">
+                <a:cs typeface="Calibri"/>
+              </a:rPr>
+              <a:t>Display will implement the Report interface</a:t>
+            </a:r>
+          </a:p>
+        </p:txBody>
+      </p:sp>
+      <p:pic>
+        <p:nvPicPr>
+          <p:cNvPr id="20" name="图片 4" descr="图片包含 屏幕截图&#10;&#10;已生成极高可信度的说明">
+            <a:extLst>
+              <a:ext uri="{FF2B5EF4-FFF2-40B4-BE49-F238E27FC236}">
+                <a16:creationId xmlns:a16="http://schemas.microsoft.com/office/drawing/2014/main" id="{B7928013-DB88-412A-9942-49B16AA81B97}"/>
+              </a:ext>
+            </a:extLst>
+          </p:cNvPr>
+          <p:cNvPicPr>
+            <a:picLocks noChangeAspect="1"/>
+          </p:cNvPicPr>
+          <p:nvPr/>
+        </p:nvPicPr>
+        <p:blipFill rotWithShape="1">
+          <a:blip r:embed="rId2"/>
+          <a:srcRect t="3746" r="-2" b="-2"/>
+          <a:stretch/>
+        </p:blipFill>
+        <p:spPr>
+          <a:xfrm>
+            <a:off x="6090613" y="640082"/>
+            <a:ext cx="5461724" cy="5577837"/>
+          </a:xfrm>
+          <a:prstGeom prst="rect">
+            <a:avLst/>
+          </a:prstGeom>
+          <a:effectLst/>
+        </p:spPr>
+      </p:pic>
+      <p:sp>
+        <p:nvSpPr>
+          <p:cNvPr id="4" name="灯片编号占位符 3">
+            <a:extLst>
+              <a:ext uri="{FF2B5EF4-FFF2-40B4-BE49-F238E27FC236}">
+                <a16:creationId xmlns:a16="http://schemas.microsoft.com/office/drawing/2014/main" id="{DF0F974D-A482-4F8B-B933-C861658F1A16}"/>
               </a:ext>
             </a:extLst>
           </p:cNvPr>
@@ -4673,72 +5408,40 @@
             <p:ph type="sldNum" sz="quarter" idx="12"/>
           </p:nvPr>
         </p:nvSpPr>
-        <p:spPr/>
-        <p:txBody>
-          <a:bodyPr/>
-          <a:lstStyle/>
-          <a:p>
+        <p:spPr>
+          <a:xfrm>
+            <a:off x="8610600" y="6356350"/>
+            <a:ext cx="2743200" cy="365125"/>
+          </a:xfrm>
+        </p:spPr>
+        <p:txBody>
+          <a:bodyPr>
+            <a:normAutofit/>
+          </a:bodyPr>
+          <a:lstStyle/>
+          <a:p>
+            <a:pPr>
+              <a:spcAft>
+                <a:spcPts val="600"/>
+              </a:spcAft>
+            </a:pPr>
             <a:fld id="{59467819-B74A-7D46-BC68-B37107E692DD}" type="slidenum">
               <a:rPr lang="en-US" smtClean="0"/>
+              <a:pPr>
+                <a:spcAft>
+                  <a:spcPts val="600"/>
+                </a:spcAft>
+              </a:pPr>
               <a:t>12</a:t>
             </a:fld>
             <a:endParaRPr lang="en-US"/>
           </a:p>
         </p:txBody>
       </p:sp>
-      <p:sp>
-        <p:nvSpPr>
-          <p:cNvPr id="5" name="Rounded Rectangle 4">
-            <a:extLst>
-              <a:ext uri="{FF2B5EF4-FFF2-40B4-BE49-F238E27FC236}">
-                <a16:creationId xmlns:a16="http://schemas.microsoft.com/office/drawing/2014/main" id="{164C22A3-2915-1344-9D7E-250FB0F81225}"/>
-              </a:ext>
-            </a:extLst>
-          </p:cNvPr>
-          <p:cNvSpPr/>
-          <p:nvPr/>
-        </p:nvSpPr>
-        <p:spPr>
-          <a:xfrm>
-            <a:off x="7278130" y="531341"/>
-            <a:ext cx="3669956" cy="1159347"/>
-          </a:xfrm>
-          <a:prstGeom prst="roundRect">
-            <a:avLst/>
-          </a:prstGeom>
-        </p:spPr>
-        <p:style>
-          <a:lnRef idx="2">
-            <a:schemeClr val="accent1">
-              <a:shade val="50000"/>
-            </a:schemeClr>
-          </a:lnRef>
-          <a:fillRef idx="1">
-            <a:schemeClr val="accent1"/>
-          </a:fillRef>
-          <a:effectRef idx="0">
-            <a:schemeClr val="accent1"/>
-          </a:effectRef>
-          <a:fontRef idx="minor">
-            <a:schemeClr val="lt1"/>
-          </a:fontRef>
-        </p:style>
-        <p:txBody>
-          <a:bodyPr rtlCol="0" anchor="ctr"/>
-          <a:lstStyle/>
-          <a:p>
-            <a:pPr algn="ctr"/>
-            <a:r>
-              <a:rPr lang="en-US" dirty="0"/>
-              <a:t>Show two or three of the more interesting behavioral diagrams (sequence diagrams, state machine diagrams, activity diagrams).</a:t>
-            </a:r>
-          </a:p>
-        </p:txBody>
-      </p:sp>
     </p:spTree>
     <p:extLst>
       <p:ext uri="{BB962C8B-B14F-4D97-AF65-F5344CB8AC3E}">
-        <p14:creationId xmlns:p14="http://schemas.microsoft.com/office/powerpoint/2010/main" val="710029326"/>
+        <p14:creationId xmlns:p14="http://schemas.microsoft.com/office/powerpoint/2010/main" val="3232711427"/>
       </p:ext>
     </p:extLst>
   </p:cSld>
@@ -4751,6 +5454,14 @@
 <file path=ppt/slides/slide13.xml><?xml version="1.0" encoding="utf-8"?>
 <p:sld xmlns:a="http://schemas.openxmlformats.org/drawingml/2006/main" xmlns:r="http://schemas.openxmlformats.org/officeDocument/2006/relationships" xmlns:p="http://schemas.openxmlformats.org/presentationml/2006/main">
   <p:cSld>
+    <p:bg>
+      <p:bgPr>
+        <a:solidFill>
+          <a:schemeClr val="bg1"/>
+        </a:solidFill>
+        <a:effectLst/>
+      </p:bgPr>
+    </p:bg>
     <p:spTree>
       <p:nvGrpSpPr>
         <p:cNvPr id="1" name=""/>
@@ -4767,10 +5478,10 @@
       </p:grpSpPr>
       <p:sp>
         <p:nvSpPr>
-          <p:cNvPr id="2" name="Title 1">
-            <a:extLst>
-              <a:ext uri="{FF2B5EF4-FFF2-40B4-BE49-F238E27FC236}">
-                <a16:creationId xmlns:a16="http://schemas.microsoft.com/office/drawing/2014/main" id="{71DBD2D0-E504-4E46-B672-425972770860}"/>
+          <p:cNvPr id="2" name="标题 1">
+            <a:extLst>
+              <a:ext uri="{FF2B5EF4-FFF2-40B4-BE49-F238E27FC236}">
+                <a16:creationId xmlns:a16="http://schemas.microsoft.com/office/drawing/2014/main" id="{A60027BC-99A5-4503-B21F-4EE28A87BAFE}"/>
               </a:ext>
             </a:extLst>
           </p:cNvPr>
@@ -4781,215 +5492,169 @@
             <p:ph type="title"/>
           </p:nvPr>
         </p:nvSpPr>
-        <p:spPr/>
-        <p:txBody>
-          <a:bodyPr/>
-          <a:lstStyle/>
-          <a:p>
-            <a:r>
-              <a:rPr lang="en-US" dirty="0"/>
-              <a:t>Overview</a:t>
-            </a:r>
-          </a:p>
-        </p:txBody>
-      </p:sp>
-      <p:sp>
-        <p:nvSpPr>
-          <p:cNvPr id="3" name="Content Placeholder 2">
-            <a:extLst>
-              <a:ext uri="{FF2B5EF4-FFF2-40B4-BE49-F238E27FC236}">
-                <a16:creationId xmlns:a16="http://schemas.microsoft.com/office/drawing/2014/main" id="{97721FA8-877C-0D43-AF19-4C75EECB089A}"/>
-              </a:ext>
-            </a:extLst>
-          </p:cNvPr>
-          <p:cNvSpPr>
-            <a:spLocks noGrp="1"/>
-          </p:cNvSpPr>
-          <p:nvPr>
-            <p:ph idx="1"/>
+        <p:spPr>
+          <a:xfrm>
+            <a:off x="838200" y="365125"/>
+            <a:ext cx="10515600" cy="1325563"/>
+          </a:xfrm>
+        </p:spPr>
+        <p:txBody>
+          <a:bodyPr vert="horz" lIns="91440" tIns="45720" rIns="91440" bIns="45720" rtlCol="0" anchor="ctr">
+            <a:normAutofit/>
+          </a:bodyPr>
+          <a:lstStyle/>
+          <a:p>
+            <a:r>
+              <a:rPr lang="en-US" altLang="zh-CN"/>
+              <a:t>Structural Model</a:t>
+            </a:r>
+          </a:p>
+        </p:txBody>
+      </p:sp>
+      <p:sp>
+        <p:nvSpPr>
+          <p:cNvPr id="9" name="内容占位符 8">
+            <a:extLst>
+              <a:ext uri="{FF2B5EF4-FFF2-40B4-BE49-F238E27FC236}">
+                <a16:creationId xmlns:a16="http://schemas.microsoft.com/office/drawing/2014/main" id="{FF0A7B86-7BEB-427A-BCCA-A9355DC3E673}"/>
+              </a:ext>
+            </a:extLst>
+          </p:cNvPr>
+          <p:cNvSpPr>
+            <a:spLocks noGrp="1"/>
+          </p:cNvSpPr>
+          <p:nvPr>
+            <p:ph sz="half" idx="1"/>
           </p:nvPr>
         </p:nvSpPr>
         <p:spPr>
           <a:xfrm>
             <a:off x="838200" y="1825625"/>
-            <a:ext cx="10515600" cy="4895850"/>
+            <a:ext cx="3797807" cy="4351338"/>
           </a:xfrm>
         </p:spPr>
         <p:txBody>
-          <a:bodyPr>
-            <a:normAutofit fontScale="92500" lnSpcReduction="20000"/>
+          <a:bodyPr vert="horz" lIns="91440" tIns="45720" rIns="91440" bIns="45720" rtlCol="0">
+            <a:normAutofit/>
           </a:bodyPr>
           <a:lstStyle/>
           <a:p>
             <a:r>
-              <a:rPr lang="en-US" dirty="0">
+              <a:rPr lang="en-US" altLang="zh-CN" sz="2000"/>
+              <a:t>One Map will have multiple tiles</a:t>
+            </a:r>
+          </a:p>
+          <a:p>
+            <a:r>
+              <a:rPr lang="en-US" altLang="zh-CN" sz="2000"/>
+              <a:t>A tile will be a ground, road, or intersection </a:t>
+            </a:r>
+          </a:p>
+          <a:p>
+            <a:r>
+              <a:rPr lang="en-US" altLang="zh-CN" sz="2000"/>
+              <a:t>An intersection will have at least one traffic component, either traffic light or stop sign</a:t>
+            </a:r>
+          </a:p>
+        </p:txBody>
+      </p:sp>
+      <p:pic>
+        <p:nvPicPr>
+          <p:cNvPr id="6" name="图片 6" descr="图片包含 屏幕截图&#10;&#10;已生成极高可信度的说明">
+            <a:extLst>
+              <a:ext uri="{FF2B5EF4-FFF2-40B4-BE49-F238E27FC236}">
+                <a16:creationId xmlns:a16="http://schemas.microsoft.com/office/drawing/2014/main" id="{029AB56A-6C89-457C-9A0D-43510DE86569}"/>
+              </a:ext>
+            </a:extLst>
+          </p:cNvPr>
+          <p:cNvPicPr>
+            <a:picLocks noGrp="1" noChangeAspect="1"/>
+          </p:cNvPicPr>
+          <p:nvPr>
+            <p:ph sz="half" idx="2"/>
+          </p:nvPr>
+        </p:nvPicPr>
+        <p:blipFill rotWithShape="1">
+          <a:blip r:embed="rId2"/>
+          <a:srcRect r="796" b="-2"/>
+          <a:stretch/>
+        </p:blipFill>
+        <p:spPr>
+          <a:xfrm>
+            <a:off x="5120640" y="1904281"/>
+            <a:ext cx="6233160" cy="4272681"/>
+          </a:xfrm>
+          <a:prstGeom prst="rect">
+            <a:avLst/>
+          </a:prstGeom>
+        </p:spPr>
+      </p:pic>
+      <p:sp>
+        <p:nvSpPr>
+          <p:cNvPr id="4" name="灯片编号占位符 3">
+            <a:extLst>
+              <a:ext uri="{FF2B5EF4-FFF2-40B4-BE49-F238E27FC236}">
+                <a16:creationId xmlns:a16="http://schemas.microsoft.com/office/drawing/2014/main" id="{9A0F381A-1946-4553-A6CB-69ECFC65EBEE}"/>
+              </a:ext>
+            </a:extLst>
+          </p:cNvPr>
+          <p:cNvSpPr>
+            <a:spLocks noGrp="1"/>
+          </p:cNvSpPr>
+          <p:nvPr>
+            <p:ph type="sldNum" sz="quarter" idx="12"/>
+          </p:nvPr>
+        </p:nvSpPr>
+        <p:spPr>
+          <a:xfrm>
+            <a:off x="8610600" y="6356350"/>
+            <a:ext cx="2743200" cy="365125"/>
+          </a:xfrm>
+        </p:spPr>
+        <p:txBody>
+          <a:bodyPr vert="horz" lIns="91440" tIns="45720" rIns="91440" bIns="45720" rtlCol="0" anchor="ctr">
+            <a:normAutofit/>
+          </a:bodyPr>
+          <a:lstStyle/>
+          <a:p>
+            <a:pPr>
+              <a:spcAft>
+                <a:spcPts val="600"/>
+              </a:spcAft>
+              <a:defRPr/>
+            </a:pPr>
+            <a:fld id="{59467819-B74A-7D46-BC68-B37107E692DD}" type="slidenum">
+              <a:rPr lang="en-US">
                 <a:solidFill>
-                  <a:schemeClr val="bg1">
-                    <a:lumMod val="65000"/>
-                  </a:schemeClr>
+                  <a:prstClr val="black">
+                    <a:tint val="75000"/>
+                  </a:prstClr>
                 </a:solidFill>
+                <a:latin typeface="Calibri" panose="020F0502020204030204"/>
               </a:rPr>
-              <a:t>Project Description</a:t>
-            </a:r>
-          </a:p>
-          <a:p>
-            <a:endParaRPr lang="en-US" dirty="0"/>
-          </a:p>
-          <a:p>
-            <a:r>
-              <a:rPr lang="en-US" dirty="0">
-                <a:solidFill>
-                  <a:schemeClr val="bg1">
-                    <a:lumMod val="65000"/>
-                  </a:schemeClr>
-                </a:solidFill>
-              </a:rPr>
-              <a:t>Use Case Model</a:t>
-            </a:r>
-          </a:p>
-          <a:p>
-            <a:pPr lvl="1"/>
-            <a:r>
-              <a:rPr lang="en-US" dirty="0">
-                <a:solidFill>
-                  <a:schemeClr val="bg1">
-                    <a:lumMod val="65000"/>
-                  </a:schemeClr>
-                </a:solidFill>
-              </a:rPr>
-              <a:t>Use Case Diagram</a:t>
-            </a:r>
-          </a:p>
-          <a:p>
-            <a:pPr lvl="1"/>
-            <a:r>
-              <a:rPr lang="en-US" dirty="0">
-                <a:solidFill>
-                  <a:schemeClr val="bg1">
-                    <a:lumMod val="65000"/>
-                  </a:schemeClr>
-                </a:solidFill>
-              </a:rPr>
-              <a:t>Use Cases</a:t>
-            </a:r>
-          </a:p>
-          <a:p>
-            <a:endParaRPr lang="en-US" dirty="0"/>
-          </a:p>
-          <a:p>
-            <a:r>
-              <a:rPr lang="en-US" dirty="0">
-                <a:solidFill>
-                  <a:schemeClr val="bg1">
-                    <a:lumMod val="65000"/>
-                  </a:schemeClr>
-                </a:solidFill>
-              </a:rPr>
-              <a:t>Domain Model</a:t>
-            </a:r>
-          </a:p>
-          <a:p>
-            <a:pPr lvl="1"/>
-            <a:r>
-              <a:rPr lang="en-US" dirty="0">
-                <a:solidFill>
-                  <a:schemeClr val="bg1">
-                    <a:lumMod val="65000"/>
-                  </a:schemeClr>
-                </a:solidFill>
-              </a:rPr>
-              <a:t>Class Diagram</a:t>
-            </a:r>
-          </a:p>
-          <a:p>
-            <a:pPr lvl="1"/>
-            <a:r>
-              <a:rPr lang="en-US" dirty="0">
-                <a:solidFill>
-                  <a:schemeClr val="bg1">
-                    <a:lumMod val="65000"/>
-                  </a:schemeClr>
-                </a:solidFill>
-              </a:rPr>
-              <a:t>(Activity Diagrams)</a:t>
-            </a:r>
-          </a:p>
-          <a:p>
-            <a:pPr lvl="1"/>
-            <a:r>
-              <a:rPr lang="en-US" dirty="0">
-                <a:solidFill>
-                  <a:schemeClr val="bg1">
-                    <a:lumMod val="65000"/>
-                  </a:schemeClr>
-                </a:solidFill>
-              </a:rPr>
-              <a:t>Sequence Diagrams</a:t>
-            </a:r>
-          </a:p>
-          <a:p>
-            <a:pPr lvl="1"/>
-            <a:r>
-              <a:rPr lang="en-US" dirty="0">
-                <a:solidFill>
-                  <a:schemeClr val="bg1">
-                    <a:lumMod val="65000"/>
-                  </a:schemeClr>
-                </a:solidFill>
-              </a:rPr>
-              <a:t>(State Machine Diagrams)</a:t>
-            </a:r>
-          </a:p>
-          <a:p>
-            <a:endParaRPr lang="en-US" dirty="0">
-              <a:solidFill>
-                <a:schemeClr val="bg1">
-                  <a:lumMod val="65000"/>
-                </a:schemeClr>
-              </a:solidFill>
-            </a:endParaRPr>
-          </a:p>
-          <a:p>
-            <a:r>
-              <a:rPr lang="en-US" dirty="0"/>
-              <a:t>Reflection</a:t>
-            </a:r>
-          </a:p>
-        </p:txBody>
-      </p:sp>
-      <p:sp>
-        <p:nvSpPr>
-          <p:cNvPr id="4" name="Slide Number Placeholder 3">
-            <a:extLst>
-              <a:ext uri="{FF2B5EF4-FFF2-40B4-BE49-F238E27FC236}">
-                <a16:creationId xmlns:a16="http://schemas.microsoft.com/office/drawing/2014/main" id="{36B3A4F1-178B-8E44-AF3E-D067B56AF78F}"/>
-              </a:ext>
-            </a:extLst>
-          </p:cNvPr>
-          <p:cNvSpPr>
-            <a:spLocks noGrp="1"/>
-          </p:cNvSpPr>
-          <p:nvPr>
-            <p:ph type="sldNum" sz="quarter" idx="12"/>
-          </p:nvPr>
-        </p:nvSpPr>
-        <p:spPr/>
-        <p:txBody>
-          <a:bodyPr/>
-          <a:lstStyle/>
-          <a:p>
-            <a:fld id="{59467819-B74A-7D46-BC68-B37107E692DD}" type="slidenum">
-              <a:rPr lang="en-US" smtClean="0"/>
+              <a:pPr>
+                <a:spcAft>
+                  <a:spcPts val="600"/>
+                </a:spcAft>
+                <a:defRPr/>
+              </a:pPr>
               <a:t>13</a:t>
             </a:fld>
-            <a:endParaRPr lang="en-US"/>
+            <a:endParaRPr lang="en-US">
+              <a:solidFill>
+                <a:prstClr val="black">
+                  <a:tint val="75000"/>
+                </a:prstClr>
+              </a:solidFill>
+              <a:latin typeface="Calibri" panose="020F0502020204030204"/>
+            </a:endParaRPr>
           </a:p>
         </p:txBody>
       </p:sp>
     </p:spTree>
     <p:extLst>
       <p:ext uri="{BB962C8B-B14F-4D97-AF65-F5344CB8AC3E}">
-        <p14:creationId xmlns:p14="http://schemas.microsoft.com/office/powerpoint/2010/main" val="2581335394"/>
+        <p14:creationId xmlns:p14="http://schemas.microsoft.com/office/powerpoint/2010/main" val="582046377"/>
       </p:ext>
     </p:extLst>
   </p:cSld>
@@ -5021,7 +5686,7 @@
           <p:cNvPr id="2" name="Title 1">
             <a:extLst>
               <a:ext uri="{FF2B5EF4-FFF2-40B4-BE49-F238E27FC236}">
-                <a16:creationId xmlns:a16="http://schemas.microsoft.com/office/drawing/2014/main" id="{60F1A4C7-EB84-2441-BE19-77CA07950025}"/>
+                <a16:creationId xmlns:a16="http://schemas.microsoft.com/office/drawing/2014/main" id="{7A3F6A72-D491-AB4F-803D-EEAFBF2E2F9D}"/>
               </a:ext>
             </a:extLst>
           </p:cNvPr>
@@ -5039,14 +5704,7 @@
           <a:p>
             <a:r>
               <a:rPr lang="en-US" dirty="0"/>
-              <a:t>Reflection</a:t>
-            </a:r>
-            <a:br>
-              <a:rPr lang="en-US" dirty="0"/>
-            </a:br>
-            <a:r>
-              <a:rPr lang="en-US" dirty="0"/>
-              <a:t>What went well</a:t>
+              <a:t>Behavioral Model – Sequence </a:t>
             </a:r>
           </a:p>
         </p:txBody>
@@ -5056,7 +5714,7 @@
           <p:cNvPr id="3" name="Content Placeholder 2">
             <a:extLst>
               <a:ext uri="{FF2B5EF4-FFF2-40B4-BE49-F238E27FC236}">
-                <a16:creationId xmlns:a16="http://schemas.microsoft.com/office/drawing/2014/main" id="{CAA5DA0C-C976-E544-8AC1-D9AF13CFD0B0}"/>
+                <a16:creationId xmlns:a16="http://schemas.microsoft.com/office/drawing/2014/main" id="{706C7C5E-1567-7240-87DD-B41E8F859533}"/>
               </a:ext>
             </a:extLst>
           </p:cNvPr>
@@ -5069,22 +5727,10 @@
         </p:nvSpPr>
         <p:spPr/>
         <p:txBody>
-          <a:bodyPr vert="horz" lIns="91440" tIns="45720" rIns="91440" bIns="45720" rtlCol="0" anchor="t">
-            <a:normAutofit/>
-          </a:bodyPr>
-          <a:lstStyle/>
-          <a:p>
-            <a:r>
-              <a:rPr lang="en-US" dirty="0">
-                <a:cs typeface="Calibri"/>
-              </a:rPr>
-              <a:t>Start early. </a:t>
-            </a:r>
-          </a:p>
-          <a:p>
-            <a:endParaRPr lang="en-US" dirty="0">
-              <a:cs typeface="Calibri"/>
-            </a:endParaRPr>
+          <a:bodyPr/>
+          <a:lstStyle/>
+          <a:p>
+            <a:endParaRPr lang="en-US"/>
           </a:p>
         </p:txBody>
       </p:sp>
@@ -5093,7 +5739,7 @@
           <p:cNvPr id="4" name="Slide Number Placeholder 3">
             <a:extLst>
               <a:ext uri="{FF2B5EF4-FFF2-40B4-BE49-F238E27FC236}">
-                <a16:creationId xmlns:a16="http://schemas.microsoft.com/office/drawing/2014/main" id="{20F935D9-B521-9044-A1D1-73B1EDF71D62}"/>
+                <a16:creationId xmlns:a16="http://schemas.microsoft.com/office/drawing/2014/main" id="{96DE280E-F1C8-4F43-BE5C-9703701699D6}"/>
               </a:ext>
             </a:extLst>
           </p:cNvPr>
@@ -5120,7 +5766,7 @@
     </p:spTree>
     <p:extLst>
       <p:ext uri="{BB962C8B-B14F-4D97-AF65-F5344CB8AC3E}">
-        <p14:creationId xmlns:p14="http://schemas.microsoft.com/office/powerpoint/2010/main" val="2321060829"/>
+        <p14:creationId xmlns:p14="http://schemas.microsoft.com/office/powerpoint/2010/main" val="789788285"/>
       </p:ext>
     </p:extLst>
   </p:cSld>
@@ -5152,7 +5798,7 @@
           <p:cNvPr id="2" name="Title 1">
             <a:extLst>
               <a:ext uri="{FF2B5EF4-FFF2-40B4-BE49-F238E27FC236}">
-                <a16:creationId xmlns:a16="http://schemas.microsoft.com/office/drawing/2014/main" id="{5C77787A-9B5F-414B-98B2-328E9D587759}"/>
+                <a16:creationId xmlns:a16="http://schemas.microsoft.com/office/drawing/2014/main" id="{7A3F6A72-D491-AB4F-803D-EEAFBF2E2F9D}"/>
               </a:ext>
             </a:extLst>
           </p:cNvPr>
@@ -5170,14 +5816,7 @@
           <a:p>
             <a:r>
               <a:rPr lang="en-US" dirty="0"/>
-              <a:t>Reflection</a:t>
-            </a:r>
-            <a:br>
-              <a:rPr lang="en-US" dirty="0"/>
-            </a:br>
-            <a:r>
-              <a:rPr lang="en-US" dirty="0"/>
-              <a:t>What didn’t go well</a:t>
+              <a:t>Dynamic Model</a:t>
             </a:r>
           </a:p>
         </p:txBody>
@@ -5187,7 +5826,7 @@
           <p:cNvPr id="3" name="Content Placeholder 2">
             <a:extLst>
               <a:ext uri="{FF2B5EF4-FFF2-40B4-BE49-F238E27FC236}">
-                <a16:creationId xmlns:a16="http://schemas.microsoft.com/office/drawing/2014/main" id="{D43E40C2-C032-9041-B259-5483E0C0DAC0}"/>
+                <a16:creationId xmlns:a16="http://schemas.microsoft.com/office/drawing/2014/main" id="{706C7C5E-1567-7240-87DD-B41E8F859533}"/>
               </a:ext>
             </a:extLst>
           </p:cNvPr>
@@ -5212,7 +5851,7 @@
           <p:cNvPr id="4" name="Slide Number Placeholder 3">
             <a:extLst>
               <a:ext uri="{FF2B5EF4-FFF2-40B4-BE49-F238E27FC236}">
-                <a16:creationId xmlns:a16="http://schemas.microsoft.com/office/drawing/2014/main" id="{B1955E28-13FF-3A4C-BE9B-09A862B654B7}"/>
+                <a16:creationId xmlns:a16="http://schemas.microsoft.com/office/drawing/2014/main" id="{96DE280E-F1C8-4F43-BE5C-9703701699D6}"/>
               </a:ext>
             </a:extLst>
           </p:cNvPr>
@@ -5236,10 +5875,59 @@
           </a:p>
         </p:txBody>
       </p:sp>
+      <p:sp>
+        <p:nvSpPr>
+          <p:cNvPr id="5" name="Rounded Rectangle 4">
+            <a:extLst>
+              <a:ext uri="{FF2B5EF4-FFF2-40B4-BE49-F238E27FC236}">
+                <a16:creationId xmlns:a16="http://schemas.microsoft.com/office/drawing/2014/main" id="{164C22A3-2915-1344-9D7E-250FB0F81225}"/>
+              </a:ext>
+            </a:extLst>
+          </p:cNvPr>
+          <p:cNvSpPr/>
+          <p:nvPr/>
+        </p:nvSpPr>
+        <p:spPr>
+          <a:xfrm>
+            <a:off x="7278130" y="531341"/>
+            <a:ext cx="3669956" cy="1159347"/>
+          </a:xfrm>
+          <a:prstGeom prst="roundRect">
+            <a:avLst/>
+          </a:prstGeom>
+        </p:spPr>
+        <p:style>
+          <a:lnRef idx="2">
+            <a:schemeClr val="accent1">
+              <a:shade val="50000"/>
+            </a:schemeClr>
+          </a:lnRef>
+          <a:fillRef idx="1">
+            <a:schemeClr val="accent1"/>
+          </a:fillRef>
+          <a:effectRef idx="0">
+            <a:schemeClr val="accent1"/>
+          </a:effectRef>
+          <a:fontRef idx="minor">
+            <a:schemeClr val="lt1"/>
+          </a:fontRef>
+        </p:style>
+        <p:txBody>
+          <a:bodyPr rtlCol="0" anchor="ctr"/>
+          <a:lstStyle/>
+          <a:p>
+            <a:pPr algn="ctr"/>
+            <a:r>
+              <a:rPr lang="en-US" dirty="0"/>
+              <a:t>Show two or three of the more interesting behavioral diagrams (sequence diagrams, state machine diagrams, activity diagrams).</a:t>
+            </a:r>
+          </a:p>
+        </p:txBody>
+      </p:sp>
     </p:spTree>
     <p:extLst>
       <p:ext uri="{BB962C8B-B14F-4D97-AF65-F5344CB8AC3E}">
-        <p14:creationId xmlns:p14="http://schemas.microsoft.com/office/powerpoint/2010/main" val="1552594242"/>
+        <p14:creationId xmlns:p14="http://schemas.microsoft.com/office/powerpoint/2010/main" val="710029326"/>
       </p:ext>
     </p:extLst>
   </p:cSld>
@@ -5271,7 +5959,7 @@
           <p:cNvPr id="2" name="Title 1">
             <a:extLst>
               <a:ext uri="{FF2B5EF4-FFF2-40B4-BE49-F238E27FC236}">
-                <a16:creationId xmlns:a16="http://schemas.microsoft.com/office/drawing/2014/main" id="{E7E162ED-B91E-2F4F-8647-9081B3D8FE5B}"/>
+                <a16:creationId xmlns:a16="http://schemas.microsoft.com/office/drawing/2014/main" id="{71DBD2D0-E504-4E46-B672-425972770860}"/>
               </a:ext>
             </a:extLst>
           </p:cNvPr>
@@ -5286,58 +5974,175 @@
         <p:txBody>
           <a:bodyPr/>
           <a:lstStyle/>
+          <a:p>
+            <a:r>
+              <a:rPr lang="en-US" dirty="0"/>
+              <a:t>Overview</a:t>
+            </a:r>
+          </a:p>
+        </p:txBody>
+      </p:sp>
+      <p:sp>
+        <p:nvSpPr>
+          <p:cNvPr id="3" name="Content Placeholder 2">
+            <a:extLst>
+              <a:ext uri="{FF2B5EF4-FFF2-40B4-BE49-F238E27FC236}">
+                <a16:creationId xmlns:a16="http://schemas.microsoft.com/office/drawing/2014/main" id="{97721FA8-877C-0D43-AF19-4C75EECB089A}"/>
+              </a:ext>
+            </a:extLst>
+          </p:cNvPr>
+          <p:cNvSpPr>
+            <a:spLocks noGrp="1"/>
+          </p:cNvSpPr>
+          <p:nvPr>
+            <p:ph idx="1"/>
+          </p:nvPr>
+        </p:nvSpPr>
+        <p:spPr>
+          <a:xfrm>
+            <a:off x="838200" y="1825625"/>
+            <a:ext cx="10515600" cy="4895850"/>
+          </a:xfrm>
+        </p:spPr>
+        <p:txBody>
+          <a:bodyPr>
+            <a:normAutofit fontScale="92500" lnSpcReduction="20000"/>
+          </a:bodyPr>
+          <a:lstStyle/>
+          <a:p>
+            <a:r>
+              <a:rPr lang="en-US" dirty="0">
+                <a:solidFill>
+                  <a:schemeClr val="bg1">
+                    <a:lumMod val="65000"/>
+                  </a:schemeClr>
+                </a:solidFill>
+              </a:rPr>
+              <a:t>Project Description</a:t>
+            </a:r>
+          </a:p>
+          <a:p>
+            <a:endParaRPr lang="en-US" dirty="0"/>
+          </a:p>
+          <a:p>
+            <a:r>
+              <a:rPr lang="en-US" dirty="0">
+                <a:solidFill>
+                  <a:schemeClr val="bg1">
+                    <a:lumMod val="65000"/>
+                  </a:schemeClr>
+                </a:solidFill>
+              </a:rPr>
+              <a:t>Use Case Model</a:t>
+            </a:r>
+          </a:p>
+          <a:p>
+            <a:pPr lvl="1"/>
+            <a:r>
+              <a:rPr lang="en-US" dirty="0">
+                <a:solidFill>
+                  <a:schemeClr val="bg1">
+                    <a:lumMod val="65000"/>
+                  </a:schemeClr>
+                </a:solidFill>
+              </a:rPr>
+              <a:t>Use Case Diagram</a:t>
+            </a:r>
+          </a:p>
+          <a:p>
+            <a:pPr lvl="1"/>
+            <a:r>
+              <a:rPr lang="en-US" dirty="0">
+                <a:solidFill>
+                  <a:schemeClr val="bg1">
+                    <a:lumMod val="65000"/>
+                  </a:schemeClr>
+                </a:solidFill>
+              </a:rPr>
+              <a:t>Use Cases</a:t>
+            </a:r>
+          </a:p>
+          <a:p>
+            <a:endParaRPr lang="en-US" dirty="0"/>
+          </a:p>
+          <a:p>
+            <a:r>
+              <a:rPr lang="en-US" dirty="0">
+                <a:solidFill>
+                  <a:schemeClr val="bg1">
+                    <a:lumMod val="65000"/>
+                  </a:schemeClr>
+                </a:solidFill>
+              </a:rPr>
+              <a:t>Domain Model</a:t>
+            </a:r>
+          </a:p>
+          <a:p>
+            <a:pPr lvl="1"/>
+            <a:r>
+              <a:rPr lang="en-US" dirty="0">
+                <a:solidFill>
+                  <a:schemeClr val="bg1">
+                    <a:lumMod val="65000"/>
+                  </a:schemeClr>
+                </a:solidFill>
+              </a:rPr>
+              <a:t>Class Diagram</a:t>
+            </a:r>
+          </a:p>
+          <a:p>
+            <a:pPr lvl="1"/>
+            <a:r>
+              <a:rPr lang="en-US" dirty="0">
+                <a:solidFill>
+                  <a:schemeClr val="bg1">
+                    <a:lumMod val="65000"/>
+                  </a:schemeClr>
+                </a:solidFill>
+              </a:rPr>
+              <a:t>(Activity Diagrams)</a:t>
+            </a:r>
+          </a:p>
+          <a:p>
+            <a:pPr lvl="1"/>
+            <a:r>
+              <a:rPr lang="en-US" dirty="0">
+                <a:solidFill>
+                  <a:schemeClr val="bg1">
+                    <a:lumMod val="65000"/>
+                  </a:schemeClr>
+                </a:solidFill>
+              </a:rPr>
+              <a:t>Sequence Diagrams</a:t>
+            </a:r>
+          </a:p>
+          <a:p>
+            <a:pPr lvl="1"/>
+            <a:r>
+              <a:rPr lang="en-US" dirty="0">
+                <a:solidFill>
+                  <a:schemeClr val="bg1">
+                    <a:lumMod val="65000"/>
+                  </a:schemeClr>
+                </a:solidFill>
+              </a:rPr>
+              <a:t>(State Machine Diagrams)</a:t>
+            </a:r>
+          </a:p>
+          <a:p>
+            <a:endParaRPr lang="en-US" dirty="0">
+              <a:solidFill>
+                <a:schemeClr val="bg1">
+                  <a:lumMod val="65000"/>
+                </a:schemeClr>
+              </a:solidFill>
+            </a:endParaRPr>
+          </a:p>
           <a:p>
             <a:r>
               <a:rPr lang="en-US" dirty="0"/>
               <a:t>Reflection</a:t>
             </a:r>
-            <a:br>
-              <a:rPr lang="en-US" dirty="0"/>
-            </a:br>
-            <a:r>
-              <a:rPr lang="en-US" dirty="0"/>
-              <a:t>Something to Improve</a:t>
-            </a:r>
-          </a:p>
-        </p:txBody>
-      </p:sp>
-      <p:sp>
-        <p:nvSpPr>
-          <p:cNvPr id="3" name="Content Placeholder 2">
-            <a:extLst>
-              <a:ext uri="{FF2B5EF4-FFF2-40B4-BE49-F238E27FC236}">
-                <a16:creationId xmlns:a16="http://schemas.microsoft.com/office/drawing/2014/main" id="{223C465A-B74B-C248-AD77-EAB344363F9D}"/>
-              </a:ext>
-            </a:extLst>
-          </p:cNvPr>
-          <p:cNvSpPr>
-            <a:spLocks noGrp="1"/>
-          </p:cNvSpPr>
-          <p:nvPr>
-            <p:ph idx="1"/>
-          </p:nvPr>
-        </p:nvSpPr>
-        <p:spPr/>
-        <p:txBody>
-          <a:bodyPr vert="horz" lIns="91440" tIns="45720" rIns="91440" bIns="45720" rtlCol="0" anchor="t">
-            <a:normAutofit/>
-          </a:bodyPr>
-          <a:lstStyle/>
-          <a:p>
-            <a:r>
-              <a:rPr lang="en-US" dirty="0">
-                <a:cs typeface="Calibri"/>
-              </a:rPr>
-              <a:t>Coding language to use.</a:t>
-            </a:r>
-          </a:p>
-          <a:p>
-            <a:r>
-              <a:rPr lang="en-US" dirty="0">
-                <a:cs typeface="Calibri"/>
-              </a:rPr>
-              <a:t>Be specific with the attributes and methods</a:t>
-            </a:r>
           </a:p>
         </p:txBody>
       </p:sp>
@@ -5346,7 +6151,7 @@
           <p:cNvPr id="4" name="Slide Number Placeholder 3">
             <a:extLst>
               <a:ext uri="{FF2B5EF4-FFF2-40B4-BE49-F238E27FC236}">
-                <a16:creationId xmlns:a16="http://schemas.microsoft.com/office/drawing/2014/main" id="{9E8FCF79-6DA7-FB44-BC45-0DCDE8B51E4F}"/>
+                <a16:creationId xmlns:a16="http://schemas.microsoft.com/office/drawing/2014/main" id="{36B3A4F1-178B-8E44-AF3E-D067B56AF78F}"/>
               </a:ext>
             </a:extLst>
           </p:cNvPr>
@@ -5373,7 +6178,7 @@
     </p:spTree>
     <p:extLst>
       <p:ext uri="{BB962C8B-B14F-4D97-AF65-F5344CB8AC3E}">
-        <p14:creationId xmlns:p14="http://schemas.microsoft.com/office/powerpoint/2010/main" val="3172186231"/>
+        <p14:creationId xmlns:p14="http://schemas.microsoft.com/office/powerpoint/2010/main" val="2581335394"/>
       </p:ext>
     </p:extLst>
   </p:cSld>
@@ -5405,7 +6210,7 @@
           <p:cNvPr id="2" name="Title 1">
             <a:extLst>
               <a:ext uri="{FF2B5EF4-FFF2-40B4-BE49-F238E27FC236}">
-                <a16:creationId xmlns:a16="http://schemas.microsoft.com/office/drawing/2014/main" id="{71DBD2D0-E504-4E46-B672-425972770860}"/>
+                <a16:creationId xmlns:a16="http://schemas.microsoft.com/office/drawing/2014/main" id="{60F1A4C7-EB84-2441-BE19-77CA07950025}"/>
               </a:ext>
             </a:extLst>
           </p:cNvPr>
@@ -5420,115 +6225,55 @@
         <p:txBody>
           <a:bodyPr/>
           <a:lstStyle/>
-          <a:p>
-            <a:r>
-              <a:rPr lang="en-US" dirty="0"/>
-              <a:t>Overview</a:t>
-            </a:r>
-          </a:p>
-        </p:txBody>
-      </p:sp>
-      <p:sp>
-        <p:nvSpPr>
-          <p:cNvPr id="3" name="Content Placeholder 2">
-            <a:extLst>
-              <a:ext uri="{FF2B5EF4-FFF2-40B4-BE49-F238E27FC236}">
-                <a16:creationId xmlns:a16="http://schemas.microsoft.com/office/drawing/2014/main" id="{97721FA8-877C-0D43-AF19-4C75EECB089A}"/>
-              </a:ext>
-            </a:extLst>
-          </p:cNvPr>
-          <p:cNvSpPr>
-            <a:spLocks noGrp="1"/>
-          </p:cNvSpPr>
-          <p:nvPr>
-            <p:ph idx="1"/>
-          </p:nvPr>
-        </p:nvSpPr>
-        <p:spPr>
-          <a:xfrm>
-            <a:off x="838200" y="1825625"/>
-            <a:ext cx="10515600" cy="4895850"/>
-          </a:xfrm>
-        </p:spPr>
-        <p:txBody>
-          <a:bodyPr>
-            <a:normAutofit fontScale="92500" lnSpcReduction="20000"/>
-          </a:bodyPr>
-          <a:lstStyle/>
-          <a:p>
-            <a:r>
-              <a:rPr lang="en-US" dirty="0"/>
-              <a:t>Project Description</a:t>
-            </a:r>
-          </a:p>
-          <a:p>
-            <a:endParaRPr lang="en-US" dirty="0"/>
-          </a:p>
-          <a:p>
-            <a:r>
-              <a:rPr lang="en-US" dirty="0"/>
-              <a:t>Use Case Model</a:t>
-            </a:r>
-          </a:p>
-          <a:p>
-            <a:pPr lvl="1"/>
-            <a:r>
-              <a:rPr lang="en-US" dirty="0"/>
-              <a:t>Use Case Diagram</a:t>
-            </a:r>
-          </a:p>
-          <a:p>
-            <a:pPr lvl="1"/>
-            <a:r>
-              <a:rPr lang="en-US" dirty="0"/>
-              <a:t>Use Cases</a:t>
-            </a:r>
-          </a:p>
-          <a:p>
-            <a:endParaRPr lang="en-US" dirty="0"/>
-          </a:p>
-          <a:p>
-            <a:r>
-              <a:rPr lang="en-US" dirty="0"/>
-              <a:t>Domain Model</a:t>
-            </a:r>
-          </a:p>
-          <a:p>
-            <a:pPr lvl="1"/>
-            <a:r>
-              <a:rPr lang="en-US" dirty="0"/>
-              <a:t>Class Diagram</a:t>
-            </a:r>
-          </a:p>
-          <a:p>
-            <a:pPr lvl="1"/>
-            <a:r>
-              <a:rPr lang="en-US" dirty="0"/>
-              <a:t>(Activity Diagrams)</a:t>
-            </a:r>
-          </a:p>
-          <a:p>
-            <a:pPr lvl="1"/>
-            <a:r>
-              <a:rPr lang="en-US" dirty="0"/>
-              <a:t>Sequence Diagrams</a:t>
-            </a:r>
-          </a:p>
-          <a:p>
-            <a:pPr lvl="1"/>
-            <a:r>
-              <a:rPr lang="en-US" dirty="0"/>
-              <a:t>(State Machine Diagrams)</a:t>
-            </a:r>
-          </a:p>
-          <a:p>
-            <a:endParaRPr lang="en-US" dirty="0"/>
-          </a:p>
           <a:p>
             <a:r>
               <a:rPr lang="en-US" dirty="0"/>
               <a:t>Reflection</a:t>
             </a:r>
+            <a:br>
+              <a:rPr lang="en-US" dirty="0"/>
+            </a:br>
+            <a:r>
+              <a:rPr lang="en-US" dirty="0"/>
+              <a:t>What went well</a:t>
+            </a:r>
+          </a:p>
+        </p:txBody>
+      </p:sp>
+      <p:sp>
+        <p:nvSpPr>
+          <p:cNvPr id="3" name="Content Placeholder 2">
+            <a:extLst>
+              <a:ext uri="{FF2B5EF4-FFF2-40B4-BE49-F238E27FC236}">
+                <a16:creationId xmlns:a16="http://schemas.microsoft.com/office/drawing/2014/main" id="{CAA5DA0C-C976-E544-8AC1-D9AF13CFD0B0}"/>
+              </a:ext>
+            </a:extLst>
+          </p:cNvPr>
+          <p:cNvSpPr>
+            <a:spLocks noGrp="1"/>
+          </p:cNvSpPr>
+          <p:nvPr>
+            <p:ph idx="1"/>
+          </p:nvPr>
+        </p:nvSpPr>
+        <p:spPr/>
+        <p:txBody>
+          <a:bodyPr vert="horz" lIns="91440" tIns="45720" rIns="91440" bIns="45720" rtlCol="0" anchor="t">
+            <a:normAutofit/>
+          </a:bodyPr>
+          <a:lstStyle/>
+          <a:p>
+            <a:r>
+              <a:rPr lang="en-US" dirty="0">
+                <a:cs typeface="Calibri"/>
+              </a:rPr>
+              <a:t>Start early. </a:t>
+            </a:r>
+          </a:p>
+          <a:p>
+            <a:endParaRPr lang="en-US" dirty="0">
+              <a:cs typeface="Calibri"/>
+            </a:endParaRPr>
           </a:p>
         </p:txBody>
       </p:sp>
@@ -5537,7 +6282,7 @@
           <p:cNvPr id="4" name="Slide Number Placeholder 3">
             <a:extLst>
               <a:ext uri="{FF2B5EF4-FFF2-40B4-BE49-F238E27FC236}">
-                <a16:creationId xmlns:a16="http://schemas.microsoft.com/office/drawing/2014/main" id="{36B3A4F1-178B-8E44-AF3E-D067B56AF78F}"/>
+                <a16:creationId xmlns:a16="http://schemas.microsoft.com/office/drawing/2014/main" id="{20F935D9-B521-9044-A1D1-73B1EDF71D62}"/>
               </a:ext>
             </a:extLst>
           </p:cNvPr>
@@ -5564,7 +6309,260 @@
     </p:spTree>
     <p:extLst>
       <p:ext uri="{BB962C8B-B14F-4D97-AF65-F5344CB8AC3E}">
-        <p14:creationId xmlns:p14="http://schemas.microsoft.com/office/powerpoint/2010/main" val="1710982621"/>
+        <p14:creationId xmlns:p14="http://schemas.microsoft.com/office/powerpoint/2010/main" val="2321060829"/>
+      </p:ext>
+    </p:extLst>
+  </p:cSld>
+  <p:clrMapOvr>
+    <a:masterClrMapping/>
+  </p:clrMapOvr>
+</p:sld>
+</file>
+
+<file path=ppt/slides/slide18.xml><?xml version="1.0" encoding="utf-8"?>
+<p:sld xmlns:a="http://schemas.openxmlformats.org/drawingml/2006/main" xmlns:r="http://schemas.openxmlformats.org/officeDocument/2006/relationships" xmlns:p="http://schemas.openxmlformats.org/presentationml/2006/main">
+  <p:cSld>
+    <p:spTree>
+      <p:nvGrpSpPr>
+        <p:cNvPr id="1" name=""/>
+        <p:cNvGrpSpPr/>
+        <p:nvPr/>
+      </p:nvGrpSpPr>
+      <p:grpSpPr>
+        <a:xfrm>
+          <a:off x="0" y="0"/>
+          <a:ext cx="0" cy="0"/>
+          <a:chOff x="0" y="0"/>
+          <a:chExt cx="0" cy="0"/>
+        </a:xfrm>
+      </p:grpSpPr>
+      <p:sp>
+        <p:nvSpPr>
+          <p:cNvPr id="2" name="Title 1">
+            <a:extLst>
+              <a:ext uri="{FF2B5EF4-FFF2-40B4-BE49-F238E27FC236}">
+                <a16:creationId xmlns:a16="http://schemas.microsoft.com/office/drawing/2014/main" id="{5C77787A-9B5F-414B-98B2-328E9D587759}"/>
+              </a:ext>
+            </a:extLst>
+          </p:cNvPr>
+          <p:cNvSpPr>
+            <a:spLocks noGrp="1"/>
+          </p:cNvSpPr>
+          <p:nvPr>
+            <p:ph type="title"/>
+          </p:nvPr>
+        </p:nvSpPr>
+        <p:spPr/>
+        <p:txBody>
+          <a:bodyPr/>
+          <a:lstStyle/>
+          <a:p>
+            <a:r>
+              <a:rPr lang="en-US" dirty="0"/>
+              <a:t>Reflection</a:t>
+            </a:r>
+            <a:br>
+              <a:rPr lang="en-US" dirty="0"/>
+            </a:br>
+            <a:r>
+              <a:rPr lang="en-US" dirty="0"/>
+              <a:t>What didn’t go well</a:t>
+            </a:r>
+          </a:p>
+        </p:txBody>
+      </p:sp>
+      <p:sp>
+        <p:nvSpPr>
+          <p:cNvPr id="3" name="Content Placeholder 2">
+            <a:extLst>
+              <a:ext uri="{FF2B5EF4-FFF2-40B4-BE49-F238E27FC236}">
+                <a16:creationId xmlns:a16="http://schemas.microsoft.com/office/drawing/2014/main" id="{D43E40C2-C032-9041-B259-5483E0C0DAC0}"/>
+              </a:ext>
+            </a:extLst>
+          </p:cNvPr>
+          <p:cNvSpPr>
+            <a:spLocks noGrp="1"/>
+          </p:cNvSpPr>
+          <p:nvPr>
+            <p:ph idx="1"/>
+          </p:nvPr>
+        </p:nvSpPr>
+        <p:spPr/>
+        <p:txBody>
+          <a:bodyPr/>
+          <a:lstStyle/>
+          <a:p>
+            <a:endParaRPr lang="en-US"/>
+          </a:p>
+        </p:txBody>
+      </p:sp>
+      <p:sp>
+        <p:nvSpPr>
+          <p:cNvPr id="4" name="Slide Number Placeholder 3">
+            <a:extLst>
+              <a:ext uri="{FF2B5EF4-FFF2-40B4-BE49-F238E27FC236}">
+                <a16:creationId xmlns:a16="http://schemas.microsoft.com/office/drawing/2014/main" id="{B1955E28-13FF-3A4C-BE9B-09A862B654B7}"/>
+              </a:ext>
+            </a:extLst>
+          </p:cNvPr>
+          <p:cNvSpPr>
+            <a:spLocks noGrp="1"/>
+          </p:cNvSpPr>
+          <p:nvPr>
+            <p:ph type="sldNum" sz="quarter" idx="12"/>
+          </p:nvPr>
+        </p:nvSpPr>
+        <p:spPr/>
+        <p:txBody>
+          <a:bodyPr/>
+          <a:lstStyle/>
+          <a:p>
+            <a:fld id="{59467819-B74A-7D46-BC68-B37107E692DD}" type="slidenum">
+              <a:rPr lang="en-US" smtClean="0"/>
+              <a:t>18</a:t>
+            </a:fld>
+            <a:endParaRPr lang="en-US"/>
+          </a:p>
+        </p:txBody>
+      </p:sp>
+    </p:spTree>
+    <p:extLst>
+      <p:ext uri="{BB962C8B-B14F-4D97-AF65-F5344CB8AC3E}">
+        <p14:creationId xmlns:p14="http://schemas.microsoft.com/office/powerpoint/2010/main" val="1552594242"/>
+      </p:ext>
+    </p:extLst>
+  </p:cSld>
+  <p:clrMapOvr>
+    <a:masterClrMapping/>
+  </p:clrMapOvr>
+</p:sld>
+</file>
+
+<file path=ppt/slides/slide19.xml><?xml version="1.0" encoding="utf-8"?>
+<p:sld xmlns:a="http://schemas.openxmlformats.org/drawingml/2006/main" xmlns:r="http://schemas.openxmlformats.org/officeDocument/2006/relationships" xmlns:p="http://schemas.openxmlformats.org/presentationml/2006/main">
+  <p:cSld>
+    <p:spTree>
+      <p:nvGrpSpPr>
+        <p:cNvPr id="1" name=""/>
+        <p:cNvGrpSpPr/>
+        <p:nvPr/>
+      </p:nvGrpSpPr>
+      <p:grpSpPr>
+        <a:xfrm>
+          <a:off x="0" y="0"/>
+          <a:ext cx="0" cy="0"/>
+          <a:chOff x="0" y="0"/>
+          <a:chExt cx="0" cy="0"/>
+        </a:xfrm>
+      </p:grpSpPr>
+      <p:sp>
+        <p:nvSpPr>
+          <p:cNvPr id="2" name="Title 1">
+            <a:extLst>
+              <a:ext uri="{FF2B5EF4-FFF2-40B4-BE49-F238E27FC236}">
+                <a16:creationId xmlns:a16="http://schemas.microsoft.com/office/drawing/2014/main" id="{E7E162ED-B91E-2F4F-8647-9081B3D8FE5B}"/>
+              </a:ext>
+            </a:extLst>
+          </p:cNvPr>
+          <p:cNvSpPr>
+            <a:spLocks noGrp="1"/>
+          </p:cNvSpPr>
+          <p:nvPr>
+            <p:ph type="title"/>
+          </p:nvPr>
+        </p:nvSpPr>
+        <p:spPr/>
+        <p:txBody>
+          <a:bodyPr/>
+          <a:lstStyle/>
+          <a:p>
+            <a:r>
+              <a:rPr lang="en-US" dirty="0"/>
+              <a:t>Reflection</a:t>
+            </a:r>
+            <a:br>
+              <a:rPr lang="en-US" dirty="0"/>
+            </a:br>
+            <a:r>
+              <a:rPr lang="en-US" dirty="0"/>
+              <a:t>Something to Improve</a:t>
+            </a:r>
+          </a:p>
+        </p:txBody>
+      </p:sp>
+      <p:sp>
+        <p:nvSpPr>
+          <p:cNvPr id="3" name="Content Placeholder 2">
+            <a:extLst>
+              <a:ext uri="{FF2B5EF4-FFF2-40B4-BE49-F238E27FC236}">
+                <a16:creationId xmlns:a16="http://schemas.microsoft.com/office/drawing/2014/main" id="{223C465A-B74B-C248-AD77-EAB344363F9D}"/>
+              </a:ext>
+            </a:extLst>
+          </p:cNvPr>
+          <p:cNvSpPr>
+            <a:spLocks noGrp="1"/>
+          </p:cNvSpPr>
+          <p:nvPr>
+            <p:ph idx="1"/>
+          </p:nvPr>
+        </p:nvSpPr>
+        <p:spPr/>
+        <p:txBody>
+          <a:bodyPr vert="horz" lIns="91440" tIns="45720" rIns="91440" bIns="45720" rtlCol="0" anchor="t">
+            <a:normAutofit/>
+          </a:bodyPr>
+          <a:lstStyle/>
+          <a:p>
+            <a:r>
+              <a:rPr lang="en-US" dirty="0">
+                <a:cs typeface="Calibri"/>
+              </a:rPr>
+              <a:t>Coding language to use.</a:t>
+            </a:r>
+          </a:p>
+          <a:p>
+            <a:r>
+              <a:rPr lang="en-US" dirty="0">
+                <a:cs typeface="Calibri"/>
+              </a:rPr>
+              <a:t>Be specific with the attributes and methods</a:t>
+            </a:r>
+          </a:p>
+        </p:txBody>
+      </p:sp>
+      <p:sp>
+        <p:nvSpPr>
+          <p:cNvPr id="4" name="Slide Number Placeholder 3">
+            <a:extLst>
+              <a:ext uri="{FF2B5EF4-FFF2-40B4-BE49-F238E27FC236}">
+                <a16:creationId xmlns:a16="http://schemas.microsoft.com/office/drawing/2014/main" id="{9E8FCF79-6DA7-FB44-BC45-0DCDE8B51E4F}"/>
+              </a:ext>
+            </a:extLst>
+          </p:cNvPr>
+          <p:cNvSpPr>
+            <a:spLocks noGrp="1"/>
+          </p:cNvSpPr>
+          <p:nvPr>
+            <p:ph type="sldNum" sz="quarter" idx="12"/>
+          </p:nvPr>
+        </p:nvSpPr>
+        <p:spPr/>
+        <p:txBody>
+          <a:bodyPr/>
+          <a:lstStyle/>
+          <a:p>
+            <a:fld id="{59467819-B74A-7D46-BC68-B37107E692DD}" type="slidenum">
+              <a:rPr lang="en-US" smtClean="0"/>
+              <a:t>19</a:t>
+            </a:fld>
+            <a:endParaRPr lang="en-US"/>
+          </a:p>
+        </p:txBody>
+      </p:sp>
+    </p:spTree>
+    <p:extLst>
+      <p:ext uri="{BB962C8B-B14F-4D97-AF65-F5344CB8AC3E}">
+        <p14:creationId xmlns:p14="http://schemas.microsoft.com/office/powerpoint/2010/main" val="3172186231"/>
       </p:ext>
     </p:extLst>
   </p:cSld>
@@ -5750,6 +6748,197 @@
     <p:extLst>
       <p:ext uri="{BB962C8B-B14F-4D97-AF65-F5344CB8AC3E}">
         <p14:creationId xmlns:p14="http://schemas.microsoft.com/office/powerpoint/2010/main" val="736191612"/>
+      </p:ext>
+    </p:extLst>
+  </p:cSld>
+  <p:clrMapOvr>
+    <a:masterClrMapping/>
+  </p:clrMapOvr>
+</p:sld>
+</file>
+
+<file path=ppt/slides/slide20.xml><?xml version="1.0" encoding="utf-8"?>
+<p:sld xmlns:a="http://schemas.openxmlformats.org/drawingml/2006/main" xmlns:r="http://schemas.openxmlformats.org/officeDocument/2006/relationships" xmlns:p="http://schemas.openxmlformats.org/presentationml/2006/main">
+  <p:cSld>
+    <p:spTree>
+      <p:nvGrpSpPr>
+        <p:cNvPr id="1" name=""/>
+        <p:cNvGrpSpPr/>
+        <p:nvPr/>
+      </p:nvGrpSpPr>
+      <p:grpSpPr>
+        <a:xfrm>
+          <a:off x="0" y="0"/>
+          <a:ext cx="0" cy="0"/>
+          <a:chOff x="0" y="0"/>
+          <a:chExt cx="0" cy="0"/>
+        </a:xfrm>
+      </p:grpSpPr>
+      <p:sp>
+        <p:nvSpPr>
+          <p:cNvPr id="2" name="Title 1">
+            <a:extLst>
+              <a:ext uri="{FF2B5EF4-FFF2-40B4-BE49-F238E27FC236}">
+                <a16:creationId xmlns:a16="http://schemas.microsoft.com/office/drawing/2014/main" id="{71DBD2D0-E504-4E46-B672-425972770860}"/>
+              </a:ext>
+            </a:extLst>
+          </p:cNvPr>
+          <p:cNvSpPr>
+            <a:spLocks noGrp="1"/>
+          </p:cNvSpPr>
+          <p:nvPr>
+            <p:ph type="title"/>
+          </p:nvPr>
+        </p:nvSpPr>
+        <p:spPr/>
+        <p:txBody>
+          <a:bodyPr/>
+          <a:lstStyle/>
+          <a:p>
+            <a:r>
+              <a:rPr lang="en-US" dirty="0"/>
+              <a:t>Overview</a:t>
+            </a:r>
+          </a:p>
+        </p:txBody>
+      </p:sp>
+      <p:sp>
+        <p:nvSpPr>
+          <p:cNvPr id="3" name="Content Placeholder 2">
+            <a:extLst>
+              <a:ext uri="{FF2B5EF4-FFF2-40B4-BE49-F238E27FC236}">
+                <a16:creationId xmlns:a16="http://schemas.microsoft.com/office/drawing/2014/main" id="{97721FA8-877C-0D43-AF19-4C75EECB089A}"/>
+              </a:ext>
+            </a:extLst>
+          </p:cNvPr>
+          <p:cNvSpPr>
+            <a:spLocks noGrp="1"/>
+          </p:cNvSpPr>
+          <p:nvPr>
+            <p:ph idx="1"/>
+          </p:nvPr>
+        </p:nvSpPr>
+        <p:spPr>
+          <a:xfrm>
+            <a:off x="838200" y="1825625"/>
+            <a:ext cx="10515600" cy="4895850"/>
+          </a:xfrm>
+        </p:spPr>
+        <p:txBody>
+          <a:bodyPr>
+            <a:normAutofit fontScale="92500" lnSpcReduction="20000"/>
+          </a:bodyPr>
+          <a:lstStyle/>
+          <a:p>
+            <a:r>
+              <a:rPr lang="en-US" dirty="0"/>
+              <a:t>Project Description</a:t>
+            </a:r>
+          </a:p>
+          <a:p>
+            <a:endParaRPr lang="en-US" dirty="0"/>
+          </a:p>
+          <a:p>
+            <a:r>
+              <a:rPr lang="en-US" dirty="0"/>
+              <a:t>Use Case Model</a:t>
+            </a:r>
+          </a:p>
+          <a:p>
+            <a:pPr lvl="1"/>
+            <a:r>
+              <a:rPr lang="en-US" dirty="0"/>
+              <a:t>Use Case Diagram</a:t>
+            </a:r>
+          </a:p>
+          <a:p>
+            <a:pPr lvl="1"/>
+            <a:r>
+              <a:rPr lang="en-US" dirty="0"/>
+              <a:t>Use Cases</a:t>
+            </a:r>
+          </a:p>
+          <a:p>
+            <a:endParaRPr lang="en-US" dirty="0"/>
+          </a:p>
+          <a:p>
+            <a:r>
+              <a:rPr lang="en-US" dirty="0"/>
+              <a:t>Domain Model</a:t>
+            </a:r>
+          </a:p>
+          <a:p>
+            <a:pPr lvl="1"/>
+            <a:r>
+              <a:rPr lang="en-US" dirty="0"/>
+              <a:t>Class Diagram</a:t>
+            </a:r>
+          </a:p>
+          <a:p>
+            <a:pPr lvl="1"/>
+            <a:r>
+              <a:rPr lang="en-US" dirty="0"/>
+              <a:t>(Activity Diagrams)</a:t>
+            </a:r>
+          </a:p>
+          <a:p>
+            <a:pPr lvl="1"/>
+            <a:r>
+              <a:rPr lang="en-US" dirty="0"/>
+              <a:t>Sequence Diagrams</a:t>
+            </a:r>
+          </a:p>
+          <a:p>
+            <a:pPr lvl="1"/>
+            <a:r>
+              <a:rPr lang="en-US" dirty="0"/>
+              <a:t>(State Machine Diagrams)</a:t>
+            </a:r>
+          </a:p>
+          <a:p>
+            <a:endParaRPr lang="en-US" dirty="0"/>
+          </a:p>
+          <a:p>
+            <a:r>
+              <a:rPr lang="en-US" dirty="0"/>
+              <a:t>Reflection</a:t>
+            </a:r>
+          </a:p>
+        </p:txBody>
+      </p:sp>
+      <p:sp>
+        <p:nvSpPr>
+          <p:cNvPr id="4" name="Slide Number Placeholder 3">
+            <a:extLst>
+              <a:ext uri="{FF2B5EF4-FFF2-40B4-BE49-F238E27FC236}">
+                <a16:creationId xmlns:a16="http://schemas.microsoft.com/office/drawing/2014/main" id="{36B3A4F1-178B-8E44-AF3E-D067B56AF78F}"/>
+              </a:ext>
+            </a:extLst>
+          </p:cNvPr>
+          <p:cNvSpPr>
+            <a:spLocks noGrp="1"/>
+          </p:cNvSpPr>
+          <p:nvPr>
+            <p:ph type="sldNum" sz="quarter" idx="12"/>
+          </p:nvPr>
+        </p:nvSpPr>
+        <p:spPr/>
+        <p:txBody>
+          <a:bodyPr/>
+          <a:lstStyle/>
+          <a:p>
+            <a:fld id="{59467819-B74A-7D46-BC68-B37107E692DD}" type="slidenum">
+              <a:rPr lang="en-US" smtClean="0"/>
+              <a:t>20</a:t>
+            </a:fld>
+            <a:endParaRPr lang="en-US"/>
+          </a:p>
+        </p:txBody>
+      </p:sp>
+    </p:spTree>
+    <p:extLst>
+      <p:ext uri="{BB962C8B-B14F-4D97-AF65-F5344CB8AC3E}">
+        <p14:creationId xmlns:p14="http://schemas.microsoft.com/office/powerpoint/2010/main" val="1710982621"/>
       </p:ext>
     </p:extLst>
   </p:cSld>

--- a/slides/increment02-use-case-analysis.pptx
+++ b/slides/increment02-use-case-analysis.pptx
@@ -5,7 +5,7 @@
     <p:sldMasterId id="2147483648" r:id="rId1"/>
   </p:sldMasterIdLst>
   <p:notesMasterIdLst>
-    <p:notesMasterId r:id="rId22"/>
+    <p:notesMasterId r:id="rId25"/>
   </p:notesMasterIdLst>
   <p:sldIdLst>
     <p:sldId id="277" r:id="rId2"/>
@@ -22,12 +22,15 @@
     <p:sldId id="282" r:id="rId13"/>
     <p:sldId id="284" r:id="rId14"/>
     <p:sldId id="280" r:id="rId15"/>
-    <p:sldId id="276" r:id="rId16"/>
-    <p:sldId id="271" r:id="rId17"/>
-    <p:sldId id="272" r:id="rId18"/>
-    <p:sldId id="273" r:id="rId19"/>
-    <p:sldId id="274" r:id="rId20"/>
-    <p:sldId id="268" r:id="rId21"/>
+    <p:sldId id="285" r:id="rId16"/>
+    <p:sldId id="286" r:id="rId17"/>
+    <p:sldId id="287" r:id="rId18"/>
+    <p:sldId id="276" r:id="rId19"/>
+    <p:sldId id="271" r:id="rId20"/>
+    <p:sldId id="272" r:id="rId21"/>
+    <p:sldId id="273" r:id="rId22"/>
+    <p:sldId id="274" r:id="rId23"/>
+    <p:sldId id="268" r:id="rId24"/>
   </p:sldIdLst>
   <p:sldSz cx="12192000" cy="6858000"/>
   <p:notesSz cx="6858000" cy="9144000"/>
@@ -137,8 +140,8 @@
 <file path=ppt/revisionInfo.xml><?xml version="1.0" encoding="utf-8"?>
 <p1510:revInfo xmlns:a="http://schemas.openxmlformats.org/drawingml/2006/main" xmlns:r="http://schemas.openxmlformats.org/officeDocument/2006/relationships" xmlns:p1510="http://schemas.microsoft.com/office/powerpoint/2015/10/main">
   <p1510:revLst>
+    <p1510:client id="{0D486802-B27C-4C64-9F2E-E84B583ADAEF}" v="7" dt="2019-02-18T18:34:27.581"/>
     <p1510:client id="{297889BF-C2B5-4D39-A63D-73708996589C}" v="1" dt="2019-02-15T21:27:41.409"/>
-    <p1510:client id="{0D486802-B27C-4C64-9F2E-E84B583ADAEF}" v="7" dt="2019-02-18T18:34:27.581"/>
     <p1510:client id="{42FF8CC9-86FD-4432-A434-A8F398D9F7D4}" v="1" dt="2019-02-18T22:57:09.554"/>
   </p1510:revLst>
 </p1510:revInfo>
@@ -602,6 +605,139 @@
     </pc:docChg>
   </pc:docChgLst>
   <pc:docChgLst>
+    <pc:chgData name="Guest User" providerId="Windows Live" clId="Web-{F8B2BAFE-9D3B-407D-8FA7-42A9E7E324B0}"/>
+    <pc:docChg chg="addSld modSld">
+      <pc:chgData name="Guest User" userId="" providerId="Windows Live" clId="Web-{F8B2BAFE-9D3B-407D-8FA7-42A9E7E324B0}" dt="2019-02-18T23:08:25.501" v="47" actId="1076"/>
+      <pc:docMkLst>
+        <pc:docMk/>
+      </pc:docMkLst>
+      <pc:sldChg chg="addSp delSp modSp">
+        <pc:chgData name="Guest User" userId="" providerId="Windows Live" clId="Web-{F8B2BAFE-9D3B-407D-8FA7-42A9E7E324B0}" dt="2019-02-18T23:05:29.173" v="11" actId="14100"/>
+        <pc:sldMkLst>
+          <pc:docMk/>
+          <pc:sldMk cId="789788285" sldId="280"/>
+        </pc:sldMkLst>
+        <pc:spChg chg="mod">
+          <ac:chgData name="Guest User" userId="" providerId="Windows Live" clId="Web-{F8B2BAFE-9D3B-407D-8FA7-42A9E7E324B0}" dt="2019-02-18T23:05:15.860" v="6" actId="20577"/>
+          <ac:spMkLst>
+            <pc:docMk/>
+            <pc:sldMk cId="789788285" sldId="280"/>
+            <ac:spMk id="2" creationId="{7A3F6A72-D491-AB4F-803D-EEAFBF2E2F9D}"/>
+          </ac:spMkLst>
+        </pc:spChg>
+        <pc:spChg chg="del">
+          <ac:chgData name="Guest User" userId="" providerId="Windows Live" clId="Web-{F8B2BAFE-9D3B-407D-8FA7-42A9E7E324B0}" dt="2019-02-18T23:05:18.829" v="8"/>
+          <ac:spMkLst>
+            <pc:docMk/>
+            <pc:sldMk cId="789788285" sldId="280"/>
+            <ac:spMk id="3" creationId="{706C7C5E-1567-7240-87DD-B41E8F859533}"/>
+          </ac:spMkLst>
+        </pc:spChg>
+        <pc:picChg chg="add mod ord">
+          <ac:chgData name="Guest User" userId="" providerId="Windows Live" clId="Web-{F8B2BAFE-9D3B-407D-8FA7-42A9E7E324B0}" dt="2019-02-18T23:05:29.173" v="11" actId="14100"/>
+          <ac:picMkLst>
+            <pc:docMk/>
+            <pc:sldMk cId="789788285" sldId="280"/>
+            <ac:picMk id="5" creationId="{16FA9DFC-2925-4AAD-93D1-EB1452A228AF}"/>
+          </ac:picMkLst>
+        </pc:picChg>
+      </pc:sldChg>
+      <pc:sldChg chg="addSp delSp modSp new">
+        <pc:chgData name="Guest User" userId="" providerId="Windows Live" clId="Web-{F8B2BAFE-9D3B-407D-8FA7-42A9E7E324B0}" dt="2019-02-18T23:06:24.329" v="24" actId="14100"/>
+        <pc:sldMkLst>
+          <pc:docMk/>
+          <pc:sldMk cId="43633910" sldId="285"/>
+        </pc:sldMkLst>
+        <pc:spChg chg="del">
+          <ac:chgData name="Guest User" userId="" providerId="Windows Live" clId="Web-{F8B2BAFE-9D3B-407D-8FA7-42A9E7E324B0}" dt="2019-02-18T23:06:03.016" v="15"/>
+          <ac:spMkLst>
+            <pc:docMk/>
+            <pc:sldMk cId="43633910" sldId="285"/>
+            <ac:spMk id="2" creationId="{B6699845-EE65-423A-AF6B-8BBD00E180B5}"/>
+          </ac:spMkLst>
+        </pc:spChg>
+        <pc:spChg chg="del">
+          <ac:chgData name="Guest User" userId="" providerId="Windows Live" clId="Web-{F8B2BAFE-9D3B-407D-8FA7-42A9E7E324B0}" dt="2019-02-18T23:06:04.876" v="16"/>
+          <ac:spMkLst>
+            <pc:docMk/>
+            <pc:sldMk cId="43633910" sldId="285"/>
+            <ac:spMk id="3" creationId="{2F1CBA7B-271A-48B5-B666-1A0A72AC8D95}"/>
+          </ac:spMkLst>
+        </pc:spChg>
+        <pc:picChg chg="add mod">
+          <ac:chgData name="Guest User" userId="" providerId="Windows Live" clId="Web-{F8B2BAFE-9D3B-407D-8FA7-42A9E7E324B0}" dt="2019-02-18T23:06:24.329" v="24" actId="14100"/>
+          <ac:picMkLst>
+            <pc:docMk/>
+            <pc:sldMk cId="43633910" sldId="285"/>
+            <ac:picMk id="5" creationId="{A998B934-41D9-4FCD-B985-9057CBC0F39B}"/>
+          </ac:picMkLst>
+        </pc:picChg>
+      </pc:sldChg>
+      <pc:sldChg chg="addSp delSp modSp new">
+        <pc:chgData name="Guest User" userId="" providerId="Windows Live" clId="Web-{F8B2BAFE-9D3B-407D-8FA7-42A9E7E324B0}" dt="2019-02-18T23:07:12.610" v="37" actId="1076"/>
+        <pc:sldMkLst>
+          <pc:docMk/>
+          <pc:sldMk cId="742269111" sldId="286"/>
+        </pc:sldMkLst>
+        <pc:spChg chg="del">
+          <ac:chgData name="Guest User" userId="" providerId="Windows Live" clId="Web-{F8B2BAFE-9D3B-407D-8FA7-42A9E7E324B0}" dt="2019-02-18T23:06:40.704" v="26"/>
+          <ac:spMkLst>
+            <pc:docMk/>
+            <pc:sldMk cId="742269111" sldId="286"/>
+            <ac:spMk id="2" creationId="{D086EDB4-EB9E-4109-BE7C-0CC8CA49752E}"/>
+          </ac:spMkLst>
+        </pc:spChg>
+        <pc:spChg chg="del">
+          <ac:chgData name="Guest User" userId="" providerId="Windows Live" clId="Web-{F8B2BAFE-9D3B-407D-8FA7-42A9E7E324B0}" dt="2019-02-18T23:06:44.032" v="27"/>
+          <ac:spMkLst>
+            <pc:docMk/>
+            <pc:sldMk cId="742269111" sldId="286"/>
+            <ac:spMk id="3" creationId="{3C9100DB-C0EC-4BB4-9D1E-37151544EF8A}"/>
+          </ac:spMkLst>
+        </pc:spChg>
+        <pc:picChg chg="add mod">
+          <ac:chgData name="Guest User" userId="" providerId="Windows Live" clId="Web-{F8B2BAFE-9D3B-407D-8FA7-42A9E7E324B0}" dt="2019-02-18T23:07:12.610" v="37" actId="1076"/>
+          <ac:picMkLst>
+            <pc:docMk/>
+            <pc:sldMk cId="742269111" sldId="286"/>
+            <ac:picMk id="5" creationId="{E8A86C3F-8488-462A-8864-A1C7FDFA4C60}"/>
+          </ac:picMkLst>
+        </pc:picChg>
+      </pc:sldChg>
+      <pc:sldChg chg="addSp delSp modSp new">
+        <pc:chgData name="Guest User" userId="" providerId="Windows Live" clId="Web-{F8B2BAFE-9D3B-407D-8FA7-42A9E7E324B0}" dt="2019-02-18T23:08:25.501" v="47" actId="1076"/>
+        <pc:sldMkLst>
+          <pc:docMk/>
+          <pc:sldMk cId="2536567030" sldId="287"/>
+        </pc:sldMkLst>
+        <pc:spChg chg="del">
+          <ac:chgData name="Guest User" userId="" providerId="Windows Live" clId="Web-{F8B2BAFE-9D3B-407D-8FA7-42A9E7E324B0}" dt="2019-02-18T23:08:09.595" v="39"/>
+          <ac:spMkLst>
+            <pc:docMk/>
+            <pc:sldMk cId="2536567030" sldId="287"/>
+            <ac:spMk id="2" creationId="{AEFDFF8E-0ABA-4966-AF31-6C92EFC5C4AB}"/>
+          </ac:spMkLst>
+        </pc:spChg>
+        <pc:spChg chg="del">
+          <ac:chgData name="Guest User" userId="" providerId="Windows Live" clId="Web-{F8B2BAFE-9D3B-407D-8FA7-42A9E7E324B0}" dt="2019-02-18T23:08:10.923" v="40"/>
+          <ac:spMkLst>
+            <pc:docMk/>
+            <pc:sldMk cId="2536567030" sldId="287"/>
+            <ac:spMk id="3" creationId="{96EAB7BC-1D47-4C57-8884-9ED531C1C8CC}"/>
+          </ac:spMkLst>
+        </pc:spChg>
+        <pc:picChg chg="add mod">
+          <ac:chgData name="Guest User" userId="" providerId="Windows Live" clId="Web-{F8B2BAFE-9D3B-407D-8FA7-42A9E7E324B0}" dt="2019-02-18T23:08:25.501" v="47" actId="1076"/>
+          <ac:picMkLst>
+            <pc:docMk/>
+            <pc:sldMk cId="2536567030" sldId="287"/>
+            <ac:picMk id="5" creationId="{6D004887-A0EE-49F8-8C54-BAFF945D786C}"/>
+          </ac:picMkLst>
+        </pc:picChg>
+      </pc:sldChg>
+    </pc:docChg>
+  </pc:docChgLst>
+  <pc:docChgLst>
     <pc:chgData name="来宾用户" providerId="Windows Live" clId="Web-{0D486802-B27C-4C64-9F2E-E84B583ADAEF}"/>
     <pc:docChg chg="addSld modSld">
       <pc:chgData name="来宾用户" userId="" providerId="Windows Live" clId="Web-{0D486802-B27C-4C64-9F2E-E84B583ADAEF}" dt="2019-02-18T18:35:12.942" v="808"/>
@@ -5704,36 +5840,43 @@
           <a:p>
             <a:r>
               <a:rPr lang="en-US" dirty="0"/>
-              <a:t>Behavioral Model – Sequence </a:t>
-            </a:r>
-          </a:p>
-        </p:txBody>
-      </p:sp>
-      <p:sp>
-        <p:nvSpPr>
-          <p:cNvPr id="3" name="Content Placeholder 2">
-            <a:extLst>
-              <a:ext uri="{FF2B5EF4-FFF2-40B4-BE49-F238E27FC236}">
-                <a16:creationId xmlns:a16="http://schemas.microsoft.com/office/drawing/2014/main" id="{706C7C5E-1567-7240-87DD-B41E8F859533}"/>
-              </a:ext>
-            </a:extLst>
-          </p:cNvPr>
-          <p:cNvSpPr>
-            <a:spLocks noGrp="1"/>
-          </p:cNvSpPr>
+              <a:t>Behavioral Model – Sequence Diagrams</a:t>
+            </a:r>
+          </a:p>
+        </p:txBody>
+      </p:sp>
+      <p:pic>
+        <p:nvPicPr>
+          <p:cNvPr id="5" name="Picture 5" descr="A screenshot of a cell phone&#10;&#10;Description generated with high confidence">
+            <a:extLst>
+              <a:ext uri="{FF2B5EF4-FFF2-40B4-BE49-F238E27FC236}">
+                <a16:creationId xmlns:a16="http://schemas.microsoft.com/office/drawing/2014/main" id="{16FA9DFC-2925-4AAD-93D1-EB1452A228AF}"/>
+              </a:ext>
+            </a:extLst>
+          </p:cNvPr>
+          <p:cNvPicPr>
+            <a:picLocks noGrp="1" noChangeAspect="1"/>
+          </p:cNvPicPr>
           <p:nvPr>
             <p:ph idx="1"/>
           </p:nvPr>
-        </p:nvSpPr>
-        <p:spPr/>
-        <p:txBody>
-          <a:bodyPr/>
-          <a:lstStyle/>
-          <a:p>
-            <a:endParaRPr lang="en-US"/>
-          </a:p>
-        </p:txBody>
-      </p:sp>
+        </p:nvPicPr>
+        <p:blipFill>
+          <a:blip r:embed="rId2"/>
+          <a:stretch>
+            <a:fillRect/>
+          </a:stretch>
+        </p:blipFill>
+        <p:spPr>
+          <a:xfrm>
+            <a:off x="838200" y="1482020"/>
+            <a:ext cx="10515600" cy="4690207"/>
+          </a:xfrm>
+          <a:prstGeom prst="rect">
+            <a:avLst/>
+          </a:prstGeom>
+        </p:spPr>
+      </p:pic>
       <p:sp>
         <p:nvSpPr>
           <p:cNvPr id="4" name="Slide Number Placeholder 3">
@@ -5795,63 +5938,10 @@
       </p:grpSpPr>
       <p:sp>
         <p:nvSpPr>
-          <p:cNvPr id="2" name="Title 1">
-            <a:extLst>
-              <a:ext uri="{FF2B5EF4-FFF2-40B4-BE49-F238E27FC236}">
-                <a16:creationId xmlns:a16="http://schemas.microsoft.com/office/drawing/2014/main" id="{7A3F6A72-D491-AB4F-803D-EEAFBF2E2F9D}"/>
-              </a:ext>
-            </a:extLst>
-          </p:cNvPr>
-          <p:cNvSpPr>
-            <a:spLocks noGrp="1"/>
-          </p:cNvSpPr>
-          <p:nvPr>
-            <p:ph type="title"/>
-          </p:nvPr>
-        </p:nvSpPr>
-        <p:spPr/>
-        <p:txBody>
-          <a:bodyPr/>
-          <a:lstStyle/>
-          <a:p>
-            <a:r>
-              <a:rPr lang="en-US" dirty="0"/>
-              <a:t>Dynamic Model</a:t>
-            </a:r>
-          </a:p>
-        </p:txBody>
-      </p:sp>
-      <p:sp>
-        <p:nvSpPr>
-          <p:cNvPr id="3" name="Content Placeholder 2">
-            <a:extLst>
-              <a:ext uri="{FF2B5EF4-FFF2-40B4-BE49-F238E27FC236}">
-                <a16:creationId xmlns:a16="http://schemas.microsoft.com/office/drawing/2014/main" id="{706C7C5E-1567-7240-87DD-B41E8F859533}"/>
-              </a:ext>
-            </a:extLst>
-          </p:cNvPr>
-          <p:cNvSpPr>
-            <a:spLocks noGrp="1"/>
-          </p:cNvSpPr>
-          <p:nvPr>
-            <p:ph idx="1"/>
-          </p:nvPr>
-        </p:nvSpPr>
-        <p:spPr/>
-        <p:txBody>
-          <a:bodyPr/>
-          <a:lstStyle/>
-          <a:p>
-            <a:endParaRPr lang="en-US"/>
-          </a:p>
-        </p:txBody>
-      </p:sp>
-      <p:sp>
-        <p:nvSpPr>
           <p:cNvPr id="4" name="Slide Number Placeholder 3">
             <a:extLst>
               <a:ext uri="{FF2B5EF4-FFF2-40B4-BE49-F238E27FC236}">
-                <a16:creationId xmlns:a16="http://schemas.microsoft.com/office/drawing/2014/main" id="{96DE280E-F1C8-4F43-BE5C-9703701699D6}"/>
+                <a16:creationId xmlns:a16="http://schemas.microsoft.com/office/drawing/2014/main" id="{F3ADF9A2-353C-469A-AD92-E04B767BFF3B}"/>
               </a:ext>
             </a:extLst>
           </p:cNvPr>
@@ -5869,65 +5959,46 @@
           <a:p>
             <a:fld id="{59467819-B74A-7D46-BC68-B37107E692DD}" type="slidenum">
               <a:rPr lang="en-US" smtClean="0"/>
-              <a:t>15</a:t>
+              <a:t>‹#›</a:t>
             </a:fld>
             <a:endParaRPr lang="en-US"/>
           </a:p>
         </p:txBody>
       </p:sp>
-      <p:sp>
-        <p:nvSpPr>
-          <p:cNvPr id="5" name="Rounded Rectangle 4">
-            <a:extLst>
-              <a:ext uri="{FF2B5EF4-FFF2-40B4-BE49-F238E27FC236}">
-                <a16:creationId xmlns:a16="http://schemas.microsoft.com/office/drawing/2014/main" id="{164C22A3-2915-1344-9D7E-250FB0F81225}"/>
-              </a:ext>
-            </a:extLst>
-          </p:cNvPr>
-          <p:cNvSpPr/>
+      <p:pic>
+        <p:nvPicPr>
+          <p:cNvPr id="5" name="Picture 5" descr="A picture containing screenshot&#10;&#10;Description generated with high confidence">
+            <a:extLst>
+              <a:ext uri="{FF2B5EF4-FFF2-40B4-BE49-F238E27FC236}">
+                <a16:creationId xmlns:a16="http://schemas.microsoft.com/office/drawing/2014/main" id="{A998B934-41D9-4FCD-B985-9057CBC0F39B}"/>
+              </a:ext>
+            </a:extLst>
+          </p:cNvPr>
+          <p:cNvPicPr>
+            <a:picLocks noChangeAspect="1"/>
+          </p:cNvPicPr>
           <p:nvPr/>
-        </p:nvSpPr>
+        </p:nvPicPr>
+        <p:blipFill>
+          <a:blip r:embed="rId2"/>
+          <a:stretch>
+            <a:fillRect/>
+          </a:stretch>
+        </p:blipFill>
         <p:spPr>
           <a:xfrm>
-            <a:off x="7278130" y="531341"/>
-            <a:ext cx="3669956" cy="1159347"/>
+            <a:off x="1240971" y="960026"/>
+            <a:ext cx="9187542" cy="5112119"/>
           </a:xfrm>
-          <a:prstGeom prst="roundRect">
+          <a:prstGeom prst="rect">
             <a:avLst/>
           </a:prstGeom>
         </p:spPr>
-        <p:style>
-          <a:lnRef idx="2">
-            <a:schemeClr val="accent1">
-              <a:shade val="50000"/>
-            </a:schemeClr>
-          </a:lnRef>
-          <a:fillRef idx="1">
-            <a:schemeClr val="accent1"/>
-          </a:fillRef>
-          <a:effectRef idx="0">
-            <a:schemeClr val="accent1"/>
-          </a:effectRef>
-          <a:fontRef idx="minor">
-            <a:schemeClr val="lt1"/>
-          </a:fontRef>
-        </p:style>
-        <p:txBody>
-          <a:bodyPr rtlCol="0" anchor="ctr"/>
-          <a:lstStyle/>
-          <a:p>
-            <a:pPr algn="ctr"/>
-            <a:r>
-              <a:rPr lang="en-US" dirty="0"/>
-              <a:t>Show two or three of the more interesting behavioral diagrams (sequence diagrams, state machine diagrams, activity diagrams).</a:t>
-            </a:r>
-          </a:p>
-        </p:txBody>
-      </p:sp>
+      </p:pic>
     </p:spTree>
     <p:extLst>
       <p:ext uri="{BB962C8B-B14F-4D97-AF65-F5344CB8AC3E}">
-        <p14:creationId xmlns:p14="http://schemas.microsoft.com/office/powerpoint/2010/main" val="710029326"/>
+        <p14:creationId xmlns:p14="http://schemas.microsoft.com/office/powerpoint/2010/main" val="43633910"/>
       </p:ext>
     </p:extLst>
   </p:cSld>
@@ -5956,18 +6027,18 @@
       </p:grpSpPr>
       <p:sp>
         <p:nvSpPr>
-          <p:cNvPr id="2" name="Title 1">
-            <a:extLst>
-              <a:ext uri="{FF2B5EF4-FFF2-40B4-BE49-F238E27FC236}">
-                <a16:creationId xmlns:a16="http://schemas.microsoft.com/office/drawing/2014/main" id="{71DBD2D0-E504-4E46-B672-425972770860}"/>
-              </a:ext>
-            </a:extLst>
-          </p:cNvPr>
-          <p:cNvSpPr>
-            <a:spLocks noGrp="1"/>
-          </p:cNvSpPr>
-          <p:nvPr>
-            <p:ph type="title"/>
+          <p:cNvPr id="4" name="Slide Number Placeholder 3">
+            <a:extLst>
+              <a:ext uri="{FF2B5EF4-FFF2-40B4-BE49-F238E27FC236}">
+                <a16:creationId xmlns:a16="http://schemas.microsoft.com/office/drawing/2014/main" id="{84B8083A-BAB0-450D-A77E-BFE920F4598E}"/>
+              </a:ext>
+            </a:extLst>
+          </p:cNvPr>
+          <p:cNvSpPr>
+            <a:spLocks noGrp="1"/>
+          </p:cNvSpPr>
+          <p:nvPr>
+            <p:ph type="sldNum" sz="quarter" idx="12"/>
           </p:nvPr>
         </p:nvSpPr>
         <p:spPr/>
@@ -5975,210 +6046,48 @@
           <a:bodyPr/>
           <a:lstStyle/>
           <a:p>
-            <a:r>
-              <a:rPr lang="en-US" dirty="0"/>
-              <a:t>Overview</a:t>
-            </a:r>
-          </a:p>
-        </p:txBody>
-      </p:sp>
-      <p:sp>
-        <p:nvSpPr>
-          <p:cNvPr id="3" name="Content Placeholder 2">
-            <a:extLst>
-              <a:ext uri="{FF2B5EF4-FFF2-40B4-BE49-F238E27FC236}">
-                <a16:creationId xmlns:a16="http://schemas.microsoft.com/office/drawing/2014/main" id="{97721FA8-877C-0D43-AF19-4C75EECB089A}"/>
-              </a:ext>
-            </a:extLst>
-          </p:cNvPr>
-          <p:cNvSpPr>
-            <a:spLocks noGrp="1"/>
-          </p:cNvSpPr>
-          <p:nvPr>
-            <p:ph idx="1"/>
-          </p:nvPr>
-        </p:nvSpPr>
+            <a:fld id="{59467819-B74A-7D46-BC68-B37107E692DD}" type="slidenum">
+              <a:rPr lang="en-US" smtClean="0"/>
+              <a:t>‹#›</a:t>
+            </a:fld>
+            <a:endParaRPr lang="en-US"/>
+          </a:p>
+        </p:txBody>
+      </p:sp>
+      <p:pic>
+        <p:nvPicPr>
+          <p:cNvPr id="5" name="Picture 5" descr="A screenshot of a cell phone&#10;&#10;Description generated with high confidence">
+            <a:extLst>
+              <a:ext uri="{FF2B5EF4-FFF2-40B4-BE49-F238E27FC236}">
+                <a16:creationId xmlns:a16="http://schemas.microsoft.com/office/drawing/2014/main" id="{E8A86C3F-8488-462A-8864-A1C7FDFA4C60}"/>
+              </a:ext>
+            </a:extLst>
+          </p:cNvPr>
+          <p:cNvPicPr>
+            <a:picLocks noChangeAspect="1"/>
+          </p:cNvPicPr>
+          <p:nvPr/>
+        </p:nvPicPr>
+        <p:blipFill>
+          <a:blip r:embed="rId2"/>
+          <a:stretch>
+            <a:fillRect/>
+          </a:stretch>
+        </p:blipFill>
         <p:spPr>
           <a:xfrm>
-            <a:off x="838200" y="1825625"/>
-            <a:ext cx="10515600" cy="4895850"/>
+            <a:off x="827315" y="893101"/>
+            <a:ext cx="10657114" cy="5376595"/>
           </a:xfrm>
+          <a:prstGeom prst="rect">
+            <a:avLst/>
+          </a:prstGeom>
         </p:spPr>
-        <p:txBody>
-          <a:bodyPr>
-            <a:normAutofit fontScale="92500" lnSpcReduction="20000"/>
-          </a:bodyPr>
-          <a:lstStyle/>
-          <a:p>
-            <a:r>
-              <a:rPr lang="en-US" dirty="0">
-                <a:solidFill>
-                  <a:schemeClr val="bg1">
-                    <a:lumMod val="65000"/>
-                  </a:schemeClr>
-                </a:solidFill>
-              </a:rPr>
-              <a:t>Project Description</a:t>
-            </a:r>
-          </a:p>
-          <a:p>
-            <a:endParaRPr lang="en-US" dirty="0"/>
-          </a:p>
-          <a:p>
-            <a:r>
-              <a:rPr lang="en-US" dirty="0">
-                <a:solidFill>
-                  <a:schemeClr val="bg1">
-                    <a:lumMod val="65000"/>
-                  </a:schemeClr>
-                </a:solidFill>
-              </a:rPr>
-              <a:t>Use Case Model</a:t>
-            </a:r>
-          </a:p>
-          <a:p>
-            <a:pPr lvl="1"/>
-            <a:r>
-              <a:rPr lang="en-US" dirty="0">
-                <a:solidFill>
-                  <a:schemeClr val="bg1">
-                    <a:lumMod val="65000"/>
-                  </a:schemeClr>
-                </a:solidFill>
-              </a:rPr>
-              <a:t>Use Case Diagram</a:t>
-            </a:r>
-          </a:p>
-          <a:p>
-            <a:pPr lvl="1"/>
-            <a:r>
-              <a:rPr lang="en-US" dirty="0">
-                <a:solidFill>
-                  <a:schemeClr val="bg1">
-                    <a:lumMod val="65000"/>
-                  </a:schemeClr>
-                </a:solidFill>
-              </a:rPr>
-              <a:t>Use Cases</a:t>
-            </a:r>
-          </a:p>
-          <a:p>
-            <a:endParaRPr lang="en-US" dirty="0"/>
-          </a:p>
-          <a:p>
-            <a:r>
-              <a:rPr lang="en-US" dirty="0">
-                <a:solidFill>
-                  <a:schemeClr val="bg1">
-                    <a:lumMod val="65000"/>
-                  </a:schemeClr>
-                </a:solidFill>
-              </a:rPr>
-              <a:t>Domain Model</a:t>
-            </a:r>
-          </a:p>
-          <a:p>
-            <a:pPr lvl="1"/>
-            <a:r>
-              <a:rPr lang="en-US" dirty="0">
-                <a:solidFill>
-                  <a:schemeClr val="bg1">
-                    <a:lumMod val="65000"/>
-                  </a:schemeClr>
-                </a:solidFill>
-              </a:rPr>
-              <a:t>Class Diagram</a:t>
-            </a:r>
-          </a:p>
-          <a:p>
-            <a:pPr lvl="1"/>
-            <a:r>
-              <a:rPr lang="en-US" dirty="0">
-                <a:solidFill>
-                  <a:schemeClr val="bg1">
-                    <a:lumMod val="65000"/>
-                  </a:schemeClr>
-                </a:solidFill>
-              </a:rPr>
-              <a:t>(Activity Diagrams)</a:t>
-            </a:r>
-          </a:p>
-          <a:p>
-            <a:pPr lvl="1"/>
-            <a:r>
-              <a:rPr lang="en-US" dirty="0">
-                <a:solidFill>
-                  <a:schemeClr val="bg1">
-                    <a:lumMod val="65000"/>
-                  </a:schemeClr>
-                </a:solidFill>
-              </a:rPr>
-              <a:t>Sequence Diagrams</a:t>
-            </a:r>
-          </a:p>
-          <a:p>
-            <a:pPr lvl="1"/>
-            <a:r>
-              <a:rPr lang="en-US" dirty="0">
-                <a:solidFill>
-                  <a:schemeClr val="bg1">
-                    <a:lumMod val="65000"/>
-                  </a:schemeClr>
-                </a:solidFill>
-              </a:rPr>
-              <a:t>(State Machine Diagrams)</a:t>
-            </a:r>
-          </a:p>
-          <a:p>
-            <a:endParaRPr lang="en-US" dirty="0">
-              <a:solidFill>
-                <a:schemeClr val="bg1">
-                  <a:lumMod val="65000"/>
-                </a:schemeClr>
-              </a:solidFill>
-            </a:endParaRPr>
-          </a:p>
-          <a:p>
-            <a:r>
-              <a:rPr lang="en-US" dirty="0"/>
-              <a:t>Reflection</a:t>
-            </a:r>
-          </a:p>
-        </p:txBody>
-      </p:sp>
-      <p:sp>
-        <p:nvSpPr>
-          <p:cNvPr id="4" name="Slide Number Placeholder 3">
-            <a:extLst>
-              <a:ext uri="{FF2B5EF4-FFF2-40B4-BE49-F238E27FC236}">
-                <a16:creationId xmlns:a16="http://schemas.microsoft.com/office/drawing/2014/main" id="{36B3A4F1-178B-8E44-AF3E-D067B56AF78F}"/>
-              </a:ext>
-            </a:extLst>
-          </p:cNvPr>
-          <p:cNvSpPr>
-            <a:spLocks noGrp="1"/>
-          </p:cNvSpPr>
-          <p:nvPr>
-            <p:ph type="sldNum" sz="quarter" idx="12"/>
-          </p:nvPr>
-        </p:nvSpPr>
-        <p:spPr/>
-        <p:txBody>
-          <a:bodyPr/>
-          <a:lstStyle/>
-          <a:p>
-            <a:fld id="{59467819-B74A-7D46-BC68-B37107E692DD}" type="slidenum">
-              <a:rPr lang="en-US" smtClean="0"/>
-              <a:t>16</a:t>
-            </a:fld>
-            <a:endParaRPr lang="en-US"/>
-          </a:p>
-        </p:txBody>
-      </p:sp>
+      </p:pic>
     </p:spTree>
     <p:extLst>
       <p:ext uri="{BB962C8B-B14F-4D97-AF65-F5344CB8AC3E}">
-        <p14:creationId xmlns:p14="http://schemas.microsoft.com/office/powerpoint/2010/main" val="2581335394"/>
+        <p14:creationId xmlns:p14="http://schemas.microsoft.com/office/powerpoint/2010/main" val="742269111"/>
       </p:ext>
     </p:extLst>
   </p:cSld>
@@ -6207,82 +6116,10 @@
       </p:grpSpPr>
       <p:sp>
         <p:nvSpPr>
-          <p:cNvPr id="2" name="Title 1">
-            <a:extLst>
-              <a:ext uri="{FF2B5EF4-FFF2-40B4-BE49-F238E27FC236}">
-                <a16:creationId xmlns:a16="http://schemas.microsoft.com/office/drawing/2014/main" id="{60F1A4C7-EB84-2441-BE19-77CA07950025}"/>
-              </a:ext>
-            </a:extLst>
-          </p:cNvPr>
-          <p:cNvSpPr>
-            <a:spLocks noGrp="1"/>
-          </p:cNvSpPr>
-          <p:nvPr>
-            <p:ph type="title"/>
-          </p:nvPr>
-        </p:nvSpPr>
-        <p:spPr/>
-        <p:txBody>
-          <a:bodyPr/>
-          <a:lstStyle/>
-          <a:p>
-            <a:r>
-              <a:rPr lang="en-US" dirty="0"/>
-              <a:t>Reflection</a:t>
-            </a:r>
-            <a:br>
-              <a:rPr lang="en-US" dirty="0"/>
-            </a:br>
-            <a:r>
-              <a:rPr lang="en-US" dirty="0"/>
-              <a:t>What went well</a:t>
-            </a:r>
-          </a:p>
-        </p:txBody>
-      </p:sp>
-      <p:sp>
-        <p:nvSpPr>
-          <p:cNvPr id="3" name="Content Placeholder 2">
-            <a:extLst>
-              <a:ext uri="{FF2B5EF4-FFF2-40B4-BE49-F238E27FC236}">
-                <a16:creationId xmlns:a16="http://schemas.microsoft.com/office/drawing/2014/main" id="{CAA5DA0C-C976-E544-8AC1-D9AF13CFD0B0}"/>
-              </a:ext>
-            </a:extLst>
-          </p:cNvPr>
-          <p:cNvSpPr>
-            <a:spLocks noGrp="1"/>
-          </p:cNvSpPr>
-          <p:nvPr>
-            <p:ph idx="1"/>
-          </p:nvPr>
-        </p:nvSpPr>
-        <p:spPr/>
-        <p:txBody>
-          <a:bodyPr vert="horz" lIns="91440" tIns="45720" rIns="91440" bIns="45720" rtlCol="0" anchor="t">
-            <a:normAutofit/>
-          </a:bodyPr>
-          <a:lstStyle/>
-          <a:p>
-            <a:r>
-              <a:rPr lang="en-US" dirty="0">
-                <a:cs typeface="Calibri"/>
-              </a:rPr>
-              <a:t>Start early. </a:t>
-            </a:r>
-          </a:p>
-          <a:p>
-            <a:endParaRPr lang="en-US" dirty="0">
-              <a:cs typeface="Calibri"/>
-            </a:endParaRPr>
-          </a:p>
-        </p:txBody>
-      </p:sp>
-      <p:sp>
-        <p:nvSpPr>
           <p:cNvPr id="4" name="Slide Number Placeholder 3">
             <a:extLst>
               <a:ext uri="{FF2B5EF4-FFF2-40B4-BE49-F238E27FC236}">
-                <a16:creationId xmlns:a16="http://schemas.microsoft.com/office/drawing/2014/main" id="{20F935D9-B521-9044-A1D1-73B1EDF71D62}"/>
+                <a16:creationId xmlns:a16="http://schemas.microsoft.com/office/drawing/2014/main" id="{48C733DE-5A51-4E26-9353-150919AEEE05}"/>
               </a:ext>
             </a:extLst>
           </p:cNvPr>
@@ -6300,16 +6137,46 @@
           <a:p>
             <a:fld id="{59467819-B74A-7D46-BC68-B37107E692DD}" type="slidenum">
               <a:rPr lang="en-US" smtClean="0"/>
-              <a:t>17</a:t>
+              <a:t>‹#›</a:t>
             </a:fld>
             <a:endParaRPr lang="en-US"/>
           </a:p>
         </p:txBody>
       </p:sp>
+      <p:pic>
+        <p:nvPicPr>
+          <p:cNvPr id="5" name="Picture 5" descr="A screenshot of a cell phone&#10;&#10;Description generated with very high confidence">
+            <a:extLst>
+              <a:ext uri="{FF2B5EF4-FFF2-40B4-BE49-F238E27FC236}">
+                <a16:creationId xmlns:a16="http://schemas.microsoft.com/office/drawing/2014/main" id="{6D004887-A0EE-49F8-8C54-BAFF945D786C}"/>
+              </a:ext>
+            </a:extLst>
+          </p:cNvPr>
+          <p:cNvPicPr>
+            <a:picLocks noChangeAspect="1"/>
+          </p:cNvPicPr>
+          <p:nvPr/>
+        </p:nvPicPr>
+        <p:blipFill>
+          <a:blip r:embed="rId2"/>
+          <a:stretch>
+            <a:fillRect/>
+          </a:stretch>
+        </p:blipFill>
+        <p:spPr>
+          <a:xfrm>
+            <a:off x="1894114" y="669241"/>
+            <a:ext cx="8164285" cy="5432432"/>
+          </a:xfrm>
+          <a:prstGeom prst="rect">
+            <a:avLst/>
+          </a:prstGeom>
+        </p:spPr>
+      </p:pic>
     </p:spTree>
     <p:extLst>
       <p:ext uri="{BB962C8B-B14F-4D97-AF65-F5344CB8AC3E}">
-        <p14:creationId xmlns:p14="http://schemas.microsoft.com/office/powerpoint/2010/main" val="2321060829"/>
+        <p14:creationId xmlns:p14="http://schemas.microsoft.com/office/powerpoint/2010/main" val="2536567030"/>
       </p:ext>
     </p:extLst>
   </p:cSld>
@@ -6341,7 +6208,7 @@
           <p:cNvPr id="2" name="Title 1">
             <a:extLst>
               <a:ext uri="{FF2B5EF4-FFF2-40B4-BE49-F238E27FC236}">
-                <a16:creationId xmlns:a16="http://schemas.microsoft.com/office/drawing/2014/main" id="{5C77787A-9B5F-414B-98B2-328E9D587759}"/>
+                <a16:creationId xmlns:a16="http://schemas.microsoft.com/office/drawing/2014/main" id="{7A3F6A72-D491-AB4F-803D-EEAFBF2E2F9D}"/>
               </a:ext>
             </a:extLst>
           </p:cNvPr>
@@ -6359,14 +6226,7 @@
           <a:p>
             <a:r>
               <a:rPr lang="en-US" dirty="0"/>
-              <a:t>Reflection</a:t>
-            </a:r>
-            <a:br>
-              <a:rPr lang="en-US" dirty="0"/>
-            </a:br>
-            <a:r>
-              <a:rPr lang="en-US" dirty="0"/>
-              <a:t>What didn’t go well</a:t>
+              <a:t>Dynamic Model</a:t>
             </a:r>
           </a:p>
         </p:txBody>
@@ -6376,7 +6236,7 @@
           <p:cNvPr id="3" name="Content Placeholder 2">
             <a:extLst>
               <a:ext uri="{FF2B5EF4-FFF2-40B4-BE49-F238E27FC236}">
-                <a16:creationId xmlns:a16="http://schemas.microsoft.com/office/drawing/2014/main" id="{D43E40C2-C032-9041-B259-5483E0C0DAC0}"/>
+                <a16:creationId xmlns:a16="http://schemas.microsoft.com/office/drawing/2014/main" id="{706C7C5E-1567-7240-87DD-B41E8F859533}"/>
               </a:ext>
             </a:extLst>
           </p:cNvPr>
@@ -6401,7 +6261,7 @@
           <p:cNvPr id="4" name="Slide Number Placeholder 3">
             <a:extLst>
               <a:ext uri="{FF2B5EF4-FFF2-40B4-BE49-F238E27FC236}">
-                <a16:creationId xmlns:a16="http://schemas.microsoft.com/office/drawing/2014/main" id="{B1955E28-13FF-3A4C-BE9B-09A862B654B7}"/>
+                <a16:creationId xmlns:a16="http://schemas.microsoft.com/office/drawing/2014/main" id="{96DE280E-F1C8-4F43-BE5C-9703701699D6}"/>
               </a:ext>
             </a:extLst>
           </p:cNvPr>
@@ -6419,16 +6279,65 @@
           <a:p>
             <a:fld id="{59467819-B74A-7D46-BC68-B37107E692DD}" type="slidenum">
               <a:rPr lang="en-US" smtClean="0"/>
-              <a:t>18</a:t>
+              <a:t>15</a:t>
             </a:fld>
             <a:endParaRPr lang="en-US"/>
+          </a:p>
+        </p:txBody>
+      </p:sp>
+      <p:sp>
+        <p:nvSpPr>
+          <p:cNvPr id="5" name="Rounded Rectangle 4">
+            <a:extLst>
+              <a:ext uri="{FF2B5EF4-FFF2-40B4-BE49-F238E27FC236}">
+                <a16:creationId xmlns:a16="http://schemas.microsoft.com/office/drawing/2014/main" id="{164C22A3-2915-1344-9D7E-250FB0F81225}"/>
+              </a:ext>
+            </a:extLst>
+          </p:cNvPr>
+          <p:cNvSpPr/>
+          <p:nvPr/>
+        </p:nvSpPr>
+        <p:spPr>
+          <a:xfrm>
+            <a:off x="7278130" y="531341"/>
+            <a:ext cx="3669956" cy="1159347"/>
+          </a:xfrm>
+          <a:prstGeom prst="roundRect">
+            <a:avLst/>
+          </a:prstGeom>
+        </p:spPr>
+        <p:style>
+          <a:lnRef idx="2">
+            <a:schemeClr val="accent1">
+              <a:shade val="50000"/>
+            </a:schemeClr>
+          </a:lnRef>
+          <a:fillRef idx="1">
+            <a:schemeClr val="accent1"/>
+          </a:fillRef>
+          <a:effectRef idx="0">
+            <a:schemeClr val="accent1"/>
+          </a:effectRef>
+          <a:fontRef idx="minor">
+            <a:schemeClr val="lt1"/>
+          </a:fontRef>
+        </p:style>
+        <p:txBody>
+          <a:bodyPr rtlCol="0" anchor="ctr"/>
+          <a:lstStyle/>
+          <a:p>
+            <a:pPr algn="ctr"/>
+            <a:r>
+              <a:rPr lang="en-US" dirty="0"/>
+              <a:t>Show two or three of the more interesting behavioral diagrams (sequence diagrams, state machine diagrams, activity diagrams).</a:t>
+            </a:r>
           </a:p>
         </p:txBody>
       </p:sp>
     </p:spTree>
     <p:extLst>
       <p:ext uri="{BB962C8B-B14F-4D97-AF65-F5344CB8AC3E}">
-        <p14:creationId xmlns:p14="http://schemas.microsoft.com/office/powerpoint/2010/main" val="1552594242"/>
+        <p14:creationId xmlns:p14="http://schemas.microsoft.com/office/powerpoint/2010/main" val="710029326"/>
       </p:ext>
     </p:extLst>
   </p:cSld>
@@ -6460,7 +6369,7 @@
           <p:cNvPr id="2" name="Title 1">
             <a:extLst>
               <a:ext uri="{FF2B5EF4-FFF2-40B4-BE49-F238E27FC236}">
-                <a16:creationId xmlns:a16="http://schemas.microsoft.com/office/drawing/2014/main" id="{E7E162ED-B91E-2F4F-8647-9081B3D8FE5B}"/>
+                <a16:creationId xmlns:a16="http://schemas.microsoft.com/office/drawing/2014/main" id="{71DBD2D0-E504-4E46-B672-425972770860}"/>
               </a:ext>
             </a:extLst>
           </p:cNvPr>
@@ -6475,58 +6384,175 @@
         <p:txBody>
           <a:bodyPr/>
           <a:lstStyle/>
+          <a:p>
+            <a:r>
+              <a:rPr lang="en-US" dirty="0"/>
+              <a:t>Overview</a:t>
+            </a:r>
+          </a:p>
+        </p:txBody>
+      </p:sp>
+      <p:sp>
+        <p:nvSpPr>
+          <p:cNvPr id="3" name="Content Placeholder 2">
+            <a:extLst>
+              <a:ext uri="{FF2B5EF4-FFF2-40B4-BE49-F238E27FC236}">
+                <a16:creationId xmlns:a16="http://schemas.microsoft.com/office/drawing/2014/main" id="{97721FA8-877C-0D43-AF19-4C75EECB089A}"/>
+              </a:ext>
+            </a:extLst>
+          </p:cNvPr>
+          <p:cNvSpPr>
+            <a:spLocks noGrp="1"/>
+          </p:cNvSpPr>
+          <p:nvPr>
+            <p:ph idx="1"/>
+          </p:nvPr>
+        </p:nvSpPr>
+        <p:spPr>
+          <a:xfrm>
+            <a:off x="838200" y="1825625"/>
+            <a:ext cx="10515600" cy="4895850"/>
+          </a:xfrm>
+        </p:spPr>
+        <p:txBody>
+          <a:bodyPr>
+            <a:normAutofit fontScale="92500" lnSpcReduction="20000"/>
+          </a:bodyPr>
+          <a:lstStyle/>
+          <a:p>
+            <a:r>
+              <a:rPr lang="en-US" dirty="0">
+                <a:solidFill>
+                  <a:schemeClr val="bg1">
+                    <a:lumMod val="65000"/>
+                  </a:schemeClr>
+                </a:solidFill>
+              </a:rPr>
+              <a:t>Project Description</a:t>
+            </a:r>
+          </a:p>
+          <a:p>
+            <a:endParaRPr lang="en-US" dirty="0"/>
+          </a:p>
+          <a:p>
+            <a:r>
+              <a:rPr lang="en-US" dirty="0">
+                <a:solidFill>
+                  <a:schemeClr val="bg1">
+                    <a:lumMod val="65000"/>
+                  </a:schemeClr>
+                </a:solidFill>
+              </a:rPr>
+              <a:t>Use Case Model</a:t>
+            </a:r>
+          </a:p>
+          <a:p>
+            <a:pPr lvl="1"/>
+            <a:r>
+              <a:rPr lang="en-US" dirty="0">
+                <a:solidFill>
+                  <a:schemeClr val="bg1">
+                    <a:lumMod val="65000"/>
+                  </a:schemeClr>
+                </a:solidFill>
+              </a:rPr>
+              <a:t>Use Case Diagram</a:t>
+            </a:r>
+          </a:p>
+          <a:p>
+            <a:pPr lvl="1"/>
+            <a:r>
+              <a:rPr lang="en-US" dirty="0">
+                <a:solidFill>
+                  <a:schemeClr val="bg1">
+                    <a:lumMod val="65000"/>
+                  </a:schemeClr>
+                </a:solidFill>
+              </a:rPr>
+              <a:t>Use Cases</a:t>
+            </a:r>
+          </a:p>
+          <a:p>
+            <a:endParaRPr lang="en-US" dirty="0"/>
+          </a:p>
+          <a:p>
+            <a:r>
+              <a:rPr lang="en-US" dirty="0">
+                <a:solidFill>
+                  <a:schemeClr val="bg1">
+                    <a:lumMod val="65000"/>
+                  </a:schemeClr>
+                </a:solidFill>
+              </a:rPr>
+              <a:t>Domain Model</a:t>
+            </a:r>
+          </a:p>
+          <a:p>
+            <a:pPr lvl="1"/>
+            <a:r>
+              <a:rPr lang="en-US" dirty="0">
+                <a:solidFill>
+                  <a:schemeClr val="bg1">
+                    <a:lumMod val="65000"/>
+                  </a:schemeClr>
+                </a:solidFill>
+              </a:rPr>
+              <a:t>Class Diagram</a:t>
+            </a:r>
+          </a:p>
+          <a:p>
+            <a:pPr lvl="1"/>
+            <a:r>
+              <a:rPr lang="en-US" dirty="0">
+                <a:solidFill>
+                  <a:schemeClr val="bg1">
+                    <a:lumMod val="65000"/>
+                  </a:schemeClr>
+                </a:solidFill>
+              </a:rPr>
+              <a:t>(Activity Diagrams)</a:t>
+            </a:r>
+          </a:p>
+          <a:p>
+            <a:pPr lvl="1"/>
+            <a:r>
+              <a:rPr lang="en-US" dirty="0">
+                <a:solidFill>
+                  <a:schemeClr val="bg1">
+                    <a:lumMod val="65000"/>
+                  </a:schemeClr>
+                </a:solidFill>
+              </a:rPr>
+              <a:t>Sequence Diagrams</a:t>
+            </a:r>
+          </a:p>
+          <a:p>
+            <a:pPr lvl="1"/>
+            <a:r>
+              <a:rPr lang="en-US" dirty="0">
+                <a:solidFill>
+                  <a:schemeClr val="bg1">
+                    <a:lumMod val="65000"/>
+                  </a:schemeClr>
+                </a:solidFill>
+              </a:rPr>
+              <a:t>(State Machine Diagrams)</a:t>
+            </a:r>
+          </a:p>
+          <a:p>
+            <a:endParaRPr lang="en-US" dirty="0">
+              <a:solidFill>
+                <a:schemeClr val="bg1">
+                  <a:lumMod val="65000"/>
+                </a:schemeClr>
+              </a:solidFill>
+            </a:endParaRPr>
+          </a:p>
           <a:p>
             <a:r>
               <a:rPr lang="en-US" dirty="0"/>
               <a:t>Reflection</a:t>
             </a:r>
-            <a:br>
-              <a:rPr lang="en-US" dirty="0"/>
-            </a:br>
-            <a:r>
-              <a:rPr lang="en-US" dirty="0"/>
-              <a:t>Something to Improve</a:t>
-            </a:r>
-          </a:p>
-        </p:txBody>
-      </p:sp>
-      <p:sp>
-        <p:nvSpPr>
-          <p:cNvPr id="3" name="Content Placeholder 2">
-            <a:extLst>
-              <a:ext uri="{FF2B5EF4-FFF2-40B4-BE49-F238E27FC236}">
-                <a16:creationId xmlns:a16="http://schemas.microsoft.com/office/drawing/2014/main" id="{223C465A-B74B-C248-AD77-EAB344363F9D}"/>
-              </a:ext>
-            </a:extLst>
-          </p:cNvPr>
-          <p:cNvSpPr>
-            <a:spLocks noGrp="1"/>
-          </p:cNvSpPr>
-          <p:nvPr>
-            <p:ph idx="1"/>
-          </p:nvPr>
-        </p:nvSpPr>
-        <p:spPr/>
-        <p:txBody>
-          <a:bodyPr vert="horz" lIns="91440" tIns="45720" rIns="91440" bIns="45720" rtlCol="0" anchor="t">
-            <a:normAutofit/>
-          </a:bodyPr>
-          <a:lstStyle/>
-          <a:p>
-            <a:r>
-              <a:rPr lang="en-US" dirty="0">
-                <a:cs typeface="Calibri"/>
-              </a:rPr>
-              <a:t>Coding language to use.</a:t>
-            </a:r>
-          </a:p>
-          <a:p>
-            <a:r>
-              <a:rPr lang="en-US" dirty="0">
-                <a:cs typeface="Calibri"/>
-              </a:rPr>
-              <a:t>Be specific with the attributes and methods</a:t>
-            </a:r>
           </a:p>
         </p:txBody>
       </p:sp>
@@ -6535,7 +6561,7 @@
           <p:cNvPr id="4" name="Slide Number Placeholder 3">
             <a:extLst>
               <a:ext uri="{FF2B5EF4-FFF2-40B4-BE49-F238E27FC236}">
-                <a16:creationId xmlns:a16="http://schemas.microsoft.com/office/drawing/2014/main" id="{9E8FCF79-6DA7-FB44-BC45-0DCDE8B51E4F}"/>
+                <a16:creationId xmlns:a16="http://schemas.microsoft.com/office/drawing/2014/main" id="{36B3A4F1-178B-8E44-AF3E-D067B56AF78F}"/>
               </a:ext>
             </a:extLst>
           </p:cNvPr>
@@ -6553,7 +6579,7 @@
           <a:p>
             <a:fld id="{59467819-B74A-7D46-BC68-B37107E692DD}" type="slidenum">
               <a:rPr lang="en-US" smtClean="0"/>
-              <a:t>19</a:t>
+              <a:t>16</a:t>
             </a:fld>
             <a:endParaRPr lang="en-US"/>
           </a:p>
@@ -6562,7 +6588,7 @@
     </p:spTree>
     <p:extLst>
       <p:ext uri="{BB962C8B-B14F-4D97-AF65-F5344CB8AC3E}">
-        <p14:creationId xmlns:p14="http://schemas.microsoft.com/office/powerpoint/2010/main" val="3172186231"/>
+        <p14:creationId xmlns:p14="http://schemas.microsoft.com/office/powerpoint/2010/main" val="2581335394"/>
       </p:ext>
     </p:extLst>
   </p:cSld>
@@ -6758,6 +6784,390 @@
 </file>
 
 <file path=ppt/slides/slide20.xml><?xml version="1.0" encoding="utf-8"?>
+<p:sld xmlns:a="http://schemas.openxmlformats.org/drawingml/2006/main" xmlns:r="http://schemas.openxmlformats.org/officeDocument/2006/relationships" xmlns:p="http://schemas.openxmlformats.org/presentationml/2006/main">
+  <p:cSld>
+    <p:spTree>
+      <p:nvGrpSpPr>
+        <p:cNvPr id="1" name=""/>
+        <p:cNvGrpSpPr/>
+        <p:nvPr/>
+      </p:nvGrpSpPr>
+      <p:grpSpPr>
+        <a:xfrm>
+          <a:off x="0" y="0"/>
+          <a:ext cx="0" cy="0"/>
+          <a:chOff x="0" y="0"/>
+          <a:chExt cx="0" cy="0"/>
+        </a:xfrm>
+      </p:grpSpPr>
+      <p:sp>
+        <p:nvSpPr>
+          <p:cNvPr id="2" name="Title 1">
+            <a:extLst>
+              <a:ext uri="{FF2B5EF4-FFF2-40B4-BE49-F238E27FC236}">
+                <a16:creationId xmlns:a16="http://schemas.microsoft.com/office/drawing/2014/main" id="{60F1A4C7-EB84-2441-BE19-77CA07950025}"/>
+              </a:ext>
+            </a:extLst>
+          </p:cNvPr>
+          <p:cNvSpPr>
+            <a:spLocks noGrp="1"/>
+          </p:cNvSpPr>
+          <p:nvPr>
+            <p:ph type="title"/>
+          </p:nvPr>
+        </p:nvSpPr>
+        <p:spPr/>
+        <p:txBody>
+          <a:bodyPr/>
+          <a:lstStyle/>
+          <a:p>
+            <a:r>
+              <a:rPr lang="en-US" dirty="0"/>
+              <a:t>Reflection</a:t>
+            </a:r>
+            <a:br>
+              <a:rPr lang="en-US" dirty="0"/>
+            </a:br>
+            <a:r>
+              <a:rPr lang="en-US" dirty="0"/>
+              <a:t>What went well</a:t>
+            </a:r>
+          </a:p>
+        </p:txBody>
+      </p:sp>
+      <p:sp>
+        <p:nvSpPr>
+          <p:cNvPr id="3" name="Content Placeholder 2">
+            <a:extLst>
+              <a:ext uri="{FF2B5EF4-FFF2-40B4-BE49-F238E27FC236}">
+                <a16:creationId xmlns:a16="http://schemas.microsoft.com/office/drawing/2014/main" id="{CAA5DA0C-C976-E544-8AC1-D9AF13CFD0B0}"/>
+              </a:ext>
+            </a:extLst>
+          </p:cNvPr>
+          <p:cNvSpPr>
+            <a:spLocks noGrp="1"/>
+          </p:cNvSpPr>
+          <p:nvPr>
+            <p:ph idx="1"/>
+          </p:nvPr>
+        </p:nvSpPr>
+        <p:spPr/>
+        <p:txBody>
+          <a:bodyPr vert="horz" lIns="91440" tIns="45720" rIns="91440" bIns="45720" rtlCol="0" anchor="t">
+            <a:normAutofit/>
+          </a:bodyPr>
+          <a:lstStyle/>
+          <a:p>
+            <a:r>
+              <a:rPr lang="en-US" dirty="0">
+                <a:cs typeface="Calibri"/>
+              </a:rPr>
+              <a:t>Start early. </a:t>
+            </a:r>
+          </a:p>
+          <a:p>
+            <a:endParaRPr lang="en-US" dirty="0">
+              <a:cs typeface="Calibri"/>
+            </a:endParaRPr>
+          </a:p>
+        </p:txBody>
+      </p:sp>
+      <p:sp>
+        <p:nvSpPr>
+          <p:cNvPr id="4" name="Slide Number Placeholder 3">
+            <a:extLst>
+              <a:ext uri="{FF2B5EF4-FFF2-40B4-BE49-F238E27FC236}">
+                <a16:creationId xmlns:a16="http://schemas.microsoft.com/office/drawing/2014/main" id="{20F935D9-B521-9044-A1D1-73B1EDF71D62}"/>
+              </a:ext>
+            </a:extLst>
+          </p:cNvPr>
+          <p:cNvSpPr>
+            <a:spLocks noGrp="1"/>
+          </p:cNvSpPr>
+          <p:nvPr>
+            <p:ph type="sldNum" sz="quarter" idx="12"/>
+          </p:nvPr>
+        </p:nvSpPr>
+        <p:spPr/>
+        <p:txBody>
+          <a:bodyPr/>
+          <a:lstStyle/>
+          <a:p>
+            <a:fld id="{59467819-B74A-7D46-BC68-B37107E692DD}" type="slidenum">
+              <a:rPr lang="en-US" smtClean="0"/>
+              <a:t>17</a:t>
+            </a:fld>
+            <a:endParaRPr lang="en-US"/>
+          </a:p>
+        </p:txBody>
+      </p:sp>
+    </p:spTree>
+    <p:extLst>
+      <p:ext uri="{BB962C8B-B14F-4D97-AF65-F5344CB8AC3E}">
+        <p14:creationId xmlns:p14="http://schemas.microsoft.com/office/powerpoint/2010/main" val="2321060829"/>
+      </p:ext>
+    </p:extLst>
+  </p:cSld>
+  <p:clrMapOvr>
+    <a:masterClrMapping/>
+  </p:clrMapOvr>
+</p:sld>
+</file>
+
+<file path=ppt/slides/slide21.xml><?xml version="1.0" encoding="utf-8"?>
+<p:sld xmlns:a="http://schemas.openxmlformats.org/drawingml/2006/main" xmlns:r="http://schemas.openxmlformats.org/officeDocument/2006/relationships" xmlns:p="http://schemas.openxmlformats.org/presentationml/2006/main">
+  <p:cSld>
+    <p:spTree>
+      <p:nvGrpSpPr>
+        <p:cNvPr id="1" name=""/>
+        <p:cNvGrpSpPr/>
+        <p:nvPr/>
+      </p:nvGrpSpPr>
+      <p:grpSpPr>
+        <a:xfrm>
+          <a:off x="0" y="0"/>
+          <a:ext cx="0" cy="0"/>
+          <a:chOff x="0" y="0"/>
+          <a:chExt cx="0" cy="0"/>
+        </a:xfrm>
+      </p:grpSpPr>
+      <p:sp>
+        <p:nvSpPr>
+          <p:cNvPr id="2" name="Title 1">
+            <a:extLst>
+              <a:ext uri="{FF2B5EF4-FFF2-40B4-BE49-F238E27FC236}">
+                <a16:creationId xmlns:a16="http://schemas.microsoft.com/office/drawing/2014/main" id="{5C77787A-9B5F-414B-98B2-328E9D587759}"/>
+              </a:ext>
+            </a:extLst>
+          </p:cNvPr>
+          <p:cNvSpPr>
+            <a:spLocks noGrp="1"/>
+          </p:cNvSpPr>
+          <p:nvPr>
+            <p:ph type="title"/>
+          </p:nvPr>
+        </p:nvSpPr>
+        <p:spPr/>
+        <p:txBody>
+          <a:bodyPr/>
+          <a:lstStyle/>
+          <a:p>
+            <a:r>
+              <a:rPr lang="en-US" dirty="0"/>
+              <a:t>Reflection</a:t>
+            </a:r>
+            <a:br>
+              <a:rPr lang="en-US" dirty="0"/>
+            </a:br>
+            <a:r>
+              <a:rPr lang="en-US" dirty="0"/>
+              <a:t>What didn’t go well</a:t>
+            </a:r>
+          </a:p>
+        </p:txBody>
+      </p:sp>
+      <p:sp>
+        <p:nvSpPr>
+          <p:cNvPr id="3" name="Content Placeholder 2">
+            <a:extLst>
+              <a:ext uri="{FF2B5EF4-FFF2-40B4-BE49-F238E27FC236}">
+                <a16:creationId xmlns:a16="http://schemas.microsoft.com/office/drawing/2014/main" id="{D43E40C2-C032-9041-B259-5483E0C0DAC0}"/>
+              </a:ext>
+            </a:extLst>
+          </p:cNvPr>
+          <p:cNvSpPr>
+            <a:spLocks noGrp="1"/>
+          </p:cNvSpPr>
+          <p:nvPr>
+            <p:ph idx="1"/>
+          </p:nvPr>
+        </p:nvSpPr>
+        <p:spPr/>
+        <p:txBody>
+          <a:bodyPr/>
+          <a:lstStyle/>
+          <a:p>
+            <a:endParaRPr lang="en-US"/>
+          </a:p>
+        </p:txBody>
+      </p:sp>
+      <p:sp>
+        <p:nvSpPr>
+          <p:cNvPr id="4" name="Slide Number Placeholder 3">
+            <a:extLst>
+              <a:ext uri="{FF2B5EF4-FFF2-40B4-BE49-F238E27FC236}">
+                <a16:creationId xmlns:a16="http://schemas.microsoft.com/office/drawing/2014/main" id="{B1955E28-13FF-3A4C-BE9B-09A862B654B7}"/>
+              </a:ext>
+            </a:extLst>
+          </p:cNvPr>
+          <p:cNvSpPr>
+            <a:spLocks noGrp="1"/>
+          </p:cNvSpPr>
+          <p:nvPr>
+            <p:ph type="sldNum" sz="quarter" idx="12"/>
+          </p:nvPr>
+        </p:nvSpPr>
+        <p:spPr/>
+        <p:txBody>
+          <a:bodyPr/>
+          <a:lstStyle/>
+          <a:p>
+            <a:fld id="{59467819-B74A-7D46-BC68-B37107E692DD}" type="slidenum">
+              <a:rPr lang="en-US" smtClean="0"/>
+              <a:t>18</a:t>
+            </a:fld>
+            <a:endParaRPr lang="en-US"/>
+          </a:p>
+        </p:txBody>
+      </p:sp>
+    </p:spTree>
+    <p:extLst>
+      <p:ext uri="{BB962C8B-B14F-4D97-AF65-F5344CB8AC3E}">
+        <p14:creationId xmlns:p14="http://schemas.microsoft.com/office/powerpoint/2010/main" val="1552594242"/>
+      </p:ext>
+    </p:extLst>
+  </p:cSld>
+  <p:clrMapOvr>
+    <a:masterClrMapping/>
+  </p:clrMapOvr>
+</p:sld>
+</file>
+
+<file path=ppt/slides/slide22.xml><?xml version="1.0" encoding="utf-8"?>
+<p:sld xmlns:a="http://schemas.openxmlformats.org/drawingml/2006/main" xmlns:r="http://schemas.openxmlformats.org/officeDocument/2006/relationships" xmlns:p="http://schemas.openxmlformats.org/presentationml/2006/main">
+  <p:cSld>
+    <p:spTree>
+      <p:nvGrpSpPr>
+        <p:cNvPr id="1" name=""/>
+        <p:cNvGrpSpPr/>
+        <p:nvPr/>
+      </p:nvGrpSpPr>
+      <p:grpSpPr>
+        <a:xfrm>
+          <a:off x="0" y="0"/>
+          <a:ext cx="0" cy="0"/>
+          <a:chOff x="0" y="0"/>
+          <a:chExt cx="0" cy="0"/>
+        </a:xfrm>
+      </p:grpSpPr>
+      <p:sp>
+        <p:nvSpPr>
+          <p:cNvPr id="2" name="Title 1">
+            <a:extLst>
+              <a:ext uri="{FF2B5EF4-FFF2-40B4-BE49-F238E27FC236}">
+                <a16:creationId xmlns:a16="http://schemas.microsoft.com/office/drawing/2014/main" id="{E7E162ED-B91E-2F4F-8647-9081B3D8FE5B}"/>
+              </a:ext>
+            </a:extLst>
+          </p:cNvPr>
+          <p:cNvSpPr>
+            <a:spLocks noGrp="1"/>
+          </p:cNvSpPr>
+          <p:nvPr>
+            <p:ph type="title"/>
+          </p:nvPr>
+        </p:nvSpPr>
+        <p:spPr/>
+        <p:txBody>
+          <a:bodyPr/>
+          <a:lstStyle/>
+          <a:p>
+            <a:r>
+              <a:rPr lang="en-US" dirty="0"/>
+              <a:t>Reflection</a:t>
+            </a:r>
+            <a:br>
+              <a:rPr lang="en-US" dirty="0"/>
+            </a:br>
+            <a:r>
+              <a:rPr lang="en-US" dirty="0"/>
+              <a:t>Something to Improve</a:t>
+            </a:r>
+          </a:p>
+        </p:txBody>
+      </p:sp>
+      <p:sp>
+        <p:nvSpPr>
+          <p:cNvPr id="3" name="Content Placeholder 2">
+            <a:extLst>
+              <a:ext uri="{FF2B5EF4-FFF2-40B4-BE49-F238E27FC236}">
+                <a16:creationId xmlns:a16="http://schemas.microsoft.com/office/drawing/2014/main" id="{223C465A-B74B-C248-AD77-EAB344363F9D}"/>
+              </a:ext>
+            </a:extLst>
+          </p:cNvPr>
+          <p:cNvSpPr>
+            <a:spLocks noGrp="1"/>
+          </p:cNvSpPr>
+          <p:nvPr>
+            <p:ph idx="1"/>
+          </p:nvPr>
+        </p:nvSpPr>
+        <p:spPr/>
+        <p:txBody>
+          <a:bodyPr vert="horz" lIns="91440" tIns="45720" rIns="91440" bIns="45720" rtlCol="0" anchor="t">
+            <a:normAutofit/>
+          </a:bodyPr>
+          <a:lstStyle/>
+          <a:p>
+            <a:r>
+              <a:rPr lang="en-US" dirty="0">
+                <a:cs typeface="Calibri"/>
+              </a:rPr>
+              <a:t>Coding language to use.</a:t>
+            </a:r>
+          </a:p>
+          <a:p>
+            <a:r>
+              <a:rPr lang="en-US" dirty="0">
+                <a:cs typeface="Calibri"/>
+              </a:rPr>
+              <a:t>Be specific with the attributes and methods</a:t>
+            </a:r>
+          </a:p>
+        </p:txBody>
+      </p:sp>
+      <p:sp>
+        <p:nvSpPr>
+          <p:cNvPr id="4" name="Slide Number Placeholder 3">
+            <a:extLst>
+              <a:ext uri="{FF2B5EF4-FFF2-40B4-BE49-F238E27FC236}">
+                <a16:creationId xmlns:a16="http://schemas.microsoft.com/office/drawing/2014/main" id="{9E8FCF79-6DA7-FB44-BC45-0DCDE8B51E4F}"/>
+              </a:ext>
+            </a:extLst>
+          </p:cNvPr>
+          <p:cNvSpPr>
+            <a:spLocks noGrp="1"/>
+          </p:cNvSpPr>
+          <p:nvPr>
+            <p:ph type="sldNum" sz="quarter" idx="12"/>
+          </p:nvPr>
+        </p:nvSpPr>
+        <p:spPr/>
+        <p:txBody>
+          <a:bodyPr/>
+          <a:lstStyle/>
+          <a:p>
+            <a:fld id="{59467819-B74A-7D46-BC68-B37107E692DD}" type="slidenum">
+              <a:rPr lang="en-US" smtClean="0"/>
+              <a:t>19</a:t>
+            </a:fld>
+            <a:endParaRPr lang="en-US"/>
+          </a:p>
+        </p:txBody>
+      </p:sp>
+    </p:spTree>
+    <p:extLst>
+      <p:ext uri="{BB962C8B-B14F-4D97-AF65-F5344CB8AC3E}">
+        <p14:creationId xmlns:p14="http://schemas.microsoft.com/office/powerpoint/2010/main" val="3172186231"/>
+      </p:ext>
+    </p:extLst>
+  </p:cSld>
+  <p:clrMapOvr>
+    <a:masterClrMapping/>
+  </p:clrMapOvr>
+</p:sld>
+</file>
+
+<file path=ppt/slides/slide23.xml><?xml version="1.0" encoding="utf-8"?>
 <p:sld xmlns:a="http://schemas.openxmlformats.org/drawingml/2006/main" xmlns:r="http://schemas.openxmlformats.org/officeDocument/2006/relationships" xmlns:p="http://schemas.openxmlformats.org/presentationml/2006/main">
   <p:cSld>
     <p:spTree>

--- a/slides/increment02-use-case-analysis.pptx
+++ b/slides/increment02-use-case-analysis.pptx
@@ -5,7 +5,7 @@
     <p:sldMasterId id="2147483648" r:id="rId1"/>
   </p:sldMasterIdLst>
   <p:notesMasterIdLst>
-    <p:notesMasterId r:id="rId25"/>
+    <p:notesMasterId r:id="rId26"/>
   </p:notesMasterIdLst>
   <p:sldIdLst>
     <p:sldId id="277" r:id="rId2"/>
@@ -25,12 +25,13 @@
     <p:sldId id="285" r:id="rId16"/>
     <p:sldId id="286" r:id="rId17"/>
     <p:sldId id="287" r:id="rId18"/>
-    <p:sldId id="276" r:id="rId19"/>
-    <p:sldId id="271" r:id="rId20"/>
-    <p:sldId id="272" r:id="rId21"/>
-    <p:sldId id="273" r:id="rId22"/>
-    <p:sldId id="274" r:id="rId23"/>
-    <p:sldId id="268" r:id="rId24"/>
+    <p:sldId id="288" r:id="rId19"/>
+    <p:sldId id="276" r:id="rId20"/>
+    <p:sldId id="271" r:id="rId21"/>
+    <p:sldId id="272" r:id="rId22"/>
+    <p:sldId id="273" r:id="rId23"/>
+    <p:sldId id="274" r:id="rId24"/>
+    <p:sldId id="268" r:id="rId25"/>
   </p:sldIdLst>
   <p:sldSz cx="12192000" cy="6858000"/>
   <p:notesSz cx="6858000" cy="9144000"/>
@@ -607,7 +608,7 @@
   <pc:docChgLst>
     <pc:chgData name="Guest User" providerId="Windows Live" clId="Web-{F8B2BAFE-9D3B-407D-8FA7-42A9E7E324B0}"/>
     <pc:docChg chg="addSld modSld">
-      <pc:chgData name="Guest User" userId="" providerId="Windows Live" clId="Web-{F8B2BAFE-9D3B-407D-8FA7-42A9E7E324B0}" dt="2019-02-18T23:08:25.501" v="47" actId="1076"/>
+      <pc:chgData name="Guest User" userId="" providerId="Windows Live" clId="Web-{F8B2BAFE-9D3B-407D-8FA7-42A9E7E324B0}" dt="2019-02-18T23:09:36.595" v="57" actId="1076"/>
       <pc:docMkLst>
         <pc:docMk/>
       </pc:docMkLst>
@@ -732,6 +733,37 @@
             <pc:docMk/>
             <pc:sldMk cId="2536567030" sldId="287"/>
             <ac:picMk id="5" creationId="{6D004887-A0EE-49F8-8C54-BAFF945D786C}"/>
+          </ac:picMkLst>
+        </pc:picChg>
+      </pc:sldChg>
+      <pc:sldChg chg="addSp delSp modSp new">
+        <pc:chgData name="Guest User" userId="" providerId="Windows Live" clId="Web-{F8B2BAFE-9D3B-407D-8FA7-42A9E7E324B0}" dt="2019-02-18T23:09:36.595" v="57" actId="1076"/>
+        <pc:sldMkLst>
+          <pc:docMk/>
+          <pc:sldMk cId="165144530" sldId="288"/>
+        </pc:sldMkLst>
+        <pc:spChg chg="del">
+          <ac:chgData name="Guest User" userId="" providerId="Windows Live" clId="Web-{F8B2BAFE-9D3B-407D-8FA7-42A9E7E324B0}" dt="2019-02-18T23:09:25.266" v="50"/>
+          <ac:spMkLst>
+            <pc:docMk/>
+            <pc:sldMk cId="165144530" sldId="288"/>
+            <ac:spMk id="2" creationId="{4280ECC4-41B5-485B-A464-921BC7DBA432}"/>
+          </ac:spMkLst>
+        </pc:spChg>
+        <pc:spChg chg="del">
+          <ac:chgData name="Guest User" userId="" providerId="Windows Live" clId="Web-{F8B2BAFE-9D3B-407D-8FA7-42A9E7E324B0}" dt="2019-02-18T23:09:26.626" v="51"/>
+          <ac:spMkLst>
+            <pc:docMk/>
+            <pc:sldMk cId="165144530" sldId="288"/>
+            <ac:spMk id="3" creationId="{54942F5F-49CF-4A6D-A211-00C9FCB80E75}"/>
+          </ac:spMkLst>
+        </pc:spChg>
+        <pc:picChg chg="add mod">
+          <ac:chgData name="Guest User" userId="" providerId="Windows Live" clId="Web-{F8B2BAFE-9D3B-407D-8FA7-42A9E7E324B0}" dt="2019-02-18T23:09:36.595" v="57" actId="1076"/>
+          <ac:picMkLst>
+            <pc:docMk/>
+            <pc:sldMk cId="165144530" sldId="288"/>
+            <ac:picMk id="5" creationId="{73C98C47-8323-4741-B403-FD2FE65517CA}"/>
           </ac:picMkLst>
         </pc:picChg>
       </pc:sldChg>
@@ -6205,63 +6237,10 @@
       </p:grpSpPr>
       <p:sp>
         <p:nvSpPr>
-          <p:cNvPr id="2" name="Title 1">
-            <a:extLst>
-              <a:ext uri="{FF2B5EF4-FFF2-40B4-BE49-F238E27FC236}">
-                <a16:creationId xmlns:a16="http://schemas.microsoft.com/office/drawing/2014/main" id="{7A3F6A72-D491-AB4F-803D-EEAFBF2E2F9D}"/>
-              </a:ext>
-            </a:extLst>
-          </p:cNvPr>
-          <p:cNvSpPr>
-            <a:spLocks noGrp="1"/>
-          </p:cNvSpPr>
-          <p:nvPr>
-            <p:ph type="title"/>
-          </p:nvPr>
-        </p:nvSpPr>
-        <p:spPr/>
-        <p:txBody>
-          <a:bodyPr/>
-          <a:lstStyle/>
-          <a:p>
-            <a:r>
-              <a:rPr lang="en-US" dirty="0"/>
-              <a:t>Dynamic Model</a:t>
-            </a:r>
-          </a:p>
-        </p:txBody>
-      </p:sp>
-      <p:sp>
-        <p:nvSpPr>
-          <p:cNvPr id="3" name="Content Placeholder 2">
-            <a:extLst>
-              <a:ext uri="{FF2B5EF4-FFF2-40B4-BE49-F238E27FC236}">
-                <a16:creationId xmlns:a16="http://schemas.microsoft.com/office/drawing/2014/main" id="{706C7C5E-1567-7240-87DD-B41E8F859533}"/>
-              </a:ext>
-            </a:extLst>
-          </p:cNvPr>
-          <p:cNvSpPr>
-            <a:spLocks noGrp="1"/>
-          </p:cNvSpPr>
-          <p:nvPr>
-            <p:ph idx="1"/>
-          </p:nvPr>
-        </p:nvSpPr>
-        <p:spPr/>
-        <p:txBody>
-          <a:bodyPr/>
-          <a:lstStyle/>
-          <a:p>
-            <a:endParaRPr lang="en-US"/>
-          </a:p>
-        </p:txBody>
-      </p:sp>
-      <p:sp>
-        <p:nvSpPr>
           <p:cNvPr id="4" name="Slide Number Placeholder 3">
             <a:extLst>
               <a:ext uri="{FF2B5EF4-FFF2-40B4-BE49-F238E27FC236}">
-                <a16:creationId xmlns:a16="http://schemas.microsoft.com/office/drawing/2014/main" id="{96DE280E-F1C8-4F43-BE5C-9703701699D6}"/>
+                <a16:creationId xmlns:a16="http://schemas.microsoft.com/office/drawing/2014/main" id="{99DEC42A-3D23-43D4-BC63-B77490091AF3}"/>
               </a:ext>
             </a:extLst>
           </p:cNvPr>
@@ -6279,65 +6258,46 @@
           <a:p>
             <a:fld id="{59467819-B74A-7D46-BC68-B37107E692DD}" type="slidenum">
               <a:rPr lang="en-US" smtClean="0"/>
-              <a:t>15</a:t>
+              <a:t>‹#›</a:t>
             </a:fld>
             <a:endParaRPr lang="en-US"/>
           </a:p>
         </p:txBody>
       </p:sp>
-      <p:sp>
-        <p:nvSpPr>
-          <p:cNvPr id="5" name="Rounded Rectangle 4">
-            <a:extLst>
-              <a:ext uri="{FF2B5EF4-FFF2-40B4-BE49-F238E27FC236}">
-                <a16:creationId xmlns:a16="http://schemas.microsoft.com/office/drawing/2014/main" id="{164C22A3-2915-1344-9D7E-250FB0F81225}"/>
-              </a:ext>
-            </a:extLst>
-          </p:cNvPr>
-          <p:cNvSpPr/>
+      <p:pic>
+        <p:nvPicPr>
+          <p:cNvPr id="5" name="Picture 5" descr="A screenshot of a cell phone&#10;&#10;Description generated with high confidence">
+            <a:extLst>
+              <a:ext uri="{FF2B5EF4-FFF2-40B4-BE49-F238E27FC236}">
+                <a16:creationId xmlns:a16="http://schemas.microsoft.com/office/drawing/2014/main" id="{73C98C47-8323-4741-B403-FD2FE65517CA}"/>
+              </a:ext>
+            </a:extLst>
+          </p:cNvPr>
+          <p:cNvPicPr>
+            <a:picLocks noChangeAspect="1"/>
+          </p:cNvPicPr>
           <p:nvPr/>
-        </p:nvSpPr>
+        </p:nvPicPr>
+        <p:blipFill>
+          <a:blip r:embed="rId2"/>
+          <a:stretch>
+            <a:fillRect/>
+          </a:stretch>
+        </p:blipFill>
         <p:spPr>
           <a:xfrm>
-            <a:off x="7278130" y="531341"/>
-            <a:ext cx="3669956" cy="1159347"/>
+            <a:off x="2177143" y="991195"/>
+            <a:ext cx="7707085" cy="4951811"/>
           </a:xfrm>
-          <a:prstGeom prst="roundRect">
+          <a:prstGeom prst="rect">
             <a:avLst/>
           </a:prstGeom>
         </p:spPr>
-        <p:style>
-          <a:lnRef idx="2">
-            <a:schemeClr val="accent1">
-              <a:shade val="50000"/>
-            </a:schemeClr>
-          </a:lnRef>
-          <a:fillRef idx="1">
-            <a:schemeClr val="accent1"/>
-          </a:fillRef>
-          <a:effectRef idx="0">
-            <a:schemeClr val="accent1"/>
-          </a:effectRef>
-          <a:fontRef idx="minor">
-            <a:schemeClr val="lt1"/>
-          </a:fontRef>
-        </p:style>
-        <p:txBody>
-          <a:bodyPr rtlCol="0" anchor="ctr"/>
-          <a:lstStyle/>
-          <a:p>
-            <a:pPr algn="ctr"/>
-            <a:r>
-              <a:rPr lang="en-US" dirty="0"/>
-              <a:t>Show two or three of the more interesting behavioral diagrams (sequence diagrams, state machine diagrams, activity diagrams).</a:t>
-            </a:r>
-          </a:p>
-        </p:txBody>
-      </p:sp>
+      </p:pic>
     </p:spTree>
     <p:extLst>
       <p:ext uri="{BB962C8B-B14F-4D97-AF65-F5344CB8AC3E}">
-        <p14:creationId xmlns:p14="http://schemas.microsoft.com/office/powerpoint/2010/main" val="710029326"/>
+        <p14:creationId xmlns:p14="http://schemas.microsoft.com/office/powerpoint/2010/main" val="165144530"/>
       </p:ext>
     </p:extLst>
   </p:cSld>
@@ -6369,7 +6329,7 @@
           <p:cNvPr id="2" name="Title 1">
             <a:extLst>
               <a:ext uri="{FF2B5EF4-FFF2-40B4-BE49-F238E27FC236}">
-                <a16:creationId xmlns:a16="http://schemas.microsoft.com/office/drawing/2014/main" id="{71DBD2D0-E504-4E46-B672-425972770860}"/>
+                <a16:creationId xmlns:a16="http://schemas.microsoft.com/office/drawing/2014/main" id="{7A3F6A72-D491-AB4F-803D-EEAFBF2E2F9D}"/>
               </a:ext>
             </a:extLst>
           </p:cNvPr>
@@ -6387,7 +6347,7 @@
           <a:p>
             <a:r>
               <a:rPr lang="en-US" dirty="0"/>
-              <a:t>Overview</a:t>
+              <a:t>Dynamic Model</a:t>
             </a:r>
           </a:p>
         </p:txBody>
@@ -6397,7 +6357,7 @@
           <p:cNvPr id="3" name="Content Placeholder 2">
             <a:extLst>
               <a:ext uri="{FF2B5EF4-FFF2-40B4-BE49-F238E27FC236}">
-                <a16:creationId xmlns:a16="http://schemas.microsoft.com/office/drawing/2014/main" id="{97721FA8-877C-0D43-AF19-4C75EECB089A}"/>
+                <a16:creationId xmlns:a16="http://schemas.microsoft.com/office/drawing/2014/main" id="{706C7C5E-1567-7240-87DD-B41E8F859533}"/>
               </a:ext>
             </a:extLst>
           </p:cNvPr>
@@ -6407,188 +6367,98 @@
           <p:nvPr>
             <p:ph idx="1"/>
           </p:nvPr>
+        </p:nvSpPr>
+        <p:spPr/>
+        <p:txBody>
+          <a:bodyPr/>
+          <a:lstStyle/>
+          <a:p>
+            <a:endParaRPr lang="en-US"/>
+          </a:p>
+        </p:txBody>
+      </p:sp>
+      <p:sp>
+        <p:nvSpPr>
+          <p:cNvPr id="4" name="Slide Number Placeholder 3">
+            <a:extLst>
+              <a:ext uri="{FF2B5EF4-FFF2-40B4-BE49-F238E27FC236}">
+                <a16:creationId xmlns:a16="http://schemas.microsoft.com/office/drawing/2014/main" id="{96DE280E-F1C8-4F43-BE5C-9703701699D6}"/>
+              </a:ext>
+            </a:extLst>
+          </p:cNvPr>
+          <p:cNvSpPr>
+            <a:spLocks noGrp="1"/>
+          </p:cNvSpPr>
+          <p:nvPr>
+            <p:ph type="sldNum" sz="quarter" idx="12"/>
+          </p:nvPr>
+        </p:nvSpPr>
+        <p:spPr/>
+        <p:txBody>
+          <a:bodyPr/>
+          <a:lstStyle/>
+          <a:p>
+            <a:fld id="{59467819-B74A-7D46-BC68-B37107E692DD}" type="slidenum">
+              <a:rPr lang="en-US" smtClean="0"/>
+              <a:t>15</a:t>
+            </a:fld>
+            <a:endParaRPr lang="en-US"/>
+          </a:p>
+        </p:txBody>
+      </p:sp>
+      <p:sp>
+        <p:nvSpPr>
+          <p:cNvPr id="5" name="Rounded Rectangle 4">
+            <a:extLst>
+              <a:ext uri="{FF2B5EF4-FFF2-40B4-BE49-F238E27FC236}">
+                <a16:creationId xmlns:a16="http://schemas.microsoft.com/office/drawing/2014/main" id="{164C22A3-2915-1344-9D7E-250FB0F81225}"/>
+              </a:ext>
+            </a:extLst>
+          </p:cNvPr>
+          <p:cNvSpPr/>
+          <p:nvPr/>
         </p:nvSpPr>
         <p:spPr>
           <a:xfrm>
-            <a:off x="838200" y="1825625"/>
-            <a:ext cx="10515600" cy="4895850"/>
+            <a:off x="7278130" y="531341"/>
+            <a:ext cx="3669956" cy="1159347"/>
           </a:xfrm>
+          <a:prstGeom prst="roundRect">
+            <a:avLst/>
+          </a:prstGeom>
         </p:spPr>
-        <p:txBody>
-          <a:bodyPr>
-            <a:normAutofit fontScale="92500" lnSpcReduction="20000"/>
-          </a:bodyPr>
-          <a:lstStyle/>
-          <a:p>
-            <a:r>
-              <a:rPr lang="en-US" dirty="0">
-                <a:solidFill>
-                  <a:schemeClr val="bg1">
-                    <a:lumMod val="65000"/>
-                  </a:schemeClr>
-                </a:solidFill>
-              </a:rPr>
-              <a:t>Project Description</a:t>
-            </a:r>
-          </a:p>
-          <a:p>
-            <a:endParaRPr lang="en-US" dirty="0"/>
-          </a:p>
-          <a:p>
-            <a:r>
-              <a:rPr lang="en-US" dirty="0">
-                <a:solidFill>
-                  <a:schemeClr val="bg1">
-                    <a:lumMod val="65000"/>
-                  </a:schemeClr>
-                </a:solidFill>
-              </a:rPr>
-              <a:t>Use Case Model</a:t>
-            </a:r>
-          </a:p>
-          <a:p>
-            <a:pPr lvl="1"/>
-            <a:r>
-              <a:rPr lang="en-US" dirty="0">
-                <a:solidFill>
-                  <a:schemeClr val="bg1">
-                    <a:lumMod val="65000"/>
-                  </a:schemeClr>
-                </a:solidFill>
-              </a:rPr>
-              <a:t>Use Case Diagram</a:t>
-            </a:r>
-          </a:p>
-          <a:p>
-            <a:pPr lvl="1"/>
-            <a:r>
-              <a:rPr lang="en-US" dirty="0">
-                <a:solidFill>
-                  <a:schemeClr val="bg1">
-                    <a:lumMod val="65000"/>
-                  </a:schemeClr>
-                </a:solidFill>
-              </a:rPr>
-              <a:t>Use Cases</a:t>
-            </a:r>
-          </a:p>
-          <a:p>
-            <a:endParaRPr lang="en-US" dirty="0"/>
-          </a:p>
-          <a:p>
-            <a:r>
-              <a:rPr lang="en-US" dirty="0">
-                <a:solidFill>
-                  <a:schemeClr val="bg1">
-                    <a:lumMod val="65000"/>
-                  </a:schemeClr>
-                </a:solidFill>
-              </a:rPr>
-              <a:t>Domain Model</a:t>
-            </a:r>
-          </a:p>
-          <a:p>
-            <a:pPr lvl="1"/>
-            <a:r>
-              <a:rPr lang="en-US" dirty="0">
-                <a:solidFill>
-                  <a:schemeClr val="bg1">
-                    <a:lumMod val="65000"/>
-                  </a:schemeClr>
-                </a:solidFill>
-              </a:rPr>
-              <a:t>Class Diagram</a:t>
-            </a:r>
-          </a:p>
-          <a:p>
-            <a:pPr lvl="1"/>
-            <a:r>
-              <a:rPr lang="en-US" dirty="0">
-                <a:solidFill>
-                  <a:schemeClr val="bg1">
-                    <a:lumMod val="65000"/>
-                  </a:schemeClr>
-                </a:solidFill>
-              </a:rPr>
-              <a:t>(Activity Diagrams)</a:t>
-            </a:r>
-          </a:p>
-          <a:p>
-            <a:pPr lvl="1"/>
-            <a:r>
-              <a:rPr lang="en-US" dirty="0">
-                <a:solidFill>
-                  <a:schemeClr val="bg1">
-                    <a:lumMod val="65000"/>
-                  </a:schemeClr>
-                </a:solidFill>
-              </a:rPr>
-              <a:t>Sequence Diagrams</a:t>
-            </a:r>
-          </a:p>
-          <a:p>
-            <a:pPr lvl="1"/>
-            <a:r>
-              <a:rPr lang="en-US" dirty="0">
-                <a:solidFill>
-                  <a:schemeClr val="bg1">
-                    <a:lumMod val="65000"/>
-                  </a:schemeClr>
-                </a:solidFill>
-              </a:rPr>
-              <a:t>(State Machine Diagrams)</a:t>
-            </a:r>
-          </a:p>
-          <a:p>
-            <a:endParaRPr lang="en-US" dirty="0">
-              <a:solidFill>
-                <a:schemeClr val="bg1">
-                  <a:lumMod val="65000"/>
-                </a:schemeClr>
-              </a:solidFill>
-            </a:endParaRPr>
-          </a:p>
-          <a:p>
+        <p:style>
+          <a:lnRef idx="2">
+            <a:schemeClr val="accent1">
+              <a:shade val="50000"/>
+            </a:schemeClr>
+          </a:lnRef>
+          <a:fillRef idx="1">
+            <a:schemeClr val="accent1"/>
+          </a:fillRef>
+          <a:effectRef idx="0">
+            <a:schemeClr val="accent1"/>
+          </a:effectRef>
+          <a:fontRef idx="minor">
+            <a:schemeClr val="lt1"/>
+          </a:fontRef>
+        </p:style>
+        <p:txBody>
+          <a:bodyPr rtlCol="0" anchor="ctr"/>
+          <a:lstStyle/>
+          <a:p>
+            <a:pPr algn="ctr"/>
             <a:r>
               <a:rPr lang="en-US" dirty="0"/>
-              <a:t>Reflection</a:t>
-            </a:r>
-          </a:p>
-        </p:txBody>
-      </p:sp>
-      <p:sp>
-        <p:nvSpPr>
-          <p:cNvPr id="4" name="Slide Number Placeholder 3">
-            <a:extLst>
-              <a:ext uri="{FF2B5EF4-FFF2-40B4-BE49-F238E27FC236}">
-                <a16:creationId xmlns:a16="http://schemas.microsoft.com/office/drawing/2014/main" id="{36B3A4F1-178B-8E44-AF3E-D067B56AF78F}"/>
-              </a:ext>
-            </a:extLst>
-          </p:cNvPr>
-          <p:cNvSpPr>
-            <a:spLocks noGrp="1"/>
-          </p:cNvSpPr>
-          <p:nvPr>
-            <p:ph type="sldNum" sz="quarter" idx="12"/>
-          </p:nvPr>
-        </p:nvSpPr>
-        <p:spPr/>
-        <p:txBody>
-          <a:bodyPr/>
-          <a:lstStyle/>
-          <a:p>
-            <a:fld id="{59467819-B74A-7D46-BC68-B37107E692DD}" type="slidenum">
-              <a:rPr lang="en-US" smtClean="0"/>
-              <a:t>16</a:t>
-            </a:fld>
-            <a:endParaRPr lang="en-US"/>
+              <a:t>Show two or three of the more interesting behavioral diagrams (sequence diagrams, state machine diagrams, activity diagrams).</a:t>
+            </a:r>
           </a:p>
         </p:txBody>
       </p:sp>
     </p:spTree>
     <p:extLst>
       <p:ext uri="{BB962C8B-B14F-4D97-AF65-F5344CB8AC3E}">
-        <p14:creationId xmlns:p14="http://schemas.microsoft.com/office/powerpoint/2010/main" val="2581335394"/>
+        <p14:creationId xmlns:p14="http://schemas.microsoft.com/office/powerpoint/2010/main" val="710029326"/>
       </p:ext>
     </p:extLst>
   </p:cSld>
@@ -6805,7 +6675,7 @@
           <p:cNvPr id="2" name="Title 1">
             <a:extLst>
               <a:ext uri="{FF2B5EF4-FFF2-40B4-BE49-F238E27FC236}">
-                <a16:creationId xmlns:a16="http://schemas.microsoft.com/office/drawing/2014/main" id="{60F1A4C7-EB84-2441-BE19-77CA07950025}"/>
+                <a16:creationId xmlns:a16="http://schemas.microsoft.com/office/drawing/2014/main" id="{71DBD2D0-E504-4E46-B672-425972770860}"/>
               </a:ext>
             </a:extLst>
           </p:cNvPr>
@@ -6820,55 +6690,175 @@
         <p:txBody>
           <a:bodyPr/>
           <a:lstStyle/>
+          <a:p>
+            <a:r>
+              <a:rPr lang="en-US" dirty="0"/>
+              <a:t>Overview</a:t>
+            </a:r>
+          </a:p>
+        </p:txBody>
+      </p:sp>
+      <p:sp>
+        <p:nvSpPr>
+          <p:cNvPr id="3" name="Content Placeholder 2">
+            <a:extLst>
+              <a:ext uri="{FF2B5EF4-FFF2-40B4-BE49-F238E27FC236}">
+                <a16:creationId xmlns:a16="http://schemas.microsoft.com/office/drawing/2014/main" id="{97721FA8-877C-0D43-AF19-4C75EECB089A}"/>
+              </a:ext>
+            </a:extLst>
+          </p:cNvPr>
+          <p:cNvSpPr>
+            <a:spLocks noGrp="1"/>
+          </p:cNvSpPr>
+          <p:nvPr>
+            <p:ph idx="1"/>
+          </p:nvPr>
+        </p:nvSpPr>
+        <p:spPr>
+          <a:xfrm>
+            <a:off x="838200" y="1825625"/>
+            <a:ext cx="10515600" cy="4895850"/>
+          </a:xfrm>
+        </p:spPr>
+        <p:txBody>
+          <a:bodyPr>
+            <a:normAutofit fontScale="92500" lnSpcReduction="20000"/>
+          </a:bodyPr>
+          <a:lstStyle/>
+          <a:p>
+            <a:r>
+              <a:rPr lang="en-US" dirty="0">
+                <a:solidFill>
+                  <a:schemeClr val="bg1">
+                    <a:lumMod val="65000"/>
+                  </a:schemeClr>
+                </a:solidFill>
+              </a:rPr>
+              <a:t>Project Description</a:t>
+            </a:r>
+          </a:p>
+          <a:p>
+            <a:endParaRPr lang="en-US" dirty="0"/>
+          </a:p>
+          <a:p>
+            <a:r>
+              <a:rPr lang="en-US" dirty="0">
+                <a:solidFill>
+                  <a:schemeClr val="bg1">
+                    <a:lumMod val="65000"/>
+                  </a:schemeClr>
+                </a:solidFill>
+              </a:rPr>
+              <a:t>Use Case Model</a:t>
+            </a:r>
+          </a:p>
+          <a:p>
+            <a:pPr lvl="1"/>
+            <a:r>
+              <a:rPr lang="en-US" dirty="0">
+                <a:solidFill>
+                  <a:schemeClr val="bg1">
+                    <a:lumMod val="65000"/>
+                  </a:schemeClr>
+                </a:solidFill>
+              </a:rPr>
+              <a:t>Use Case Diagram</a:t>
+            </a:r>
+          </a:p>
+          <a:p>
+            <a:pPr lvl="1"/>
+            <a:r>
+              <a:rPr lang="en-US" dirty="0">
+                <a:solidFill>
+                  <a:schemeClr val="bg1">
+                    <a:lumMod val="65000"/>
+                  </a:schemeClr>
+                </a:solidFill>
+              </a:rPr>
+              <a:t>Use Cases</a:t>
+            </a:r>
+          </a:p>
+          <a:p>
+            <a:endParaRPr lang="en-US" dirty="0"/>
+          </a:p>
+          <a:p>
+            <a:r>
+              <a:rPr lang="en-US" dirty="0">
+                <a:solidFill>
+                  <a:schemeClr val="bg1">
+                    <a:lumMod val="65000"/>
+                  </a:schemeClr>
+                </a:solidFill>
+              </a:rPr>
+              <a:t>Domain Model</a:t>
+            </a:r>
+          </a:p>
+          <a:p>
+            <a:pPr lvl="1"/>
+            <a:r>
+              <a:rPr lang="en-US" dirty="0">
+                <a:solidFill>
+                  <a:schemeClr val="bg1">
+                    <a:lumMod val="65000"/>
+                  </a:schemeClr>
+                </a:solidFill>
+              </a:rPr>
+              <a:t>Class Diagram</a:t>
+            </a:r>
+          </a:p>
+          <a:p>
+            <a:pPr lvl="1"/>
+            <a:r>
+              <a:rPr lang="en-US" dirty="0">
+                <a:solidFill>
+                  <a:schemeClr val="bg1">
+                    <a:lumMod val="65000"/>
+                  </a:schemeClr>
+                </a:solidFill>
+              </a:rPr>
+              <a:t>(Activity Diagrams)</a:t>
+            </a:r>
+          </a:p>
+          <a:p>
+            <a:pPr lvl="1"/>
+            <a:r>
+              <a:rPr lang="en-US" dirty="0">
+                <a:solidFill>
+                  <a:schemeClr val="bg1">
+                    <a:lumMod val="65000"/>
+                  </a:schemeClr>
+                </a:solidFill>
+              </a:rPr>
+              <a:t>Sequence Diagrams</a:t>
+            </a:r>
+          </a:p>
+          <a:p>
+            <a:pPr lvl="1"/>
+            <a:r>
+              <a:rPr lang="en-US" dirty="0">
+                <a:solidFill>
+                  <a:schemeClr val="bg1">
+                    <a:lumMod val="65000"/>
+                  </a:schemeClr>
+                </a:solidFill>
+              </a:rPr>
+              <a:t>(State Machine Diagrams)</a:t>
+            </a:r>
+          </a:p>
+          <a:p>
+            <a:endParaRPr lang="en-US" dirty="0">
+              <a:solidFill>
+                <a:schemeClr val="bg1">
+                  <a:lumMod val="65000"/>
+                </a:schemeClr>
+              </a:solidFill>
+            </a:endParaRPr>
+          </a:p>
           <a:p>
             <a:r>
               <a:rPr lang="en-US" dirty="0"/>
               <a:t>Reflection</a:t>
             </a:r>
-            <a:br>
-              <a:rPr lang="en-US" dirty="0"/>
-            </a:br>
-            <a:r>
-              <a:rPr lang="en-US" dirty="0"/>
-              <a:t>What went well</a:t>
-            </a:r>
-          </a:p>
-        </p:txBody>
-      </p:sp>
-      <p:sp>
-        <p:nvSpPr>
-          <p:cNvPr id="3" name="Content Placeholder 2">
-            <a:extLst>
-              <a:ext uri="{FF2B5EF4-FFF2-40B4-BE49-F238E27FC236}">
-                <a16:creationId xmlns:a16="http://schemas.microsoft.com/office/drawing/2014/main" id="{CAA5DA0C-C976-E544-8AC1-D9AF13CFD0B0}"/>
-              </a:ext>
-            </a:extLst>
-          </p:cNvPr>
-          <p:cNvSpPr>
-            <a:spLocks noGrp="1"/>
-          </p:cNvSpPr>
-          <p:nvPr>
-            <p:ph idx="1"/>
-          </p:nvPr>
-        </p:nvSpPr>
-        <p:spPr/>
-        <p:txBody>
-          <a:bodyPr vert="horz" lIns="91440" tIns="45720" rIns="91440" bIns="45720" rtlCol="0" anchor="t">
-            <a:normAutofit/>
-          </a:bodyPr>
-          <a:lstStyle/>
-          <a:p>
-            <a:r>
-              <a:rPr lang="en-US" dirty="0">
-                <a:cs typeface="Calibri"/>
-              </a:rPr>
-              <a:t>Start early. </a:t>
-            </a:r>
-          </a:p>
-          <a:p>
-            <a:endParaRPr lang="en-US" dirty="0">
-              <a:cs typeface="Calibri"/>
-            </a:endParaRPr>
           </a:p>
         </p:txBody>
       </p:sp>
@@ -6877,7 +6867,7 @@
           <p:cNvPr id="4" name="Slide Number Placeholder 3">
             <a:extLst>
               <a:ext uri="{FF2B5EF4-FFF2-40B4-BE49-F238E27FC236}">
-                <a16:creationId xmlns:a16="http://schemas.microsoft.com/office/drawing/2014/main" id="{20F935D9-B521-9044-A1D1-73B1EDF71D62}"/>
+                <a16:creationId xmlns:a16="http://schemas.microsoft.com/office/drawing/2014/main" id="{36B3A4F1-178B-8E44-AF3E-D067B56AF78F}"/>
               </a:ext>
             </a:extLst>
           </p:cNvPr>
@@ -6895,7 +6885,7 @@
           <a:p>
             <a:fld id="{59467819-B74A-7D46-BC68-B37107E692DD}" type="slidenum">
               <a:rPr lang="en-US" smtClean="0"/>
-              <a:t>17</a:t>
+              <a:t>16</a:t>
             </a:fld>
             <a:endParaRPr lang="en-US"/>
           </a:p>
@@ -6904,7 +6894,7 @@
     </p:spTree>
     <p:extLst>
       <p:ext uri="{BB962C8B-B14F-4D97-AF65-F5344CB8AC3E}">
-        <p14:creationId xmlns:p14="http://schemas.microsoft.com/office/powerpoint/2010/main" val="2321060829"/>
+        <p14:creationId xmlns:p14="http://schemas.microsoft.com/office/powerpoint/2010/main" val="2581335394"/>
       </p:ext>
     </p:extLst>
   </p:cSld>
@@ -6936,7 +6926,7 @@
           <p:cNvPr id="2" name="Title 1">
             <a:extLst>
               <a:ext uri="{FF2B5EF4-FFF2-40B4-BE49-F238E27FC236}">
-                <a16:creationId xmlns:a16="http://schemas.microsoft.com/office/drawing/2014/main" id="{5C77787A-9B5F-414B-98B2-328E9D587759}"/>
+                <a16:creationId xmlns:a16="http://schemas.microsoft.com/office/drawing/2014/main" id="{60F1A4C7-EB84-2441-BE19-77CA07950025}"/>
               </a:ext>
             </a:extLst>
           </p:cNvPr>
@@ -6961,7 +6951,7 @@
             </a:br>
             <a:r>
               <a:rPr lang="en-US" dirty="0"/>
-              <a:t>What didn’t go well</a:t>
+              <a:t>What went well</a:t>
             </a:r>
           </a:p>
         </p:txBody>
@@ -6971,7 +6961,7 @@
           <p:cNvPr id="3" name="Content Placeholder 2">
             <a:extLst>
               <a:ext uri="{FF2B5EF4-FFF2-40B4-BE49-F238E27FC236}">
-                <a16:creationId xmlns:a16="http://schemas.microsoft.com/office/drawing/2014/main" id="{D43E40C2-C032-9041-B259-5483E0C0DAC0}"/>
+                <a16:creationId xmlns:a16="http://schemas.microsoft.com/office/drawing/2014/main" id="{CAA5DA0C-C976-E544-8AC1-D9AF13CFD0B0}"/>
               </a:ext>
             </a:extLst>
           </p:cNvPr>
@@ -6984,10 +6974,22 @@
         </p:nvSpPr>
         <p:spPr/>
         <p:txBody>
-          <a:bodyPr/>
-          <a:lstStyle/>
-          <a:p>
-            <a:endParaRPr lang="en-US"/>
+          <a:bodyPr vert="horz" lIns="91440" tIns="45720" rIns="91440" bIns="45720" rtlCol="0" anchor="t">
+            <a:normAutofit/>
+          </a:bodyPr>
+          <a:lstStyle/>
+          <a:p>
+            <a:r>
+              <a:rPr lang="en-US" dirty="0">
+                <a:cs typeface="Calibri"/>
+              </a:rPr>
+              <a:t>Start early. </a:t>
+            </a:r>
+          </a:p>
+          <a:p>
+            <a:endParaRPr lang="en-US" dirty="0">
+              <a:cs typeface="Calibri"/>
+            </a:endParaRPr>
           </a:p>
         </p:txBody>
       </p:sp>
@@ -6996,7 +6998,7 @@
           <p:cNvPr id="4" name="Slide Number Placeholder 3">
             <a:extLst>
               <a:ext uri="{FF2B5EF4-FFF2-40B4-BE49-F238E27FC236}">
-                <a16:creationId xmlns:a16="http://schemas.microsoft.com/office/drawing/2014/main" id="{B1955E28-13FF-3A4C-BE9B-09A862B654B7}"/>
+                <a16:creationId xmlns:a16="http://schemas.microsoft.com/office/drawing/2014/main" id="{20F935D9-B521-9044-A1D1-73B1EDF71D62}"/>
               </a:ext>
             </a:extLst>
           </p:cNvPr>
@@ -7014,7 +7016,7 @@
           <a:p>
             <a:fld id="{59467819-B74A-7D46-BC68-B37107E692DD}" type="slidenum">
               <a:rPr lang="en-US" smtClean="0"/>
-              <a:t>18</a:t>
+              <a:t>17</a:t>
             </a:fld>
             <a:endParaRPr lang="en-US"/>
           </a:p>
@@ -7023,7 +7025,7 @@
     </p:spTree>
     <p:extLst>
       <p:ext uri="{BB962C8B-B14F-4D97-AF65-F5344CB8AC3E}">
-        <p14:creationId xmlns:p14="http://schemas.microsoft.com/office/powerpoint/2010/main" val="1552594242"/>
+        <p14:creationId xmlns:p14="http://schemas.microsoft.com/office/powerpoint/2010/main" val="2321060829"/>
       </p:ext>
     </p:extLst>
   </p:cSld>
@@ -7055,6 +7057,125 @@
           <p:cNvPr id="2" name="Title 1">
             <a:extLst>
               <a:ext uri="{FF2B5EF4-FFF2-40B4-BE49-F238E27FC236}">
+                <a16:creationId xmlns:a16="http://schemas.microsoft.com/office/drawing/2014/main" id="{5C77787A-9B5F-414B-98B2-328E9D587759}"/>
+              </a:ext>
+            </a:extLst>
+          </p:cNvPr>
+          <p:cNvSpPr>
+            <a:spLocks noGrp="1"/>
+          </p:cNvSpPr>
+          <p:nvPr>
+            <p:ph type="title"/>
+          </p:nvPr>
+        </p:nvSpPr>
+        <p:spPr/>
+        <p:txBody>
+          <a:bodyPr/>
+          <a:lstStyle/>
+          <a:p>
+            <a:r>
+              <a:rPr lang="en-US" dirty="0"/>
+              <a:t>Reflection</a:t>
+            </a:r>
+            <a:br>
+              <a:rPr lang="en-US" dirty="0"/>
+            </a:br>
+            <a:r>
+              <a:rPr lang="en-US" dirty="0"/>
+              <a:t>What didn’t go well</a:t>
+            </a:r>
+          </a:p>
+        </p:txBody>
+      </p:sp>
+      <p:sp>
+        <p:nvSpPr>
+          <p:cNvPr id="3" name="Content Placeholder 2">
+            <a:extLst>
+              <a:ext uri="{FF2B5EF4-FFF2-40B4-BE49-F238E27FC236}">
+                <a16:creationId xmlns:a16="http://schemas.microsoft.com/office/drawing/2014/main" id="{D43E40C2-C032-9041-B259-5483E0C0DAC0}"/>
+              </a:ext>
+            </a:extLst>
+          </p:cNvPr>
+          <p:cNvSpPr>
+            <a:spLocks noGrp="1"/>
+          </p:cNvSpPr>
+          <p:nvPr>
+            <p:ph idx="1"/>
+          </p:nvPr>
+        </p:nvSpPr>
+        <p:spPr/>
+        <p:txBody>
+          <a:bodyPr/>
+          <a:lstStyle/>
+          <a:p>
+            <a:endParaRPr lang="en-US"/>
+          </a:p>
+        </p:txBody>
+      </p:sp>
+      <p:sp>
+        <p:nvSpPr>
+          <p:cNvPr id="4" name="Slide Number Placeholder 3">
+            <a:extLst>
+              <a:ext uri="{FF2B5EF4-FFF2-40B4-BE49-F238E27FC236}">
+                <a16:creationId xmlns:a16="http://schemas.microsoft.com/office/drawing/2014/main" id="{B1955E28-13FF-3A4C-BE9B-09A862B654B7}"/>
+              </a:ext>
+            </a:extLst>
+          </p:cNvPr>
+          <p:cNvSpPr>
+            <a:spLocks noGrp="1"/>
+          </p:cNvSpPr>
+          <p:nvPr>
+            <p:ph type="sldNum" sz="quarter" idx="12"/>
+          </p:nvPr>
+        </p:nvSpPr>
+        <p:spPr/>
+        <p:txBody>
+          <a:bodyPr/>
+          <a:lstStyle/>
+          <a:p>
+            <a:fld id="{59467819-B74A-7D46-BC68-B37107E692DD}" type="slidenum">
+              <a:rPr lang="en-US" smtClean="0"/>
+              <a:t>18</a:t>
+            </a:fld>
+            <a:endParaRPr lang="en-US"/>
+          </a:p>
+        </p:txBody>
+      </p:sp>
+    </p:spTree>
+    <p:extLst>
+      <p:ext uri="{BB962C8B-B14F-4D97-AF65-F5344CB8AC3E}">
+        <p14:creationId xmlns:p14="http://schemas.microsoft.com/office/powerpoint/2010/main" val="1552594242"/>
+      </p:ext>
+    </p:extLst>
+  </p:cSld>
+  <p:clrMapOvr>
+    <a:masterClrMapping/>
+  </p:clrMapOvr>
+</p:sld>
+</file>
+
+<file path=ppt/slides/slide23.xml><?xml version="1.0" encoding="utf-8"?>
+<p:sld xmlns:a="http://schemas.openxmlformats.org/drawingml/2006/main" xmlns:r="http://schemas.openxmlformats.org/officeDocument/2006/relationships" xmlns:p="http://schemas.openxmlformats.org/presentationml/2006/main">
+  <p:cSld>
+    <p:spTree>
+      <p:nvGrpSpPr>
+        <p:cNvPr id="1" name=""/>
+        <p:cNvGrpSpPr/>
+        <p:nvPr/>
+      </p:nvGrpSpPr>
+      <p:grpSpPr>
+        <a:xfrm>
+          <a:off x="0" y="0"/>
+          <a:ext cx="0" cy="0"/>
+          <a:chOff x="0" y="0"/>
+          <a:chExt cx="0" cy="0"/>
+        </a:xfrm>
+      </p:grpSpPr>
+      <p:sp>
+        <p:nvSpPr>
+          <p:cNvPr id="2" name="Title 1">
+            <a:extLst>
+              <a:ext uri="{FF2B5EF4-FFF2-40B4-BE49-F238E27FC236}">
                 <a16:creationId xmlns:a16="http://schemas.microsoft.com/office/drawing/2014/main" id="{E7E162ED-B91E-2F4F-8647-9081B3D8FE5B}"/>
               </a:ext>
             </a:extLst>
@@ -7167,7 +7288,7 @@
 </p:sld>
 </file>
 
-<file path=ppt/slides/slide23.xml><?xml version="1.0" encoding="utf-8"?>
+<file path=ppt/slides/slide24.xml><?xml version="1.0" encoding="utf-8"?>
 <p:sld xmlns:a="http://schemas.openxmlformats.org/drawingml/2006/main" xmlns:r="http://schemas.openxmlformats.org/officeDocument/2006/relationships" xmlns:p="http://schemas.openxmlformats.org/presentationml/2006/main">
   <p:cSld>
     <p:spTree>

--- a/slides/increment02-use-case-analysis.pptx
+++ b/slides/increment02-use-case-analysis.pptx
@@ -5,7 +5,7 @@
     <p:sldMasterId id="2147483648" r:id="rId1"/>
   </p:sldMasterIdLst>
   <p:notesMasterIdLst>
-    <p:notesMasterId r:id="rId26"/>
+    <p:notesMasterId r:id="rId24"/>
   </p:notesMasterIdLst>
   <p:sldIdLst>
     <p:sldId id="277" r:id="rId2"/>
@@ -15,23 +15,21 @@
     <p:sldId id="269" r:id="rId6"/>
     <p:sldId id="260" r:id="rId7"/>
     <p:sldId id="267" r:id="rId8"/>
-    <p:sldId id="281" r:id="rId9"/>
-    <p:sldId id="270" r:id="rId10"/>
-    <p:sldId id="275" r:id="rId11"/>
-    <p:sldId id="283" r:id="rId12"/>
-    <p:sldId id="282" r:id="rId13"/>
-    <p:sldId id="284" r:id="rId14"/>
-    <p:sldId id="280" r:id="rId15"/>
-    <p:sldId id="285" r:id="rId16"/>
-    <p:sldId id="286" r:id="rId17"/>
-    <p:sldId id="287" r:id="rId18"/>
-    <p:sldId id="288" r:id="rId19"/>
-    <p:sldId id="276" r:id="rId20"/>
-    <p:sldId id="271" r:id="rId21"/>
-    <p:sldId id="272" r:id="rId22"/>
-    <p:sldId id="273" r:id="rId23"/>
-    <p:sldId id="274" r:id="rId24"/>
-    <p:sldId id="268" r:id="rId25"/>
+    <p:sldId id="270" r:id="rId9"/>
+    <p:sldId id="275" r:id="rId10"/>
+    <p:sldId id="283" r:id="rId11"/>
+    <p:sldId id="282" r:id="rId12"/>
+    <p:sldId id="284" r:id="rId13"/>
+    <p:sldId id="280" r:id="rId14"/>
+    <p:sldId id="285" r:id="rId15"/>
+    <p:sldId id="286" r:id="rId16"/>
+    <p:sldId id="287" r:id="rId17"/>
+    <p:sldId id="288" r:id="rId18"/>
+    <p:sldId id="271" r:id="rId19"/>
+    <p:sldId id="272" r:id="rId20"/>
+    <p:sldId id="273" r:id="rId21"/>
+    <p:sldId id="274" r:id="rId22"/>
+    <p:sldId id="268" r:id="rId23"/>
   </p:sldIdLst>
   <p:sldSz cx="12192000" cy="6858000"/>
   <p:notesSz cx="6858000" cy="9144000"/>
@@ -142,8 +140,8 @@
 <p1510:revInfo xmlns:a="http://schemas.openxmlformats.org/drawingml/2006/main" xmlns:r="http://schemas.openxmlformats.org/officeDocument/2006/relationships" xmlns:p1510="http://schemas.microsoft.com/office/powerpoint/2015/10/main">
   <p1510:revLst>
     <p1510:client id="{0D486802-B27C-4C64-9F2E-E84B583ADAEF}" v="7" dt="2019-02-18T18:34:27.581"/>
-    <p1510:client id="{297889BF-C2B5-4D39-A63D-73708996589C}" v="1" dt="2019-02-15T21:27:41.409"/>
     <p1510:client id="{42FF8CC9-86FD-4432-A434-A8F398D9F7D4}" v="1" dt="2019-02-18T22:57:09.554"/>
+    <p1510:client id="{D6BD801A-DD77-4CF6-8216-4DC9B6CD2B24}" v="3" dt="2019-02-18T23:14:50.413"/>
   </p1510:revLst>
 </p1510:revInfo>
 </file>
@@ -151,57 +149,64 @@
 <file path=ppt/changesInfos/changesInfo1.xml><?xml version="1.0" encoding="utf-8"?>
 <pc:chgInfo xmlns:a="http://schemas.openxmlformats.org/drawingml/2006/main" xmlns:r="http://schemas.openxmlformats.org/officeDocument/2006/relationships" xmlns:ac="http://schemas.microsoft.com/office/drawing/2013/main/command" xmlns:pc="http://schemas.microsoft.com/office/powerpoint/2013/main/command">
   <pc:docChgLst>
-    <pc:chgData name="Guest User" providerId="Windows Live" clId="Web-{3FBF19B5-8244-4C0F-BEBE-4073F142E1A7}"/>
-    <pc:docChg chg="modSld">
-      <pc:chgData name="Guest User" userId="" providerId="Windows Live" clId="Web-{3FBF19B5-8244-4C0F-BEBE-4073F142E1A7}" dt="2019-02-18T08:06:13.847" v="54" actId="20577"/>
+    <pc:chgData name="dat nguyen" userId="bb19b3ffa6322b8e" providerId="Windows Live" clId="Web-{D6BD801A-DD77-4CF6-8216-4DC9B6CD2B24}"/>
+    <pc:docChg chg="delSld modSld">
+      <pc:chgData name="dat nguyen" userId="bb19b3ffa6322b8e" providerId="Windows Live" clId="Web-{D6BD801A-DD77-4CF6-8216-4DC9B6CD2B24}" dt="2019-02-18T23:16:26.932" v="10"/>
       <pc:docMkLst>
         <pc:docMk/>
       </pc:docMkLst>
-      <pc:sldChg chg="modSp">
-        <pc:chgData name="Guest User" userId="" providerId="Windows Live" clId="Web-{3FBF19B5-8244-4C0F-BEBE-4073F142E1A7}" dt="2019-02-18T08:06:13.847" v="53" actId="20577"/>
+      <pc:sldChg chg="addSp delSp modSp">
+        <pc:chgData name="dat nguyen" userId="bb19b3ffa6322b8e" providerId="Windows Live" clId="Web-{D6BD801A-DD77-4CF6-8216-4DC9B6CD2B24}" dt="2019-02-18T23:16:26.932" v="10"/>
         <pc:sldMkLst>
           <pc:docMk/>
-          <pc:sldMk cId="3172186231" sldId="274"/>
+          <pc:sldMk cId="2476109687" sldId="260"/>
+        </pc:sldMkLst>
+        <pc:spChg chg="add del mod">
+          <ac:chgData name="dat nguyen" userId="bb19b3ffa6322b8e" providerId="Windows Live" clId="Web-{D6BD801A-DD77-4CF6-8216-4DC9B6CD2B24}" dt="2019-02-18T23:16:26.932" v="10"/>
+          <ac:spMkLst>
+            <pc:docMk/>
+            <pc:sldMk cId="2476109687" sldId="260"/>
+            <ac:spMk id="5" creationId="{F7F2DE9C-2E1C-4F6E-935A-18BE214862A7}"/>
+          </ac:spMkLst>
+        </pc:spChg>
+        <pc:picChg chg="del">
+          <ac:chgData name="dat nguyen" userId="bb19b3ffa6322b8e" providerId="Windows Live" clId="Web-{D6BD801A-DD77-4CF6-8216-4DC9B6CD2B24}" dt="2019-02-18T23:14:55.210" v="9"/>
+          <ac:picMkLst>
+            <pc:docMk/>
+            <pc:sldMk cId="2476109687" sldId="260"/>
+            <ac:picMk id="6" creationId="{AD201485-74C7-419E-AD0B-957AD37D98B7}"/>
+          </ac:picMkLst>
+        </pc:picChg>
+        <pc:picChg chg="add mod ord">
+          <ac:chgData name="dat nguyen" userId="bb19b3ffa6322b8e" providerId="Windows Live" clId="Web-{D6BD801A-DD77-4CF6-8216-4DC9B6CD2B24}" dt="2019-02-18T23:16:26.932" v="10"/>
+          <ac:picMkLst>
+            <pc:docMk/>
+            <pc:sldMk cId="2476109687" sldId="260"/>
+            <ac:picMk id="7" creationId="{CBAED163-0810-4C25-9BBD-260BEAA5FF11}"/>
+          </ac:picMkLst>
+        </pc:picChg>
+      </pc:sldChg>
+      <pc:sldChg chg="modSp">
+        <pc:chgData name="dat nguyen" userId="bb19b3ffa6322b8e" providerId="Windows Live" clId="Web-{D6BD801A-DD77-4CF6-8216-4DC9B6CD2B24}" dt="2019-02-18T23:14:50.413" v="6" actId="20577"/>
+        <pc:sldMkLst>
+          <pc:docMk/>
+          <pc:sldMk cId="4256870827" sldId="267"/>
         </pc:sldMkLst>
         <pc:spChg chg="mod">
-          <ac:chgData name="Guest User" userId="" providerId="Windows Live" clId="Web-{3FBF19B5-8244-4C0F-BEBE-4073F142E1A7}" dt="2019-02-18T08:06:13.847" v="53" actId="20577"/>
+          <ac:chgData name="dat nguyen" userId="bb19b3ffa6322b8e" providerId="Windows Live" clId="Web-{D6BD801A-DD77-4CF6-8216-4DC9B6CD2B24}" dt="2019-02-18T23:14:50.413" v="6" actId="20577"/>
           <ac:spMkLst>
             <pc:docMk/>
-            <pc:sldMk cId="3172186231" sldId="274"/>
-            <ac:spMk id="3" creationId="{223C465A-B74B-C248-AD77-EAB344363F9D}"/>
+            <pc:sldMk cId="4256870827" sldId="267"/>
+            <ac:spMk id="2" creationId="{96498DBC-81BD-7949-8D5D-BE6819BEF92B}"/>
           </ac:spMkLst>
         </pc:spChg>
       </pc:sldChg>
-      <pc:sldChg chg="addSp delSp modSp">
-        <pc:chgData name="Guest User" userId="" providerId="Windows Live" clId="Web-{3FBF19B5-8244-4C0F-BEBE-4073F142E1A7}" dt="2019-02-18T08:04:37.705" v="4" actId="1076"/>
+      <pc:sldChg chg="del">
+        <pc:chgData name="dat nguyen" userId="bb19b3ffa6322b8e" providerId="Windows Live" clId="Web-{D6BD801A-DD77-4CF6-8216-4DC9B6CD2B24}" dt="2019-02-18T23:14:02.880" v="0"/>
         <pc:sldMkLst>
           <pc:docMk/>
-          <pc:sldMk cId="1679113874" sldId="275"/>
+          <pc:sldMk cId="828637814" sldId="281"/>
         </pc:sldMkLst>
-        <pc:spChg chg="del">
-          <ac:chgData name="Guest User" userId="" providerId="Windows Live" clId="Web-{3FBF19B5-8244-4C0F-BEBE-4073F142E1A7}" dt="2019-02-18T08:04:35.721" v="3"/>
-          <ac:spMkLst>
-            <pc:docMk/>
-            <pc:sldMk cId="1679113874" sldId="275"/>
-            <ac:spMk id="3" creationId="{706C7C5E-1567-7240-87DD-B41E8F859533}"/>
-          </ac:spMkLst>
-        </pc:spChg>
-        <pc:spChg chg="del mod">
-          <ac:chgData name="Guest User" userId="" providerId="Windows Live" clId="Web-{3FBF19B5-8244-4C0F-BEBE-4073F142E1A7}" dt="2019-02-18T08:04:24.892" v="2"/>
-          <ac:spMkLst>
-            <pc:docMk/>
-            <pc:sldMk cId="1679113874" sldId="275"/>
-            <ac:spMk id="5" creationId="{164C22A3-2915-1344-9D7E-250FB0F81225}"/>
-          </ac:spMkLst>
-        </pc:spChg>
-        <pc:picChg chg="add mod ord">
-          <ac:chgData name="Guest User" userId="" providerId="Windows Live" clId="Web-{3FBF19B5-8244-4C0F-BEBE-4073F142E1A7}" dt="2019-02-18T08:04:37.705" v="4" actId="1076"/>
-          <ac:picMkLst>
-            <pc:docMk/>
-            <pc:sldMk cId="1679113874" sldId="275"/>
-            <ac:picMk id="6" creationId="{D53F6763-0CAF-49AE-8F19-7B65ED6879DF}"/>
-          </ac:picMkLst>
-        </pc:picChg>
       </pc:sldChg>
     </pc:docChg>
   </pc:docChgLst>
@@ -411,6 +416,61 @@
     </pc:docChg>
   </pc:docChgLst>
   <pc:docChgLst>
+    <pc:chgData name="Guest User" providerId="Windows Live" clId="Web-{3FBF19B5-8244-4C0F-BEBE-4073F142E1A7}"/>
+    <pc:docChg chg="modSld">
+      <pc:chgData name="Guest User" userId="" providerId="Windows Live" clId="Web-{3FBF19B5-8244-4C0F-BEBE-4073F142E1A7}" dt="2019-02-18T08:06:13.847" v="54" actId="20577"/>
+      <pc:docMkLst>
+        <pc:docMk/>
+      </pc:docMkLst>
+      <pc:sldChg chg="modSp">
+        <pc:chgData name="Guest User" userId="" providerId="Windows Live" clId="Web-{3FBF19B5-8244-4C0F-BEBE-4073F142E1A7}" dt="2019-02-18T08:06:13.847" v="53" actId="20577"/>
+        <pc:sldMkLst>
+          <pc:docMk/>
+          <pc:sldMk cId="3172186231" sldId="274"/>
+        </pc:sldMkLst>
+        <pc:spChg chg="mod">
+          <ac:chgData name="Guest User" userId="" providerId="Windows Live" clId="Web-{3FBF19B5-8244-4C0F-BEBE-4073F142E1A7}" dt="2019-02-18T08:06:13.847" v="53" actId="20577"/>
+          <ac:spMkLst>
+            <pc:docMk/>
+            <pc:sldMk cId="3172186231" sldId="274"/>
+            <ac:spMk id="3" creationId="{223C465A-B74B-C248-AD77-EAB344363F9D}"/>
+          </ac:spMkLst>
+        </pc:spChg>
+      </pc:sldChg>
+      <pc:sldChg chg="addSp delSp modSp">
+        <pc:chgData name="Guest User" userId="" providerId="Windows Live" clId="Web-{3FBF19B5-8244-4C0F-BEBE-4073F142E1A7}" dt="2019-02-18T08:04:37.705" v="4" actId="1076"/>
+        <pc:sldMkLst>
+          <pc:docMk/>
+          <pc:sldMk cId="1679113874" sldId="275"/>
+        </pc:sldMkLst>
+        <pc:spChg chg="del">
+          <ac:chgData name="Guest User" userId="" providerId="Windows Live" clId="Web-{3FBF19B5-8244-4C0F-BEBE-4073F142E1A7}" dt="2019-02-18T08:04:35.721" v="3"/>
+          <ac:spMkLst>
+            <pc:docMk/>
+            <pc:sldMk cId="1679113874" sldId="275"/>
+            <ac:spMk id="3" creationId="{706C7C5E-1567-7240-87DD-B41E8F859533}"/>
+          </ac:spMkLst>
+        </pc:spChg>
+        <pc:spChg chg="del mod">
+          <ac:chgData name="Guest User" userId="" providerId="Windows Live" clId="Web-{3FBF19B5-8244-4C0F-BEBE-4073F142E1A7}" dt="2019-02-18T08:04:24.892" v="2"/>
+          <ac:spMkLst>
+            <pc:docMk/>
+            <pc:sldMk cId="1679113874" sldId="275"/>
+            <ac:spMk id="5" creationId="{164C22A3-2915-1344-9D7E-250FB0F81225}"/>
+          </ac:spMkLst>
+        </pc:spChg>
+        <pc:picChg chg="add mod ord">
+          <ac:chgData name="Guest User" userId="" providerId="Windows Live" clId="Web-{3FBF19B5-8244-4C0F-BEBE-4073F142E1A7}" dt="2019-02-18T08:04:37.705" v="4" actId="1076"/>
+          <ac:picMkLst>
+            <pc:docMk/>
+            <pc:sldMk cId="1679113874" sldId="275"/>
+            <ac:picMk id="6" creationId="{D53F6763-0CAF-49AE-8F19-7B65ED6879DF}"/>
+          </ac:picMkLst>
+        </pc:picChg>
+      </pc:sldChg>
+    </pc:docChg>
+  </pc:docChgLst>
+  <pc:docChgLst>
     <pc:chgData name="dat nguyen" userId="bb19b3ffa6322b8e" providerId="Windows Live" clId="Web-{297889BF-C2B5-4D39-A63D-73708996589C}"/>
     <pc:docChg chg="addSld modSld">
       <pc:chgData name="dat nguyen" userId="bb19b3ffa6322b8e" providerId="Windows Live" clId="Web-{297889BF-C2B5-4D39-A63D-73708996589C}" dt="2019-02-15T21:30:51.606" v="91"/>
@@ -607,11 +667,18 @@
   </pc:docChgLst>
   <pc:docChgLst>
     <pc:chgData name="Guest User" providerId="Windows Live" clId="Web-{F8B2BAFE-9D3B-407D-8FA7-42A9E7E324B0}"/>
-    <pc:docChg chg="addSld modSld">
-      <pc:chgData name="Guest User" userId="" providerId="Windows Live" clId="Web-{F8B2BAFE-9D3B-407D-8FA7-42A9E7E324B0}" dt="2019-02-18T23:09:36.595" v="57" actId="1076"/>
+    <pc:docChg chg="addSld delSld modSld">
+      <pc:chgData name="Guest User" userId="" providerId="Windows Live" clId="Web-{F8B2BAFE-9D3B-407D-8FA7-42A9E7E324B0}" dt="2019-02-18T23:10:18.251" v="58"/>
       <pc:docMkLst>
         <pc:docMk/>
       </pc:docMkLst>
+      <pc:sldChg chg="del">
+        <pc:chgData name="Guest User" userId="" providerId="Windows Live" clId="Web-{F8B2BAFE-9D3B-407D-8FA7-42A9E7E324B0}" dt="2019-02-18T23:10:18.251" v="58"/>
+        <pc:sldMkLst>
+          <pc:docMk/>
+          <pc:sldMk cId="710029326" sldId="276"/>
+        </pc:sldMkLst>
+      </pc:sldChg>
       <pc:sldChg chg="addSp delSp modSp">
         <pc:chgData name="Guest User" userId="" providerId="Windows Live" clId="Web-{F8B2BAFE-9D3B-407D-8FA7-42A9E7E324B0}" dt="2019-02-18T23:05:29.173" v="11" actId="14100"/>
         <pc:sldMkLst>
@@ -4789,17 +4856,17 @@
           <a:p>
             <a:pPr algn="r"/>
             <a:r>
-              <a:rPr lang="en-US" sz="4400" dirty="0">
+              <a:rPr lang="en-US" sz="4400">
                 <a:ea typeface="+mj-lt"/>
                 <a:cs typeface="+mj-lt"/>
               </a:rPr>
               <a:t>City Traffic Simulator</a:t>
             </a:r>
             <a:br>
-              <a:rPr lang="en-US" dirty="0"/>
+              <a:rPr lang="en-US"/>
             </a:br>
             <a:r>
-              <a:rPr lang="en-US" sz="2500" kern="1200" dirty="0">
+              <a:rPr lang="en-US" sz="2500" kern="1200">
                 <a:solidFill>
                   <a:schemeClr val="accent1"/>
                 </a:solidFill>
@@ -4810,7 +4877,7 @@
               <a:t>Increment </a:t>
             </a:r>
             <a:r>
-              <a:rPr lang="en-US" sz="2500" dirty="0">
+              <a:rPr lang="en-US" sz="2500">
                 <a:solidFill>
                   <a:schemeClr val="accent1"/>
                 </a:solidFill>
@@ -4818,7 +4885,7 @@
               <a:t>2  </a:t>
             </a:r>
             <a:r>
-              <a:rPr lang="en-US" sz="2500" kern="1200" dirty="0">
+              <a:rPr lang="en-US" sz="2500" kern="1200">
                 <a:solidFill>
                   <a:schemeClr val="accent1"/>
                 </a:solidFill>
@@ -4861,7 +4928,7 @@
           <a:p>
             <a:pPr algn="l"/>
             <a:r>
-              <a:rPr lang="en-US" dirty="0"/>
+              <a:rPr lang="en-US"/>
               <a:t>Team Members</a:t>
             </a:r>
           </a:p>
@@ -4871,10 +4938,10 @@
               <a:buChar char="•"/>
             </a:pPr>
             <a:r>
-              <a:rPr lang="en-US" dirty="0"/>
+              <a:rPr lang="en-US"/>
               <a:t>Zoe Fu </a:t>
             </a:r>
-            <a:endParaRPr lang="en-US" dirty="0">
+            <a:endParaRPr lang="en-US">
               <a:cs typeface="Calibri"/>
             </a:endParaRPr>
           </a:p>
@@ -4884,10 +4951,10 @@
               <a:buChar char="•"/>
             </a:pPr>
             <a:r>
-              <a:rPr lang="en-US" dirty="0"/>
+              <a:rPr lang="en-US"/>
               <a:t>Dat Nguyen</a:t>
             </a:r>
-            <a:endParaRPr lang="en-US" dirty="0">
+            <a:endParaRPr lang="en-US">
               <a:cs typeface="Calibri"/>
             </a:endParaRPr>
           </a:p>
@@ -4897,10 +4964,10 @@
               <a:buChar char="•"/>
             </a:pPr>
             <a:r>
-              <a:rPr lang="en-US" dirty="0"/>
+              <a:rPr lang="en-US"/>
               <a:t>Reid Stagemeyer</a:t>
             </a:r>
-            <a:endParaRPr lang="en-US" dirty="0">
+            <a:endParaRPr lang="en-US">
               <a:cs typeface="Calibri"/>
             </a:endParaRPr>
           </a:p>
@@ -4909,7 +4976,7 @@
               <a:buFont typeface="Arial" panose="020B0604020202020204" pitchFamily="34" charset="0"/>
               <a:buChar char="•"/>
             </a:pPr>
-            <a:endParaRPr lang="en-US" dirty="0"/>
+            <a:endParaRPr lang="en-US"/>
           </a:p>
         </p:txBody>
       </p:sp>
@@ -4961,7 +5028,7 @@
               </a:pPr>
               <a:t>1</a:t>
             </a:fld>
-            <a:endParaRPr lang="en-US" sz="1050" dirty="0">
+            <a:endParaRPr lang="en-US" sz="1050">
               <a:solidFill>
                 <a:schemeClr val="tx1">
                   <a:alpha val="80000"/>
@@ -5045,135 +5112,6 @@
 </file>
 
 <file path=ppt/slides/slide10.xml><?xml version="1.0" encoding="utf-8"?>
-<p:sld xmlns:a="http://schemas.openxmlformats.org/drawingml/2006/main" xmlns:r="http://schemas.openxmlformats.org/officeDocument/2006/relationships" xmlns:p="http://schemas.openxmlformats.org/presentationml/2006/main">
-  <p:cSld>
-    <p:spTree>
-      <p:nvGrpSpPr>
-        <p:cNvPr id="1" name=""/>
-        <p:cNvGrpSpPr/>
-        <p:nvPr/>
-      </p:nvGrpSpPr>
-      <p:grpSpPr>
-        <a:xfrm>
-          <a:off x="0" y="0"/>
-          <a:ext cx="0" cy="0"/>
-          <a:chOff x="0" y="0"/>
-          <a:chExt cx="0" cy="0"/>
-        </a:xfrm>
-      </p:grpSpPr>
-      <p:sp>
-        <p:nvSpPr>
-          <p:cNvPr id="2" name="Title 1">
-            <a:extLst>
-              <a:ext uri="{FF2B5EF4-FFF2-40B4-BE49-F238E27FC236}">
-                <a16:creationId xmlns:a16="http://schemas.microsoft.com/office/drawing/2014/main" id="{7A3F6A72-D491-AB4F-803D-EEAFBF2E2F9D}"/>
-              </a:ext>
-            </a:extLst>
-          </p:cNvPr>
-          <p:cNvSpPr>
-            <a:spLocks noGrp="1"/>
-          </p:cNvSpPr>
-          <p:nvPr>
-            <p:ph type="title"/>
-          </p:nvPr>
-        </p:nvSpPr>
-        <p:spPr>
-          <a:xfrm>
-            <a:off x="838200" y="365125"/>
-            <a:ext cx="10515600" cy="1325563"/>
-          </a:xfrm>
-        </p:spPr>
-        <p:txBody>
-          <a:bodyPr/>
-          <a:lstStyle/>
-          <a:p>
-            <a:r>
-              <a:rPr lang="en-US" dirty="0"/>
-              <a:t>Structural Model</a:t>
-            </a:r>
-          </a:p>
-        </p:txBody>
-      </p:sp>
-      <p:sp>
-        <p:nvSpPr>
-          <p:cNvPr id="4" name="Slide Number Placeholder 3">
-            <a:extLst>
-              <a:ext uri="{FF2B5EF4-FFF2-40B4-BE49-F238E27FC236}">
-                <a16:creationId xmlns:a16="http://schemas.microsoft.com/office/drawing/2014/main" id="{96DE280E-F1C8-4F43-BE5C-9703701699D6}"/>
-              </a:ext>
-            </a:extLst>
-          </p:cNvPr>
-          <p:cNvSpPr>
-            <a:spLocks noGrp="1"/>
-          </p:cNvSpPr>
-          <p:nvPr>
-            <p:ph type="sldNum" sz="quarter" idx="12"/>
-          </p:nvPr>
-        </p:nvSpPr>
-        <p:spPr>
-          <a:xfrm>
-            <a:off x="8610600" y="6356350"/>
-            <a:ext cx="2743200" cy="365125"/>
-          </a:xfrm>
-        </p:spPr>
-        <p:txBody>
-          <a:bodyPr/>
-          <a:lstStyle/>
-          <a:p>
-            <a:fld id="{59467819-B74A-7D46-BC68-B37107E692DD}" type="slidenum">
-              <a:rPr lang="en-US" smtClean="0"/>
-              <a:t>10</a:t>
-            </a:fld>
-            <a:endParaRPr lang="en-US"/>
-          </a:p>
-        </p:txBody>
-      </p:sp>
-      <p:pic>
-        <p:nvPicPr>
-          <p:cNvPr id="7" name="图片 7" descr="图片包含 屏幕截图, 绿色&#10;&#10;已生成极高可信度的说明">
-            <a:extLst>
-              <a:ext uri="{FF2B5EF4-FFF2-40B4-BE49-F238E27FC236}">
-                <a16:creationId xmlns:a16="http://schemas.microsoft.com/office/drawing/2014/main" id="{D2E4584D-C16F-456A-8D52-4D48388702E4}"/>
-              </a:ext>
-            </a:extLst>
-          </p:cNvPr>
-          <p:cNvPicPr>
-            <a:picLocks noGrp="1" noChangeAspect="1"/>
-          </p:cNvPicPr>
-          <p:nvPr>
-            <p:ph idx="1"/>
-          </p:nvPr>
-        </p:nvPicPr>
-        <p:blipFill>
-          <a:blip r:embed="rId2"/>
-          <a:stretch>
-            <a:fillRect/>
-          </a:stretch>
-        </p:blipFill>
-        <p:spPr>
-          <a:xfrm>
-            <a:off x="1789988" y="1825625"/>
-            <a:ext cx="8612023" cy="4351338"/>
-          </a:xfrm>
-          <a:prstGeom prst="rect">
-            <a:avLst/>
-          </a:prstGeom>
-        </p:spPr>
-      </p:pic>
-    </p:spTree>
-    <p:extLst>
-      <p:ext uri="{BB962C8B-B14F-4D97-AF65-F5344CB8AC3E}">
-        <p14:creationId xmlns:p14="http://schemas.microsoft.com/office/powerpoint/2010/main" val="1679113874"/>
-      </p:ext>
-    </p:extLst>
-  </p:cSld>
-  <p:clrMapOvr>
-    <a:masterClrMapping/>
-  </p:clrMapOvr>
-</p:sld>
-</file>
-
-<file path=ppt/slides/slide11.xml><?xml version="1.0" encoding="utf-8"?>
 <p:sld xmlns:a="http://schemas.openxmlformats.org/drawingml/2006/main" xmlns:r="http://schemas.openxmlformats.org/officeDocument/2006/relationships" xmlns:p="http://schemas.openxmlformats.org/presentationml/2006/main" show="0">
   <p:cSld>
     <p:spTree>
@@ -5252,10 +5190,6 @@
               </a:rPr>
               <a:t>Report: gengerate and show final report</a:t>
             </a:r>
-            <a:endParaRPr lang="zh-CN" altLang="en-US" dirty="0">
-              <a:ea typeface="等线"/>
-              <a:cs typeface="Calibri"/>
-            </a:endParaRPr>
           </a:p>
           <a:p>
             <a:r>
@@ -5275,10 +5209,6 @@
               </a:rPr>
               <a:t>Display: show map and cars</a:t>
             </a:r>
-            <a:endParaRPr lang="zh-CN" altLang="en-US" dirty="0">
-              <a:ea typeface="等线"/>
-              <a:cs typeface="Calibri"/>
-            </a:endParaRPr>
           </a:p>
           <a:p>
             <a:r>
@@ -5288,10 +5218,6 @@
               </a:rPr>
               <a:t>Car: speed, position, direction, status </a:t>
             </a:r>
-            <a:endParaRPr lang="zh-CN" altLang="en-US" dirty="0">
-              <a:ea typeface="等线"/>
-              <a:cs typeface="Calibri"/>
-            </a:endParaRPr>
           </a:p>
           <a:p>
             <a:r>
@@ -5301,10 +5227,6 @@
               </a:rPr>
               <a:t>Map: mapMatrix, car(List), component</a:t>
             </a:r>
-            <a:endParaRPr lang="zh-CN" altLang="en-US" dirty="0">
-              <a:ea typeface="等线"/>
-              <a:cs typeface="Calibri"/>
-            </a:endParaRPr>
           </a:p>
           <a:p>
             <a:r>
@@ -5314,10 +5236,6 @@
               </a:rPr>
               <a:t>Tile (abstract): designed for easier when implement a new map</a:t>
             </a:r>
-            <a:endParaRPr lang="zh-CN" altLang="en-US" dirty="0">
-              <a:ea typeface="等线"/>
-              <a:cs typeface="Calibri"/>
-            </a:endParaRPr>
           </a:p>
           <a:p>
             <a:r>
@@ -5327,10 +5245,6 @@
               </a:rPr>
               <a:t>Ground, Road, Intersection (abstract)</a:t>
             </a:r>
-            <a:endParaRPr lang="zh-CN" altLang="en-US" dirty="0">
-              <a:ea typeface="等线"/>
-              <a:cs typeface="Calibri"/>
-            </a:endParaRPr>
           </a:p>
           <a:p>
             <a:r>
@@ -5340,23 +5254,19 @@
               </a:rPr>
               <a:t>Traffic Light and Stop Sign</a:t>
             </a:r>
-            <a:endParaRPr lang="zh-CN" altLang="en-US" dirty="0">
+          </a:p>
+          <a:p>
+            <a:endParaRPr lang="zh-CN" altLang="en-US">
               <a:ea typeface="等线"/>
               <a:cs typeface="Calibri"/>
             </a:endParaRPr>
           </a:p>
           <a:p>
-            <a:endParaRPr lang="zh-CN" altLang="en-US" dirty="0">
+            <a:endParaRPr lang="zh-CN" altLang="en-US">
               <a:ea typeface="等线"/>
               <a:cs typeface="Calibri"/>
             </a:endParaRPr>
           </a:p>
-          <a:p>
-            <a:endParaRPr lang="zh-CN" altLang="en-US" dirty="0">
-              <a:ea typeface="等线"/>
-              <a:cs typeface="Calibri"/>
-            </a:endParaRPr>
-          </a:p>
         </p:txBody>
       </p:sp>
       <p:sp>
@@ -5382,7 +5292,7 @@
           <a:p>
             <a:fld id="{59467819-B74A-7D46-BC68-B37107E692DD}" type="slidenum">
               <a:rPr lang="en-US" smtClean="0"/>
-              <a:t>11</a:t>
+              <a:t>10</a:t>
             </a:fld>
             <a:endParaRPr lang="en-US"/>
           </a:p>
@@ -5392,6 +5302,224 @@
     <p:extLst>
       <p:ext uri="{BB962C8B-B14F-4D97-AF65-F5344CB8AC3E}">
         <p14:creationId xmlns:p14="http://schemas.microsoft.com/office/powerpoint/2010/main" val="812540685"/>
+      </p:ext>
+    </p:extLst>
+  </p:cSld>
+  <p:clrMapOvr>
+    <a:masterClrMapping/>
+  </p:clrMapOvr>
+</p:sld>
+</file>
+
+<file path=ppt/slides/slide11.xml><?xml version="1.0" encoding="utf-8"?>
+<p:sld xmlns:a="http://schemas.openxmlformats.org/drawingml/2006/main" xmlns:r="http://schemas.openxmlformats.org/officeDocument/2006/relationships" xmlns:p="http://schemas.openxmlformats.org/presentationml/2006/main">
+  <p:cSld>
+    <p:bg>
+      <p:bgPr>
+        <a:solidFill>
+          <a:schemeClr val="bg1"/>
+        </a:solidFill>
+        <a:effectLst/>
+      </p:bgPr>
+    </p:bg>
+    <p:spTree>
+      <p:nvGrpSpPr>
+        <p:cNvPr id="1" name=""/>
+        <p:cNvGrpSpPr/>
+        <p:nvPr/>
+      </p:nvGrpSpPr>
+      <p:grpSpPr>
+        <a:xfrm>
+          <a:off x="0" y="0"/>
+          <a:ext cx="0" cy="0"/>
+          <a:chOff x="0" y="0"/>
+          <a:chExt cx="0" cy="0"/>
+        </a:xfrm>
+      </p:grpSpPr>
+      <p:sp>
+        <p:nvSpPr>
+          <p:cNvPr id="2" name="标题 1">
+            <a:extLst>
+              <a:ext uri="{FF2B5EF4-FFF2-40B4-BE49-F238E27FC236}">
+                <a16:creationId xmlns:a16="http://schemas.microsoft.com/office/drawing/2014/main" id="{42C25AFE-56BE-4596-808D-A7778F5F7636}"/>
+              </a:ext>
+            </a:extLst>
+          </p:cNvPr>
+          <p:cNvSpPr>
+            <a:spLocks noGrp="1"/>
+          </p:cNvSpPr>
+          <p:nvPr>
+            <p:ph type="title"/>
+          </p:nvPr>
+        </p:nvSpPr>
+        <p:spPr>
+          <a:xfrm>
+            <a:off x="648929" y="629266"/>
+            <a:ext cx="5127031" cy="1676603"/>
+          </a:xfrm>
+        </p:spPr>
+        <p:txBody>
+          <a:bodyPr>
+            <a:normAutofit/>
+          </a:bodyPr>
+          <a:lstStyle/>
+          <a:p>
+            <a:r>
+              <a:rPr lang="zh-CN" altLang="en-US">
+                <a:ea typeface="等线 Light"/>
+                <a:cs typeface="Calibri Light"/>
+              </a:rPr>
+              <a:t>Structural Model</a:t>
+            </a:r>
+            <a:endParaRPr lang="zh-CN" altLang="en-US"/>
+          </a:p>
+        </p:txBody>
+      </p:sp>
+      <p:sp>
+        <p:nvSpPr>
+          <p:cNvPr id="18" name="Content Placeholder 17">
+            <a:extLst>
+              <a:ext uri="{FF2B5EF4-FFF2-40B4-BE49-F238E27FC236}">
+                <a16:creationId xmlns:a16="http://schemas.microsoft.com/office/drawing/2014/main" id="{27AE8628-D4BA-43D0-A9DB-70EF3E7B6870}"/>
+              </a:ext>
+            </a:extLst>
+          </p:cNvPr>
+          <p:cNvSpPr>
+            <a:spLocks noGrp="1"/>
+          </p:cNvSpPr>
+          <p:nvPr>
+            <p:ph idx="1"/>
+          </p:nvPr>
+        </p:nvSpPr>
+        <p:spPr>
+          <a:xfrm>
+            <a:off x="648930" y="2438400"/>
+            <a:ext cx="5127029" cy="3785419"/>
+          </a:xfrm>
+        </p:spPr>
+        <p:txBody>
+          <a:bodyPr vert="horz" lIns="91440" tIns="45720" rIns="91440" bIns="45720" rtlCol="0" anchor="t">
+            <a:normAutofit/>
+          </a:bodyPr>
+          <a:lstStyle/>
+          <a:p>
+            <a:r>
+              <a:rPr lang="en-US" sz="2600">
+                <a:cs typeface="Calibri"/>
+              </a:rPr>
+              <a:t>Console, Display, and Car are associated with Map.</a:t>
+            </a:r>
+          </a:p>
+          <a:p>
+            <a:r>
+              <a:rPr lang="en-US" sz="2600">
+                <a:cs typeface="Calibri"/>
+              </a:rPr>
+              <a:t>Map has a public attribute </a:t>
+            </a:r>
+            <a:r>
+              <a:rPr lang="en-US" sz="2600" err="1">
+                <a:cs typeface="Calibri"/>
+              </a:rPr>
+              <a:t>carList</a:t>
+            </a:r>
+            <a:r>
+              <a:rPr lang="en-US" sz="2600">
+                <a:cs typeface="Calibri"/>
+              </a:rPr>
+              <a:t>[] call Car object, so that other classes associated with Map will be able to call Car. </a:t>
+            </a:r>
+          </a:p>
+          <a:p>
+            <a:r>
+              <a:rPr lang="en-US" sz="2600">
+                <a:cs typeface="Calibri"/>
+              </a:rPr>
+              <a:t>Display will implement the Report interface</a:t>
+            </a:r>
+          </a:p>
+        </p:txBody>
+      </p:sp>
+      <p:pic>
+        <p:nvPicPr>
+          <p:cNvPr id="20" name="图片 4" descr="图片包含 屏幕截图&#10;&#10;已生成极高可信度的说明">
+            <a:extLst>
+              <a:ext uri="{FF2B5EF4-FFF2-40B4-BE49-F238E27FC236}">
+                <a16:creationId xmlns:a16="http://schemas.microsoft.com/office/drawing/2014/main" id="{B7928013-DB88-412A-9942-49B16AA81B97}"/>
+              </a:ext>
+            </a:extLst>
+          </p:cNvPr>
+          <p:cNvPicPr>
+            <a:picLocks noChangeAspect="1"/>
+          </p:cNvPicPr>
+          <p:nvPr/>
+        </p:nvPicPr>
+        <p:blipFill rotWithShape="1">
+          <a:blip r:embed="rId2"/>
+          <a:srcRect t="3746" r="-2" b="-2"/>
+          <a:stretch/>
+        </p:blipFill>
+        <p:spPr>
+          <a:xfrm>
+            <a:off x="6090613" y="640082"/>
+            <a:ext cx="5461724" cy="5577837"/>
+          </a:xfrm>
+          <a:prstGeom prst="rect">
+            <a:avLst/>
+          </a:prstGeom>
+          <a:effectLst/>
+        </p:spPr>
+      </p:pic>
+      <p:sp>
+        <p:nvSpPr>
+          <p:cNvPr id="4" name="灯片编号占位符 3">
+            <a:extLst>
+              <a:ext uri="{FF2B5EF4-FFF2-40B4-BE49-F238E27FC236}">
+                <a16:creationId xmlns:a16="http://schemas.microsoft.com/office/drawing/2014/main" id="{DF0F974D-A482-4F8B-B933-C861658F1A16}"/>
+              </a:ext>
+            </a:extLst>
+          </p:cNvPr>
+          <p:cNvSpPr>
+            <a:spLocks noGrp="1"/>
+          </p:cNvSpPr>
+          <p:nvPr>
+            <p:ph type="sldNum" sz="quarter" idx="12"/>
+          </p:nvPr>
+        </p:nvSpPr>
+        <p:spPr>
+          <a:xfrm>
+            <a:off x="8610600" y="6356350"/>
+            <a:ext cx="2743200" cy="365125"/>
+          </a:xfrm>
+        </p:spPr>
+        <p:txBody>
+          <a:bodyPr>
+            <a:normAutofit/>
+          </a:bodyPr>
+          <a:lstStyle/>
+          <a:p>
+            <a:pPr>
+              <a:spcAft>
+                <a:spcPts val="600"/>
+              </a:spcAft>
+            </a:pPr>
+            <a:fld id="{59467819-B74A-7D46-BC68-B37107E692DD}" type="slidenum">
+              <a:rPr lang="en-US" smtClean="0"/>
+              <a:pPr>
+                <a:spcAft>
+                  <a:spcPts val="600"/>
+                </a:spcAft>
+              </a:pPr>
+              <a:t>11</a:t>
+            </a:fld>
+            <a:endParaRPr lang="en-US"/>
+          </a:p>
+        </p:txBody>
+      </p:sp>
+    </p:spTree>
+    <p:extLst>
+      <p:ext uri="{BB962C8B-B14F-4D97-AF65-F5344CB8AC3E}">
+        <p14:creationId xmlns:p14="http://schemas.microsoft.com/office/powerpoint/2010/main" val="3232711427"/>
       </p:ext>
     </p:extLst>
   </p:cSld>
@@ -5431,224 +5559,6 @@
           <p:cNvPr id="2" name="标题 1">
             <a:extLst>
               <a:ext uri="{FF2B5EF4-FFF2-40B4-BE49-F238E27FC236}">
-                <a16:creationId xmlns:a16="http://schemas.microsoft.com/office/drawing/2014/main" id="{42C25AFE-56BE-4596-808D-A7778F5F7636}"/>
-              </a:ext>
-            </a:extLst>
-          </p:cNvPr>
-          <p:cNvSpPr>
-            <a:spLocks noGrp="1"/>
-          </p:cNvSpPr>
-          <p:nvPr>
-            <p:ph type="title"/>
-          </p:nvPr>
-        </p:nvSpPr>
-        <p:spPr>
-          <a:xfrm>
-            <a:off x="648929" y="629266"/>
-            <a:ext cx="5127031" cy="1676603"/>
-          </a:xfrm>
-        </p:spPr>
-        <p:txBody>
-          <a:bodyPr>
-            <a:normAutofit/>
-          </a:bodyPr>
-          <a:lstStyle/>
-          <a:p>
-            <a:r>
-              <a:rPr lang="zh-CN" altLang="en-US">
-                <a:ea typeface="等线 Light"/>
-                <a:cs typeface="Calibri Light"/>
-              </a:rPr>
-              <a:t>Structural Model</a:t>
-            </a:r>
-            <a:endParaRPr lang="zh-CN" altLang="en-US"/>
-          </a:p>
-        </p:txBody>
-      </p:sp>
-      <p:sp>
-        <p:nvSpPr>
-          <p:cNvPr id="18" name="Content Placeholder 17">
-            <a:extLst>
-              <a:ext uri="{FF2B5EF4-FFF2-40B4-BE49-F238E27FC236}">
-                <a16:creationId xmlns:a16="http://schemas.microsoft.com/office/drawing/2014/main" id="{27AE8628-D4BA-43D0-A9DB-70EF3E7B6870}"/>
-              </a:ext>
-            </a:extLst>
-          </p:cNvPr>
-          <p:cNvSpPr>
-            <a:spLocks noGrp="1"/>
-          </p:cNvSpPr>
-          <p:nvPr>
-            <p:ph idx="1"/>
-          </p:nvPr>
-        </p:nvSpPr>
-        <p:spPr>
-          <a:xfrm>
-            <a:off x="648930" y="2438400"/>
-            <a:ext cx="5127029" cy="3785419"/>
-          </a:xfrm>
-        </p:spPr>
-        <p:txBody>
-          <a:bodyPr vert="horz" lIns="91440" tIns="45720" rIns="91440" bIns="45720" rtlCol="0" anchor="t">
-            <a:normAutofit/>
-          </a:bodyPr>
-          <a:lstStyle/>
-          <a:p>
-            <a:r>
-              <a:rPr lang="en-US" sz="2600" dirty="0">
-                <a:cs typeface="Calibri"/>
-              </a:rPr>
-              <a:t>Console, Display, and Car are associated with Map.</a:t>
-            </a:r>
-          </a:p>
-          <a:p>
-            <a:r>
-              <a:rPr lang="en-US" sz="2600" dirty="0">
-                <a:cs typeface="Calibri"/>
-              </a:rPr>
-              <a:t>Map has a public attribute </a:t>
-            </a:r>
-            <a:r>
-              <a:rPr lang="en-US" sz="2600" dirty="0" err="1">
-                <a:cs typeface="Calibri"/>
-              </a:rPr>
-              <a:t>carList</a:t>
-            </a:r>
-            <a:r>
-              <a:rPr lang="en-US" sz="2600" dirty="0">
-                <a:cs typeface="Calibri"/>
-              </a:rPr>
-              <a:t>[] call Car object, so that other classes associated with Map will be able to call Car. </a:t>
-            </a:r>
-          </a:p>
-          <a:p>
-            <a:r>
-              <a:rPr lang="en-US" sz="2600" dirty="0">
-                <a:cs typeface="Calibri"/>
-              </a:rPr>
-              <a:t>Display will implement the Report interface</a:t>
-            </a:r>
-          </a:p>
-        </p:txBody>
-      </p:sp>
-      <p:pic>
-        <p:nvPicPr>
-          <p:cNvPr id="20" name="图片 4" descr="图片包含 屏幕截图&#10;&#10;已生成极高可信度的说明">
-            <a:extLst>
-              <a:ext uri="{FF2B5EF4-FFF2-40B4-BE49-F238E27FC236}">
-                <a16:creationId xmlns:a16="http://schemas.microsoft.com/office/drawing/2014/main" id="{B7928013-DB88-412A-9942-49B16AA81B97}"/>
-              </a:ext>
-            </a:extLst>
-          </p:cNvPr>
-          <p:cNvPicPr>
-            <a:picLocks noChangeAspect="1"/>
-          </p:cNvPicPr>
-          <p:nvPr/>
-        </p:nvPicPr>
-        <p:blipFill rotWithShape="1">
-          <a:blip r:embed="rId2"/>
-          <a:srcRect t="3746" r="-2" b="-2"/>
-          <a:stretch/>
-        </p:blipFill>
-        <p:spPr>
-          <a:xfrm>
-            <a:off x="6090613" y="640082"/>
-            <a:ext cx="5461724" cy="5577837"/>
-          </a:xfrm>
-          <a:prstGeom prst="rect">
-            <a:avLst/>
-          </a:prstGeom>
-          <a:effectLst/>
-        </p:spPr>
-      </p:pic>
-      <p:sp>
-        <p:nvSpPr>
-          <p:cNvPr id="4" name="灯片编号占位符 3">
-            <a:extLst>
-              <a:ext uri="{FF2B5EF4-FFF2-40B4-BE49-F238E27FC236}">
-                <a16:creationId xmlns:a16="http://schemas.microsoft.com/office/drawing/2014/main" id="{DF0F974D-A482-4F8B-B933-C861658F1A16}"/>
-              </a:ext>
-            </a:extLst>
-          </p:cNvPr>
-          <p:cNvSpPr>
-            <a:spLocks noGrp="1"/>
-          </p:cNvSpPr>
-          <p:nvPr>
-            <p:ph type="sldNum" sz="quarter" idx="12"/>
-          </p:nvPr>
-        </p:nvSpPr>
-        <p:spPr>
-          <a:xfrm>
-            <a:off x="8610600" y="6356350"/>
-            <a:ext cx="2743200" cy="365125"/>
-          </a:xfrm>
-        </p:spPr>
-        <p:txBody>
-          <a:bodyPr>
-            <a:normAutofit/>
-          </a:bodyPr>
-          <a:lstStyle/>
-          <a:p>
-            <a:pPr>
-              <a:spcAft>
-                <a:spcPts val="600"/>
-              </a:spcAft>
-            </a:pPr>
-            <a:fld id="{59467819-B74A-7D46-BC68-B37107E692DD}" type="slidenum">
-              <a:rPr lang="en-US" smtClean="0"/>
-              <a:pPr>
-                <a:spcAft>
-                  <a:spcPts val="600"/>
-                </a:spcAft>
-              </a:pPr>
-              <a:t>12</a:t>
-            </a:fld>
-            <a:endParaRPr lang="en-US"/>
-          </a:p>
-        </p:txBody>
-      </p:sp>
-    </p:spTree>
-    <p:extLst>
-      <p:ext uri="{BB962C8B-B14F-4D97-AF65-F5344CB8AC3E}">
-        <p14:creationId xmlns:p14="http://schemas.microsoft.com/office/powerpoint/2010/main" val="3232711427"/>
-      </p:ext>
-    </p:extLst>
-  </p:cSld>
-  <p:clrMapOvr>
-    <a:masterClrMapping/>
-  </p:clrMapOvr>
-</p:sld>
-</file>
-
-<file path=ppt/slides/slide13.xml><?xml version="1.0" encoding="utf-8"?>
-<p:sld xmlns:a="http://schemas.openxmlformats.org/drawingml/2006/main" xmlns:r="http://schemas.openxmlformats.org/officeDocument/2006/relationships" xmlns:p="http://schemas.openxmlformats.org/presentationml/2006/main">
-  <p:cSld>
-    <p:bg>
-      <p:bgPr>
-        <a:solidFill>
-          <a:schemeClr val="bg1"/>
-        </a:solidFill>
-        <a:effectLst/>
-      </p:bgPr>
-    </p:bg>
-    <p:spTree>
-      <p:nvGrpSpPr>
-        <p:cNvPr id="1" name=""/>
-        <p:cNvGrpSpPr/>
-        <p:nvPr/>
-      </p:nvGrpSpPr>
-      <p:grpSpPr>
-        <a:xfrm>
-          <a:off x="0" y="0"/>
-          <a:ext cx="0" cy="0"/>
-          <a:chOff x="0" y="0"/>
-          <a:chExt cx="0" cy="0"/>
-        </a:xfrm>
-      </p:grpSpPr>
-      <p:sp>
-        <p:nvSpPr>
-          <p:cNvPr id="2" name="标题 1">
-            <a:extLst>
-              <a:ext uri="{FF2B5EF4-FFF2-40B4-BE49-F238E27FC236}">
                 <a16:creationId xmlns:a16="http://schemas.microsoft.com/office/drawing/2014/main" id="{A60027BC-99A5-4503-B21F-4EE28A87BAFE}"/>
               </a:ext>
             </a:extLst>
@@ -5806,7 +5716,7 @@
                 </a:spcAft>
                 <a:defRPr/>
               </a:pPr>
-              <a:t>13</a:t>
+              <a:t>12</a:t>
             </a:fld>
             <a:endParaRPr lang="en-US">
               <a:solidFill>
@@ -5823,6 +5733,125 @@
     <p:extLst>
       <p:ext uri="{BB962C8B-B14F-4D97-AF65-F5344CB8AC3E}">
         <p14:creationId xmlns:p14="http://schemas.microsoft.com/office/powerpoint/2010/main" val="582046377"/>
+      </p:ext>
+    </p:extLst>
+  </p:cSld>
+  <p:clrMapOvr>
+    <a:masterClrMapping/>
+  </p:clrMapOvr>
+</p:sld>
+</file>
+
+<file path=ppt/slides/slide13.xml><?xml version="1.0" encoding="utf-8"?>
+<p:sld xmlns:a="http://schemas.openxmlformats.org/drawingml/2006/main" xmlns:r="http://schemas.openxmlformats.org/officeDocument/2006/relationships" xmlns:p="http://schemas.openxmlformats.org/presentationml/2006/main">
+  <p:cSld>
+    <p:spTree>
+      <p:nvGrpSpPr>
+        <p:cNvPr id="1" name=""/>
+        <p:cNvGrpSpPr/>
+        <p:nvPr/>
+      </p:nvGrpSpPr>
+      <p:grpSpPr>
+        <a:xfrm>
+          <a:off x="0" y="0"/>
+          <a:ext cx="0" cy="0"/>
+          <a:chOff x="0" y="0"/>
+          <a:chExt cx="0" cy="0"/>
+        </a:xfrm>
+      </p:grpSpPr>
+      <p:sp>
+        <p:nvSpPr>
+          <p:cNvPr id="2" name="Title 1">
+            <a:extLst>
+              <a:ext uri="{FF2B5EF4-FFF2-40B4-BE49-F238E27FC236}">
+                <a16:creationId xmlns:a16="http://schemas.microsoft.com/office/drawing/2014/main" id="{7A3F6A72-D491-AB4F-803D-EEAFBF2E2F9D}"/>
+              </a:ext>
+            </a:extLst>
+          </p:cNvPr>
+          <p:cNvSpPr>
+            <a:spLocks noGrp="1"/>
+          </p:cNvSpPr>
+          <p:nvPr>
+            <p:ph type="title"/>
+          </p:nvPr>
+        </p:nvSpPr>
+        <p:spPr/>
+        <p:txBody>
+          <a:bodyPr/>
+          <a:lstStyle/>
+          <a:p>
+            <a:r>
+              <a:rPr lang="en-US"/>
+              <a:t>Behavioral Model – Sequence Diagrams</a:t>
+            </a:r>
+          </a:p>
+        </p:txBody>
+      </p:sp>
+      <p:pic>
+        <p:nvPicPr>
+          <p:cNvPr id="5" name="Picture 5" descr="A screenshot of a cell phone&#10;&#10;Description generated with high confidence">
+            <a:extLst>
+              <a:ext uri="{FF2B5EF4-FFF2-40B4-BE49-F238E27FC236}">
+                <a16:creationId xmlns:a16="http://schemas.microsoft.com/office/drawing/2014/main" id="{16FA9DFC-2925-4AAD-93D1-EB1452A228AF}"/>
+              </a:ext>
+            </a:extLst>
+          </p:cNvPr>
+          <p:cNvPicPr>
+            <a:picLocks noGrp="1" noChangeAspect="1"/>
+          </p:cNvPicPr>
+          <p:nvPr>
+            <p:ph idx="1"/>
+          </p:nvPr>
+        </p:nvPicPr>
+        <p:blipFill>
+          <a:blip r:embed="rId2"/>
+          <a:stretch>
+            <a:fillRect/>
+          </a:stretch>
+        </p:blipFill>
+        <p:spPr>
+          <a:xfrm>
+            <a:off x="838200" y="1482020"/>
+            <a:ext cx="10515600" cy="4690207"/>
+          </a:xfrm>
+          <a:prstGeom prst="rect">
+            <a:avLst/>
+          </a:prstGeom>
+        </p:spPr>
+      </p:pic>
+      <p:sp>
+        <p:nvSpPr>
+          <p:cNvPr id="4" name="Slide Number Placeholder 3">
+            <a:extLst>
+              <a:ext uri="{FF2B5EF4-FFF2-40B4-BE49-F238E27FC236}">
+                <a16:creationId xmlns:a16="http://schemas.microsoft.com/office/drawing/2014/main" id="{96DE280E-F1C8-4F43-BE5C-9703701699D6}"/>
+              </a:ext>
+            </a:extLst>
+          </p:cNvPr>
+          <p:cNvSpPr>
+            <a:spLocks noGrp="1"/>
+          </p:cNvSpPr>
+          <p:nvPr>
+            <p:ph type="sldNum" sz="quarter" idx="12"/>
+          </p:nvPr>
+        </p:nvSpPr>
+        <p:spPr/>
+        <p:txBody>
+          <a:bodyPr/>
+          <a:lstStyle/>
+          <a:p>
+            <a:fld id="{59467819-B74A-7D46-BC68-B37107E692DD}" type="slidenum">
+              <a:rPr lang="en-US" smtClean="0"/>
+              <a:t>13</a:t>
+            </a:fld>
+            <a:endParaRPr lang="en-US"/>
+          </a:p>
+        </p:txBody>
+      </p:sp>
+    </p:spTree>
+    <p:extLst>
+      <p:ext uri="{BB962C8B-B14F-4D97-AF65-F5344CB8AC3E}">
+        <p14:creationId xmlns:p14="http://schemas.microsoft.com/office/powerpoint/2010/main" val="789788285"/>
       </p:ext>
     </p:extLst>
   </p:cSld>
@@ -5851,70 +5880,10 @@
       </p:grpSpPr>
       <p:sp>
         <p:nvSpPr>
-          <p:cNvPr id="2" name="Title 1">
-            <a:extLst>
-              <a:ext uri="{FF2B5EF4-FFF2-40B4-BE49-F238E27FC236}">
-                <a16:creationId xmlns:a16="http://schemas.microsoft.com/office/drawing/2014/main" id="{7A3F6A72-D491-AB4F-803D-EEAFBF2E2F9D}"/>
-              </a:ext>
-            </a:extLst>
-          </p:cNvPr>
-          <p:cNvSpPr>
-            <a:spLocks noGrp="1"/>
-          </p:cNvSpPr>
-          <p:nvPr>
-            <p:ph type="title"/>
-          </p:nvPr>
-        </p:nvSpPr>
-        <p:spPr/>
-        <p:txBody>
-          <a:bodyPr/>
-          <a:lstStyle/>
-          <a:p>
-            <a:r>
-              <a:rPr lang="en-US" dirty="0"/>
-              <a:t>Behavioral Model – Sequence Diagrams</a:t>
-            </a:r>
-          </a:p>
-        </p:txBody>
-      </p:sp>
-      <p:pic>
-        <p:nvPicPr>
-          <p:cNvPr id="5" name="Picture 5" descr="A screenshot of a cell phone&#10;&#10;Description generated with high confidence">
-            <a:extLst>
-              <a:ext uri="{FF2B5EF4-FFF2-40B4-BE49-F238E27FC236}">
-                <a16:creationId xmlns:a16="http://schemas.microsoft.com/office/drawing/2014/main" id="{16FA9DFC-2925-4AAD-93D1-EB1452A228AF}"/>
-              </a:ext>
-            </a:extLst>
-          </p:cNvPr>
-          <p:cNvPicPr>
-            <a:picLocks noGrp="1" noChangeAspect="1"/>
-          </p:cNvPicPr>
-          <p:nvPr>
-            <p:ph idx="1"/>
-          </p:nvPr>
-        </p:nvPicPr>
-        <p:blipFill>
-          <a:blip r:embed="rId2"/>
-          <a:stretch>
-            <a:fillRect/>
-          </a:stretch>
-        </p:blipFill>
-        <p:spPr>
-          <a:xfrm>
-            <a:off x="838200" y="1482020"/>
-            <a:ext cx="10515600" cy="4690207"/>
-          </a:xfrm>
-          <a:prstGeom prst="rect">
-            <a:avLst/>
-          </a:prstGeom>
-        </p:spPr>
-      </p:pic>
-      <p:sp>
-        <p:nvSpPr>
           <p:cNvPr id="4" name="Slide Number Placeholder 3">
             <a:extLst>
               <a:ext uri="{FF2B5EF4-FFF2-40B4-BE49-F238E27FC236}">
-                <a16:creationId xmlns:a16="http://schemas.microsoft.com/office/drawing/2014/main" id="{96DE280E-F1C8-4F43-BE5C-9703701699D6}"/>
+                <a16:creationId xmlns:a16="http://schemas.microsoft.com/office/drawing/2014/main" id="{F3ADF9A2-353C-469A-AD92-E04B767BFF3B}"/>
               </a:ext>
             </a:extLst>
           </p:cNvPr>
@@ -5933,65 +5902,6 @@
             <a:fld id="{59467819-B74A-7D46-BC68-B37107E692DD}" type="slidenum">
               <a:rPr lang="en-US" smtClean="0"/>
               <a:t>14</a:t>
-            </a:fld>
-            <a:endParaRPr lang="en-US"/>
-          </a:p>
-        </p:txBody>
-      </p:sp>
-    </p:spTree>
-    <p:extLst>
-      <p:ext uri="{BB962C8B-B14F-4D97-AF65-F5344CB8AC3E}">
-        <p14:creationId xmlns:p14="http://schemas.microsoft.com/office/powerpoint/2010/main" val="789788285"/>
-      </p:ext>
-    </p:extLst>
-  </p:cSld>
-  <p:clrMapOvr>
-    <a:masterClrMapping/>
-  </p:clrMapOvr>
-</p:sld>
-</file>
-
-<file path=ppt/slides/slide15.xml><?xml version="1.0" encoding="utf-8"?>
-<p:sld xmlns:a="http://schemas.openxmlformats.org/drawingml/2006/main" xmlns:r="http://schemas.openxmlformats.org/officeDocument/2006/relationships" xmlns:p="http://schemas.openxmlformats.org/presentationml/2006/main">
-  <p:cSld>
-    <p:spTree>
-      <p:nvGrpSpPr>
-        <p:cNvPr id="1" name=""/>
-        <p:cNvGrpSpPr/>
-        <p:nvPr/>
-      </p:nvGrpSpPr>
-      <p:grpSpPr>
-        <a:xfrm>
-          <a:off x="0" y="0"/>
-          <a:ext cx="0" cy="0"/>
-          <a:chOff x="0" y="0"/>
-          <a:chExt cx="0" cy="0"/>
-        </a:xfrm>
-      </p:grpSpPr>
-      <p:sp>
-        <p:nvSpPr>
-          <p:cNvPr id="4" name="Slide Number Placeholder 3">
-            <a:extLst>
-              <a:ext uri="{FF2B5EF4-FFF2-40B4-BE49-F238E27FC236}">
-                <a16:creationId xmlns:a16="http://schemas.microsoft.com/office/drawing/2014/main" id="{F3ADF9A2-353C-469A-AD92-E04B767BFF3B}"/>
-              </a:ext>
-            </a:extLst>
-          </p:cNvPr>
-          <p:cNvSpPr>
-            <a:spLocks noGrp="1"/>
-          </p:cNvSpPr>
-          <p:nvPr>
-            <p:ph type="sldNum" sz="quarter" idx="12"/>
-          </p:nvPr>
-        </p:nvSpPr>
-        <p:spPr/>
-        <p:txBody>
-          <a:bodyPr/>
-          <a:lstStyle/>
-          <a:p>
-            <a:fld id="{59467819-B74A-7D46-BC68-B37107E692DD}" type="slidenum">
-              <a:rPr lang="en-US" smtClean="0"/>
-              <a:t>‹#›</a:t>
             </a:fld>
             <a:endParaRPr lang="en-US"/>
           </a:p>
@@ -6040,7 +5950,7 @@
 </p:sld>
 </file>
 
-<file path=ppt/slides/slide16.xml><?xml version="1.0" encoding="utf-8"?>
+<file path=ppt/slides/slide15.xml><?xml version="1.0" encoding="utf-8"?>
 <p:sld xmlns:a="http://schemas.openxmlformats.org/drawingml/2006/main" xmlns:r="http://schemas.openxmlformats.org/officeDocument/2006/relationships" xmlns:p="http://schemas.openxmlformats.org/presentationml/2006/main">
   <p:cSld>
     <p:spTree>
@@ -6080,7 +5990,7 @@
           <a:p>
             <a:fld id="{59467819-B74A-7D46-BC68-B37107E692DD}" type="slidenum">
               <a:rPr lang="en-US" smtClean="0"/>
-              <a:t>‹#›</a:t>
+              <a:t>15</a:t>
             </a:fld>
             <a:endParaRPr lang="en-US"/>
           </a:p>
@@ -6129,7 +6039,7 @@
 </p:sld>
 </file>
 
-<file path=ppt/slides/slide17.xml><?xml version="1.0" encoding="utf-8"?>
+<file path=ppt/slides/slide16.xml><?xml version="1.0" encoding="utf-8"?>
 <p:sld xmlns:a="http://schemas.openxmlformats.org/drawingml/2006/main" xmlns:r="http://schemas.openxmlformats.org/officeDocument/2006/relationships" xmlns:p="http://schemas.openxmlformats.org/presentationml/2006/main">
   <p:cSld>
     <p:spTree>
@@ -6169,7 +6079,7 @@
           <a:p>
             <a:fld id="{59467819-B74A-7D46-BC68-B37107E692DD}" type="slidenum">
               <a:rPr lang="en-US" smtClean="0"/>
-              <a:t>‹#›</a:t>
+              <a:t>16</a:t>
             </a:fld>
             <a:endParaRPr lang="en-US"/>
           </a:p>
@@ -6218,7 +6128,7 @@
 </p:sld>
 </file>
 
-<file path=ppt/slides/slide18.xml><?xml version="1.0" encoding="utf-8"?>
+<file path=ppt/slides/slide17.xml><?xml version="1.0" encoding="utf-8"?>
 <p:sld xmlns:a="http://schemas.openxmlformats.org/drawingml/2006/main" xmlns:r="http://schemas.openxmlformats.org/officeDocument/2006/relationships" xmlns:p="http://schemas.openxmlformats.org/presentationml/2006/main">
   <p:cSld>
     <p:spTree>
@@ -6258,7 +6168,7 @@
           <a:p>
             <a:fld id="{59467819-B74A-7D46-BC68-B37107E692DD}" type="slidenum">
               <a:rPr lang="en-US" smtClean="0"/>
-              <a:t>‹#›</a:t>
+              <a:t>17</a:t>
             </a:fld>
             <a:endParaRPr lang="en-US"/>
           </a:p>
@@ -6307,6 +6217,257 @@
 </p:sld>
 </file>
 
+<file path=ppt/slides/slide18.xml><?xml version="1.0" encoding="utf-8"?>
+<p:sld xmlns:a="http://schemas.openxmlformats.org/drawingml/2006/main" xmlns:r="http://schemas.openxmlformats.org/officeDocument/2006/relationships" xmlns:p="http://schemas.openxmlformats.org/presentationml/2006/main">
+  <p:cSld>
+    <p:spTree>
+      <p:nvGrpSpPr>
+        <p:cNvPr id="1" name=""/>
+        <p:cNvGrpSpPr/>
+        <p:nvPr/>
+      </p:nvGrpSpPr>
+      <p:grpSpPr>
+        <a:xfrm>
+          <a:off x="0" y="0"/>
+          <a:ext cx="0" cy="0"/>
+          <a:chOff x="0" y="0"/>
+          <a:chExt cx="0" cy="0"/>
+        </a:xfrm>
+      </p:grpSpPr>
+      <p:sp>
+        <p:nvSpPr>
+          <p:cNvPr id="2" name="Title 1">
+            <a:extLst>
+              <a:ext uri="{FF2B5EF4-FFF2-40B4-BE49-F238E27FC236}">
+                <a16:creationId xmlns:a16="http://schemas.microsoft.com/office/drawing/2014/main" id="{71DBD2D0-E504-4E46-B672-425972770860}"/>
+              </a:ext>
+            </a:extLst>
+          </p:cNvPr>
+          <p:cNvSpPr>
+            <a:spLocks noGrp="1"/>
+          </p:cNvSpPr>
+          <p:nvPr>
+            <p:ph type="title"/>
+          </p:nvPr>
+        </p:nvSpPr>
+        <p:spPr/>
+        <p:txBody>
+          <a:bodyPr/>
+          <a:lstStyle/>
+          <a:p>
+            <a:r>
+              <a:rPr lang="en-US"/>
+              <a:t>Overview</a:t>
+            </a:r>
+          </a:p>
+        </p:txBody>
+      </p:sp>
+      <p:sp>
+        <p:nvSpPr>
+          <p:cNvPr id="3" name="Content Placeholder 2">
+            <a:extLst>
+              <a:ext uri="{FF2B5EF4-FFF2-40B4-BE49-F238E27FC236}">
+                <a16:creationId xmlns:a16="http://schemas.microsoft.com/office/drawing/2014/main" id="{97721FA8-877C-0D43-AF19-4C75EECB089A}"/>
+              </a:ext>
+            </a:extLst>
+          </p:cNvPr>
+          <p:cNvSpPr>
+            <a:spLocks noGrp="1"/>
+          </p:cNvSpPr>
+          <p:nvPr>
+            <p:ph idx="1"/>
+          </p:nvPr>
+        </p:nvSpPr>
+        <p:spPr>
+          <a:xfrm>
+            <a:off x="838200" y="1825625"/>
+            <a:ext cx="10515600" cy="4895850"/>
+          </a:xfrm>
+        </p:spPr>
+        <p:txBody>
+          <a:bodyPr>
+            <a:normAutofit fontScale="92500" lnSpcReduction="20000"/>
+          </a:bodyPr>
+          <a:lstStyle/>
+          <a:p>
+            <a:r>
+              <a:rPr lang="en-US">
+                <a:solidFill>
+                  <a:schemeClr val="bg1">
+                    <a:lumMod val="65000"/>
+                  </a:schemeClr>
+                </a:solidFill>
+              </a:rPr>
+              <a:t>Project Description</a:t>
+            </a:r>
+          </a:p>
+          <a:p>
+            <a:endParaRPr lang="en-US"/>
+          </a:p>
+          <a:p>
+            <a:r>
+              <a:rPr lang="en-US">
+                <a:solidFill>
+                  <a:schemeClr val="bg1">
+                    <a:lumMod val="65000"/>
+                  </a:schemeClr>
+                </a:solidFill>
+              </a:rPr>
+              <a:t>Use Case Model</a:t>
+            </a:r>
+          </a:p>
+          <a:p>
+            <a:pPr lvl="1"/>
+            <a:r>
+              <a:rPr lang="en-US">
+                <a:solidFill>
+                  <a:schemeClr val="bg1">
+                    <a:lumMod val="65000"/>
+                  </a:schemeClr>
+                </a:solidFill>
+              </a:rPr>
+              <a:t>Use Case Diagram</a:t>
+            </a:r>
+          </a:p>
+          <a:p>
+            <a:pPr lvl="1"/>
+            <a:r>
+              <a:rPr lang="en-US">
+                <a:solidFill>
+                  <a:schemeClr val="bg1">
+                    <a:lumMod val="65000"/>
+                  </a:schemeClr>
+                </a:solidFill>
+              </a:rPr>
+              <a:t>Use Cases</a:t>
+            </a:r>
+          </a:p>
+          <a:p>
+            <a:endParaRPr lang="en-US"/>
+          </a:p>
+          <a:p>
+            <a:r>
+              <a:rPr lang="en-US">
+                <a:solidFill>
+                  <a:schemeClr val="bg1">
+                    <a:lumMod val="65000"/>
+                  </a:schemeClr>
+                </a:solidFill>
+              </a:rPr>
+              <a:t>Domain Model</a:t>
+            </a:r>
+          </a:p>
+          <a:p>
+            <a:pPr lvl="1"/>
+            <a:r>
+              <a:rPr lang="en-US">
+                <a:solidFill>
+                  <a:schemeClr val="bg1">
+                    <a:lumMod val="65000"/>
+                  </a:schemeClr>
+                </a:solidFill>
+              </a:rPr>
+              <a:t>Class Diagram</a:t>
+            </a:r>
+          </a:p>
+          <a:p>
+            <a:pPr lvl="1"/>
+            <a:r>
+              <a:rPr lang="en-US">
+                <a:solidFill>
+                  <a:schemeClr val="bg1">
+                    <a:lumMod val="65000"/>
+                  </a:schemeClr>
+                </a:solidFill>
+              </a:rPr>
+              <a:t>(Activity Diagrams)</a:t>
+            </a:r>
+          </a:p>
+          <a:p>
+            <a:pPr lvl="1"/>
+            <a:r>
+              <a:rPr lang="en-US">
+                <a:solidFill>
+                  <a:schemeClr val="bg1">
+                    <a:lumMod val="65000"/>
+                  </a:schemeClr>
+                </a:solidFill>
+              </a:rPr>
+              <a:t>Sequence Diagrams</a:t>
+            </a:r>
+          </a:p>
+          <a:p>
+            <a:pPr lvl="1"/>
+            <a:r>
+              <a:rPr lang="en-US">
+                <a:solidFill>
+                  <a:schemeClr val="bg1">
+                    <a:lumMod val="65000"/>
+                  </a:schemeClr>
+                </a:solidFill>
+              </a:rPr>
+              <a:t>(State Machine Diagrams)</a:t>
+            </a:r>
+          </a:p>
+          <a:p>
+            <a:endParaRPr lang="en-US">
+              <a:solidFill>
+                <a:schemeClr val="bg1">
+                  <a:lumMod val="65000"/>
+                </a:schemeClr>
+              </a:solidFill>
+            </a:endParaRPr>
+          </a:p>
+          <a:p>
+            <a:r>
+              <a:rPr lang="en-US"/>
+              <a:t>Reflection</a:t>
+            </a:r>
+          </a:p>
+        </p:txBody>
+      </p:sp>
+      <p:sp>
+        <p:nvSpPr>
+          <p:cNvPr id="4" name="Slide Number Placeholder 3">
+            <a:extLst>
+              <a:ext uri="{FF2B5EF4-FFF2-40B4-BE49-F238E27FC236}">
+                <a16:creationId xmlns:a16="http://schemas.microsoft.com/office/drawing/2014/main" id="{36B3A4F1-178B-8E44-AF3E-D067B56AF78F}"/>
+              </a:ext>
+            </a:extLst>
+          </p:cNvPr>
+          <p:cNvSpPr>
+            <a:spLocks noGrp="1"/>
+          </p:cNvSpPr>
+          <p:nvPr>
+            <p:ph type="sldNum" sz="quarter" idx="12"/>
+          </p:nvPr>
+        </p:nvSpPr>
+        <p:spPr/>
+        <p:txBody>
+          <a:bodyPr/>
+          <a:lstStyle/>
+          <a:p>
+            <a:fld id="{59467819-B74A-7D46-BC68-B37107E692DD}" type="slidenum">
+              <a:rPr lang="en-US" smtClean="0"/>
+              <a:t>18</a:t>
+            </a:fld>
+            <a:endParaRPr lang="en-US"/>
+          </a:p>
+        </p:txBody>
+      </p:sp>
+    </p:spTree>
+    <p:extLst>
+      <p:ext uri="{BB962C8B-B14F-4D97-AF65-F5344CB8AC3E}">
+        <p14:creationId xmlns:p14="http://schemas.microsoft.com/office/powerpoint/2010/main" val="2581335394"/>
+      </p:ext>
+    </p:extLst>
+  </p:cSld>
+  <p:clrMapOvr>
+    <a:masterClrMapping/>
+  </p:clrMapOvr>
+</p:sld>
+</file>
+
 <file path=ppt/slides/slide19.xml><?xml version="1.0" encoding="utf-8"?>
 <p:sld xmlns:a="http://schemas.openxmlformats.org/drawingml/2006/main" xmlns:r="http://schemas.openxmlformats.org/officeDocument/2006/relationships" xmlns:p="http://schemas.openxmlformats.org/presentationml/2006/main">
   <p:cSld>
@@ -6329,7 +6490,7 @@
           <p:cNvPr id="2" name="Title 1">
             <a:extLst>
               <a:ext uri="{FF2B5EF4-FFF2-40B4-BE49-F238E27FC236}">
-                <a16:creationId xmlns:a16="http://schemas.microsoft.com/office/drawing/2014/main" id="{7A3F6A72-D491-AB4F-803D-EEAFBF2E2F9D}"/>
+                <a16:creationId xmlns:a16="http://schemas.microsoft.com/office/drawing/2014/main" id="{60F1A4C7-EB84-2441-BE19-77CA07950025}"/>
               </a:ext>
             </a:extLst>
           </p:cNvPr>
@@ -6346,8 +6507,15 @@
           <a:lstStyle/>
           <a:p>
             <a:r>
-              <a:rPr lang="en-US" dirty="0"/>
-              <a:t>Dynamic Model</a:t>
+              <a:rPr lang="en-US"/>
+              <a:t>Reflection</a:t>
+            </a:r>
+            <a:br>
+              <a:rPr lang="en-US"/>
+            </a:br>
+            <a:r>
+              <a:rPr lang="en-US"/>
+              <a:t>What went well</a:t>
             </a:r>
           </a:p>
         </p:txBody>
@@ -6357,7 +6525,7 @@
           <p:cNvPr id="3" name="Content Placeholder 2">
             <a:extLst>
               <a:ext uri="{FF2B5EF4-FFF2-40B4-BE49-F238E27FC236}">
-                <a16:creationId xmlns:a16="http://schemas.microsoft.com/office/drawing/2014/main" id="{706C7C5E-1567-7240-87DD-B41E8F859533}"/>
+                <a16:creationId xmlns:a16="http://schemas.microsoft.com/office/drawing/2014/main" id="{CAA5DA0C-C976-E544-8AC1-D9AF13CFD0B0}"/>
               </a:ext>
             </a:extLst>
           </p:cNvPr>
@@ -6370,10 +6538,22 @@
         </p:nvSpPr>
         <p:spPr/>
         <p:txBody>
-          <a:bodyPr/>
-          <a:lstStyle/>
-          <a:p>
-            <a:endParaRPr lang="en-US"/>
+          <a:bodyPr vert="horz" lIns="91440" tIns="45720" rIns="91440" bIns="45720" rtlCol="0" anchor="t">
+            <a:normAutofit/>
+          </a:bodyPr>
+          <a:lstStyle/>
+          <a:p>
+            <a:r>
+              <a:rPr lang="en-US">
+                <a:cs typeface="Calibri"/>
+              </a:rPr>
+              <a:t>Start early. </a:t>
+            </a:r>
+          </a:p>
+          <a:p>
+            <a:endParaRPr lang="en-US">
+              <a:cs typeface="Calibri"/>
+            </a:endParaRPr>
           </a:p>
         </p:txBody>
       </p:sp>
@@ -6382,7 +6562,7 @@
           <p:cNvPr id="4" name="Slide Number Placeholder 3">
             <a:extLst>
               <a:ext uri="{FF2B5EF4-FFF2-40B4-BE49-F238E27FC236}">
-                <a16:creationId xmlns:a16="http://schemas.microsoft.com/office/drawing/2014/main" id="{96DE280E-F1C8-4F43-BE5C-9703701699D6}"/>
+                <a16:creationId xmlns:a16="http://schemas.microsoft.com/office/drawing/2014/main" id="{20F935D9-B521-9044-A1D1-73B1EDF71D62}"/>
               </a:ext>
             </a:extLst>
           </p:cNvPr>
@@ -6400,65 +6580,16 @@
           <a:p>
             <a:fld id="{59467819-B74A-7D46-BC68-B37107E692DD}" type="slidenum">
               <a:rPr lang="en-US" smtClean="0"/>
-              <a:t>15</a:t>
+              <a:t>19</a:t>
             </a:fld>
             <a:endParaRPr lang="en-US"/>
-          </a:p>
-        </p:txBody>
-      </p:sp>
-      <p:sp>
-        <p:nvSpPr>
-          <p:cNvPr id="5" name="Rounded Rectangle 4">
-            <a:extLst>
-              <a:ext uri="{FF2B5EF4-FFF2-40B4-BE49-F238E27FC236}">
-                <a16:creationId xmlns:a16="http://schemas.microsoft.com/office/drawing/2014/main" id="{164C22A3-2915-1344-9D7E-250FB0F81225}"/>
-              </a:ext>
-            </a:extLst>
-          </p:cNvPr>
-          <p:cNvSpPr/>
-          <p:nvPr/>
-        </p:nvSpPr>
-        <p:spPr>
-          <a:xfrm>
-            <a:off x="7278130" y="531341"/>
-            <a:ext cx="3669956" cy="1159347"/>
-          </a:xfrm>
-          <a:prstGeom prst="roundRect">
-            <a:avLst/>
-          </a:prstGeom>
-        </p:spPr>
-        <p:style>
-          <a:lnRef idx="2">
-            <a:schemeClr val="accent1">
-              <a:shade val="50000"/>
-            </a:schemeClr>
-          </a:lnRef>
-          <a:fillRef idx="1">
-            <a:schemeClr val="accent1"/>
-          </a:fillRef>
-          <a:effectRef idx="0">
-            <a:schemeClr val="accent1"/>
-          </a:effectRef>
-          <a:fontRef idx="minor">
-            <a:schemeClr val="lt1"/>
-          </a:fontRef>
-        </p:style>
-        <p:txBody>
-          <a:bodyPr rtlCol="0" anchor="ctr"/>
-          <a:lstStyle/>
-          <a:p>
-            <a:pPr algn="ctr"/>
-            <a:r>
-              <a:rPr lang="en-US" dirty="0"/>
-              <a:t>Show two or three of the more interesting behavioral diagrams (sequence diagrams, state machine diagrams, activity diagrams).</a:t>
-            </a:r>
           </a:p>
         </p:txBody>
       </p:sp>
     </p:spTree>
     <p:extLst>
       <p:ext uri="{BB962C8B-B14F-4D97-AF65-F5344CB8AC3E}">
-        <p14:creationId xmlns:p14="http://schemas.microsoft.com/office/powerpoint/2010/main" val="710029326"/>
+        <p14:creationId xmlns:p14="http://schemas.microsoft.com/office/powerpoint/2010/main" val="2321060829"/>
       </p:ext>
     </p:extLst>
   </p:cSld>
@@ -6507,7 +6638,7 @@
           <a:lstStyle/>
           <a:p>
             <a:r>
-              <a:rPr lang="en-US" dirty="0"/>
+              <a:rPr lang="en-US"/>
               <a:t>Overview</a:t>
             </a:r>
           </a:p>
@@ -6542,56 +6673,56 @@
           <a:lstStyle/>
           <a:p>
             <a:r>
-              <a:rPr lang="en-US" dirty="0"/>
+              <a:rPr lang="en-US"/>
               <a:t>Project Description</a:t>
             </a:r>
           </a:p>
           <a:p>
-            <a:endParaRPr lang="en-US" dirty="0"/>
-          </a:p>
-          <a:p>
-            <a:r>
-              <a:rPr lang="en-US" dirty="0"/>
+            <a:endParaRPr lang="en-US"/>
+          </a:p>
+          <a:p>
+            <a:r>
+              <a:rPr lang="en-US"/>
               <a:t>Use Case Model</a:t>
             </a:r>
           </a:p>
           <a:p>
             <a:pPr lvl="1"/>
             <a:r>
-              <a:rPr lang="en-US" dirty="0"/>
+              <a:rPr lang="en-US"/>
               <a:t>Use Case Diagram</a:t>
             </a:r>
           </a:p>
           <a:p>
             <a:pPr lvl="1"/>
             <a:r>
-              <a:rPr lang="en-US" dirty="0"/>
+              <a:rPr lang="en-US"/>
               <a:t>Use Cases</a:t>
             </a:r>
           </a:p>
           <a:p>
-            <a:endParaRPr lang="en-US" dirty="0"/>
-          </a:p>
-          <a:p>
-            <a:r>
-              <a:rPr lang="en-US" dirty="0"/>
+            <a:endParaRPr lang="en-US"/>
+          </a:p>
+          <a:p>
+            <a:r>
+              <a:rPr lang="en-US"/>
               <a:t>Domain Model</a:t>
             </a:r>
           </a:p>
           <a:p>
             <a:pPr lvl="1"/>
             <a:r>
-              <a:rPr lang="en-US" dirty="0"/>
+              <a:rPr lang="en-US"/>
               <a:t>Class Diagram</a:t>
             </a:r>
           </a:p>
           <a:p>
             <a:pPr lvl="1"/>
             <a:r>
-              <a:rPr lang="en-US" dirty="0"/>
+              <a:rPr lang="en-US"/>
               <a:t>Sequence Diagrams</a:t>
             </a:r>
-            <a:endParaRPr lang="en-US" dirty="0">
+            <a:endParaRPr lang="en-US">
               <a:cs typeface="Calibri" panose="020F0502020204030204"/>
             </a:endParaRPr>
           </a:p>
@@ -6599,13 +6730,13 @@
             <a:pPr marL="0" indent="0">
               <a:buNone/>
             </a:pPr>
-            <a:endParaRPr lang="en-US" dirty="0">
+            <a:endParaRPr lang="en-US">
               <a:cs typeface="Calibri" panose="020F0502020204030204"/>
             </a:endParaRPr>
           </a:p>
           <a:p>
             <a:r>
-              <a:rPr lang="en-US" dirty="0"/>
+              <a:rPr lang="en-US"/>
               <a:t>Reflection</a:t>
             </a:r>
           </a:p>
@@ -6675,7 +6806,7 @@
           <p:cNvPr id="2" name="Title 1">
             <a:extLst>
               <a:ext uri="{FF2B5EF4-FFF2-40B4-BE49-F238E27FC236}">
-                <a16:creationId xmlns:a16="http://schemas.microsoft.com/office/drawing/2014/main" id="{71DBD2D0-E504-4E46-B672-425972770860}"/>
+                <a16:creationId xmlns:a16="http://schemas.microsoft.com/office/drawing/2014/main" id="{5C77787A-9B5F-414B-98B2-328E9D587759}"/>
               </a:ext>
             </a:extLst>
           </p:cNvPr>
@@ -6692,8 +6823,15 @@
           <a:lstStyle/>
           <a:p>
             <a:r>
-              <a:rPr lang="en-US" dirty="0"/>
-              <a:t>Overview</a:t>
+              <a:rPr lang="en-US"/>
+              <a:t>Reflection</a:t>
+            </a:r>
+            <a:br>
+              <a:rPr lang="en-US"/>
+            </a:br>
+            <a:r>
+              <a:rPr lang="en-US"/>
+              <a:t>What didn’t go well</a:t>
             </a:r>
           </a:p>
         </p:txBody>
@@ -6703,7 +6841,7 @@
           <p:cNvPr id="3" name="Content Placeholder 2">
             <a:extLst>
               <a:ext uri="{FF2B5EF4-FFF2-40B4-BE49-F238E27FC236}">
-                <a16:creationId xmlns:a16="http://schemas.microsoft.com/office/drawing/2014/main" id="{97721FA8-877C-0D43-AF19-4C75EECB089A}"/>
+                <a16:creationId xmlns:a16="http://schemas.microsoft.com/office/drawing/2014/main" id="{D43E40C2-C032-9041-B259-5483E0C0DAC0}"/>
               </a:ext>
             </a:extLst>
           </p:cNvPr>
@@ -6714,151 +6852,12 @@
             <p:ph idx="1"/>
           </p:nvPr>
         </p:nvSpPr>
-        <p:spPr>
-          <a:xfrm>
-            <a:off x="838200" y="1825625"/>
-            <a:ext cx="10515600" cy="4895850"/>
-          </a:xfrm>
-        </p:spPr>
-        <p:txBody>
-          <a:bodyPr>
-            <a:normAutofit fontScale="92500" lnSpcReduction="20000"/>
-          </a:bodyPr>
-          <a:lstStyle/>
-          <a:p>
-            <a:r>
-              <a:rPr lang="en-US" dirty="0">
-                <a:solidFill>
-                  <a:schemeClr val="bg1">
-                    <a:lumMod val="65000"/>
-                  </a:schemeClr>
-                </a:solidFill>
-              </a:rPr>
-              <a:t>Project Description</a:t>
-            </a:r>
-          </a:p>
-          <a:p>
-            <a:endParaRPr lang="en-US" dirty="0"/>
-          </a:p>
-          <a:p>
-            <a:r>
-              <a:rPr lang="en-US" dirty="0">
-                <a:solidFill>
-                  <a:schemeClr val="bg1">
-                    <a:lumMod val="65000"/>
-                  </a:schemeClr>
-                </a:solidFill>
-              </a:rPr>
-              <a:t>Use Case Model</a:t>
-            </a:r>
-          </a:p>
-          <a:p>
-            <a:pPr lvl="1"/>
-            <a:r>
-              <a:rPr lang="en-US" dirty="0">
-                <a:solidFill>
-                  <a:schemeClr val="bg1">
-                    <a:lumMod val="65000"/>
-                  </a:schemeClr>
-                </a:solidFill>
-              </a:rPr>
-              <a:t>Use Case Diagram</a:t>
-            </a:r>
-          </a:p>
-          <a:p>
-            <a:pPr lvl="1"/>
-            <a:r>
-              <a:rPr lang="en-US" dirty="0">
-                <a:solidFill>
-                  <a:schemeClr val="bg1">
-                    <a:lumMod val="65000"/>
-                  </a:schemeClr>
-                </a:solidFill>
-              </a:rPr>
-              <a:t>Use Cases</a:t>
-            </a:r>
-          </a:p>
-          <a:p>
-            <a:endParaRPr lang="en-US" dirty="0"/>
-          </a:p>
-          <a:p>
-            <a:r>
-              <a:rPr lang="en-US" dirty="0">
-                <a:solidFill>
-                  <a:schemeClr val="bg1">
-                    <a:lumMod val="65000"/>
-                  </a:schemeClr>
-                </a:solidFill>
-              </a:rPr>
-              <a:t>Domain Model</a:t>
-            </a:r>
-          </a:p>
-          <a:p>
-            <a:pPr lvl="1"/>
-            <a:r>
-              <a:rPr lang="en-US" dirty="0">
-                <a:solidFill>
-                  <a:schemeClr val="bg1">
-                    <a:lumMod val="65000"/>
-                  </a:schemeClr>
-                </a:solidFill>
-              </a:rPr>
-              <a:t>Class Diagram</a:t>
-            </a:r>
-          </a:p>
-          <a:p>
-            <a:pPr lvl="1"/>
-            <a:r>
-              <a:rPr lang="en-US" dirty="0">
-                <a:solidFill>
-                  <a:schemeClr val="bg1">
-                    <a:lumMod val="65000"/>
-                  </a:schemeClr>
-                </a:solidFill>
-              </a:rPr>
-              <a:t>(Activity Diagrams)</a:t>
-            </a:r>
-          </a:p>
-          <a:p>
-            <a:pPr lvl="1"/>
-            <a:r>
-              <a:rPr lang="en-US" dirty="0">
-                <a:solidFill>
-                  <a:schemeClr val="bg1">
-                    <a:lumMod val="65000"/>
-                  </a:schemeClr>
-                </a:solidFill>
-              </a:rPr>
-              <a:t>Sequence Diagrams</a:t>
-            </a:r>
-          </a:p>
-          <a:p>
-            <a:pPr lvl="1"/>
-            <a:r>
-              <a:rPr lang="en-US" dirty="0">
-                <a:solidFill>
-                  <a:schemeClr val="bg1">
-                    <a:lumMod val="65000"/>
-                  </a:schemeClr>
-                </a:solidFill>
-              </a:rPr>
-              <a:t>(State Machine Diagrams)</a:t>
-            </a:r>
-          </a:p>
-          <a:p>
-            <a:endParaRPr lang="en-US" dirty="0">
-              <a:solidFill>
-                <a:schemeClr val="bg1">
-                  <a:lumMod val="65000"/>
-                </a:schemeClr>
-              </a:solidFill>
-            </a:endParaRPr>
-          </a:p>
-          <a:p>
-            <a:r>
-              <a:rPr lang="en-US" dirty="0"/>
-              <a:t>Reflection</a:t>
-            </a:r>
+        <p:spPr/>
+        <p:txBody>
+          <a:bodyPr/>
+          <a:lstStyle/>
+          <a:p>
+            <a:endParaRPr lang="en-US"/>
           </a:p>
         </p:txBody>
       </p:sp>
@@ -6867,7 +6866,7 @@
           <p:cNvPr id="4" name="Slide Number Placeholder 3">
             <a:extLst>
               <a:ext uri="{FF2B5EF4-FFF2-40B4-BE49-F238E27FC236}">
-                <a16:creationId xmlns:a16="http://schemas.microsoft.com/office/drawing/2014/main" id="{36B3A4F1-178B-8E44-AF3E-D067B56AF78F}"/>
+                <a16:creationId xmlns:a16="http://schemas.microsoft.com/office/drawing/2014/main" id="{B1955E28-13FF-3A4C-BE9B-09A862B654B7}"/>
               </a:ext>
             </a:extLst>
           </p:cNvPr>
@@ -6885,7 +6884,7 @@
           <a:p>
             <a:fld id="{59467819-B74A-7D46-BC68-B37107E692DD}" type="slidenum">
               <a:rPr lang="en-US" smtClean="0"/>
-              <a:t>16</a:t>
+              <a:t>20</a:t>
             </a:fld>
             <a:endParaRPr lang="en-US"/>
           </a:p>
@@ -6894,7 +6893,7 @@
     </p:spTree>
     <p:extLst>
       <p:ext uri="{BB962C8B-B14F-4D97-AF65-F5344CB8AC3E}">
-        <p14:creationId xmlns:p14="http://schemas.microsoft.com/office/powerpoint/2010/main" val="2581335394"/>
+        <p14:creationId xmlns:p14="http://schemas.microsoft.com/office/powerpoint/2010/main" val="1552594242"/>
       </p:ext>
     </p:extLst>
   </p:cSld>
@@ -6926,7 +6925,7 @@
           <p:cNvPr id="2" name="Title 1">
             <a:extLst>
               <a:ext uri="{FF2B5EF4-FFF2-40B4-BE49-F238E27FC236}">
-                <a16:creationId xmlns:a16="http://schemas.microsoft.com/office/drawing/2014/main" id="{60F1A4C7-EB84-2441-BE19-77CA07950025}"/>
+                <a16:creationId xmlns:a16="http://schemas.microsoft.com/office/drawing/2014/main" id="{E7E162ED-B91E-2F4F-8647-9081B3D8FE5B}"/>
               </a:ext>
             </a:extLst>
           </p:cNvPr>
@@ -6943,15 +6942,15 @@
           <a:lstStyle/>
           <a:p>
             <a:r>
-              <a:rPr lang="en-US" dirty="0"/>
+              <a:rPr lang="en-US"/>
               <a:t>Reflection</a:t>
             </a:r>
             <a:br>
-              <a:rPr lang="en-US" dirty="0"/>
+              <a:rPr lang="en-US"/>
             </a:br>
             <a:r>
-              <a:rPr lang="en-US" dirty="0"/>
-              <a:t>What went well</a:t>
+              <a:rPr lang="en-US"/>
+              <a:t>Something to Improve</a:t>
             </a:r>
           </a:p>
         </p:txBody>
@@ -6961,7 +6960,7 @@
           <p:cNvPr id="3" name="Content Placeholder 2">
             <a:extLst>
               <a:ext uri="{FF2B5EF4-FFF2-40B4-BE49-F238E27FC236}">
-                <a16:creationId xmlns:a16="http://schemas.microsoft.com/office/drawing/2014/main" id="{CAA5DA0C-C976-E544-8AC1-D9AF13CFD0B0}"/>
+                <a16:creationId xmlns:a16="http://schemas.microsoft.com/office/drawing/2014/main" id="{223C465A-B74B-C248-AD77-EAB344363F9D}"/>
               </a:ext>
             </a:extLst>
           </p:cNvPr>
@@ -6980,16 +6979,19 @@
           <a:lstStyle/>
           <a:p>
             <a:r>
-              <a:rPr lang="en-US" dirty="0">
+              <a:rPr lang="en-US">
                 <a:cs typeface="Calibri"/>
               </a:rPr>
-              <a:t>Start early. </a:t>
-            </a:r>
-          </a:p>
-          <a:p>
-            <a:endParaRPr lang="en-US" dirty="0">
-              <a:cs typeface="Calibri"/>
-            </a:endParaRPr>
+              <a:t>Coding language to use.</a:t>
+            </a:r>
+          </a:p>
+          <a:p>
+            <a:r>
+              <a:rPr lang="en-US">
+                <a:cs typeface="Calibri"/>
+              </a:rPr>
+              <a:t>Be specific with the attributes and methods</a:t>
+            </a:r>
           </a:p>
         </p:txBody>
       </p:sp>
@@ -6998,7 +7000,7 @@
           <p:cNvPr id="4" name="Slide Number Placeholder 3">
             <a:extLst>
               <a:ext uri="{FF2B5EF4-FFF2-40B4-BE49-F238E27FC236}">
-                <a16:creationId xmlns:a16="http://schemas.microsoft.com/office/drawing/2014/main" id="{20F935D9-B521-9044-A1D1-73B1EDF71D62}"/>
+                <a16:creationId xmlns:a16="http://schemas.microsoft.com/office/drawing/2014/main" id="{9E8FCF79-6DA7-FB44-BC45-0DCDE8B51E4F}"/>
               </a:ext>
             </a:extLst>
           </p:cNvPr>
@@ -7016,7 +7018,7 @@
           <a:p>
             <a:fld id="{59467819-B74A-7D46-BC68-B37107E692DD}" type="slidenum">
               <a:rPr lang="en-US" smtClean="0"/>
-              <a:t>17</a:t>
+              <a:t>21</a:t>
             </a:fld>
             <a:endParaRPr lang="en-US"/>
           </a:p>
@@ -7025,7 +7027,7 @@
     </p:spTree>
     <p:extLst>
       <p:ext uri="{BB962C8B-B14F-4D97-AF65-F5344CB8AC3E}">
-        <p14:creationId xmlns:p14="http://schemas.microsoft.com/office/powerpoint/2010/main" val="2321060829"/>
+        <p14:creationId xmlns:p14="http://schemas.microsoft.com/office/powerpoint/2010/main" val="3172186231"/>
       </p:ext>
     </p:extLst>
   </p:cSld>
@@ -7057,7 +7059,7 @@
           <p:cNvPr id="2" name="Title 1">
             <a:extLst>
               <a:ext uri="{FF2B5EF4-FFF2-40B4-BE49-F238E27FC236}">
-                <a16:creationId xmlns:a16="http://schemas.microsoft.com/office/drawing/2014/main" id="{5C77787A-9B5F-414B-98B2-328E9D587759}"/>
+                <a16:creationId xmlns:a16="http://schemas.microsoft.com/office/drawing/2014/main" id="{71DBD2D0-E504-4E46-B672-425972770860}"/>
               </a:ext>
             </a:extLst>
           </p:cNvPr>
@@ -7074,260 +7076,7 @@
           <a:lstStyle/>
           <a:p>
             <a:r>
-              <a:rPr lang="en-US" dirty="0"/>
-              <a:t>Reflection</a:t>
-            </a:r>
-            <a:br>
-              <a:rPr lang="en-US" dirty="0"/>
-            </a:br>
-            <a:r>
-              <a:rPr lang="en-US" dirty="0"/>
-              <a:t>What didn’t go well</a:t>
-            </a:r>
-          </a:p>
-        </p:txBody>
-      </p:sp>
-      <p:sp>
-        <p:nvSpPr>
-          <p:cNvPr id="3" name="Content Placeholder 2">
-            <a:extLst>
-              <a:ext uri="{FF2B5EF4-FFF2-40B4-BE49-F238E27FC236}">
-                <a16:creationId xmlns:a16="http://schemas.microsoft.com/office/drawing/2014/main" id="{D43E40C2-C032-9041-B259-5483E0C0DAC0}"/>
-              </a:ext>
-            </a:extLst>
-          </p:cNvPr>
-          <p:cNvSpPr>
-            <a:spLocks noGrp="1"/>
-          </p:cNvSpPr>
-          <p:nvPr>
-            <p:ph idx="1"/>
-          </p:nvPr>
-        </p:nvSpPr>
-        <p:spPr/>
-        <p:txBody>
-          <a:bodyPr/>
-          <a:lstStyle/>
-          <a:p>
-            <a:endParaRPr lang="en-US"/>
-          </a:p>
-        </p:txBody>
-      </p:sp>
-      <p:sp>
-        <p:nvSpPr>
-          <p:cNvPr id="4" name="Slide Number Placeholder 3">
-            <a:extLst>
-              <a:ext uri="{FF2B5EF4-FFF2-40B4-BE49-F238E27FC236}">
-                <a16:creationId xmlns:a16="http://schemas.microsoft.com/office/drawing/2014/main" id="{B1955E28-13FF-3A4C-BE9B-09A862B654B7}"/>
-              </a:ext>
-            </a:extLst>
-          </p:cNvPr>
-          <p:cNvSpPr>
-            <a:spLocks noGrp="1"/>
-          </p:cNvSpPr>
-          <p:nvPr>
-            <p:ph type="sldNum" sz="quarter" idx="12"/>
-          </p:nvPr>
-        </p:nvSpPr>
-        <p:spPr/>
-        <p:txBody>
-          <a:bodyPr/>
-          <a:lstStyle/>
-          <a:p>
-            <a:fld id="{59467819-B74A-7D46-BC68-B37107E692DD}" type="slidenum">
-              <a:rPr lang="en-US" smtClean="0"/>
-              <a:t>18</a:t>
-            </a:fld>
-            <a:endParaRPr lang="en-US"/>
-          </a:p>
-        </p:txBody>
-      </p:sp>
-    </p:spTree>
-    <p:extLst>
-      <p:ext uri="{BB962C8B-B14F-4D97-AF65-F5344CB8AC3E}">
-        <p14:creationId xmlns:p14="http://schemas.microsoft.com/office/powerpoint/2010/main" val="1552594242"/>
-      </p:ext>
-    </p:extLst>
-  </p:cSld>
-  <p:clrMapOvr>
-    <a:masterClrMapping/>
-  </p:clrMapOvr>
-</p:sld>
-</file>
-
-<file path=ppt/slides/slide23.xml><?xml version="1.0" encoding="utf-8"?>
-<p:sld xmlns:a="http://schemas.openxmlformats.org/drawingml/2006/main" xmlns:r="http://schemas.openxmlformats.org/officeDocument/2006/relationships" xmlns:p="http://schemas.openxmlformats.org/presentationml/2006/main">
-  <p:cSld>
-    <p:spTree>
-      <p:nvGrpSpPr>
-        <p:cNvPr id="1" name=""/>
-        <p:cNvGrpSpPr/>
-        <p:nvPr/>
-      </p:nvGrpSpPr>
-      <p:grpSpPr>
-        <a:xfrm>
-          <a:off x="0" y="0"/>
-          <a:ext cx="0" cy="0"/>
-          <a:chOff x="0" y="0"/>
-          <a:chExt cx="0" cy="0"/>
-        </a:xfrm>
-      </p:grpSpPr>
-      <p:sp>
-        <p:nvSpPr>
-          <p:cNvPr id="2" name="Title 1">
-            <a:extLst>
-              <a:ext uri="{FF2B5EF4-FFF2-40B4-BE49-F238E27FC236}">
-                <a16:creationId xmlns:a16="http://schemas.microsoft.com/office/drawing/2014/main" id="{E7E162ED-B91E-2F4F-8647-9081B3D8FE5B}"/>
-              </a:ext>
-            </a:extLst>
-          </p:cNvPr>
-          <p:cNvSpPr>
-            <a:spLocks noGrp="1"/>
-          </p:cNvSpPr>
-          <p:nvPr>
-            <p:ph type="title"/>
-          </p:nvPr>
-        </p:nvSpPr>
-        <p:spPr/>
-        <p:txBody>
-          <a:bodyPr/>
-          <a:lstStyle/>
-          <a:p>
-            <a:r>
-              <a:rPr lang="en-US" dirty="0"/>
-              <a:t>Reflection</a:t>
-            </a:r>
-            <a:br>
-              <a:rPr lang="en-US" dirty="0"/>
-            </a:br>
-            <a:r>
-              <a:rPr lang="en-US" dirty="0"/>
-              <a:t>Something to Improve</a:t>
-            </a:r>
-          </a:p>
-        </p:txBody>
-      </p:sp>
-      <p:sp>
-        <p:nvSpPr>
-          <p:cNvPr id="3" name="Content Placeholder 2">
-            <a:extLst>
-              <a:ext uri="{FF2B5EF4-FFF2-40B4-BE49-F238E27FC236}">
-                <a16:creationId xmlns:a16="http://schemas.microsoft.com/office/drawing/2014/main" id="{223C465A-B74B-C248-AD77-EAB344363F9D}"/>
-              </a:ext>
-            </a:extLst>
-          </p:cNvPr>
-          <p:cNvSpPr>
-            <a:spLocks noGrp="1"/>
-          </p:cNvSpPr>
-          <p:nvPr>
-            <p:ph idx="1"/>
-          </p:nvPr>
-        </p:nvSpPr>
-        <p:spPr/>
-        <p:txBody>
-          <a:bodyPr vert="horz" lIns="91440" tIns="45720" rIns="91440" bIns="45720" rtlCol="0" anchor="t">
-            <a:normAutofit/>
-          </a:bodyPr>
-          <a:lstStyle/>
-          <a:p>
-            <a:r>
-              <a:rPr lang="en-US" dirty="0">
-                <a:cs typeface="Calibri"/>
-              </a:rPr>
-              <a:t>Coding language to use.</a:t>
-            </a:r>
-          </a:p>
-          <a:p>
-            <a:r>
-              <a:rPr lang="en-US" dirty="0">
-                <a:cs typeface="Calibri"/>
-              </a:rPr>
-              <a:t>Be specific with the attributes and methods</a:t>
-            </a:r>
-          </a:p>
-        </p:txBody>
-      </p:sp>
-      <p:sp>
-        <p:nvSpPr>
-          <p:cNvPr id="4" name="Slide Number Placeholder 3">
-            <a:extLst>
-              <a:ext uri="{FF2B5EF4-FFF2-40B4-BE49-F238E27FC236}">
-                <a16:creationId xmlns:a16="http://schemas.microsoft.com/office/drawing/2014/main" id="{9E8FCF79-6DA7-FB44-BC45-0DCDE8B51E4F}"/>
-              </a:ext>
-            </a:extLst>
-          </p:cNvPr>
-          <p:cNvSpPr>
-            <a:spLocks noGrp="1"/>
-          </p:cNvSpPr>
-          <p:nvPr>
-            <p:ph type="sldNum" sz="quarter" idx="12"/>
-          </p:nvPr>
-        </p:nvSpPr>
-        <p:spPr/>
-        <p:txBody>
-          <a:bodyPr/>
-          <a:lstStyle/>
-          <a:p>
-            <a:fld id="{59467819-B74A-7D46-BC68-B37107E692DD}" type="slidenum">
-              <a:rPr lang="en-US" smtClean="0"/>
-              <a:t>19</a:t>
-            </a:fld>
-            <a:endParaRPr lang="en-US"/>
-          </a:p>
-        </p:txBody>
-      </p:sp>
-    </p:spTree>
-    <p:extLst>
-      <p:ext uri="{BB962C8B-B14F-4D97-AF65-F5344CB8AC3E}">
-        <p14:creationId xmlns:p14="http://schemas.microsoft.com/office/powerpoint/2010/main" val="3172186231"/>
-      </p:ext>
-    </p:extLst>
-  </p:cSld>
-  <p:clrMapOvr>
-    <a:masterClrMapping/>
-  </p:clrMapOvr>
-</p:sld>
-</file>
-
-<file path=ppt/slides/slide24.xml><?xml version="1.0" encoding="utf-8"?>
-<p:sld xmlns:a="http://schemas.openxmlformats.org/drawingml/2006/main" xmlns:r="http://schemas.openxmlformats.org/officeDocument/2006/relationships" xmlns:p="http://schemas.openxmlformats.org/presentationml/2006/main">
-  <p:cSld>
-    <p:spTree>
-      <p:nvGrpSpPr>
-        <p:cNvPr id="1" name=""/>
-        <p:cNvGrpSpPr/>
-        <p:nvPr/>
-      </p:nvGrpSpPr>
-      <p:grpSpPr>
-        <a:xfrm>
-          <a:off x="0" y="0"/>
-          <a:ext cx="0" cy="0"/>
-          <a:chOff x="0" y="0"/>
-          <a:chExt cx="0" cy="0"/>
-        </a:xfrm>
-      </p:grpSpPr>
-      <p:sp>
-        <p:nvSpPr>
-          <p:cNvPr id="2" name="Title 1">
-            <a:extLst>
-              <a:ext uri="{FF2B5EF4-FFF2-40B4-BE49-F238E27FC236}">
-                <a16:creationId xmlns:a16="http://schemas.microsoft.com/office/drawing/2014/main" id="{71DBD2D0-E504-4E46-B672-425972770860}"/>
-              </a:ext>
-            </a:extLst>
-          </p:cNvPr>
-          <p:cNvSpPr>
-            <a:spLocks noGrp="1"/>
-          </p:cNvSpPr>
-          <p:nvPr>
-            <p:ph type="title"/>
-          </p:nvPr>
-        </p:nvSpPr>
-        <p:spPr/>
-        <p:txBody>
-          <a:bodyPr/>
-          <a:lstStyle/>
-          <a:p>
-            <a:r>
-              <a:rPr lang="en-US" dirty="0"/>
+              <a:rPr lang="en-US"/>
               <a:t>Overview</a:t>
             </a:r>
           </a:p>
@@ -7362,76 +7111,76 @@
           <a:lstStyle/>
           <a:p>
             <a:r>
-              <a:rPr lang="en-US" dirty="0"/>
+              <a:rPr lang="en-US"/>
               <a:t>Project Description</a:t>
             </a:r>
           </a:p>
           <a:p>
-            <a:endParaRPr lang="en-US" dirty="0"/>
-          </a:p>
-          <a:p>
-            <a:r>
-              <a:rPr lang="en-US" dirty="0"/>
+            <a:endParaRPr lang="en-US"/>
+          </a:p>
+          <a:p>
+            <a:r>
+              <a:rPr lang="en-US"/>
               <a:t>Use Case Model</a:t>
             </a:r>
           </a:p>
           <a:p>
             <a:pPr lvl="1"/>
             <a:r>
-              <a:rPr lang="en-US" dirty="0"/>
+              <a:rPr lang="en-US"/>
               <a:t>Use Case Diagram</a:t>
             </a:r>
           </a:p>
           <a:p>
             <a:pPr lvl="1"/>
             <a:r>
-              <a:rPr lang="en-US" dirty="0"/>
+              <a:rPr lang="en-US"/>
               <a:t>Use Cases</a:t>
             </a:r>
           </a:p>
           <a:p>
-            <a:endParaRPr lang="en-US" dirty="0"/>
-          </a:p>
-          <a:p>
-            <a:r>
-              <a:rPr lang="en-US" dirty="0"/>
+            <a:endParaRPr lang="en-US"/>
+          </a:p>
+          <a:p>
+            <a:r>
+              <a:rPr lang="en-US"/>
               <a:t>Domain Model</a:t>
             </a:r>
           </a:p>
           <a:p>
             <a:pPr lvl="1"/>
             <a:r>
-              <a:rPr lang="en-US" dirty="0"/>
+              <a:rPr lang="en-US"/>
               <a:t>Class Diagram</a:t>
             </a:r>
           </a:p>
           <a:p>
             <a:pPr lvl="1"/>
             <a:r>
-              <a:rPr lang="en-US" dirty="0"/>
+              <a:rPr lang="en-US"/>
               <a:t>(Activity Diagrams)</a:t>
             </a:r>
           </a:p>
           <a:p>
             <a:pPr lvl="1"/>
             <a:r>
-              <a:rPr lang="en-US" dirty="0"/>
+              <a:rPr lang="en-US"/>
               <a:t>Sequence Diagrams</a:t>
             </a:r>
           </a:p>
           <a:p>
             <a:pPr lvl="1"/>
             <a:r>
-              <a:rPr lang="en-US" dirty="0"/>
+              <a:rPr lang="en-US"/>
               <a:t>(State Machine Diagrams)</a:t>
             </a:r>
           </a:p>
           <a:p>
-            <a:endParaRPr lang="en-US" dirty="0"/>
-          </a:p>
-          <a:p>
-            <a:r>
-              <a:rPr lang="en-US" dirty="0"/>
+            <a:endParaRPr lang="en-US"/>
+          </a:p>
+          <a:p>
+            <a:r>
+              <a:rPr lang="en-US"/>
               <a:t>Reflection</a:t>
             </a:r>
           </a:p>
@@ -7460,7 +7209,7 @@
           <a:p>
             <a:fld id="{59467819-B74A-7D46-BC68-B37107E692DD}" type="slidenum">
               <a:rPr lang="en-US" smtClean="0"/>
-              <a:t>20</a:t>
+              <a:t>22</a:t>
             </a:fld>
             <a:endParaRPr lang="en-US"/>
           </a:p>
@@ -7523,7 +7272,7 @@
           <a:lstStyle/>
           <a:p>
             <a:r>
-              <a:rPr lang="en-US" dirty="0"/>
+              <a:rPr lang="en-US"/>
               <a:t>Our client</a:t>
             </a:r>
           </a:p>
@@ -7559,7 +7308,7 @@
               <a:rPr lang="en-US" smtClean="0"/>
               <a:t>3</a:t>
             </a:fld>
-            <a:endParaRPr lang="en-US" dirty="0"/>
+            <a:endParaRPr lang="en-US"/>
           </a:p>
         </p:txBody>
       </p:sp>
@@ -7622,7 +7371,7 @@
           <a:lstStyle/>
           <a:p>
             <a:r>
-              <a:rPr lang="en-US" dirty="0"/>
+              <a:rPr lang="en-US"/>
               <a:t>The Pac Mayor man</a:t>
             </a:r>
           </a:p>
@@ -7687,7 +7436,7 @@
           <a:lstStyle/>
           <a:p>
             <a:r>
-              <a:rPr lang="en-US" sz="2600" dirty="0"/>
+              <a:rPr lang="en-US" sz="2600"/>
               <a:t>Pixi City</a:t>
             </a:r>
           </a:p>
@@ -7987,7 +7736,7 @@
           <a:lstStyle/>
           <a:p>
             <a:r>
-              <a:rPr lang="en-US" dirty="0"/>
+              <a:rPr lang="en-US"/>
               <a:t>Project Overview</a:t>
             </a:r>
           </a:p>
@@ -8022,20 +7771,20 @@
           <a:lstStyle/>
           <a:p>
             <a:r>
-              <a:rPr lang="en-US" dirty="0">
+              <a:rPr lang="en-US">
                 <a:cs typeface="Calibri"/>
               </a:rPr>
               <a:t>Purpose: Application will help Mayor Mann simulate traffic flow and allow the city to plan construction projects.</a:t>
             </a:r>
           </a:p>
           <a:p>
-            <a:endParaRPr lang="en-US" dirty="0">
+            <a:endParaRPr lang="en-US">
               <a:cs typeface="Calibri"/>
             </a:endParaRPr>
           </a:p>
           <a:p>
             <a:r>
-              <a:rPr lang="en-US" dirty="0">
+              <a:rPr lang="en-US">
                 <a:cs typeface="Calibri"/>
               </a:rPr>
               <a:t>Scope: Allow user to investigate impact of changing traffic components placement vs density of traffic. </a:t>
@@ -8073,7 +7822,7 @@
               <a:rPr lang="en-US" smtClean="0"/>
               <a:t>4</a:t>
             </a:fld>
-            <a:endParaRPr lang="en-US" dirty="0"/>
+            <a:endParaRPr lang="en-US"/>
           </a:p>
         </p:txBody>
       </p:sp>
@@ -8159,7 +7908,7 @@
           <a:lstStyle/>
           <a:p>
             <a:r>
-              <a:rPr lang="en-US" dirty="0"/>
+              <a:rPr lang="en-US"/>
               <a:t>Overview</a:t>
             </a:r>
           </a:p>
@@ -8194,7 +7943,7 @@
           <a:lstStyle/>
           <a:p>
             <a:r>
-              <a:rPr lang="en-US" dirty="0">
+              <a:rPr lang="en-US">
                 <a:solidFill>
                   <a:schemeClr val="bg1">
                     <a:lumMod val="65000"/>
@@ -8205,34 +7954,34 @@
             </a:r>
           </a:p>
           <a:p>
-            <a:endParaRPr lang="en-US" dirty="0"/>
-          </a:p>
-          <a:p>
-            <a:r>
-              <a:rPr lang="en-US" dirty="0"/>
+            <a:endParaRPr lang="en-US"/>
+          </a:p>
+          <a:p>
+            <a:r>
+              <a:rPr lang="en-US"/>
               <a:t>Use Case Model</a:t>
             </a:r>
           </a:p>
           <a:p>
             <a:pPr lvl="1"/>
             <a:r>
-              <a:rPr lang="en-US" dirty="0"/>
+              <a:rPr lang="en-US"/>
               <a:t>Use Case Diagram</a:t>
             </a:r>
           </a:p>
           <a:p>
             <a:pPr lvl="1"/>
             <a:r>
-              <a:rPr lang="en-US" dirty="0"/>
+              <a:rPr lang="en-US"/>
               <a:t>Use Cases</a:t>
             </a:r>
           </a:p>
           <a:p>
-            <a:endParaRPr lang="en-US" dirty="0"/>
-          </a:p>
-          <a:p>
-            <a:r>
-              <a:rPr lang="en-US" dirty="0">
+            <a:endParaRPr lang="en-US"/>
+          </a:p>
+          <a:p>
+            <a:r>
+              <a:rPr lang="en-US">
                 <a:solidFill>
                   <a:schemeClr val="bg1">
                     <a:lumMod val="65000"/>
@@ -8245,7 +7994,7 @@
           <a:p>
             <a:pPr lvl="1"/>
             <a:r>
-              <a:rPr lang="en-US" dirty="0">
+              <a:rPr lang="en-US">
                 <a:solidFill>
                   <a:schemeClr val="bg1">
                     <a:lumMod val="65000"/>
@@ -8258,7 +8007,7 @@
           <a:p>
             <a:pPr lvl="1"/>
             <a:r>
-              <a:rPr lang="en-US" dirty="0">
+              <a:rPr lang="en-US">
                 <a:solidFill>
                   <a:schemeClr val="bg1">
                     <a:lumMod val="65000"/>
@@ -8271,7 +8020,7 @@
           <a:p>
             <a:pPr lvl="1"/>
             <a:r>
-              <a:rPr lang="en-US" dirty="0">
+              <a:rPr lang="en-US">
                 <a:solidFill>
                   <a:schemeClr val="bg1">
                     <a:lumMod val="65000"/>
@@ -8284,7 +8033,7 @@
           <a:p>
             <a:pPr lvl="1"/>
             <a:r>
-              <a:rPr lang="en-US" dirty="0">
+              <a:rPr lang="en-US">
                 <a:solidFill>
                   <a:schemeClr val="bg1">
                     <a:lumMod val="65000"/>
@@ -8295,7 +8044,7 @@
             </a:r>
           </a:p>
           <a:p>
-            <a:endParaRPr lang="en-US" dirty="0">
+            <a:endParaRPr lang="en-US">
               <a:solidFill>
                 <a:schemeClr val="bg1">
                   <a:lumMod val="65000"/>
@@ -8305,7 +8054,7 @@
           </a:p>
           <a:p>
             <a:r>
-              <a:rPr lang="en-US" dirty="0">
+              <a:rPr lang="en-US">
                 <a:solidFill>
                   <a:schemeClr val="bg1">
                     <a:lumMod val="65000"/>
@@ -8398,18 +8147,47 @@
           <a:lstStyle/>
           <a:p>
             <a:r>
-              <a:rPr lang="en-US" dirty="0"/>
+              <a:rPr lang="en-US"/>
               <a:t>Use Case Diagram</a:t>
             </a:r>
+          </a:p>
+        </p:txBody>
+      </p:sp>
+      <p:sp>
+        <p:nvSpPr>
+          <p:cNvPr id="4" name="Slide Number Placeholder 3">
+            <a:extLst>
+              <a:ext uri="{FF2B5EF4-FFF2-40B4-BE49-F238E27FC236}">
+                <a16:creationId xmlns:a16="http://schemas.microsoft.com/office/drawing/2014/main" id="{DE5E95E1-CE97-AE46-8AA0-99AE9BFC618B}"/>
+              </a:ext>
+            </a:extLst>
+          </p:cNvPr>
+          <p:cNvSpPr>
+            <a:spLocks noGrp="1"/>
+          </p:cNvSpPr>
+          <p:nvPr>
+            <p:ph type="sldNum" sz="quarter" idx="12"/>
+          </p:nvPr>
+        </p:nvSpPr>
+        <p:spPr/>
+        <p:txBody>
+          <a:bodyPr/>
+          <a:lstStyle/>
+          <a:p>
+            <a:fld id="{59467819-B74A-7D46-BC68-B37107E692DD}" type="slidenum">
+              <a:rPr lang="en-US" smtClean="0"/>
+              <a:t>6</a:t>
+            </a:fld>
+            <a:endParaRPr lang="en-US"/>
           </a:p>
         </p:txBody>
       </p:sp>
       <p:pic>
         <p:nvPicPr>
-          <p:cNvPr id="6" name="Picture 6" descr="A close up of a map&#10;&#10;Description generated with high confidence">
-            <a:extLst>
-              <a:ext uri="{FF2B5EF4-FFF2-40B4-BE49-F238E27FC236}">
-                <a16:creationId xmlns:a16="http://schemas.microsoft.com/office/drawing/2014/main" id="{AD201485-74C7-419E-AD0B-957AD37D98B7}"/>
+          <p:cNvPr id="7" name="Picture 7" descr="A close up of a map&#10;&#10;Description generated with high confidence">
+            <a:extLst>
+              <a:ext uri="{FF2B5EF4-FFF2-40B4-BE49-F238E27FC236}">
+                <a16:creationId xmlns:a16="http://schemas.microsoft.com/office/drawing/2014/main" id="{CBAED163-0810-4C25-9BBD-260BEAA5FF11}"/>
               </a:ext>
             </a:extLst>
           </p:cNvPr>
@@ -8428,43 +8206,14 @@
         </p:blipFill>
         <p:spPr>
           <a:xfrm>
-            <a:off x="2030521" y="1693103"/>
-            <a:ext cx="7153610" cy="4409316"/>
+            <a:off x="3019425" y="2186782"/>
+            <a:ext cx="6153150" cy="3629025"/>
           </a:xfrm>
           <a:prstGeom prst="rect">
             <a:avLst/>
           </a:prstGeom>
         </p:spPr>
       </p:pic>
-      <p:sp>
-        <p:nvSpPr>
-          <p:cNvPr id="4" name="Slide Number Placeholder 3">
-            <a:extLst>
-              <a:ext uri="{FF2B5EF4-FFF2-40B4-BE49-F238E27FC236}">
-                <a16:creationId xmlns:a16="http://schemas.microsoft.com/office/drawing/2014/main" id="{DE5E95E1-CE97-AE46-8AA0-99AE9BFC618B}"/>
-              </a:ext>
-            </a:extLst>
-          </p:cNvPr>
-          <p:cNvSpPr>
-            <a:spLocks noGrp="1"/>
-          </p:cNvSpPr>
-          <p:nvPr>
-            <p:ph type="sldNum" sz="quarter" idx="12"/>
-          </p:nvPr>
-        </p:nvSpPr>
-        <p:spPr/>
-        <p:txBody>
-          <a:bodyPr/>
-          <a:lstStyle/>
-          <a:p>
-            <a:fld id="{59467819-B74A-7D46-BC68-B37107E692DD}" type="slidenum">
-              <a:rPr lang="en-US" smtClean="0"/>
-              <a:t>6</a:t>
-            </a:fld>
-            <a:endParaRPr lang="en-US"/>
-          </a:p>
-        </p:txBody>
-      </p:sp>
     </p:spTree>
     <p:extLst>
       <p:ext uri="{BB962C8B-B14F-4D97-AF65-F5344CB8AC3E}">
@@ -8517,8 +8266,8 @@
           <a:lstStyle/>
           <a:p>
             <a:r>
-              <a:rPr lang="en-US" dirty="0"/>
-              <a:t>Use Case: Precondition</a:t>
+              <a:rPr lang="en-US"/>
+              <a:t>Use Case </a:t>
             </a:r>
           </a:p>
         </p:txBody>
@@ -8550,19 +8299,19 @@
               <a:buNone/>
             </a:pPr>
             <a:r>
-              <a:rPr lang="en-US" dirty="0">
+              <a:rPr lang="en-US">
                 <a:cs typeface="Calibri"/>
               </a:rPr>
               <a:t>1. Users load CSV file indicate # of cars, position of cars</a:t>
             </a:r>
-            <a:endParaRPr lang="en-US" dirty="0"/>
+            <a:endParaRPr lang="en-US"/>
           </a:p>
           <a:p>
             <a:pPr marL="0" indent="0">
               <a:buNone/>
             </a:pPr>
             <a:r>
-              <a:rPr lang="en-US" dirty="0">
+              <a:rPr lang="en-US">
                 <a:cs typeface="Calibri"/>
               </a:rPr>
               <a:t>2. Users set combinations of traffic lights and stop signs (optional: system set combinations randomly)</a:t>
@@ -8573,7 +8322,7 @@
               <a:buNone/>
             </a:pPr>
             <a:r>
-              <a:rPr lang="en-US" dirty="0">
+              <a:rPr lang="en-US">
                 <a:cs typeface="Calibri"/>
               </a:rPr>
               <a:t>3. Start the simulation, users decide to press stop and change traffic combination. Restart at the end of simulation</a:t>
@@ -8584,7 +8333,7 @@
               <a:buNone/>
             </a:pPr>
             <a:r>
-              <a:rPr lang="en-US" dirty="0">
+              <a:rPr lang="en-US">
                 <a:cs typeface="Calibri"/>
               </a:rPr>
               <a:t>3. Track progress and show statistic of traffic. </a:t>
@@ -8595,7 +8344,7 @@
               <a:buNone/>
             </a:pPr>
             <a:r>
-              <a:rPr lang="en-US" dirty="0">
+              <a:rPr lang="en-US">
                 <a:cs typeface="Calibri"/>
               </a:rPr>
               <a:t>4. System shows final report of the traffic flow</a:t>
@@ -8605,7 +8354,7 @@
             <a:pPr marL="0" indent="0">
               <a:buNone/>
             </a:pPr>
-            <a:endParaRPr lang="en-US" dirty="0">
+            <a:endParaRPr lang="en-US">
               <a:cs typeface="Calibri"/>
             </a:endParaRPr>
           </a:p>
@@ -8675,7 +8424,7 @@
           <p:cNvPr id="2" name="Title 1">
             <a:extLst>
               <a:ext uri="{FF2B5EF4-FFF2-40B4-BE49-F238E27FC236}">
-                <a16:creationId xmlns:a16="http://schemas.microsoft.com/office/drawing/2014/main" id="{96498DBC-81BD-7949-8D5D-BE6819BEF92B}"/>
+                <a16:creationId xmlns:a16="http://schemas.microsoft.com/office/drawing/2014/main" id="{71DBD2D0-E504-4E46-B672-425972770860}"/>
               </a:ext>
             </a:extLst>
           </p:cNvPr>
@@ -8692,8 +8441,8 @@
           <a:lstStyle/>
           <a:p>
             <a:r>
-              <a:rPr lang="en-US" dirty="0"/>
-              <a:t>Use Case: Post Condition</a:t>
+              <a:rPr lang="en-US"/>
+              <a:t>Overview</a:t>
             </a:r>
           </a:p>
         </p:txBody>
@@ -8703,7 +8452,7 @@
           <p:cNvPr id="3" name="Content Placeholder 2">
             <a:extLst>
               <a:ext uri="{FF2B5EF4-FFF2-40B4-BE49-F238E27FC236}">
-                <a16:creationId xmlns:a16="http://schemas.microsoft.com/office/drawing/2014/main" id="{0AEA12F3-B1F8-4D40-AA30-26988B37E085}"/>
+                <a16:creationId xmlns:a16="http://schemas.microsoft.com/office/drawing/2014/main" id="{97721FA8-877C-0D43-AF19-4C75EECB089A}"/>
               </a:ext>
             </a:extLst>
           </p:cNvPr>
@@ -8714,84 +8463,136 @@
             <p:ph idx="1"/>
           </p:nvPr>
         </p:nvSpPr>
-        <p:spPr/>
-        <p:txBody>
-          <a:bodyPr vert="horz" lIns="91440" tIns="45720" rIns="91440" bIns="45720" rtlCol="0" anchor="t">
-            <a:normAutofit/>
+        <p:spPr>
+          <a:xfrm>
+            <a:off x="838200" y="1825625"/>
+            <a:ext cx="10515600" cy="4895850"/>
+          </a:xfrm>
+        </p:spPr>
+        <p:txBody>
+          <a:bodyPr>
+            <a:normAutofit fontScale="92500" lnSpcReduction="20000"/>
           </a:bodyPr>
           <a:lstStyle/>
           <a:p>
-            <a:pPr marL="0" indent="0">
-              <a:buNone/>
-            </a:pPr>
-            <a:r>
-              <a:rPr lang="en-US" dirty="0">
-                <a:cs typeface="Calibri"/>
+            <a:r>
+              <a:rPr lang="en-US">
+                <a:solidFill>
+                  <a:schemeClr val="bg1">
+                    <a:lumMod val="65000"/>
+                  </a:schemeClr>
+                </a:solidFill>
               </a:rPr>
-              <a:t>1. Users load CSV file indicate # of cars, position of cars</a:t>
-            </a:r>
-            <a:endParaRPr lang="en-US" dirty="0"/>
-          </a:p>
-          <a:p>
-            <a:pPr marL="0" indent="0">
-              <a:buNone/>
-            </a:pPr>
-            <a:r>
-              <a:rPr lang="en-US" dirty="0">
-                <a:cs typeface="Calibri"/>
+              <a:t>Project Description</a:t>
+            </a:r>
+          </a:p>
+          <a:p>
+            <a:endParaRPr lang="en-US"/>
+          </a:p>
+          <a:p>
+            <a:r>
+              <a:rPr lang="en-US">
+                <a:solidFill>
+                  <a:schemeClr val="bg1">
+                    <a:lumMod val="65000"/>
+                  </a:schemeClr>
+                </a:solidFill>
               </a:rPr>
-              <a:t>2. Users set combinations of traffic lights and stop signs (optional: system set combinations randomly)</a:t>
-            </a:r>
-          </a:p>
-          <a:p>
-            <a:pPr marL="0" indent="0">
-              <a:buNone/>
-            </a:pPr>
-            <a:r>
-              <a:rPr lang="en-US" dirty="0">
-                <a:cs typeface="Calibri"/>
+              <a:t>Use Case Model</a:t>
+            </a:r>
+          </a:p>
+          <a:p>
+            <a:pPr lvl="1"/>
+            <a:r>
+              <a:rPr lang="en-US">
+                <a:solidFill>
+                  <a:schemeClr val="bg1">
+                    <a:lumMod val="65000"/>
+                  </a:schemeClr>
+                </a:solidFill>
               </a:rPr>
-              <a:t>3. Start the simulation, users decide to press stop and change traffic combination. Restart at the end of simulation</a:t>
-            </a:r>
-          </a:p>
-          <a:p>
-            <a:pPr marL="0" indent="0">
-              <a:buNone/>
-            </a:pPr>
-            <a:r>
-              <a:rPr lang="en-US" dirty="0">
-                <a:cs typeface="Calibri"/>
+              <a:t>Use Case Diagram</a:t>
+            </a:r>
+          </a:p>
+          <a:p>
+            <a:pPr lvl="1"/>
+            <a:r>
+              <a:rPr lang="en-US">
+                <a:solidFill>
+                  <a:schemeClr val="bg1">
+                    <a:lumMod val="65000"/>
+                  </a:schemeClr>
+                </a:solidFill>
               </a:rPr>
-              <a:t>3. Track progress and show statistic of traffic. </a:t>
-            </a:r>
-          </a:p>
-          <a:p>
-            <a:pPr marL="0" indent="0">
-              <a:buNone/>
-            </a:pPr>
-            <a:r>
-              <a:rPr lang="en-US" dirty="0">
-                <a:cs typeface="Calibri"/>
+              <a:t>Use Cases</a:t>
+            </a:r>
+          </a:p>
+          <a:p>
+            <a:endParaRPr lang="en-US"/>
+          </a:p>
+          <a:p>
+            <a:r>
+              <a:rPr lang="en-US"/>
+              <a:t>Domain Model</a:t>
+            </a:r>
+          </a:p>
+          <a:p>
+            <a:pPr lvl="1"/>
+            <a:r>
+              <a:rPr lang="en-US"/>
+              <a:t>Class Diagram</a:t>
+            </a:r>
+          </a:p>
+          <a:p>
+            <a:pPr lvl="1"/>
+            <a:r>
+              <a:rPr lang="en-US"/>
+              <a:t>(Activity Diagrams)</a:t>
+            </a:r>
+          </a:p>
+          <a:p>
+            <a:pPr lvl="1"/>
+            <a:r>
+              <a:rPr lang="en-US"/>
+              <a:t>Sequence Diagrams</a:t>
+            </a:r>
+          </a:p>
+          <a:p>
+            <a:pPr lvl="1"/>
+            <a:r>
+              <a:rPr lang="en-US"/>
+              <a:t>(State Machine Diagrams)</a:t>
+            </a:r>
+          </a:p>
+          <a:p>
+            <a:endParaRPr lang="en-US">
+              <a:solidFill>
+                <a:schemeClr val="bg1">
+                  <a:lumMod val="65000"/>
+                </a:schemeClr>
+              </a:solidFill>
+            </a:endParaRPr>
+          </a:p>
+          <a:p>
+            <a:r>
+              <a:rPr lang="en-US">
+                <a:solidFill>
+                  <a:schemeClr val="bg1">
+                    <a:lumMod val="65000"/>
+                  </a:schemeClr>
+                </a:solidFill>
               </a:rPr>
-              <a:t>4. System shows final report of the traffic flow</a:t>
-            </a:r>
-          </a:p>
-          <a:p>
-            <a:pPr marL="0" indent="0">
-              <a:buNone/>
-            </a:pPr>
-            <a:endParaRPr lang="en-US" dirty="0">
-              <a:cs typeface="Calibri"/>
-            </a:endParaRPr>
-          </a:p>
-        </p:txBody>
-      </p:sp>
-      <p:sp>
-        <p:nvSpPr>
-          <p:cNvPr id="5" name="Slide Number Placeholder 4">
-            <a:extLst>
-              <a:ext uri="{FF2B5EF4-FFF2-40B4-BE49-F238E27FC236}">
-                <a16:creationId xmlns:a16="http://schemas.microsoft.com/office/drawing/2014/main" id="{032BA0C0-1C12-3A42-A12C-55D39DC96448}"/>
+              <a:t>Reflection</a:t>
+            </a:r>
+          </a:p>
+        </p:txBody>
+      </p:sp>
+      <p:sp>
+        <p:nvSpPr>
+          <p:cNvPr id="4" name="Slide Number Placeholder 3">
+            <a:extLst>
+              <a:ext uri="{FF2B5EF4-FFF2-40B4-BE49-F238E27FC236}">
+                <a16:creationId xmlns:a16="http://schemas.microsoft.com/office/drawing/2014/main" id="{36B3A4F1-178B-8E44-AF3E-D067B56AF78F}"/>
               </a:ext>
             </a:extLst>
           </p:cNvPr>
@@ -8818,7 +8619,7 @@
     </p:spTree>
     <p:extLst>
       <p:ext uri="{BB962C8B-B14F-4D97-AF65-F5344CB8AC3E}">
-        <p14:creationId xmlns:p14="http://schemas.microsoft.com/office/powerpoint/2010/main" val="828637814"/>
+        <p14:creationId xmlns:p14="http://schemas.microsoft.com/office/powerpoint/2010/main" val="121071858"/>
       </p:ext>
     </p:extLst>
   </p:cSld>
@@ -8850,7 +8651,7 @@
           <p:cNvPr id="2" name="Title 1">
             <a:extLst>
               <a:ext uri="{FF2B5EF4-FFF2-40B4-BE49-F238E27FC236}">
-                <a16:creationId xmlns:a16="http://schemas.microsoft.com/office/drawing/2014/main" id="{71DBD2D0-E504-4E46-B672-425972770860}"/>
+                <a16:creationId xmlns:a16="http://schemas.microsoft.com/office/drawing/2014/main" id="{7A3F6A72-D491-AB4F-803D-EEAFBF2E2F9D}"/>
               </a:ext>
             </a:extLst>
           </p:cNvPr>
@@ -8859,156 +8660,21 @@
           </p:cNvSpPr>
           <p:nvPr>
             <p:ph type="title"/>
-          </p:nvPr>
-        </p:nvSpPr>
-        <p:spPr/>
-        <p:txBody>
-          <a:bodyPr/>
-          <a:lstStyle/>
-          <a:p>
-            <a:r>
-              <a:rPr lang="en-US" dirty="0"/>
-              <a:t>Overview</a:t>
-            </a:r>
-          </a:p>
-        </p:txBody>
-      </p:sp>
-      <p:sp>
-        <p:nvSpPr>
-          <p:cNvPr id="3" name="Content Placeholder 2">
-            <a:extLst>
-              <a:ext uri="{FF2B5EF4-FFF2-40B4-BE49-F238E27FC236}">
-                <a16:creationId xmlns:a16="http://schemas.microsoft.com/office/drawing/2014/main" id="{97721FA8-877C-0D43-AF19-4C75EECB089A}"/>
-              </a:ext>
-            </a:extLst>
-          </p:cNvPr>
-          <p:cNvSpPr>
-            <a:spLocks noGrp="1"/>
-          </p:cNvSpPr>
-          <p:nvPr>
-            <p:ph idx="1"/>
           </p:nvPr>
         </p:nvSpPr>
         <p:spPr>
           <a:xfrm>
-            <a:off x="838200" y="1825625"/>
-            <a:ext cx="10515600" cy="4895850"/>
+            <a:off x="838200" y="365125"/>
+            <a:ext cx="10515600" cy="1325563"/>
           </a:xfrm>
         </p:spPr>
         <p:txBody>
-          <a:bodyPr>
-            <a:normAutofit fontScale="92500" lnSpcReduction="20000"/>
-          </a:bodyPr>
-          <a:lstStyle/>
-          <a:p>
-            <a:r>
-              <a:rPr lang="en-US" dirty="0">
-                <a:solidFill>
-                  <a:schemeClr val="bg1">
-                    <a:lumMod val="65000"/>
-                  </a:schemeClr>
-                </a:solidFill>
-              </a:rPr>
-              <a:t>Project Description</a:t>
-            </a:r>
-          </a:p>
-          <a:p>
-            <a:endParaRPr lang="en-US" dirty="0"/>
-          </a:p>
-          <a:p>
-            <a:r>
-              <a:rPr lang="en-US" dirty="0">
-                <a:solidFill>
-                  <a:schemeClr val="bg1">
-                    <a:lumMod val="65000"/>
-                  </a:schemeClr>
-                </a:solidFill>
-              </a:rPr>
-              <a:t>Use Case Model</a:t>
-            </a:r>
-          </a:p>
-          <a:p>
-            <a:pPr lvl="1"/>
-            <a:r>
-              <a:rPr lang="en-US" dirty="0">
-                <a:solidFill>
-                  <a:schemeClr val="bg1">
-                    <a:lumMod val="65000"/>
-                  </a:schemeClr>
-                </a:solidFill>
-              </a:rPr>
-              <a:t>Use Case Diagram</a:t>
-            </a:r>
-          </a:p>
-          <a:p>
-            <a:pPr lvl="1"/>
-            <a:r>
-              <a:rPr lang="en-US" dirty="0">
-                <a:solidFill>
-                  <a:schemeClr val="bg1">
-                    <a:lumMod val="65000"/>
-                  </a:schemeClr>
-                </a:solidFill>
-              </a:rPr>
-              <a:t>Use Cases</a:t>
-            </a:r>
-          </a:p>
-          <a:p>
-            <a:endParaRPr lang="en-US" dirty="0"/>
-          </a:p>
-          <a:p>
-            <a:r>
-              <a:rPr lang="en-US" dirty="0"/>
-              <a:t>Domain Model</a:t>
-            </a:r>
-          </a:p>
-          <a:p>
-            <a:pPr lvl="1"/>
-            <a:r>
-              <a:rPr lang="en-US" dirty="0"/>
-              <a:t>Class Diagram</a:t>
-            </a:r>
-          </a:p>
-          <a:p>
-            <a:pPr lvl="1"/>
-            <a:r>
-              <a:rPr lang="en-US" dirty="0"/>
-              <a:t>(Activity Diagrams)</a:t>
-            </a:r>
-          </a:p>
-          <a:p>
-            <a:pPr lvl="1"/>
-            <a:r>
-              <a:rPr lang="en-US" dirty="0"/>
-              <a:t>Sequence Diagrams</a:t>
-            </a:r>
-          </a:p>
-          <a:p>
-            <a:pPr lvl="1"/>
-            <a:r>
-              <a:rPr lang="en-US" dirty="0"/>
-              <a:t>(State Machine Diagrams)</a:t>
-            </a:r>
-          </a:p>
-          <a:p>
-            <a:endParaRPr lang="en-US" dirty="0">
-              <a:solidFill>
-                <a:schemeClr val="bg1">
-                  <a:lumMod val="65000"/>
-                </a:schemeClr>
-              </a:solidFill>
-            </a:endParaRPr>
-          </a:p>
-          <a:p>
-            <a:r>
-              <a:rPr lang="en-US" dirty="0">
-                <a:solidFill>
-                  <a:schemeClr val="bg1">
-                    <a:lumMod val="65000"/>
-                  </a:schemeClr>
-                </a:solidFill>
-              </a:rPr>
-              <a:t>Reflection</a:t>
+          <a:bodyPr/>
+          <a:lstStyle/>
+          <a:p>
+            <a:r>
+              <a:rPr lang="en-US"/>
+              <a:t>Structural Model</a:t>
             </a:r>
           </a:p>
         </p:txBody>
@@ -9018,7 +8684,7 @@
           <p:cNvPr id="4" name="Slide Number Placeholder 3">
             <a:extLst>
               <a:ext uri="{FF2B5EF4-FFF2-40B4-BE49-F238E27FC236}">
-                <a16:creationId xmlns:a16="http://schemas.microsoft.com/office/drawing/2014/main" id="{36B3A4F1-178B-8E44-AF3E-D067B56AF78F}"/>
+                <a16:creationId xmlns:a16="http://schemas.microsoft.com/office/drawing/2014/main" id="{96DE280E-F1C8-4F43-BE5C-9703701699D6}"/>
               </a:ext>
             </a:extLst>
           </p:cNvPr>
@@ -9029,7 +8695,12 @@
             <p:ph type="sldNum" sz="quarter" idx="12"/>
           </p:nvPr>
         </p:nvSpPr>
-        <p:spPr/>
+        <p:spPr>
+          <a:xfrm>
+            <a:off x="8610600" y="6356350"/>
+            <a:ext cx="2743200" cy="365125"/>
+          </a:xfrm>
+        </p:spPr>
         <p:txBody>
           <a:bodyPr/>
           <a:lstStyle/>
@@ -9042,10 +8713,42 @@
           </a:p>
         </p:txBody>
       </p:sp>
+      <p:pic>
+        <p:nvPicPr>
+          <p:cNvPr id="7" name="图片 7" descr="图片包含 屏幕截图, 绿色&#10;&#10;已生成极高可信度的说明">
+            <a:extLst>
+              <a:ext uri="{FF2B5EF4-FFF2-40B4-BE49-F238E27FC236}">
+                <a16:creationId xmlns:a16="http://schemas.microsoft.com/office/drawing/2014/main" id="{D2E4584D-C16F-456A-8D52-4D48388702E4}"/>
+              </a:ext>
+            </a:extLst>
+          </p:cNvPr>
+          <p:cNvPicPr>
+            <a:picLocks noGrp="1" noChangeAspect="1"/>
+          </p:cNvPicPr>
+          <p:nvPr>
+            <p:ph idx="1"/>
+          </p:nvPr>
+        </p:nvPicPr>
+        <p:blipFill>
+          <a:blip r:embed="rId2"/>
+          <a:stretch>
+            <a:fillRect/>
+          </a:stretch>
+        </p:blipFill>
+        <p:spPr>
+          <a:xfrm>
+            <a:off x="1789988" y="1825625"/>
+            <a:ext cx="8612023" cy="4351338"/>
+          </a:xfrm>
+          <a:prstGeom prst="rect">
+            <a:avLst/>
+          </a:prstGeom>
+        </p:spPr>
+      </p:pic>
     </p:spTree>
     <p:extLst>
       <p:ext uri="{BB962C8B-B14F-4D97-AF65-F5344CB8AC3E}">
-        <p14:creationId xmlns:p14="http://schemas.microsoft.com/office/powerpoint/2010/main" val="121071858"/>
+        <p14:creationId xmlns:p14="http://schemas.microsoft.com/office/powerpoint/2010/main" val="1679113874"/>
       </p:ext>
     </p:extLst>
   </p:cSld>
